--- a/ch11/第11章 异常和断言.pptx
+++ b/ch11/第11章 异常和断言.pptx
@@ -5,10 +5,10 @@
     <p:sldMasterId id="2147483958" r:id="rId1"/>
   </p:sldMasterIdLst>
   <p:notesMasterIdLst>
-    <p:notesMasterId r:id="rId53"/>
+    <p:notesMasterId r:id="rId54"/>
   </p:notesMasterIdLst>
   <p:handoutMasterIdLst>
-    <p:handoutMasterId r:id="rId54"/>
+    <p:handoutMasterId r:id="rId55"/>
   </p:handoutMasterIdLst>
   <p:sldIdLst>
     <p:sldId id="256" r:id="rId2"/>
@@ -26,42 +26,43 @@
     <p:sldId id="455" r:id="rId14"/>
     <p:sldId id="456" r:id="rId15"/>
     <p:sldId id="457" r:id="rId16"/>
-    <p:sldId id="458" r:id="rId17"/>
-    <p:sldId id="459" r:id="rId18"/>
-    <p:sldId id="460" r:id="rId19"/>
-    <p:sldId id="461" r:id="rId20"/>
-    <p:sldId id="462" r:id="rId21"/>
-    <p:sldId id="447" r:id="rId22"/>
-    <p:sldId id="446" r:id="rId23"/>
-    <p:sldId id="463" r:id="rId24"/>
-    <p:sldId id="464" r:id="rId25"/>
-    <p:sldId id="465" r:id="rId26"/>
-    <p:sldId id="466" r:id="rId27"/>
-    <p:sldId id="467" r:id="rId28"/>
-    <p:sldId id="469" r:id="rId29"/>
-    <p:sldId id="470" r:id="rId30"/>
-    <p:sldId id="471" r:id="rId31"/>
-    <p:sldId id="472" r:id="rId32"/>
-    <p:sldId id="449" r:id="rId33"/>
-    <p:sldId id="473" r:id="rId34"/>
-    <p:sldId id="475" r:id="rId35"/>
-    <p:sldId id="476" r:id="rId36"/>
-    <p:sldId id="477" r:id="rId37"/>
-    <p:sldId id="478" r:id="rId38"/>
-    <p:sldId id="479" r:id="rId39"/>
-    <p:sldId id="474" r:id="rId40"/>
-    <p:sldId id="480" r:id="rId41"/>
-    <p:sldId id="481" r:id="rId42"/>
-    <p:sldId id="482" r:id="rId43"/>
-    <p:sldId id="450" r:id="rId44"/>
-    <p:sldId id="483" r:id="rId45"/>
-    <p:sldId id="484" r:id="rId46"/>
-    <p:sldId id="485" r:id="rId47"/>
-    <p:sldId id="488" r:id="rId48"/>
-    <p:sldId id="486" r:id="rId49"/>
-    <p:sldId id="487" r:id="rId50"/>
-    <p:sldId id="438" r:id="rId51"/>
-    <p:sldId id="440" r:id="rId52"/>
+    <p:sldId id="489" r:id="rId17"/>
+    <p:sldId id="458" r:id="rId18"/>
+    <p:sldId id="459" r:id="rId19"/>
+    <p:sldId id="460" r:id="rId20"/>
+    <p:sldId id="461" r:id="rId21"/>
+    <p:sldId id="462" r:id="rId22"/>
+    <p:sldId id="447" r:id="rId23"/>
+    <p:sldId id="446" r:id="rId24"/>
+    <p:sldId id="463" r:id="rId25"/>
+    <p:sldId id="464" r:id="rId26"/>
+    <p:sldId id="465" r:id="rId27"/>
+    <p:sldId id="466" r:id="rId28"/>
+    <p:sldId id="467" r:id="rId29"/>
+    <p:sldId id="469" r:id="rId30"/>
+    <p:sldId id="470" r:id="rId31"/>
+    <p:sldId id="471" r:id="rId32"/>
+    <p:sldId id="472" r:id="rId33"/>
+    <p:sldId id="449" r:id="rId34"/>
+    <p:sldId id="473" r:id="rId35"/>
+    <p:sldId id="475" r:id="rId36"/>
+    <p:sldId id="476" r:id="rId37"/>
+    <p:sldId id="477" r:id="rId38"/>
+    <p:sldId id="478" r:id="rId39"/>
+    <p:sldId id="479" r:id="rId40"/>
+    <p:sldId id="474" r:id="rId41"/>
+    <p:sldId id="480" r:id="rId42"/>
+    <p:sldId id="481" r:id="rId43"/>
+    <p:sldId id="482" r:id="rId44"/>
+    <p:sldId id="450" r:id="rId45"/>
+    <p:sldId id="483" r:id="rId46"/>
+    <p:sldId id="484" r:id="rId47"/>
+    <p:sldId id="485" r:id="rId48"/>
+    <p:sldId id="488" r:id="rId49"/>
+    <p:sldId id="486" r:id="rId50"/>
+    <p:sldId id="487" r:id="rId51"/>
+    <p:sldId id="438" r:id="rId52"/>
+    <p:sldId id="440" r:id="rId53"/>
   </p:sldIdLst>
   <p:sldSz cx="9144000" cy="6858000" type="screen4x3"/>
   <p:notesSz cx="6794500" cy="9918700"/>
@@ -1385,7 +1386,7 @@
                 </a:solidFill>
               </a:rPr>
               <a:pPr eaLnBrk="1" hangingPunct="1"/>
-              <a:t>39</a:t>
+              <a:t>40</a:t>
             </a:fld>
             <a:endParaRPr lang="pt-PT" altLang="zh-CN" sz="1200" smtClean="0">
               <a:solidFill>
@@ -1622,7 +1623,7 @@
                 </a:solidFill>
               </a:rPr>
               <a:pPr eaLnBrk="1" hangingPunct="1"/>
-              <a:t>43</a:t>
+              <a:t>44</a:t>
             </a:fld>
             <a:endParaRPr lang="pt-PT" altLang="zh-CN" sz="1200" smtClean="0">
               <a:solidFill>
@@ -1859,7 +1860,7 @@
                 </a:solidFill>
               </a:rPr>
               <a:pPr eaLnBrk="1" hangingPunct="1"/>
-              <a:t>44</a:t>
+              <a:t>45</a:t>
             </a:fld>
             <a:endParaRPr lang="pt-PT" altLang="zh-CN" sz="1200" smtClean="0">
               <a:solidFill>
@@ -2200,7 +2201,7 @@
                 </a:solidFill>
               </a:rPr>
               <a:pPr eaLnBrk="1" hangingPunct="1"/>
-              <a:t>45</a:t>
+              <a:t>46</a:t>
             </a:fld>
             <a:endParaRPr lang="pt-PT" altLang="zh-CN" sz="1200" smtClean="0">
               <a:solidFill>
@@ -2437,7 +2438,7 @@
                 </a:solidFill>
               </a:rPr>
               <a:pPr eaLnBrk="1" hangingPunct="1"/>
-              <a:t>46</a:t>
+              <a:t>47</a:t>
             </a:fld>
             <a:endParaRPr lang="pt-PT" altLang="zh-CN" sz="1200" smtClean="0">
               <a:solidFill>
@@ -2674,7 +2675,7 @@
                 </a:solidFill>
               </a:rPr>
               <a:pPr eaLnBrk="1" hangingPunct="1"/>
-              <a:t>47</a:t>
+              <a:t>48</a:t>
             </a:fld>
             <a:endParaRPr lang="pt-PT" altLang="zh-CN" sz="1200" smtClean="0">
               <a:solidFill>
@@ -2911,7 +2912,7 @@
                 </a:solidFill>
               </a:rPr>
               <a:pPr eaLnBrk="1" hangingPunct="1"/>
-              <a:t>48</a:t>
+              <a:t>49</a:t>
             </a:fld>
             <a:endParaRPr lang="pt-PT" altLang="zh-CN" sz="1200" smtClean="0">
               <a:solidFill>
@@ -3389,7 +3390,7 @@
                 </a:solidFill>
               </a:rPr>
               <a:pPr eaLnBrk="1" hangingPunct="1"/>
-              <a:t>49</a:t>
+              <a:t>50</a:t>
             </a:fld>
             <a:endParaRPr lang="pt-PT" altLang="zh-CN" sz="1200" smtClean="0">
               <a:solidFill>
@@ -3626,7 +3627,7 @@
                 </a:solidFill>
               </a:rPr>
               <a:pPr eaLnBrk="1" hangingPunct="1"/>
-              <a:t>50</a:t>
+              <a:t>51</a:t>
             </a:fld>
             <a:endParaRPr lang="pt-PT" altLang="zh-CN" sz="1200" smtClean="0">
               <a:solidFill>
@@ -4574,7 +4575,7 @@
                 </a:solidFill>
               </a:rPr>
               <a:pPr eaLnBrk="1" hangingPunct="1"/>
-              <a:t>23</a:t>
+              <a:t>24</a:t>
             </a:fld>
             <a:endParaRPr lang="pt-PT" altLang="zh-CN" sz="1200" smtClean="0">
               <a:solidFill>
@@ -4670,7 +4671,7 @@
               <a:pPr>
                 <a:defRPr/>
               </a:pPr>
-              <a:t>28</a:t>
+              <a:t>29</a:t>
             </a:fld>
             <a:endParaRPr lang="pt-PT" altLang="zh-CN"/>
           </a:p>
@@ -4762,7 +4763,7 @@
               <a:pPr>
                 <a:defRPr/>
               </a:pPr>
-              <a:t>29</a:t>
+              <a:t>30</a:t>
             </a:fld>
             <a:endParaRPr lang="pt-PT" altLang="zh-CN"/>
           </a:p>
@@ -4995,7 +4996,7 @@
                 </a:solidFill>
               </a:rPr>
               <a:pPr eaLnBrk="1" hangingPunct="1"/>
-              <a:t>32</a:t>
+              <a:t>33</a:t>
             </a:fld>
             <a:endParaRPr lang="pt-PT" altLang="zh-CN" sz="1200" smtClean="0">
               <a:solidFill>
@@ -5232,7 +5233,7 @@
                 </a:solidFill>
               </a:rPr>
               <a:pPr eaLnBrk="1" hangingPunct="1"/>
-              <a:t>33</a:t>
+              <a:t>34</a:t>
             </a:fld>
             <a:endParaRPr lang="pt-PT" altLang="zh-CN" sz="1200" smtClean="0">
               <a:solidFill>
@@ -8343,7 +8344,7 @@
           <a:graphicData uri="http://schemas.openxmlformats.org/presentationml/2006/ole">
             <mc:AlternateContent xmlns:mc="http://schemas.openxmlformats.org/markup-compatibility/2006">
               <mc:Choice xmlns:v="urn:schemas-microsoft-com:vml" Requires="v">
-                <p:oleObj spid="_x0000_s1046" name="Microsoft ClipArt Gallery" r:id="rId3" imgW="4714560" imgH="4806720" progId="">
+                <p:oleObj spid="_x0000_s1049" name="Microsoft ClipArt Gallery" r:id="rId3" imgW="4714560" imgH="4806720" progId="">
                   <p:embed/>
                 </p:oleObj>
               </mc:Choice>
@@ -8688,6 +8689,313 @@
           <a:lstStyle/>
           <a:p>
             <a:r>
+              <a:rPr lang="zh-CN" altLang="en-US" smtClean="0"/>
+              <a:t>多重异常</a:t>
+            </a:r>
+            <a:endParaRPr lang="zh-CN" altLang="en-US" dirty="0"/>
+          </a:p>
+        </p:txBody>
+      </p:sp>
+      <p:sp>
+        <p:nvSpPr>
+          <p:cNvPr id="3" name="内容占位符 2"/>
+          <p:cNvSpPr>
+            <a:spLocks noGrp="1"/>
+          </p:cNvSpPr>
+          <p:nvPr>
+            <p:ph idx="1"/>
+          </p:nvPr>
+        </p:nvSpPr>
+        <p:spPr/>
+        <p:txBody>
+          <a:bodyPr/>
+          <a:lstStyle/>
+          <a:p>
+            <a:r>
+              <a:rPr lang="zh-CN" altLang="en-US" dirty="0" smtClean="0"/>
+              <a:t>一个</a:t>
+            </a:r>
+            <a:r>
+              <a:rPr lang="en-US" altLang="zh-CN" dirty="0" smtClean="0"/>
+              <a:t>catch</a:t>
+            </a:r>
+            <a:r>
+              <a:rPr lang="zh-CN" altLang="en-US" dirty="0" smtClean="0"/>
+              <a:t>可以捕获多个异常</a:t>
+            </a:r>
+            <a:endParaRPr lang="en-US" altLang="zh-CN" dirty="0" smtClean="0"/>
+          </a:p>
+          <a:p>
+            <a:r>
+              <a:rPr lang="zh-CN" altLang="en-US" dirty="0" smtClean="0"/>
+              <a:t>多个异常类型之间用“</a:t>
+            </a:r>
+            <a:r>
+              <a:rPr lang="en-US" altLang="zh-CN" dirty="0" smtClean="0"/>
+              <a:t>|</a:t>
+            </a:r>
+            <a:r>
+              <a:rPr lang="zh-CN" altLang="en-US" dirty="0" smtClean="0"/>
+              <a:t>”分隔开</a:t>
+            </a:r>
+            <a:endParaRPr lang="en-US" altLang="zh-CN" dirty="0" smtClean="0"/>
+          </a:p>
+          <a:p>
+            <a:r>
+              <a:rPr lang="zh-CN" altLang="en-US" dirty="0" smtClean="0"/>
+              <a:t>只有</a:t>
+            </a:r>
+            <a:r>
+              <a:rPr lang="en-US" altLang="zh-CN" dirty="0" smtClean="0"/>
+              <a:t>1</a:t>
+            </a:r>
+            <a:r>
+              <a:rPr lang="zh-CN" altLang="en-US" dirty="0" smtClean="0"/>
+              <a:t>个异常类型的标识符</a:t>
+            </a:r>
+            <a:endParaRPr lang="en-US" altLang="zh-CN" dirty="0" smtClean="0"/>
+          </a:p>
+          <a:p>
+            <a:r>
+              <a:rPr lang="zh-CN" altLang="en-US" dirty="0"/>
+              <a:t>多</a:t>
+            </a:r>
+            <a:r>
+              <a:rPr lang="zh-CN" altLang="en-US" dirty="0" smtClean="0"/>
+              <a:t>个异常类型之间不存在父子继承关系</a:t>
+            </a:r>
+            <a:endParaRPr lang="en-US" altLang="zh-CN" dirty="0" smtClean="0"/>
+          </a:p>
+        </p:txBody>
+      </p:sp>
+      <p:sp>
+        <p:nvSpPr>
+          <p:cNvPr id="4" name="Rectangle 4"/>
+          <p:cNvSpPr>
+            <a:spLocks noChangeArrowheads="1"/>
+          </p:cNvSpPr>
+          <p:nvPr/>
+        </p:nvSpPr>
+        <p:spPr bwMode="auto">
+          <a:xfrm>
+            <a:off x="845840" y="3356992"/>
+            <a:ext cx="7452320" cy="2233613"/>
+          </a:xfrm>
+          <a:prstGeom prst="rect">
+            <a:avLst/>
+          </a:prstGeom>
+          <a:solidFill>
+            <a:srgbClr val="FFEBE0"/>
+          </a:solidFill>
+          <a:ln w="9525" cmpd="sng">
+            <a:solidFill>
+              <a:srgbClr val="FF5D0D"/>
+            </a:solidFill>
+            <a:miter lim="800000"/>
+            <a:headEnd/>
+            <a:tailEnd/>
+          </a:ln>
+        </p:spPr>
+        <p:txBody>
+          <a:bodyPr wrap="none"/>
+          <a:lstStyle/>
+          <a:p>
+            <a:r>
+              <a:rPr lang="en-US" dirty="0">
+                <a:ea typeface="宋体" pitchFamily="2" charset="-122"/>
+              </a:rPr>
+              <a:t>try {</a:t>
+            </a:r>
+          </a:p>
+          <a:p>
+            <a:pPr lvl="1"/>
+            <a:r>
+              <a:rPr lang="en-US" dirty="0" err="1" smtClean="0">
+                <a:ea typeface="宋体" pitchFamily="2" charset="-122"/>
+              </a:rPr>
+              <a:t>i</a:t>
+            </a:r>
+            <a:r>
+              <a:rPr lang="en-US" dirty="0" smtClean="0">
+                <a:ea typeface="宋体" pitchFamily="2" charset="-122"/>
+              </a:rPr>
+              <a:t> </a:t>
+            </a:r>
+            <a:r>
+              <a:rPr lang="en-US" dirty="0">
+                <a:ea typeface="宋体" pitchFamily="2" charset="-122"/>
+              </a:rPr>
+              <a:t>= a / b;</a:t>
+            </a:r>
+          </a:p>
+          <a:p>
+            <a:r>
+              <a:rPr lang="en-US" dirty="0">
+                <a:ea typeface="宋体" pitchFamily="2" charset="-122"/>
+              </a:rPr>
+              <a:t> </a:t>
+            </a:r>
+            <a:r>
+              <a:rPr lang="en-US" dirty="0" smtClean="0">
+                <a:ea typeface="宋体" pitchFamily="2" charset="-122"/>
+              </a:rPr>
+              <a:t>     </a:t>
+            </a:r>
+            <a:r>
+              <a:rPr lang="en-US" dirty="0" err="1" smtClean="0">
+                <a:ea typeface="宋体" pitchFamily="2" charset="-122"/>
+              </a:rPr>
+              <a:t>System.out.println</a:t>
+            </a:r>
+            <a:r>
+              <a:rPr lang="en-US" dirty="0">
+                <a:ea typeface="宋体" pitchFamily="2" charset="-122"/>
+              </a:rPr>
+              <a:t>("try block");</a:t>
+            </a:r>
+          </a:p>
+          <a:p>
+            <a:r>
+              <a:rPr lang="en-US" dirty="0" smtClean="0">
+                <a:ea typeface="宋体" pitchFamily="2" charset="-122"/>
+              </a:rPr>
+              <a:t>} </a:t>
+            </a:r>
+            <a:r>
+              <a:rPr lang="en-US" dirty="0">
+                <a:ea typeface="宋体" pitchFamily="2" charset="-122"/>
+              </a:rPr>
+              <a:t>catch (</a:t>
+            </a:r>
+            <a:r>
+              <a:rPr lang="en-US" dirty="0" err="1">
+                <a:ea typeface="宋体" pitchFamily="2" charset="-122"/>
+              </a:rPr>
+              <a:t>IndexOutOfBoundsException</a:t>
+            </a:r>
+            <a:r>
+              <a:rPr lang="en-US" dirty="0">
+                <a:ea typeface="宋体" pitchFamily="2" charset="-122"/>
+              </a:rPr>
+              <a:t> | </a:t>
+            </a:r>
+            <a:r>
+              <a:rPr lang="en-US" dirty="0" err="1">
+                <a:ea typeface="宋体" pitchFamily="2" charset="-122"/>
+              </a:rPr>
+              <a:t>ArithmeticException</a:t>
+            </a:r>
+            <a:r>
+              <a:rPr lang="en-US" dirty="0">
+                <a:ea typeface="宋体" pitchFamily="2" charset="-122"/>
+              </a:rPr>
+              <a:t> e1) {</a:t>
+            </a:r>
+          </a:p>
+          <a:p>
+            <a:r>
+              <a:rPr lang="en-US" dirty="0">
+                <a:ea typeface="宋体" pitchFamily="2" charset="-122"/>
+              </a:rPr>
+              <a:t> </a:t>
+            </a:r>
+            <a:r>
+              <a:rPr lang="en-US" dirty="0" smtClean="0">
+                <a:ea typeface="宋体" pitchFamily="2" charset="-122"/>
+              </a:rPr>
+              <a:t>     </a:t>
+            </a:r>
+            <a:r>
+              <a:rPr lang="en-US" dirty="0" err="1" smtClean="0">
+                <a:ea typeface="宋体" pitchFamily="2" charset="-122"/>
+              </a:rPr>
+              <a:t>System.out.println</a:t>
+            </a:r>
+            <a:r>
+              <a:rPr lang="en-US" dirty="0">
+                <a:ea typeface="宋体" pitchFamily="2" charset="-122"/>
+              </a:rPr>
+              <a:t>("</a:t>
+            </a:r>
+            <a:r>
+              <a:rPr lang="zh-CN" altLang="en-US" dirty="0">
+                <a:ea typeface="宋体" pitchFamily="2" charset="-122"/>
+              </a:rPr>
+              <a:t>发生异常，请处理该异常！</a:t>
+            </a:r>
+            <a:r>
+              <a:rPr lang="en-US" altLang="zh-CN" dirty="0">
+                <a:ea typeface="宋体" pitchFamily="2" charset="-122"/>
+              </a:rPr>
+              <a:t>");</a:t>
+            </a:r>
+          </a:p>
+          <a:p>
+            <a:r>
+              <a:rPr lang="en-US" altLang="zh-CN" dirty="0" smtClean="0">
+                <a:ea typeface="宋体" pitchFamily="2" charset="-122"/>
+              </a:rPr>
+              <a:t>}</a:t>
+            </a:r>
+            <a:endParaRPr lang="en-US" dirty="0">
+              <a:ea typeface="宋体" pitchFamily="2" charset="-122"/>
+            </a:endParaRPr>
+          </a:p>
+        </p:txBody>
+      </p:sp>
+    </p:spTree>
+    <p:extLst>
+      <p:ext uri="{BB962C8B-B14F-4D97-AF65-F5344CB8AC3E}">
+        <p14:creationId xmlns:p14="http://schemas.microsoft.com/office/powerpoint/2010/main" val="2334409459"/>
+      </p:ext>
+    </p:extLst>
+  </p:cSld>
+  <p:clrMapOvr>
+    <a:masterClrMapping/>
+  </p:clrMapOvr>
+  <p:timing>
+    <p:tnLst>
+      <p:par>
+        <p:cTn id="1" dur="indefinite" restart="never" nodeType="tmRoot"/>
+      </p:par>
+    </p:tnLst>
+  </p:timing>
+</p:sld>
+</file>
+
+<file path=ppt/slides/slide17.xml><?xml version="1.0" encoding="utf-8"?>
+<p:sld xmlns:a="http://schemas.openxmlformats.org/drawingml/2006/main" xmlns:r="http://schemas.openxmlformats.org/officeDocument/2006/relationships" xmlns:p="http://schemas.openxmlformats.org/presentationml/2006/main">
+  <p:cSld>
+    <p:spTree>
+      <p:nvGrpSpPr>
+        <p:cNvPr id="1" name=""/>
+        <p:cNvGrpSpPr/>
+        <p:nvPr/>
+      </p:nvGrpSpPr>
+      <p:grpSpPr>
+        <a:xfrm>
+          <a:off x="0" y="0"/>
+          <a:ext cx="0" cy="0"/>
+          <a:chOff x="0" y="0"/>
+          <a:chExt cx="0" cy="0"/>
+        </a:xfrm>
+      </p:grpSpPr>
+      <p:sp>
+        <p:nvSpPr>
+          <p:cNvPr id="2" name="标题 1"/>
+          <p:cNvSpPr>
+            <a:spLocks noGrp="1"/>
+          </p:cNvSpPr>
+          <p:nvPr>
+            <p:ph type="title"/>
+          </p:nvPr>
+        </p:nvSpPr>
+        <p:spPr/>
+        <p:txBody>
+          <a:bodyPr/>
+          <a:lstStyle/>
+          <a:p>
+            <a:r>
               <a:rPr lang="en-US" altLang="zh-CN" smtClean="0"/>
               <a:t>try</a:t>
             </a:r>
@@ -8815,182 +9123,6 @@
 </p:sld>
 </file>
 
-<file path=ppt/slides/slide17.xml><?xml version="1.0" encoding="utf-8"?>
-<p:sld xmlns:a="http://schemas.openxmlformats.org/drawingml/2006/main" xmlns:r="http://schemas.openxmlformats.org/officeDocument/2006/relationships" xmlns:p="http://schemas.openxmlformats.org/presentationml/2006/main">
-  <p:cSld>
-    <p:spTree>
-      <p:nvGrpSpPr>
-        <p:cNvPr id="1" name=""/>
-        <p:cNvGrpSpPr/>
-        <p:nvPr/>
-      </p:nvGrpSpPr>
-      <p:grpSpPr>
-        <a:xfrm>
-          <a:off x="0" y="0"/>
-          <a:ext cx="0" cy="0"/>
-          <a:chOff x="0" y="0"/>
-          <a:chExt cx="0" cy="0"/>
-        </a:xfrm>
-      </p:grpSpPr>
-      <p:sp>
-        <p:nvSpPr>
-          <p:cNvPr id="2" name="标题 1"/>
-          <p:cNvSpPr>
-            <a:spLocks noGrp="1"/>
-          </p:cNvSpPr>
-          <p:nvPr>
-            <p:ph type="title"/>
-          </p:nvPr>
-        </p:nvSpPr>
-        <p:spPr/>
-        <p:txBody>
-          <a:bodyPr/>
-          <a:lstStyle/>
-          <a:p>
-            <a:r>
-              <a:rPr lang="en-US" altLang="zh-CN" smtClean="0"/>
-              <a:t>finally</a:t>
-            </a:r>
-            <a:r>
-              <a:rPr lang="zh-CN" altLang="en-US" smtClean="0"/>
-              <a:t>语句块</a:t>
-            </a:r>
-            <a:endParaRPr lang="zh-CN" altLang="en-US" dirty="0"/>
-          </a:p>
-        </p:txBody>
-      </p:sp>
-      <p:sp>
-        <p:nvSpPr>
-          <p:cNvPr id="3" name="内容占位符 2"/>
-          <p:cNvSpPr>
-            <a:spLocks noGrp="1"/>
-          </p:cNvSpPr>
-          <p:nvPr>
-            <p:ph idx="1"/>
-          </p:nvPr>
-        </p:nvSpPr>
-        <p:spPr/>
-        <p:txBody>
-          <a:bodyPr/>
-          <a:lstStyle/>
-          <a:p>
-            <a:r>
-              <a:rPr lang="en-US" smtClean="0"/>
-              <a:t>finally</a:t>
-            </a:r>
-            <a:r>
-              <a:rPr lang="zh-CN" altLang="en-US" smtClean="0"/>
-              <a:t>语句定义一个总是被执行的代码块，而不考虑是否出现异常</a:t>
-            </a:r>
-            <a:endParaRPr lang="en-US" altLang="zh-CN" smtClean="0"/>
-          </a:p>
-          <a:p>
-            <a:pPr lvl="1"/>
-            <a:r>
-              <a:rPr lang="zh-CN" altLang="en-US" smtClean="0"/>
-              <a:t>无论</a:t>
-            </a:r>
-            <a:r>
-              <a:rPr lang="en-US" altLang="zh-CN" smtClean="0"/>
-              <a:t>try</a:t>
-            </a:r>
-            <a:r>
-              <a:rPr lang="zh-CN" altLang="en-US" smtClean="0"/>
-              <a:t>、</a:t>
-            </a:r>
-            <a:r>
-              <a:rPr lang="en-US" altLang="zh-CN" smtClean="0"/>
-              <a:t>catch</a:t>
-            </a:r>
-            <a:r>
-              <a:rPr lang="zh-CN" altLang="en-US" smtClean="0"/>
-              <a:t>是否执行，</a:t>
-            </a:r>
-            <a:r>
-              <a:rPr lang="en-US" altLang="zh-CN" smtClean="0"/>
-              <a:t>finally</a:t>
-            </a:r>
-            <a:r>
-              <a:rPr lang="zh-CN" altLang="en-US" smtClean="0"/>
-              <a:t>必定执行</a:t>
-            </a:r>
-            <a:endParaRPr lang="en-US" altLang="zh-CN" smtClean="0"/>
-          </a:p>
-          <a:p>
-            <a:r>
-              <a:rPr lang="zh-CN" altLang="en-US" smtClean="0"/>
-              <a:t>不执行</a:t>
-            </a:r>
-            <a:r>
-              <a:rPr lang="en-US" altLang="zh-CN" smtClean="0"/>
-              <a:t>finally</a:t>
-            </a:r>
-            <a:r>
-              <a:rPr lang="zh-CN" altLang="en-US" smtClean="0"/>
-              <a:t>语句块的特殊情况</a:t>
-            </a:r>
-            <a:endParaRPr lang="en-US" altLang="zh-CN" smtClean="0"/>
-          </a:p>
-          <a:p>
-            <a:pPr lvl="1"/>
-            <a:r>
-              <a:rPr lang="zh-CN" altLang="en-US" smtClean="0"/>
-              <a:t>在执行</a:t>
-            </a:r>
-            <a:r>
-              <a:rPr lang="en-US" altLang="zh-CN" smtClean="0"/>
-              <a:t>finally</a:t>
-            </a:r>
-            <a:r>
-              <a:rPr lang="zh-CN" altLang="en-US" smtClean="0"/>
-              <a:t>之前首先执行了“</a:t>
-            </a:r>
-            <a:r>
-              <a:rPr lang="en-US" altLang="zh-CN" smtClean="0"/>
-              <a:t>System.exit(0);</a:t>
-            </a:r>
-            <a:r>
-              <a:rPr lang="zh-CN" altLang="en-US" smtClean="0"/>
-              <a:t>”</a:t>
-            </a:r>
-            <a:endParaRPr lang="en-US" altLang="zh-CN" smtClean="0"/>
-          </a:p>
-          <a:p>
-            <a:r>
-              <a:rPr lang="en-US" altLang="zh-CN" smtClean="0"/>
-              <a:t>finally</a:t>
-            </a:r>
-            <a:r>
-              <a:rPr lang="zh-CN" altLang="en-US" smtClean="0"/>
-              <a:t>语句块典型应用</a:t>
-            </a:r>
-            <a:endParaRPr lang="en-US" altLang="zh-CN" smtClean="0"/>
-          </a:p>
-          <a:p>
-            <a:pPr lvl="1"/>
-            <a:r>
-              <a:rPr lang="zh-CN" altLang="en-US" smtClean="0"/>
-              <a:t>回收资源</a:t>
-            </a:r>
-            <a:endParaRPr lang="zh-CN" altLang="en-US" dirty="0"/>
-          </a:p>
-        </p:txBody>
-      </p:sp>
-    </p:spTree>
-  </p:cSld>
-  <p:clrMapOvr>
-    <a:masterClrMapping/>
-  </p:clrMapOvr>
-  <p:timing>
-    <p:tnLst>
-      <p:par>
-        <p:cTn id="1" dur="indefinite" restart="never" nodeType="tmRoot"/>
-      </p:par>
-    </p:tnLst>
-  </p:timing>
-</p:sld>
-</file>
-
 <file path=ppt/slides/slide18.xml><?xml version="1.0" encoding="utf-8"?>
 <p:sld xmlns:a="http://schemas.openxmlformats.org/drawingml/2006/main" xmlns:r="http://schemas.openxmlformats.org/officeDocument/2006/relationships" xmlns:p="http://schemas.openxmlformats.org/presentationml/2006/main">
   <p:cSld>
@@ -9051,68 +9183,102 @@
           <a:lstStyle/>
           <a:p>
             <a:r>
-              <a:rPr lang="zh-CN" altLang="en-US" dirty="0" smtClean="0"/>
-              <a:t>语法结构</a:t>
-            </a:r>
-            <a:endParaRPr lang="en-US" altLang="zh-CN" dirty="0" smtClean="0"/>
-          </a:p>
-          <a:p>
-            <a:r>
-              <a:rPr lang="en-US" altLang="zh-CN" dirty="0" smtClean="0"/>
-              <a:t>	try{</a:t>
-            </a:r>
-          </a:p>
-          <a:p>
-            <a:r>
-              <a:rPr lang="en-US" altLang="zh-CN" dirty="0" smtClean="0"/>
-              <a:t>		……</a:t>
-            </a:r>
-          </a:p>
-          <a:p>
-            <a:r>
-              <a:rPr lang="en-US" altLang="zh-CN" dirty="0" smtClean="0"/>
-              <a:t>	}catch(Exception e){</a:t>
-            </a:r>
-          </a:p>
-          <a:p>
-            <a:r>
-              <a:rPr lang="en-US" altLang="zh-CN" dirty="0" smtClean="0"/>
-              <a:t>		……</a:t>
-            </a:r>
-          </a:p>
-          <a:p>
-            <a:r>
-              <a:rPr lang="en-US" altLang="zh-CN" dirty="0" smtClean="0"/>
-              <a:t>	}</a:t>
-            </a:r>
-          </a:p>
-          <a:p>
-            <a:r>
-              <a:rPr lang="en-US" altLang="zh-CN" dirty="0" smtClean="0"/>
-              <a:t>	……</a:t>
-            </a:r>
-          </a:p>
-          <a:p>
-            <a:r>
-              <a:rPr lang="en-US" altLang="zh-CN" dirty="0" smtClean="0"/>
-              <a:t>	finally{</a:t>
-            </a:r>
-          </a:p>
-          <a:p>
-            <a:r>
-              <a:rPr lang="en-US" altLang="zh-CN" dirty="0" smtClean="0"/>
-              <a:t>		//</a:t>
-            </a:r>
-            <a:r>
-              <a:rPr lang="zh-CN" altLang="en-US" dirty="0" smtClean="0"/>
-              <a:t>资源回收</a:t>
-            </a:r>
-            <a:endParaRPr lang="en-US" altLang="zh-CN" dirty="0" smtClean="0"/>
-          </a:p>
-          <a:p>
-            <a:r>
-              <a:rPr lang="en-US" altLang="zh-CN" dirty="0" smtClean="0"/>
-              <a:t>	}</a:t>
+              <a:rPr lang="en-US" smtClean="0"/>
+              <a:t>finally</a:t>
+            </a:r>
+            <a:r>
+              <a:rPr lang="zh-CN" altLang="en-US" smtClean="0"/>
+              <a:t>语句定义一个总是被执行的代码块，而不考虑是否出现异常</a:t>
+            </a:r>
+            <a:endParaRPr lang="en-US" altLang="zh-CN" smtClean="0"/>
+          </a:p>
+          <a:p>
+            <a:pPr lvl="1"/>
+            <a:r>
+              <a:rPr lang="zh-CN" altLang="en-US" smtClean="0"/>
+              <a:t>无论</a:t>
+            </a:r>
+            <a:r>
+              <a:rPr lang="en-US" altLang="zh-CN" smtClean="0"/>
+              <a:t>try</a:t>
+            </a:r>
+            <a:r>
+              <a:rPr lang="zh-CN" altLang="en-US" smtClean="0"/>
+              <a:t>、</a:t>
+            </a:r>
+            <a:r>
+              <a:rPr lang="en-US" altLang="zh-CN" smtClean="0"/>
+              <a:t>catch</a:t>
+            </a:r>
+            <a:r>
+              <a:rPr lang="zh-CN" altLang="en-US" smtClean="0"/>
+              <a:t>是否执行，</a:t>
+            </a:r>
+            <a:r>
+              <a:rPr lang="en-US" altLang="zh-CN" smtClean="0"/>
+              <a:t>finally</a:t>
+            </a:r>
+            <a:r>
+              <a:rPr lang="zh-CN" altLang="en-US" smtClean="0"/>
+              <a:t>必定执行</a:t>
+            </a:r>
+            <a:endParaRPr lang="en-US" altLang="zh-CN" smtClean="0"/>
+          </a:p>
+          <a:p>
+            <a:r>
+              <a:rPr lang="zh-CN" altLang="en-US" smtClean="0"/>
+              <a:t>不执行</a:t>
+            </a:r>
+            <a:r>
+              <a:rPr lang="en-US" altLang="zh-CN" smtClean="0"/>
+              <a:t>finally</a:t>
+            </a:r>
+            <a:r>
+              <a:rPr lang="zh-CN" altLang="en-US" smtClean="0"/>
+              <a:t>语句块的特殊情况</a:t>
+            </a:r>
+            <a:endParaRPr lang="en-US" altLang="zh-CN" smtClean="0"/>
+          </a:p>
+          <a:p>
+            <a:pPr lvl="1"/>
+            <a:r>
+              <a:rPr lang="zh-CN" altLang="en-US" smtClean="0"/>
+              <a:t>在执行</a:t>
+            </a:r>
+            <a:r>
+              <a:rPr lang="en-US" altLang="zh-CN" smtClean="0"/>
+              <a:t>finally</a:t>
+            </a:r>
+            <a:r>
+              <a:rPr lang="zh-CN" altLang="en-US" smtClean="0"/>
+              <a:t>之前首先执行了“</a:t>
+            </a:r>
+            <a:r>
+              <a:rPr lang="en-US" altLang="zh-CN" smtClean="0"/>
+              <a:t>System.exit(0);</a:t>
+            </a:r>
+            <a:r>
+              <a:rPr lang="zh-CN" altLang="en-US" smtClean="0"/>
+              <a:t>”</a:t>
+            </a:r>
+            <a:endParaRPr lang="en-US" altLang="zh-CN" smtClean="0"/>
+          </a:p>
+          <a:p>
+            <a:r>
+              <a:rPr lang="en-US" altLang="zh-CN" smtClean="0"/>
+              <a:t>finally</a:t>
+            </a:r>
+            <a:r>
+              <a:rPr lang="zh-CN" altLang="en-US" smtClean="0"/>
+              <a:t>语句块典型应用</a:t>
+            </a:r>
+            <a:endParaRPr lang="en-US" altLang="zh-CN" smtClean="0"/>
+          </a:p>
+          <a:p>
+            <a:pPr lvl="1"/>
+            <a:r>
+              <a:rPr lang="zh-CN" altLang="en-US" smtClean="0"/>
+              <a:t>回收资源</a:t>
             </a:r>
             <a:endParaRPr lang="zh-CN" altLang="en-US" dirty="0"/>
           </a:p>
@@ -9166,8 +9332,12 @@
           <a:lstStyle/>
           <a:p>
             <a:r>
-              <a:rPr lang="zh-CN" altLang="en-US" smtClean="0"/>
-              <a:t>课堂练习</a:t>
+              <a:rPr lang="en-US" altLang="zh-CN" smtClean="0"/>
+              <a:t>finally</a:t>
+            </a:r>
+            <a:r>
+              <a:rPr lang="zh-CN" altLang="en-US" smtClean="0"/>
+              <a:t>语句块</a:t>
             </a:r>
             <a:endParaRPr lang="zh-CN" altLang="en-US" dirty="0"/>
           </a:p>
@@ -9189,333 +9359,70 @@
           <a:lstStyle/>
           <a:p>
             <a:r>
-              <a:rPr lang="en-US" altLang="zh-CN" smtClean="0"/>
-              <a:t>ExceptionFinallyDemo</a:t>
+              <a:rPr lang="zh-CN" altLang="en-US" dirty="0" smtClean="0"/>
+              <a:t>语法结构</a:t>
+            </a:r>
+            <a:endParaRPr lang="en-US" altLang="zh-CN" dirty="0" smtClean="0"/>
+          </a:p>
+          <a:p>
+            <a:r>
+              <a:rPr lang="en-US" altLang="zh-CN" dirty="0" smtClean="0"/>
+              <a:t>	try{</a:t>
+            </a:r>
+          </a:p>
+          <a:p>
+            <a:r>
+              <a:rPr lang="en-US" altLang="zh-CN" dirty="0" smtClean="0"/>
+              <a:t>		……</a:t>
+            </a:r>
+          </a:p>
+          <a:p>
+            <a:r>
+              <a:rPr lang="en-US" altLang="zh-CN" dirty="0" smtClean="0"/>
+              <a:t>	}catch(Exception e){</a:t>
+            </a:r>
+          </a:p>
+          <a:p>
+            <a:r>
+              <a:rPr lang="en-US" altLang="zh-CN" dirty="0" smtClean="0"/>
+              <a:t>		……</a:t>
+            </a:r>
+          </a:p>
+          <a:p>
+            <a:r>
+              <a:rPr lang="en-US" altLang="zh-CN" dirty="0" smtClean="0"/>
+              <a:t>	}</a:t>
+            </a:r>
+          </a:p>
+          <a:p>
+            <a:r>
+              <a:rPr lang="en-US" altLang="zh-CN" dirty="0" smtClean="0"/>
+              <a:t>	……</a:t>
+            </a:r>
+          </a:p>
+          <a:p>
+            <a:r>
+              <a:rPr lang="en-US" altLang="zh-CN" dirty="0" smtClean="0"/>
+              <a:t>	finally{</a:t>
+            </a:r>
+          </a:p>
+          <a:p>
+            <a:r>
+              <a:rPr lang="en-US" altLang="zh-CN" dirty="0" smtClean="0"/>
+              <a:t>		//</a:t>
+            </a:r>
+            <a:r>
+              <a:rPr lang="zh-CN" altLang="en-US" dirty="0" smtClean="0"/>
+              <a:t>资源回收</a:t>
+            </a:r>
+            <a:endParaRPr lang="en-US" altLang="zh-CN" dirty="0" smtClean="0"/>
+          </a:p>
+          <a:p>
+            <a:r>
+              <a:rPr lang="en-US" altLang="zh-CN" dirty="0" smtClean="0"/>
+              <a:t>	}</a:t>
             </a:r>
             <a:endParaRPr lang="zh-CN" altLang="en-US" dirty="0"/>
-          </a:p>
-        </p:txBody>
-      </p:sp>
-      <p:sp>
-        <p:nvSpPr>
-          <p:cNvPr id="4" name="Rectangle 4"/>
-          <p:cNvSpPr>
-            <a:spLocks noChangeArrowheads="1"/>
-          </p:cNvSpPr>
-          <p:nvPr/>
-        </p:nvSpPr>
-        <p:spPr bwMode="auto">
-          <a:xfrm>
-            <a:off x="827584" y="1556792"/>
-            <a:ext cx="7272808" cy="5301208"/>
-          </a:xfrm>
-          <a:prstGeom prst="rect">
-            <a:avLst/>
-          </a:prstGeom>
-          <a:solidFill>
-            <a:srgbClr val="FFCC99"/>
-          </a:solidFill>
-          <a:ln w="9525">
-            <a:solidFill>
-              <a:schemeClr val="bg1"/>
-            </a:solidFill>
-            <a:miter lim="800000"/>
-            <a:headEnd/>
-            <a:tailEnd/>
-          </a:ln>
-        </p:spPr>
-        <p:txBody>
-          <a:bodyPr wrap="none"/>
-          <a:lstStyle/>
-          <a:p>
-            <a:pPr marL="342900" indent="-342900" eaLnBrk="0" hangingPunct="0">
-              <a:buFont typeface="Arial" charset="0"/>
-            </a:pPr>
-            <a:r>
-              <a:rPr lang="en-US" altLang="zh-CN" dirty="0"/>
-              <a:t>public static void main(String[] </a:t>
-            </a:r>
-            <a:r>
-              <a:rPr lang="en-US" altLang="zh-CN" dirty="0" err="1"/>
-              <a:t>args</a:t>
-            </a:r>
-            <a:r>
-              <a:rPr lang="en-US" altLang="zh-CN" dirty="0"/>
-              <a:t>) { </a:t>
-            </a:r>
-          </a:p>
-          <a:p>
-            <a:pPr marL="342900" indent="-342900" eaLnBrk="0" hangingPunct="0">
-              <a:buFont typeface="Arial" charset="0"/>
-            </a:pPr>
-            <a:r>
-              <a:rPr lang="en-US" altLang="zh-CN" dirty="0"/>
-              <a:t>      </a:t>
-            </a:r>
-            <a:r>
-              <a:rPr lang="en-US" altLang="zh-CN" dirty="0" err="1"/>
-              <a:t>System.out.println</a:t>
-            </a:r>
-            <a:r>
-              <a:rPr lang="en-US" altLang="zh-CN" dirty="0"/>
-              <a:t>("return value of test(): " + test(10,5)); </a:t>
-            </a:r>
-          </a:p>
-          <a:p>
-            <a:pPr marL="342900" indent="-342900" eaLnBrk="0" hangingPunct="0">
-              <a:buFont typeface="Arial" charset="0"/>
-            </a:pPr>
-            <a:r>
-              <a:rPr lang="en-US" altLang="zh-CN" dirty="0"/>
-              <a:t>      </a:t>
-            </a:r>
-            <a:r>
-              <a:rPr lang="en-US" altLang="zh-CN" dirty="0" err="1"/>
-              <a:t>System.out.println</a:t>
-            </a:r>
-            <a:r>
-              <a:rPr lang="en-US" altLang="zh-CN" dirty="0"/>
-              <a:t>("return value of test(): " + test(10,0));</a:t>
-            </a:r>
-          </a:p>
-          <a:p>
-            <a:pPr marL="342900" indent="-342900" eaLnBrk="0" hangingPunct="0">
-              <a:buFont typeface="Arial" charset="0"/>
-            </a:pPr>
-            <a:r>
-              <a:rPr lang="zh-CN" altLang="en-US" dirty="0"/>
-              <a:t> </a:t>
-            </a:r>
-            <a:r>
-              <a:rPr lang="en-US" altLang="zh-CN" dirty="0"/>
-              <a:t>} </a:t>
-            </a:r>
-          </a:p>
-          <a:p>
-            <a:pPr marL="342900" indent="-342900" eaLnBrk="0" hangingPunct="0">
-              <a:buFont typeface="Arial" charset="0"/>
-            </a:pPr>
-            <a:r>
-              <a:rPr lang="en-US" altLang="zh-CN" dirty="0"/>
-              <a:t> public static </a:t>
-            </a:r>
-            <a:r>
-              <a:rPr lang="en-US" altLang="zh-CN" dirty="0" err="1"/>
-              <a:t>int</a:t>
-            </a:r>
-            <a:r>
-              <a:rPr lang="en-US" altLang="zh-CN" dirty="0"/>
-              <a:t> test(</a:t>
-            </a:r>
-            <a:r>
-              <a:rPr lang="en-US" altLang="zh-CN" dirty="0" err="1"/>
-              <a:t>int</a:t>
-            </a:r>
-            <a:r>
-              <a:rPr lang="en-US" altLang="zh-CN" dirty="0"/>
-              <a:t> a, </a:t>
-            </a:r>
-            <a:r>
-              <a:rPr lang="en-US" altLang="zh-CN" dirty="0" err="1"/>
-              <a:t>int</a:t>
-            </a:r>
-            <a:r>
-              <a:rPr lang="en-US" altLang="zh-CN" dirty="0"/>
-              <a:t> b){</a:t>
-            </a:r>
-          </a:p>
-          <a:p>
-            <a:pPr marL="342900" indent="-342900" eaLnBrk="0" hangingPunct="0">
-              <a:buFont typeface="Arial" charset="0"/>
-            </a:pPr>
-            <a:r>
-              <a:rPr lang="en-US" altLang="zh-CN" dirty="0"/>
-              <a:t>      </a:t>
-            </a:r>
-            <a:r>
-              <a:rPr lang="en-US" altLang="zh-CN" dirty="0" err="1"/>
-              <a:t>int</a:t>
-            </a:r>
-            <a:r>
-              <a:rPr lang="en-US" altLang="zh-CN" dirty="0"/>
-              <a:t> </a:t>
-            </a:r>
-            <a:r>
-              <a:rPr lang="en-US" altLang="zh-CN" dirty="0" err="1"/>
-              <a:t>i</a:t>
-            </a:r>
-            <a:r>
-              <a:rPr lang="en-US" altLang="zh-CN" dirty="0"/>
-              <a:t> = 0;  </a:t>
-            </a:r>
-          </a:p>
-          <a:p>
-            <a:pPr marL="342900" indent="-342900" eaLnBrk="0" hangingPunct="0">
-              <a:buFont typeface="Arial" charset="0"/>
-            </a:pPr>
-            <a:r>
-              <a:rPr lang="en-US" altLang="zh-CN" dirty="0"/>
-              <a:t>      </a:t>
-            </a:r>
-            <a:r>
-              <a:rPr lang="en-US" altLang="zh-CN" dirty="0" err="1"/>
-              <a:t>System.out.println</a:t>
-            </a:r>
-            <a:r>
-              <a:rPr lang="en-US" altLang="zh-CN" dirty="0"/>
-              <a:t>("the previous statement of try block"); </a:t>
-            </a:r>
-          </a:p>
-          <a:p>
-            <a:pPr marL="342900" indent="-342900" eaLnBrk="0" hangingPunct="0">
-              <a:buFont typeface="Arial" charset="0"/>
-            </a:pPr>
-            <a:r>
-              <a:rPr lang="en-US" altLang="zh-CN" dirty="0"/>
-              <a:t>      try {</a:t>
-            </a:r>
-          </a:p>
-          <a:p>
-            <a:pPr marL="342900" indent="-342900" eaLnBrk="0" hangingPunct="0">
-              <a:buFont typeface="Arial" charset="0"/>
-            </a:pPr>
-            <a:r>
-              <a:rPr lang="en-US" altLang="zh-CN" dirty="0"/>
-              <a:t>            </a:t>
-            </a:r>
-            <a:r>
-              <a:rPr lang="en-US" altLang="zh-CN" dirty="0" err="1"/>
-              <a:t>i</a:t>
-            </a:r>
-            <a:r>
-              <a:rPr lang="en-US" altLang="zh-CN" dirty="0"/>
-              <a:t> = a / b; </a:t>
-            </a:r>
-          </a:p>
-          <a:p>
-            <a:pPr marL="342900" indent="-342900" eaLnBrk="0" hangingPunct="0">
-              <a:buFont typeface="Arial" charset="0"/>
-            </a:pPr>
-            <a:r>
-              <a:rPr lang="en-US" altLang="zh-CN" dirty="0"/>
-              <a:t>            </a:t>
-            </a:r>
-            <a:r>
-              <a:rPr lang="en-US" altLang="zh-CN" dirty="0" err="1"/>
-              <a:t>System.out.println</a:t>
-            </a:r>
-            <a:r>
-              <a:rPr lang="en-US" altLang="zh-CN" dirty="0"/>
-              <a:t>("try block"); </a:t>
-            </a:r>
-          </a:p>
-          <a:p>
-            <a:pPr marL="342900" indent="-342900" eaLnBrk="0" hangingPunct="0">
-              <a:buFont typeface="Arial" charset="0"/>
-            </a:pPr>
-            <a:r>
-              <a:rPr lang="en-US" altLang="zh-CN" dirty="0"/>
-              <a:t>      }catch(Exception e){</a:t>
-            </a:r>
-          </a:p>
-          <a:p>
-            <a:pPr marL="342900" indent="-342900" eaLnBrk="0" hangingPunct="0">
-              <a:buFont typeface="Arial" charset="0"/>
-            </a:pPr>
-            <a:r>
-              <a:rPr lang="en-US" altLang="zh-CN" dirty="0"/>
-              <a:t>            </a:t>
-            </a:r>
-            <a:r>
-              <a:rPr lang="en-US" altLang="zh-CN" dirty="0" err="1"/>
-              <a:t>System.out.println</a:t>
-            </a:r>
-            <a:r>
-              <a:rPr lang="en-US" altLang="zh-CN" dirty="0"/>
-              <a:t>("</a:t>
-            </a:r>
-            <a:r>
-              <a:rPr lang="zh-CN" altLang="en-US" dirty="0"/>
-              <a:t>发生异常，请处理该异常！</a:t>
-            </a:r>
-            <a:r>
-              <a:rPr lang="en-US" altLang="zh-CN" dirty="0"/>
-              <a:t>");</a:t>
-            </a:r>
-          </a:p>
-          <a:p>
-            <a:pPr marL="342900" indent="-342900" eaLnBrk="0" hangingPunct="0">
-              <a:buFont typeface="Arial" charset="0"/>
-            </a:pPr>
-            <a:r>
-              <a:rPr lang="en-US" altLang="zh-CN" dirty="0"/>
-              <a:t>      }finally { </a:t>
-            </a:r>
-          </a:p>
-          <a:p>
-            <a:pPr marL="342900" indent="-342900" eaLnBrk="0" hangingPunct="0">
-              <a:buFont typeface="Arial" charset="0"/>
-            </a:pPr>
-            <a:r>
-              <a:rPr lang="en-US" altLang="zh-CN" dirty="0"/>
-              <a:t>            </a:t>
-            </a:r>
-            <a:r>
-              <a:rPr lang="en-US" altLang="zh-CN" dirty="0" err="1"/>
-              <a:t>System.out.println</a:t>
-            </a:r>
-            <a:r>
-              <a:rPr lang="en-US" altLang="zh-CN" dirty="0"/>
-              <a:t>("finally block,</a:t>
-            </a:r>
-            <a:r>
-              <a:rPr lang="zh-CN" altLang="en-US" dirty="0"/>
-              <a:t>系统资源被释放！</a:t>
-            </a:r>
-            <a:r>
-              <a:rPr lang="en-US" altLang="zh-CN" dirty="0"/>
-              <a:t>"); </a:t>
-            </a:r>
-          </a:p>
-          <a:p>
-            <a:pPr marL="342900" indent="-342900" eaLnBrk="0" hangingPunct="0">
-              <a:buFont typeface="Arial" charset="0"/>
-            </a:pPr>
-            <a:r>
-              <a:rPr lang="zh-CN" altLang="en-US" dirty="0"/>
-              <a:t>      </a:t>
-            </a:r>
-            <a:r>
-              <a:rPr lang="en-US" altLang="zh-CN" dirty="0"/>
-              <a:t>}</a:t>
-            </a:r>
-          </a:p>
-          <a:p>
-            <a:pPr marL="342900" indent="-342900" eaLnBrk="0" hangingPunct="0">
-              <a:buFont typeface="Arial" charset="0"/>
-            </a:pPr>
-            <a:r>
-              <a:rPr lang="en-US" altLang="zh-CN" dirty="0"/>
-              <a:t>      return </a:t>
-            </a:r>
-            <a:r>
-              <a:rPr lang="en-US" altLang="zh-CN" dirty="0" err="1"/>
-              <a:t>i</a:t>
-            </a:r>
-            <a:r>
-              <a:rPr lang="en-US" altLang="zh-CN" dirty="0"/>
-              <a:t>; </a:t>
-            </a:r>
-          </a:p>
-          <a:p>
-            <a:pPr marL="342900" indent="-342900" eaLnBrk="0" hangingPunct="0">
-              <a:buFont typeface="Arial" charset="0"/>
-            </a:pPr>
-            <a:r>
-              <a:rPr lang="en-US" altLang="zh-CN" dirty="0"/>
-              <a:t>}</a:t>
-            </a:r>
-            <a:endParaRPr lang="en-US" dirty="0"/>
           </a:p>
         </p:txBody>
       </p:sp>
@@ -9674,12 +9581,8 @@
           <a:lstStyle/>
           <a:p>
             <a:r>
-              <a:rPr lang="en-US" altLang="zh-CN" smtClean="0"/>
-              <a:t>try-catch-finally</a:t>
-            </a:r>
-            <a:r>
-              <a:rPr lang="zh-CN" altLang="en-US" smtClean="0"/>
-              <a:t>使用注意事项</a:t>
+              <a:rPr lang="zh-CN" altLang="en-US" smtClean="0"/>
+              <a:t>课堂练习</a:t>
             </a:r>
             <a:endParaRPr lang="zh-CN" altLang="en-US" dirty="0"/>
           </a:p>
@@ -9701,135 +9604,8 @@
           <a:lstStyle/>
           <a:p>
             <a:r>
-              <a:rPr lang="en-US" altLang="zh-CN" dirty="0" smtClean="0"/>
-              <a:t>try</a:t>
-            </a:r>
-            <a:r>
-              <a:rPr lang="zh-CN" altLang="en-US" dirty="0" smtClean="0"/>
-              <a:t>、</a:t>
-            </a:r>
-            <a:r>
-              <a:rPr lang="en-US" altLang="zh-CN" dirty="0" smtClean="0"/>
-              <a:t>catch</a:t>
-            </a:r>
-            <a:r>
-              <a:rPr lang="zh-CN" altLang="en-US" dirty="0" smtClean="0"/>
-              <a:t>、</a:t>
-            </a:r>
-            <a:r>
-              <a:rPr lang="en-US" altLang="zh-CN" dirty="0" smtClean="0"/>
-              <a:t>finally</a:t>
-            </a:r>
-            <a:r>
-              <a:rPr lang="zh-CN" altLang="en-US" dirty="0" smtClean="0"/>
-              <a:t>通常结合使用，需要注意以下事项</a:t>
-            </a:r>
-            <a:endParaRPr lang="en-US" altLang="zh-CN" dirty="0" smtClean="0"/>
-          </a:p>
-          <a:p>
-            <a:pPr lvl="1"/>
-            <a:r>
-              <a:rPr lang="zh-CN" altLang="en-US" dirty="0" smtClean="0"/>
-              <a:t>无 </a:t>
-            </a:r>
-            <a:r>
-              <a:rPr lang="en-US" altLang="zh-CN" dirty="0" smtClean="0"/>
-              <a:t>catch </a:t>
-            </a:r>
-            <a:r>
-              <a:rPr lang="zh-CN" altLang="en-US" dirty="0" smtClean="0"/>
-              <a:t>时 </a:t>
-            </a:r>
-            <a:r>
-              <a:rPr lang="en-US" altLang="zh-CN" dirty="0" smtClean="0"/>
-              <a:t>finally </a:t>
-            </a:r>
-            <a:r>
-              <a:rPr lang="zh-CN" altLang="en-US" dirty="0" smtClean="0"/>
-              <a:t>必须紧跟 </a:t>
-            </a:r>
-            <a:r>
-              <a:rPr lang="en-US" altLang="zh-CN" dirty="0" smtClean="0"/>
-              <a:t>try</a:t>
-            </a:r>
-          </a:p>
-          <a:p>
-            <a:pPr lvl="1"/>
-            <a:endParaRPr lang="en-US" altLang="zh-CN" dirty="0" smtClean="0"/>
-          </a:p>
-          <a:p>
-            <a:pPr lvl="1"/>
-            <a:endParaRPr lang="en-US" altLang="zh-CN" dirty="0" smtClean="0"/>
-          </a:p>
-          <a:p>
-            <a:pPr lvl="1"/>
-            <a:endParaRPr lang="en-US" altLang="zh-CN" dirty="0" smtClean="0"/>
-          </a:p>
-          <a:p>
-            <a:pPr lvl="1"/>
-            <a:endParaRPr lang="en-US" altLang="zh-CN" dirty="0" smtClean="0"/>
-          </a:p>
-          <a:p>
-            <a:pPr lvl="1"/>
-            <a:endParaRPr lang="en-US" altLang="zh-CN" dirty="0" smtClean="0"/>
-          </a:p>
-          <a:p>
-            <a:pPr lvl="1"/>
-            <a:endParaRPr lang="en-US" altLang="zh-CN" dirty="0" smtClean="0"/>
-          </a:p>
-          <a:p>
-            <a:pPr lvl="1"/>
-            <a:endParaRPr lang="en-US" altLang="zh-CN" dirty="0" smtClean="0"/>
-          </a:p>
-          <a:p>
-            <a:pPr lvl="1"/>
-            <a:endParaRPr lang="en-US" altLang="zh-CN" dirty="0" smtClean="0"/>
-          </a:p>
-          <a:p>
-            <a:pPr lvl="1"/>
-            <a:r>
-              <a:rPr lang="en-US" altLang="zh-CN" dirty="0" smtClean="0"/>
-              <a:t>catch </a:t>
-            </a:r>
-            <a:r>
-              <a:rPr lang="zh-CN" altLang="en-US" dirty="0" smtClean="0"/>
-              <a:t>与 </a:t>
-            </a:r>
-            <a:r>
-              <a:rPr lang="en-US" altLang="zh-CN" dirty="0" smtClean="0"/>
-              <a:t>finally </a:t>
-            </a:r>
-            <a:r>
-              <a:rPr lang="zh-CN" altLang="en-US" dirty="0" smtClean="0"/>
-              <a:t>不能同时省略</a:t>
-            </a:r>
-            <a:endParaRPr lang="en-US" altLang="zh-CN" dirty="0" smtClean="0"/>
-          </a:p>
-          <a:p>
-            <a:pPr lvl="1"/>
-            <a:r>
-              <a:rPr lang="en-US" altLang="zh-CN" dirty="0" smtClean="0"/>
-              <a:t>try</a:t>
-            </a:r>
-            <a:r>
-              <a:rPr lang="zh-CN" altLang="en-US" dirty="0" smtClean="0"/>
-              <a:t>、</a:t>
-            </a:r>
-            <a:r>
-              <a:rPr lang="en-US" altLang="zh-CN" dirty="0" smtClean="0"/>
-              <a:t>catch </a:t>
-            </a:r>
-            <a:r>
-              <a:rPr lang="zh-CN" altLang="en-US" dirty="0" smtClean="0"/>
-              <a:t>和 </a:t>
-            </a:r>
-            <a:r>
-              <a:rPr lang="en-US" altLang="zh-CN" dirty="0" smtClean="0"/>
-              <a:t>finally </a:t>
-            </a:r>
-            <a:r>
-              <a:rPr lang="zh-CN" altLang="en-US" dirty="0" smtClean="0"/>
-              <a:t>语句块之间不能插入任何代码（注释除外）</a:t>
+              <a:rPr lang="en-US" altLang="zh-CN" smtClean="0"/>
+              <a:t>ExceptionFinallyDemo</a:t>
             </a:r>
             <a:endParaRPr lang="zh-CN" altLang="en-US" dirty="0"/>
           </a:p>
@@ -9845,8 +9621,8 @@
         </p:nvSpPr>
         <p:spPr bwMode="auto">
           <a:xfrm>
-            <a:off x="1259632" y="2060848"/>
-            <a:ext cx="5562600" cy="2808312"/>
+            <a:off x="827584" y="1556792"/>
+            <a:ext cx="7272808" cy="5301208"/>
           </a:xfrm>
           <a:prstGeom prst="rect">
             <a:avLst/>
@@ -9867,333 +9643,294 @@
           <a:bodyPr wrap="none"/>
           <a:lstStyle/>
           <a:p>
-            <a:pPr lvl="1" eaLnBrk="0" hangingPunct="0">
-              <a:lnSpc>
-                <a:spcPct val="120000"/>
-              </a:lnSpc>
-              <a:spcBef>
-                <a:spcPct val="20000"/>
-              </a:spcBef>
+            <a:pPr marL="342900" indent="-342900" eaLnBrk="0" hangingPunct="0">
               <a:buFont typeface="Arial" charset="0"/>
             </a:pPr>
             <a:r>
-              <a:rPr lang="en-US" sz="1600" dirty="0">
-                <a:solidFill>
-                  <a:schemeClr val="tx1"/>
-                </a:solidFill>
-                <a:latin typeface="微软雅黑" pitchFamily="34" charset="-122"/>
-                <a:ea typeface="微软雅黑" pitchFamily="34" charset="-122"/>
-              </a:rPr>
-              <a:t>try{</a:t>
-            </a:r>
-          </a:p>
-          <a:p>
-            <a:pPr lvl="1" eaLnBrk="0" hangingPunct="0">
-              <a:lnSpc>
-                <a:spcPct val="120000"/>
-              </a:lnSpc>
-              <a:spcBef>
-                <a:spcPct val="20000"/>
-              </a:spcBef>
+              <a:rPr lang="en-US" altLang="zh-CN" dirty="0"/>
+              <a:t>public static void main(String[] </a:t>
+            </a:r>
+            <a:r>
+              <a:rPr lang="en-US" altLang="zh-CN" dirty="0" err="1"/>
+              <a:t>args</a:t>
+            </a:r>
+            <a:r>
+              <a:rPr lang="en-US" altLang="zh-CN" dirty="0"/>
+              <a:t>) { </a:t>
+            </a:r>
+          </a:p>
+          <a:p>
+            <a:pPr marL="342900" indent="-342900" eaLnBrk="0" hangingPunct="0">
               <a:buFont typeface="Arial" charset="0"/>
             </a:pPr>
             <a:r>
-              <a:rPr lang="en-US" sz="1600" dirty="0">
-                <a:solidFill>
-                  <a:schemeClr val="tx1"/>
-                </a:solidFill>
-                <a:latin typeface="微软雅黑" pitchFamily="34" charset="-122"/>
-                <a:ea typeface="微软雅黑" pitchFamily="34" charset="-122"/>
-              </a:rPr>
-              <a:t>    //</a:t>
-            </a:r>
-            <a:r>
-              <a:rPr lang="zh-CN" altLang="en-US" sz="1600" dirty="0">
-                <a:solidFill>
-                  <a:schemeClr val="tx1"/>
-                </a:solidFill>
-                <a:latin typeface="微软雅黑" pitchFamily="34" charset="-122"/>
-                <a:ea typeface="微软雅黑" pitchFamily="34" charset="-122"/>
-              </a:rPr>
-              <a:t>受监视的代码块</a:t>
-            </a:r>
-            <a:endParaRPr lang="en-US" sz="1600" dirty="0">
-              <a:solidFill>
-                <a:schemeClr val="tx1"/>
-              </a:solidFill>
-              <a:latin typeface="微软雅黑" pitchFamily="34" charset="-122"/>
-              <a:ea typeface="微软雅黑" pitchFamily="34" charset="-122"/>
-            </a:endParaRPr>
-          </a:p>
-          <a:p>
-            <a:pPr lvl="1" eaLnBrk="0" hangingPunct="0">
-              <a:lnSpc>
-                <a:spcPct val="120000"/>
-              </a:lnSpc>
-              <a:spcBef>
-                <a:spcPct val="20000"/>
-              </a:spcBef>
+              <a:rPr lang="en-US" altLang="zh-CN" dirty="0"/>
+              <a:t>      </a:t>
+            </a:r>
+            <a:r>
+              <a:rPr lang="en-US" altLang="zh-CN" dirty="0" err="1"/>
+              <a:t>System.out.println</a:t>
+            </a:r>
+            <a:r>
+              <a:rPr lang="en-US" altLang="zh-CN" dirty="0"/>
+              <a:t>("return value of test(): " + test(10,5)); </a:t>
+            </a:r>
+          </a:p>
+          <a:p>
+            <a:pPr marL="342900" indent="-342900" eaLnBrk="0" hangingPunct="0">
               <a:buFont typeface="Arial" charset="0"/>
             </a:pPr>
             <a:r>
-              <a:rPr lang="en-US" sz="1600" dirty="0">
-                <a:solidFill>
-                  <a:schemeClr val="tx1"/>
-                </a:solidFill>
-                <a:latin typeface="微软雅黑" pitchFamily="34" charset="-122"/>
-                <a:ea typeface="微软雅黑" pitchFamily="34" charset="-122"/>
-              </a:rPr>
-              <a:t>    </a:t>
-            </a:r>
-            <a:r>
-              <a:rPr lang="en-US" altLang="zh-CN" sz="1600" dirty="0" err="1">
-                <a:solidFill>
-                  <a:schemeClr val="tx1"/>
-                </a:solidFill>
-                <a:latin typeface="微软雅黑" pitchFamily="34" charset="-122"/>
-                <a:ea typeface="微软雅黑" pitchFamily="34" charset="-122"/>
-              </a:rPr>
+              <a:rPr lang="en-US" altLang="zh-CN" dirty="0"/>
+              <a:t>      </a:t>
+            </a:r>
+            <a:r>
+              <a:rPr lang="en-US" altLang="zh-CN" dirty="0" err="1"/>
               <a:t>System.out.println</a:t>
             </a:r>
             <a:r>
-              <a:rPr lang="en-US" altLang="zh-CN" sz="1600" dirty="0">
-                <a:solidFill>
-                  <a:schemeClr val="tx1"/>
-                </a:solidFill>
-                <a:latin typeface="微软雅黑" pitchFamily="34" charset="-122"/>
-                <a:ea typeface="微软雅黑" pitchFamily="34" charset="-122"/>
-              </a:rPr>
-              <a:t>(“</a:t>
-            </a:r>
-            <a:r>
-              <a:rPr lang="zh-CN" altLang="en-US" sz="1600" dirty="0">
-                <a:solidFill>
-                  <a:schemeClr val="tx1"/>
-                </a:solidFill>
-                <a:latin typeface="微软雅黑" pitchFamily="34" charset="-122"/>
-                <a:ea typeface="微软雅黑" pitchFamily="34" charset="-122"/>
-              </a:rPr>
-              <a:t>这里是</a:t>
-            </a:r>
-            <a:r>
-              <a:rPr lang="en-US" altLang="zh-CN" sz="1600" dirty="0">
-                <a:solidFill>
-                  <a:schemeClr val="tx1"/>
-                </a:solidFill>
-                <a:latin typeface="微软雅黑" pitchFamily="34" charset="-122"/>
-                <a:ea typeface="微软雅黑" pitchFamily="34" charset="-122"/>
-              </a:rPr>
-              <a:t>try</a:t>
-            </a:r>
-            <a:r>
-              <a:rPr lang="zh-CN" altLang="en-US" sz="1600" dirty="0">
-                <a:solidFill>
-                  <a:schemeClr val="tx1"/>
-                </a:solidFill>
-                <a:latin typeface="微软雅黑" pitchFamily="34" charset="-122"/>
-                <a:ea typeface="微软雅黑" pitchFamily="34" charset="-122"/>
-              </a:rPr>
-              <a:t>块</a:t>
-            </a:r>
-            <a:r>
-              <a:rPr lang="en-US" altLang="zh-CN" sz="1600" dirty="0">
-                <a:solidFill>
-                  <a:schemeClr val="tx1"/>
-                </a:solidFill>
-                <a:latin typeface="微软雅黑" pitchFamily="34" charset="-122"/>
-                <a:ea typeface="微软雅黑" pitchFamily="34" charset="-122"/>
-              </a:rPr>
-              <a:t>”);</a:t>
-            </a:r>
-            <a:r>
-              <a:rPr lang="zh-CN" altLang="en-US" sz="1600" dirty="0">
-                <a:solidFill>
-                  <a:schemeClr val="tx1"/>
-                </a:solidFill>
-                <a:latin typeface="微软雅黑" pitchFamily="34" charset="-122"/>
-                <a:ea typeface="微软雅黑" pitchFamily="34" charset="-122"/>
-              </a:rPr>
-              <a:t>   </a:t>
-            </a:r>
-          </a:p>
-          <a:p>
-            <a:pPr lvl="1" eaLnBrk="0" hangingPunct="0">
-              <a:lnSpc>
-                <a:spcPct val="120000"/>
-              </a:lnSpc>
-              <a:spcBef>
-                <a:spcPct val="20000"/>
-              </a:spcBef>
+              <a:rPr lang="en-US" altLang="zh-CN" dirty="0"/>
+              <a:t>("return value of test(): " + test(10,0));</a:t>
+            </a:r>
+          </a:p>
+          <a:p>
+            <a:pPr marL="342900" indent="-342900" eaLnBrk="0" hangingPunct="0">
               <a:buFont typeface="Arial" charset="0"/>
             </a:pPr>
             <a:r>
-              <a:rPr lang="en-US" sz="1600" dirty="0">
-                <a:solidFill>
-                  <a:schemeClr val="tx1"/>
-                </a:solidFill>
-                <a:latin typeface="微软雅黑" pitchFamily="34" charset="-122"/>
-                <a:ea typeface="微软雅黑" pitchFamily="34" charset="-122"/>
-              </a:rPr>
+              <a:rPr lang="zh-CN" altLang="en-US" dirty="0"/>
+              <a:t> </a:t>
+            </a:r>
+            <a:r>
+              <a:rPr lang="en-US" altLang="zh-CN" dirty="0"/>
               <a:t>} </a:t>
             </a:r>
           </a:p>
           <a:p>
-            <a:pPr lvl="1" eaLnBrk="0" hangingPunct="0">
-              <a:lnSpc>
-                <a:spcPct val="120000"/>
-              </a:lnSpc>
-              <a:spcBef>
-                <a:spcPct val="20000"/>
-              </a:spcBef>
+            <a:pPr marL="342900" indent="-342900" eaLnBrk="0" hangingPunct="0">
               <a:buFont typeface="Arial" charset="0"/>
             </a:pPr>
             <a:r>
-              <a:rPr lang="en-US" sz="1600" dirty="0">
-                <a:solidFill>
-                  <a:schemeClr val="tx1"/>
-                </a:solidFill>
-                <a:latin typeface="微软雅黑" pitchFamily="34" charset="-122"/>
-                <a:ea typeface="微软雅黑" pitchFamily="34" charset="-122"/>
-              </a:rPr>
-              <a:t>//</a:t>
-            </a:r>
-            <a:r>
-              <a:rPr lang="en-US" altLang="zh-CN" sz="1600" dirty="0">
-                <a:solidFill>
-                  <a:schemeClr val="tx1"/>
-                </a:solidFill>
-                <a:latin typeface="微软雅黑" pitchFamily="34" charset="-122"/>
-                <a:ea typeface="微软雅黑" pitchFamily="34" charset="-122"/>
-              </a:rPr>
-              <a:t>finally</a:t>
-            </a:r>
-            <a:r>
-              <a:rPr lang="zh-CN" altLang="en-US" sz="1600" dirty="0">
-                <a:solidFill>
-                  <a:schemeClr val="tx1"/>
-                </a:solidFill>
-                <a:latin typeface="微软雅黑" pitchFamily="34" charset="-122"/>
-                <a:ea typeface="微软雅黑" pitchFamily="34" charset="-122"/>
-              </a:rPr>
-              <a:t>语句块</a:t>
-            </a:r>
-            <a:endParaRPr lang="en-US" sz="1600" dirty="0">
-              <a:solidFill>
-                <a:schemeClr val="tx1"/>
-              </a:solidFill>
-              <a:latin typeface="微软雅黑" pitchFamily="34" charset="-122"/>
-              <a:ea typeface="微软雅黑" pitchFamily="34" charset="-122"/>
-            </a:endParaRPr>
-          </a:p>
-          <a:p>
-            <a:pPr lvl="1" eaLnBrk="0" hangingPunct="0">
-              <a:lnSpc>
-                <a:spcPct val="120000"/>
-              </a:lnSpc>
-              <a:spcBef>
-                <a:spcPct val="20000"/>
-              </a:spcBef>
+              <a:rPr lang="en-US" altLang="zh-CN" dirty="0"/>
+              <a:t> public static </a:t>
+            </a:r>
+            <a:r>
+              <a:rPr lang="en-US" altLang="zh-CN" dirty="0" err="1"/>
+              <a:t>int</a:t>
+            </a:r>
+            <a:r>
+              <a:rPr lang="en-US" altLang="zh-CN" dirty="0"/>
+              <a:t> test(</a:t>
+            </a:r>
+            <a:r>
+              <a:rPr lang="en-US" altLang="zh-CN" dirty="0" err="1"/>
+              <a:t>int</a:t>
+            </a:r>
+            <a:r>
+              <a:rPr lang="en-US" altLang="zh-CN" dirty="0"/>
+              <a:t> a, </a:t>
+            </a:r>
+            <a:r>
+              <a:rPr lang="en-US" altLang="zh-CN" dirty="0" err="1"/>
+              <a:t>int</a:t>
+            </a:r>
+            <a:r>
+              <a:rPr lang="en-US" altLang="zh-CN" dirty="0"/>
+              <a:t> b){</a:t>
+            </a:r>
+          </a:p>
+          <a:p>
+            <a:pPr marL="342900" indent="-342900" eaLnBrk="0" hangingPunct="0">
               <a:buFont typeface="Arial" charset="0"/>
             </a:pPr>
             <a:r>
-              <a:rPr lang="en-US" sz="1600" dirty="0">
-                <a:solidFill>
-                  <a:schemeClr val="tx1"/>
-                </a:solidFill>
-                <a:latin typeface="微软雅黑" pitchFamily="34" charset="-122"/>
-                <a:ea typeface="微软雅黑" pitchFamily="34" charset="-122"/>
-              </a:rPr>
-              <a:t>finally {</a:t>
-            </a:r>
-          </a:p>
-          <a:p>
-            <a:pPr lvl="1" eaLnBrk="0" hangingPunct="0">
-              <a:lnSpc>
-                <a:spcPct val="120000"/>
-              </a:lnSpc>
-              <a:spcBef>
-                <a:spcPct val="20000"/>
-              </a:spcBef>
+              <a:rPr lang="en-US" altLang="zh-CN" dirty="0"/>
+              <a:t>      </a:t>
+            </a:r>
+            <a:r>
+              <a:rPr lang="en-US" altLang="zh-CN" dirty="0" err="1"/>
+              <a:t>int</a:t>
+            </a:r>
+            <a:r>
+              <a:rPr lang="en-US" altLang="zh-CN" dirty="0"/>
+              <a:t> </a:t>
+            </a:r>
+            <a:r>
+              <a:rPr lang="en-US" altLang="zh-CN" dirty="0" err="1"/>
+              <a:t>i</a:t>
+            </a:r>
+            <a:r>
+              <a:rPr lang="en-US" altLang="zh-CN" dirty="0"/>
+              <a:t> = 0;  </a:t>
+            </a:r>
+          </a:p>
+          <a:p>
+            <a:pPr marL="342900" indent="-342900" eaLnBrk="0" hangingPunct="0">
               <a:buFont typeface="Arial" charset="0"/>
             </a:pPr>
             <a:r>
-              <a:rPr lang="en-US" altLang="zh-CN" sz="1600" dirty="0">
-                <a:solidFill>
-                  <a:schemeClr val="tx1"/>
-                </a:solidFill>
-                <a:latin typeface="微软雅黑" pitchFamily="34" charset="-122"/>
-                <a:ea typeface="微软雅黑" pitchFamily="34" charset="-122"/>
-              </a:rPr>
-              <a:t> </a:t>
-            </a:r>
-            <a:r>
-              <a:rPr lang="en-US" altLang="zh-CN" sz="1600" dirty="0" err="1">
-                <a:solidFill>
-                  <a:schemeClr val="tx1"/>
-                </a:solidFill>
-                <a:latin typeface="微软雅黑" pitchFamily="34" charset="-122"/>
-                <a:ea typeface="微软雅黑" pitchFamily="34" charset="-122"/>
-              </a:rPr>
+              <a:rPr lang="en-US" altLang="zh-CN" dirty="0"/>
+              <a:t>      </a:t>
+            </a:r>
+            <a:r>
+              <a:rPr lang="en-US" altLang="zh-CN" dirty="0" err="1"/>
               <a:t>System.out.println</a:t>
             </a:r>
             <a:r>
-              <a:rPr lang="en-US" altLang="zh-CN" sz="1600" dirty="0">
-                <a:solidFill>
-                  <a:schemeClr val="tx1"/>
-                </a:solidFill>
-                <a:latin typeface="微软雅黑" pitchFamily="34" charset="-122"/>
-                <a:ea typeface="微软雅黑" pitchFamily="34" charset="-122"/>
-              </a:rPr>
-              <a:t>(“</a:t>
-            </a:r>
-            <a:r>
-              <a:rPr lang="zh-CN" altLang="en-US" sz="1600" dirty="0">
-                <a:solidFill>
-                  <a:schemeClr val="tx1"/>
-                </a:solidFill>
-                <a:latin typeface="微软雅黑" pitchFamily="34" charset="-122"/>
-                <a:ea typeface="微软雅黑" pitchFamily="34" charset="-122"/>
-              </a:rPr>
-              <a:t>无论是否异常总会执行</a:t>
-            </a:r>
-            <a:r>
-              <a:rPr lang="en-US" altLang="zh-CN" sz="1600" dirty="0">
-                <a:solidFill>
-                  <a:schemeClr val="tx1"/>
-                </a:solidFill>
-                <a:latin typeface="微软雅黑" pitchFamily="34" charset="-122"/>
-                <a:ea typeface="微软雅黑" pitchFamily="34" charset="-122"/>
-              </a:rPr>
-              <a:t>”);</a:t>
-            </a:r>
-            <a:endParaRPr lang="zh-CN" altLang="en-US" sz="1600" dirty="0">
-              <a:solidFill>
-                <a:schemeClr val="tx1"/>
-              </a:solidFill>
-              <a:latin typeface="微软雅黑" pitchFamily="34" charset="-122"/>
-              <a:ea typeface="微软雅黑" pitchFamily="34" charset="-122"/>
-            </a:endParaRPr>
-          </a:p>
-          <a:p>
-            <a:pPr lvl="1" eaLnBrk="0" hangingPunct="0">
-              <a:lnSpc>
-                <a:spcPct val="120000"/>
-              </a:lnSpc>
-              <a:spcBef>
-                <a:spcPct val="20000"/>
-              </a:spcBef>
+              <a:rPr lang="en-US" altLang="zh-CN" dirty="0"/>
+              <a:t>("the previous statement of try block"); </a:t>
+            </a:r>
+          </a:p>
+          <a:p>
+            <a:pPr marL="342900" indent="-342900" eaLnBrk="0" hangingPunct="0">
               <a:buFont typeface="Arial" charset="0"/>
             </a:pPr>
             <a:r>
-              <a:rPr lang="en-US" sz="1600" dirty="0">
-                <a:solidFill>
-                  <a:schemeClr val="tx1"/>
-                </a:solidFill>
-                <a:latin typeface="微软雅黑" pitchFamily="34" charset="-122"/>
-                <a:ea typeface="微软雅黑" pitchFamily="34" charset="-122"/>
-              </a:rPr>
-              <a:t>} </a:t>
-            </a:r>
+              <a:rPr lang="en-US" altLang="zh-CN" dirty="0"/>
+              <a:t>      try {</a:t>
+            </a:r>
+          </a:p>
+          <a:p>
+            <a:pPr marL="342900" indent="-342900" eaLnBrk="0" hangingPunct="0">
+              <a:buFont typeface="Arial" charset="0"/>
+            </a:pPr>
+            <a:r>
+              <a:rPr lang="en-US" altLang="zh-CN" dirty="0"/>
+              <a:t>            </a:t>
+            </a:r>
+            <a:r>
+              <a:rPr lang="en-US" altLang="zh-CN" dirty="0" err="1"/>
+              <a:t>i</a:t>
+            </a:r>
+            <a:r>
+              <a:rPr lang="en-US" altLang="zh-CN" dirty="0"/>
+              <a:t> = a / b; </a:t>
+            </a:r>
+          </a:p>
+          <a:p>
+            <a:pPr marL="342900" indent="-342900" eaLnBrk="0" hangingPunct="0">
+              <a:buFont typeface="Arial" charset="0"/>
+            </a:pPr>
+            <a:r>
+              <a:rPr lang="en-US" altLang="zh-CN" dirty="0"/>
+              <a:t>            </a:t>
+            </a:r>
+            <a:r>
+              <a:rPr lang="en-US" altLang="zh-CN" dirty="0" err="1"/>
+              <a:t>System.out.println</a:t>
+            </a:r>
+            <a:r>
+              <a:rPr lang="en-US" altLang="zh-CN" dirty="0"/>
+              <a:t>("try block"); </a:t>
+            </a:r>
+          </a:p>
+          <a:p>
+            <a:pPr marL="342900" indent="-342900" eaLnBrk="0" hangingPunct="0">
+              <a:buFont typeface="Arial" charset="0"/>
+            </a:pPr>
+            <a:r>
+              <a:rPr lang="en-US" altLang="zh-CN" dirty="0"/>
+              <a:t>      }catch(Exception e){</a:t>
+            </a:r>
+          </a:p>
+          <a:p>
+            <a:pPr marL="342900" indent="-342900" eaLnBrk="0" hangingPunct="0">
+              <a:buFont typeface="Arial" charset="0"/>
+            </a:pPr>
+            <a:r>
+              <a:rPr lang="en-US" altLang="zh-CN" dirty="0"/>
+              <a:t>            </a:t>
+            </a:r>
+            <a:r>
+              <a:rPr lang="en-US" altLang="zh-CN" dirty="0" err="1"/>
+              <a:t>System.out.println</a:t>
+            </a:r>
+            <a:r>
+              <a:rPr lang="en-US" altLang="zh-CN" dirty="0"/>
+              <a:t>("</a:t>
+            </a:r>
+            <a:r>
+              <a:rPr lang="zh-CN" altLang="en-US" dirty="0"/>
+              <a:t>发生异常，请处理该异常！</a:t>
+            </a:r>
+            <a:r>
+              <a:rPr lang="en-US" altLang="zh-CN" dirty="0"/>
+              <a:t>");</a:t>
+            </a:r>
+          </a:p>
+          <a:p>
+            <a:pPr marL="342900" indent="-342900" eaLnBrk="0" hangingPunct="0">
+              <a:buFont typeface="Arial" charset="0"/>
+            </a:pPr>
+            <a:r>
+              <a:rPr lang="en-US" altLang="zh-CN" dirty="0"/>
+              <a:t>      }finally { </a:t>
+            </a:r>
+          </a:p>
+          <a:p>
+            <a:pPr marL="342900" indent="-342900" eaLnBrk="0" hangingPunct="0">
+              <a:buFont typeface="Arial" charset="0"/>
+            </a:pPr>
+            <a:r>
+              <a:rPr lang="en-US" altLang="zh-CN" dirty="0"/>
+              <a:t>            </a:t>
+            </a:r>
+            <a:r>
+              <a:rPr lang="en-US" altLang="zh-CN" dirty="0" err="1"/>
+              <a:t>System.out.println</a:t>
+            </a:r>
+            <a:r>
+              <a:rPr lang="en-US" altLang="zh-CN" dirty="0"/>
+              <a:t>("finally block,</a:t>
+            </a:r>
+            <a:r>
+              <a:rPr lang="zh-CN" altLang="en-US" dirty="0"/>
+              <a:t>系统资源被释放！</a:t>
+            </a:r>
+            <a:r>
+              <a:rPr lang="en-US" altLang="zh-CN" dirty="0"/>
+              <a:t>"); </a:t>
+            </a:r>
+          </a:p>
+          <a:p>
+            <a:pPr marL="342900" indent="-342900" eaLnBrk="0" hangingPunct="0">
+              <a:buFont typeface="Arial" charset="0"/>
+            </a:pPr>
+            <a:r>
+              <a:rPr lang="zh-CN" altLang="en-US" dirty="0"/>
+              <a:t>      </a:t>
+            </a:r>
+            <a:r>
+              <a:rPr lang="en-US" altLang="zh-CN" dirty="0"/>
+              <a:t>}</a:t>
+            </a:r>
+          </a:p>
+          <a:p>
+            <a:pPr marL="342900" indent="-342900" eaLnBrk="0" hangingPunct="0">
+              <a:buFont typeface="Arial" charset="0"/>
+            </a:pPr>
+            <a:r>
+              <a:rPr lang="en-US" altLang="zh-CN" dirty="0"/>
+              <a:t>      return </a:t>
+            </a:r>
+            <a:r>
+              <a:rPr lang="en-US" altLang="zh-CN" dirty="0" err="1"/>
+              <a:t>i</a:t>
+            </a:r>
+            <a:r>
+              <a:rPr lang="en-US" altLang="zh-CN" dirty="0"/>
+              <a:t>; </a:t>
+            </a:r>
+          </a:p>
+          <a:p>
+            <a:pPr marL="342900" indent="-342900" eaLnBrk="0" hangingPunct="0">
+              <a:buFont typeface="Arial" charset="0"/>
+            </a:pPr>
+            <a:r>
+              <a:rPr lang="en-US" altLang="zh-CN" dirty="0"/>
+              <a:t>}</a:t>
+            </a:r>
+            <a:endParaRPr lang="en-US" dirty="0"/>
           </a:p>
         </p:txBody>
       </p:sp>
@@ -10245,12 +9982,12 @@
           <a:lstStyle/>
           <a:p>
             <a:r>
-              <a:rPr lang="zh-CN" altLang="en-US" smtClean="0"/>
-              <a:t>判断除数为</a:t>
-            </a:r>
-            <a:r>
               <a:rPr lang="en-US" altLang="zh-CN" smtClean="0"/>
-              <a:t>0</a:t>
+              <a:t>try-catch-finally</a:t>
+            </a:r>
+            <a:r>
+              <a:rPr lang="zh-CN" altLang="en-US" smtClean="0"/>
+              <a:t>使用注意事项</a:t>
             </a:r>
             <a:endParaRPr lang="zh-CN" altLang="en-US" dirty="0"/>
           </a:p>
@@ -10272,34 +10009,135 @@
           <a:lstStyle/>
           <a:p>
             <a:r>
-              <a:rPr lang="zh-CN" altLang="en-US" smtClean="0"/>
-              <a:t>分支结构</a:t>
-            </a:r>
-            <a:endParaRPr lang="en-US" altLang="zh-CN" smtClean="0"/>
-          </a:p>
-          <a:p>
-            <a:endParaRPr lang="en-US" altLang="zh-CN" smtClean="0"/>
-          </a:p>
-          <a:p>
-            <a:endParaRPr lang="en-US" altLang="zh-CN" smtClean="0"/>
-          </a:p>
-          <a:p>
-            <a:endParaRPr lang="en-US" altLang="zh-CN" smtClean="0"/>
-          </a:p>
-          <a:p>
-            <a:endParaRPr lang="en-US" altLang="zh-CN" smtClean="0"/>
-          </a:p>
-          <a:p>
-            <a:endParaRPr lang="en-US" altLang="zh-CN" smtClean="0"/>
-          </a:p>
-          <a:p>
-            <a:r>
-              <a:rPr lang="zh-CN" altLang="en-US" smtClean="0"/>
-              <a:t>异常处理</a:t>
-            </a:r>
-            <a:r>
-              <a:rPr lang="en-US" altLang="zh-CN" smtClean="0"/>
-              <a:t>(DivisionZeroExceptionDemo)</a:t>
+              <a:rPr lang="en-US" altLang="zh-CN" dirty="0" smtClean="0"/>
+              <a:t>try</a:t>
+            </a:r>
+            <a:r>
+              <a:rPr lang="zh-CN" altLang="en-US" dirty="0" smtClean="0"/>
+              <a:t>、</a:t>
+            </a:r>
+            <a:r>
+              <a:rPr lang="en-US" altLang="zh-CN" dirty="0" smtClean="0"/>
+              <a:t>catch</a:t>
+            </a:r>
+            <a:r>
+              <a:rPr lang="zh-CN" altLang="en-US" dirty="0" smtClean="0"/>
+              <a:t>、</a:t>
+            </a:r>
+            <a:r>
+              <a:rPr lang="en-US" altLang="zh-CN" dirty="0" smtClean="0"/>
+              <a:t>finally</a:t>
+            </a:r>
+            <a:r>
+              <a:rPr lang="zh-CN" altLang="en-US" dirty="0" smtClean="0"/>
+              <a:t>通常结合使用，需要注意以下事项</a:t>
+            </a:r>
+            <a:endParaRPr lang="en-US" altLang="zh-CN" dirty="0" smtClean="0"/>
+          </a:p>
+          <a:p>
+            <a:pPr lvl="1"/>
+            <a:r>
+              <a:rPr lang="zh-CN" altLang="en-US" dirty="0" smtClean="0"/>
+              <a:t>无 </a:t>
+            </a:r>
+            <a:r>
+              <a:rPr lang="en-US" altLang="zh-CN" dirty="0" smtClean="0"/>
+              <a:t>catch </a:t>
+            </a:r>
+            <a:r>
+              <a:rPr lang="zh-CN" altLang="en-US" dirty="0" smtClean="0"/>
+              <a:t>时 </a:t>
+            </a:r>
+            <a:r>
+              <a:rPr lang="en-US" altLang="zh-CN" dirty="0" smtClean="0"/>
+              <a:t>finally </a:t>
+            </a:r>
+            <a:r>
+              <a:rPr lang="zh-CN" altLang="en-US" dirty="0" smtClean="0"/>
+              <a:t>必须紧跟 </a:t>
+            </a:r>
+            <a:r>
+              <a:rPr lang="en-US" altLang="zh-CN" dirty="0" smtClean="0"/>
+              <a:t>try</a:t>
+            </a:r>
+          </a:p>
+          <a:p>
+            <a:pPr lvl="1"/>
+            <a:endParaRPr lang="en-US" altLang="zh-CN" dirty="0" smtClean="0"/>
+          </a:p>
+          <a:p>
+            <a:pPr lvl="1"/>
+            <a:endParaRPr lang="en-US" altLang="zh-CN" dirty="0" smtClean="0"/>
+          </a:p>
+          <a:p>
+            <a:pPr lvl="1"/>
+            <a:endParaRPr lang="en-US" altLang="zh-CN" dirty="0" smtClean="0"/>
+          </a:p>
+          <a:p>
+            <a:pPr lvl="1"/>
+            <a:endParaRPr lang="en-US" altLang="zh-CN" dirty="0" smtClean="0"/>
+          </a:p>
+          <a:p>
+            <a:pPr lvl="1"/>
+            <a:endParaRPr lang="en-US" altLang="zh-CN" dirty="0" smtClean="0"/>
+          </a:p>
+          <a:p>
+            <a:pPr lvl="1"/>
+            <a:endParaRPr lang="en-US" altLang="zh-CN" dirty="0" smtClean="0"/>
+          </a:p>
+          <a:p>
+            <a:pPr lvl="1"/>
+            <a:endParaRPr lang="en-US" altLang="zh-CN" dirty="0" smtClean="0"/>
+          </a:p>
+          <a:p>
+            <a:pPr lvl="1"/>
+            <a:endParaRPr lang="en-US" altLang="zh-CN" dirty="0" smtClean="0"/>
+          </a:p>
+          <a:p>
+            <a:pPr lvl="1"/>
+            <a:r>
+              <a:rPr lang="en-US" altLang="zh-CN" dirty="0" smtClean="0"/>
+              <a:t>catch </a:t>
+            </a:r>
+            <a:r>
+              <a:rPr lang="zh-CN" altLang="en-US" dirty="0" smtClean="0"/>
+              <a:t>与 </a:t>
+            </a:r>
+            <a:r>
+              <a:rPr lang="en-US" altLang="zh-CN" dirty="0" smtClean="0"/>
+              <a:t>finally </a:t>
+            </a:r>
+            <a:r>
+              <a:rPr lang="zh-CN" altLang="en-US" dirty="0" smtClean="0"/>
+              <a:t>不能同时省略</a:t>
+            </a:r>
+            <a:endParaRPr lang="en-US" altLang="zh-CN" dirty="0" smtClean="0"/>
+          </a:p>
+          <a:p>
+            <a:pPr lvl="1"/>
+            <a:r>
+              <a:rPr lang="en-US" altLang="zh-CN" dirty="0" smtClean="0"/>
+              <a:t>try</a:t>
+            </a:r>
+            <a:r>
+              <a:rPr lang="zh-CN" altLang="en-US" dirty="0" smtClean="0"/>
+              <a:t>、</a:t>
+            </a:r>
+            <a:r>
+              <a:rPr lang="en-US" altLang="zh-CN" dirty="0" smtClean="0"/>
+              <a:t>catch </a:t>
+            </a:r>
+            <a:r>
+              <a:rPr lang="zh-CN" altLang="en-US" dirty="0" smtClean="0"/>
+              <a:t>和 </a:t>
+            </a:r>
+            <a:r>
+              <a:rPr lang="en-US" altLang="zh-CN" dirty="0" smtClean="0"/>
+              <a:t>finally </a:t>
+            </a:r>
+            <a:r>
+              <a:rPr lang="zh-CN" altLang="en-US" dirty="0" smtClean="0"/>
+              <a:t>语句块之间不能插入任何代码（注释除外）</a:t>
             </a:r>
             <a:endParaRPr lang="zh-CN" altLang="en-US" dirty="0"/>
           </a:p>
@@ -10307,7 +10145,7 @@
       </p:sp>
       <p:sp>
         <p:nvSpPr>
-          <p:cNvPr id="5" name="Rectangle 4"/>
+          <p:cNvPr id="4" name="Rectangle 4"/>
           <p:cNvSpPr>
             <a:spLocks noChangeArrowheads="1"/>
           </p:cNvSpPr>
@@ -10315,8 +10153,8 @@
         </p:nvSpPr>
         <p:spPr bwMode="auto">
           <a:xfrm>
-            <a:off x="2411760" y="1124744"/>
-            <a:ext cx="5976664" cy="2592288"/>
+            <a:off x="1259632" y="2060848"/>
+            <a:ext cx="5562600" cy="2808312"/>
           </a:xfrm>
           <a:prstGeom prst="rect">
             <a:avLst/>
@@ -10337,290 +10175,332 @@
           <a:bodyPr wrap="none"/>
           <a:lstStyle/>
           <a:p>
-            <a:pPr marL="342900" indent="-342900" eaLnBrk="0" hangingPunct="0">
+            <a:pPr lvl="1" eaLnBrk="0" hangingPunct="0">
+              <a:lnSpc>
+                <a:spcPct val="120000"/>
+              </a:lnSpc>
+              <a:spcBef>
+                <a:spcPct val="20000"/>
+              </a:spcBef>
               <a:buFont typeface="Arial" charset="0"/>
             </a:pPr>
             <a:r>
-              <a:rPr lang="en-US" altLang="zh-CN" dirty="0" err="1"/>
-              <a:t>int</a:t>
-            </a:r>
-            <a:r>
-              <a:rPr lang="en-US" altLang="zh-CN" dirty="0"/>
-              <a:t> division(</a:t>
-            </a:r>
-            <a:r>
-              <a:rPr lang="en-US" altLang="zh-CN" dirty="0" err="1"/>
-              <a:t>int</a:t>
-            </a:r>
-            <a:r>
-              <a:rPr lang="en-US" altLang="zh-CN" dirty="0"/>
-              <a:t> a, </a:t>
-            </a:r>
-            <a:r>
-              <a:rPr lang="en-US" altLang="zh-CN" dirty="0" err="1"/>
-              <a:t>int</a:t>
-            </a:r>
-            <a:r>
-              <a:rPr lang="en-US" altLang="zh-CN" dirty="0"/>
-              <a:t> b){</a:t>
-            </a:r>
-          </a:p>
-          <a:p>
-            <a:pPr marL="342900" indent="-342900" eaLnBrk="0" hangingPunct="0">
+              <a:rPr lang="en-US" sz="1600" dirty="0">
+                <a:solidFill>
+                  <a:schemeClr val="tx1"/>
+                </a:solidFill>
+                <a:latin typeface="微软雅黑" pitchFamily="34" charset="-122"/>
+                <a:ea typeface="微软雅黑" pitchFamily="34" charset="-122"/>
+              </a:rPr>
+              <a:t>try{</a:t>
+            </a:r>
+          </a:p>
+          <a:p>
+            <a:pPr lvl="1" eaLnBrk="0" hangingPunct="0">
+              <a:lnSpc>
+                <a:spcPct val="120000"/>
+              </a:lnSpc>
+              <a:spcBef>
+                <a:spcPct val="20000"/>
+              </a:spcBef>
               <a:buFont typeface="Arial" charset="0"/>
             </a:pPr>
             <a:r>
-              <a:rPr lang="en-US" altLang="zh-CN" dirty="0"/>
-              <a:t>      if</a:t>
-            </a:r>
-            <a:r>
-              <a:rPr lang="en-US" dirty="0"/>
-              <a:t>(b == 0){</a:t>
-            </a:r>
-          </a:p>
-          <a:p>
-            <a:pPr lvl="1"/>
-            <a:r>
-              <a:rPr lang="en-US" dirty="0"/>
-              <a:t>      </a:t>
-            </a:r>
-            <a:r>
-              <a:rPr lang="en-US" dirty="0" err="1"/>
-              <a:t>System.out.println</a:t>
-            </a:r>
-            <a:r>
-              <a:rPr lang="en-US" dirty="0"/>
-              <a:t>(“ERROR: </a:t>
-            </a:r>
-            <a:r>
-              <a:rPr lang="zh-CN" altLang="en-US" dirty="0"/>
-              <a:t>除数为</a:t>
-            </a:r>
-            <a:r>
-              <a:rPr lang="en-US" altLang="zh-CN" dirty="0"/>
-              <a:t>0</a:t>
-            </a:r>
-            <a:r>
-              <a:rPr lang="en-US" dirty="0"/>
-              <a:t>”);</a:t>
-            </a:r>
-          </a:p>
-          <a:p>
-            <a:pPr lvl="1"/>
-            <a:r>
-              <a:rPr lang="en-US" dirty="0"/>
-              <a:t>      }</a:t>
-            </a:r>
-            <a:r>
-              <a:rPr lang="en-US" altLang="zh-CN" dirty="0"/>
-              <a:t>else</a:t>
-            </a:r>
-            <a:r>
-              <a:rPr lang="en-US" dirty="0"/>
-              <a:t>{</a:t>
-            </a:r>
-          </a:p>
-          <a:p>
-            <a:pPr lvl="1"/>
-            <a:r>
-              <a:rPr lang="en-US" dirty="0"/>
-              <a:t>      </a:t>
-            </a:r>
-            <a:r>
-              <a:rPr lang="en-US" dirty="0" err="1"/>
-              <a:t>System.out.println</a:t>
-            </a:r>
-            <a:r>
-              <a:rPr lang="en-US" dirty="0"/>
-              <a:t>(“</a:t>
-            </a:r>
-            <a:r>
-              <a:rPr lang="en-US" altLang="zh-CN" dirty="0"/>
-              <a:t>result: </a:t>
-            </a:r>
-            <a:r>
-              <a:rPr lang="en-US" dirty="0"/>
-              <a:t>”+</a:t>
-            </a:r>
-            <a:r>
-              <a:rPr lang="en-US" altLang="zh-CN" dirty="0"/>
-              <a:t> a/b</a:t>
-            </a:r>
-            <a:r>
-              <a:rPr lang="en-US" dirty="0"/>
-              <a:t>);</a:t>
-            </a:r>
-          </a:p>
-          <a:p>
-            <a:pPr lvl="1"/>
-            <a:r>
-              <a:rPr lang="zh-CN" altLang="en-US" dirty="0"/>
-              <a:t> </a:t>
-            </a:r>
-            <a:r>
-              <a:rPr lang="en-US" dirty="0"/>
-              <a:t>}    </a:t>
-            </a:r>
-          </a:p>
-          <a:p>
-            <a:pPr marL="342900" indent="-342900" eaLnBrk="0" hangingPunct="0">
+              <a:rPr lang="en-US" sz="1600" dirty="0">
+                <a:solidFill>
+                  <a:schemeClr val="tx1"/>
+                </a:solidFill>
+                <a:latin typeface="微软雅黑" pitchFamily="34" charset="-122"/>
+                <a:ea typeface="微软雅黑" pitchFamily="34" charset="-122"/>
+              </a:rPr>
+              <a:t>    //</a:t>
+            </a:r>
+            <a:r>
+              <a:rPr lang="zh-CN" altLang="en-US" sz="1600" dirty="0">
+                <a:solidFill>
+                  <a:schemeClr val="tx1"/>
+                </a:solidFill>
+                <a:latin typeface="微软雅黑" pitchFamily="34" charset="-122"/>
+                <a:ea typeface="微软雅黑" pitchFamily="34" charset="-122"/>
+              </a:rPr>
+              <a:t>受监视的代码块</a:t>
+            </a:r>
+            <a:endParaRPr lang="en-US" sz="1600" dirty="0">
+              <a:solidFill>
+                <a:schemeClr val="tx1"/>
+              </a:solidFill>
+              <a:latin typeface="微软雅黑" pitchFamily="34" charset="-122"/>
+              <a:ea typeface="微软雅黑" pitchFamily="34" charset="-122"/>
+            </a:endParaRPr>
+          </a:p>
+          <a:p>
+            <a:pPr lvl="1" eaLnBrk="0" hangingPunct="0">
+              <a:lnSpc>
+                <a:spcPct val="120000"/>
+              </a:lnSpc>
+              <a:spcBef>
+                <a:spcPct val="20000"/>
+              </a:spcBef>
               <a:buFont typeface="Arial" charset="0"/>
             </a:pPr>
             <a:r>
-              <a:rPr lang="en-US" dirty="0"/>
-              <a:t>}</a:t>
-            </a:r>
-          </a:p>
-        </p:txBody>
-      </p:sp>
-      <p:sp>
-        <p:nvSpPr>
-          <p:cNvPr id="6" name="Rectangle 4"/>
-          <p:cNvSpPr>
-            <a:spLocks noChangeArrowheads="1"/>
-          </p:cNvSpPr>
-          <p:nvPr/>
-        </p:nvSpPr>
-        <p:spPr bwMode="auto">
-          <a:xfrm>
-            <a:off x="2195736" y="4335625"/>
-            <a:ext cx="5562600" cy="2232248"/>
-          </a:xfrm>
-          <a:prstGeom prst="rect">
-            <a:avLst/>
-          </a:prstGeom>
-          <a:solidFill>
-            <a:srgbClr val="FFCC99"/>
-          </a:solidFill>
-          <a:ln w="9525">
-            <a:solidFill>
-              <a:schemeClr val="bg1"/>
-            </a:solidFill>
-            <a:miter lim="800000"/>
-            <a:headEnd/>
-            <a:tailEnd/>
-          </a:ln>
-        </p:spPr>
-        <p:txBody>
-          <a:bodyPr wrap="none"/>
-          <a:lstStyle/>
-          <a:p>
-            <a:pPr marL="342900" indent="-342900" eaLnBrk="0" hangingPunct="0">
+              <a:rPr lang="en-US" sz="1600" dirty="0">
+                <a:solidFill>
+                  <a:schemeClr val="tx1"/>
+                </a:solidFill>
+                <a:latin typeface="微软雅黑" pitchFamily="34" charset="-122"/>
+                <a:ea typeface="微软雅黑" pitchFamily="34" charset="-122"/>
+              </a:rPr>
+              <a:t>    </a:t>
+            </a:r>
+            <a:r>
+              <a:rPr lang="en-US" altLang="zh-CN" sz="1600" dirty="0" err="1">
+                <a:solidFill>
+                  <a:schemeClr val="tx1"/>
+                </a:solidFill>
+                <a:latin typeface="微软雅黑" pitchFamily="34" charset="-122"/>
+                <a:ea typeface="微软雅黑" pitchFamily="34" charset="-122"/>
+              </a:rPr>
+              <a:t>System.out.println</a:t>
+            </a:r>
+            <a:r>
+              <a:rPr lang="en-US" altLang="zh-CN" sz="1600" dirty="0">
+                <a:solidFill>
+                  <a:schemeClr val="tx1"/>
+                </a:solidFill>
+                <a:latin typeface="微软雅黑" pitchFamily="34" charset="-122"/>
+                <a:ea typeface="微软雅黑" pitchFamily="34" charset="-122"/>
+              </a:rPr>
+              <a:t>(“</a:t>
+            </a:r>
+            <a:r>
+              <a:rPr lang="zh-CN" altLang="en-US" sz="1600" dirty="0">
+                <a:solidFill>
+                  <a:schemeClr val="tx1"/>
+                </a:solidFill>
+                <a:latin typeface="微软雅黑" pitchFamily="34" charset="-122"/>
+                <a:ea typeface="微软雅黑" pitchFamily="34" charset="-122"/>
+              </a:rPr>
+              <a:t>这里是</a:t>
+            </a:r>
+            <a:r>
+              <a:rPr lang="en-US" altLang="zh-CN" sz="1600" dirty="0">
+                <a:solidFill>
+                  <a:schemeClr val="tx1"/>
+                </a:solidFill>
+                <a:latin typeface="微软雅黑" pitchFamily="34" charset="-122"/>
+                <a:ea typeface="微软雅黑" pitchFamily="34" charset="-122"/>
+              </a:rPr>
+              <a:t>try</a:t>
+            </a:r>
+            <a:r>
+              <a:rPr lang="zh-CN" altLang="en-US" sz="1600" dirty="0">
+                <a:solidFill>
+                  <a:schemeClr val="tx1"/>
+                </a:solidFill>
+                <a:latin typeface="微软雅黑" pitchFamily="34" charset="-122"/>
+                <a:ea typeface="微软雅黑" pitchFamily="34" charset="-122"/>
+              </a:rPr>
+              <a:t>块</a:t>
+            </a:r>
+            <a:r>
+              <a:rPr lang="en-US" altLang="zh-CN" sz="1600" dirty="0">
+                <a:solidFill>
+                  <a:schemeClr val="tx1"/>
+                </a:solidFill>
+                <a:latin typeface="微软雅黑" pitchFamily="34" charset="-122"/>
+                <a:ea typeface="微软雅黑" pitchFamily="34" charset="-122"/>
+              </a:rPr>
+              <a:t>”);</a:t>
+            </a:r>
+            <a:r>
+              <a:rPr lang="zh-CN" altLang="en-US" sz="1600" dirty="0">
+                <a:solidFill>
+                  <a:schemeClr val="tx1"/>
+                </a:solidFill>
+                <a:latin typeface="微软雅黑" pitchFamily="34" charset="-122"/>
+                <a:ea typeface="微软雅黑" pitchFamily="34" charset="-122"/>
+              </a:rPr>
+              <a:t>   </a:t>
+            </a:r>
+          </a:p>
+          <a:p>
+            <a:pPr lvl="1" eaLnBrk="0" hangingPunct="0">
+              <a:lnSpc>
+                <a:spcPct val="120000"/>
+              </a:lnSpc>
+              <a:spcBef>
+                <a:spcPct val="20000"/>
+              </a:spcBef>
               <a:buFont typeface="Arial" charset="0"/>
             </a:pPr>
             <a:r>
-              <a:rPr lang="en-US" altLang="zh-CN" dirty="0"/>
-              <a:t>void division(</a:t>
-            </a:r>
-            <a:r>
-              <a:rPr lang="en-US" altLang="zh-CN" dirty="0" err="1"/>
-              <a:t>int</a:t>
-            </a:r>
-            <a:r>
-              <a:rPr lang="en-US" altLang="zh-CN" dirty="0"/>
-              <a:t> a, </a:t>
-            </a:r>
-            <a:r>
-              <a:rPr lang="en-US" altLang="zh-CN" dirty="0" err="1"/>
-              <a:t>int</a:t>
-            </a:r>
-            <a:r>
-              <a:rPr lang="en-US" altLang="zh-CN" dirty="0"/>
-              <a:t> b){</a:t>
-            </a:r>
-          </a:p>
-          <a:p>
-            <a:pPr marL="342900" indent="-342900" eaLnBrk="0" hangingPunct="0">
+              <a:rPr lang="en-US" sz="1600" dirty="0">
+                <a:solidFill>
+                  <a:schemeClr val="tx1"/>
+                </a:solidFill>
+                <a:latin typeface="微软雅黑" pitchFamily="34" charset="-122"/>
+                <a:ea typeface="微软雅黑" pitchFamily="34" charset="-122"/>
+              </a:rPr>
+              <a:t>} </a:t>
+            </a:r>
+          </a:p>
+          <a:p>
+            <a:pPr lvl="1" eaLnBrk="0" hangingPunct="0">
+              <a:lnSpc>
+                <a:spcPct val="120000"/>
+              </a:lnSpc>
+              <a:spcBef>
+                <a:spcPct val="20000"/>
+              </a:spcBef>
               <a:buFont typeface="Arial" charset="0"/>
             </a:pPr>
             <a:r>
-              <a:rPr lang="en-US" altLang="zh-CN" dirty="0"/>
-              <a:t>      try{</a:t>
-            </a:r>
-          </a:p>
-          <a:p>
-            <a:pPr marL="342900" indent="-342900" eaLnBrk="0" hangingPunct="0">
+              <a:rPr lang="en-US" sz="1600" dirty="0">
+                <a:solidFill>
+                  <a:schemeClr val="tx1"/>
+                </a:solidFill>
+                <a:latin typeface="微软雅黑" pitchFamily="34" charset="-122"/>
+                <a:ea typeface="微软雅黑" pitchFamily="34" charset="-122"/>
+              </a:rPr>
+              <a:t>//</a:t>
+            </a:r>
+            <a:r>
+              <a:rPr lang="en-US" altLang="zh-CN" sz="1600" dirty="0">
+                <a:solidFill>
+                  <a:schemeClr val="tx1"/>
+                </a:solidFill>
+                <a:latin typeface="微软雅黑" pitchFamily="34" charset="-122"/>
+                <a:ea typeface="微软雅黑" pitchFamily="34" charset="-122"/>
+              </a:rPr>
+              <a:t>finally</a:t>
+            </a:r>
+            <a:r>
+              <a:rPr lang="zh-CN" altLang="en-US" sz="1600" dirty="0">
+                <a:solidFill>
+                  <a:schemeClr val="tx1"/>
+                </a:solidFill>
+                <a:latin typeface="微软雅黑" pitchFamily="34" charset="-122"/>
+                <a:ea typeface="微软雅黑" pitchFamily="34" charset="-122"/>
+              </a:rPr>
+              <a:t>语句块</a:t>
+            </a:r>
+            <a:endParaRPr lang="en-US" sz="1600" dirty="0">
+              <a:solidFill>
+                <a:schemeClr val="tx1"/>
+              </a:solidFill>
+              <a:latin typeface="微软雅黑" pitchFamily="34" charset="-122"/>
+              <a:ea typeface="微软雅黑" pitchFamily="34" charset="-122"/>
+            </a:endParaRPr>
+          </a:p>
+          <a:p>
+            <a:pPr lvl="1" eaLnBrk="0" hangingPunct="0">
+              <a:lnSpc>
+                <a:spcPct val="120000"/>
+              </a:lnSpc>
+              <a:spcBef>
+                <a:spcPct val="20000"/>
+              </a:spcBef>
               <a:buFont typeface="Arial" charset="0"/>
             </a:pPr>
             <a:r>
-              <a:rPr lang="en-US" altLang="zh-CN" dirty="0"/>
-              <a:t>	</a:t>
-            </a:r>
-            <a:r>
-              <a:rPr lang="en-US" altLang="zh-CN" dirty="0" err="1"/>
-              <a:t>System.out.print</a:t>
-            </a:r>
-            <a:r>
-              <a:rPr lang="en-US" altLang="zh-CN" dirty="0"/>
-              <a:t>(a/b);</a:t>
-            </a:r>
-          </a:p>
-          <a:p>
-            <a:pPr marL="342900" indent="-342900" eaLnBrk="0" hangingPunct="0">
+              <a:rPr lang="en-US" sz="1600" dirty="0">
+                <a:solidFill>
+                  <a:schemeClr val="tx1"/>
+                </a:solidFill>
+                <a:latin typeface="微软雅黑" pitchFamily="34" charset="-122"/>
+                <a:ea typeface="微软雅黑" pitchFamily="34" charset="-122"/>
+              </a:rPr>
+              <a:t>finally {</a:t>
+            </a:r>
+          </a:p>
+          <a:p>
+            <a:pPr lvl="1" eaLnBrk="0" hangingPunct="0">
+              <a:lnSpc>
+                <a:spcPct val="120000"/>
+              </a:lnSpc>
+              <a:spcBef>
+                <a:spcPct val="20000"/>
+              </a:spcBef>
               <a:buFont typeface="Arial" charset="0"/>
             </a:pPr>
             <a:r>
-              <a:rPr lang="en-US" altLang="zh-CN" dirty="0"/>
-              <a:t>      }catch(</a:t>
-            </a:r>
-            <a:r>
-              <a:rPr lang="en-US" altLang="zh-CN" dirty="0" err="1"/>
-              <a:t>ArithmeticException</a:t>
-            </a:r>
-            <a:r>
-              <a:rPr lang="en-US" altLang="zh-CN" dirty="0"/>
-              <a:t> e){</a:t>
-            </a:r>
-          </a:p>
-          <a:p>
-            <a:pPr marL="342900" indent="-342900" eaLnBrk="0" hangingPunct="0">
+              <a:rPr lang="en-US" altLang="zh-CN" sz="1600" dirty="0">
+                <a:solidFill>
+                  <a:schemeClr val="tx1"/>
+                </a:solidFill>
+                <a:latin typeface="微软雅黑" pitchFamily="34" charset="-122"/>
+                <a:ea typeface="微软雅黑" pitchFamily="34" charset="-122"/>
+              </a:rPr>
+              <a:t> </a:t>
+            </a:r>
+            <a:r>
+              <a:rPr lang="en-US" altLang="zh-CN" sz="1600" dirty="0" err="1">
+                <a:solidFill>
+                  <a:schemeClr val="tx1"/>
+                </a:solidFill>
+                <a:latin typeface="微软雅黑" pitchFamily="34" charset="-122"/>
+                <a:ea typeface="微软雅黑" pitchFamily="34" charset="-122"/>
+              </a:rPr>
+              <a:t>System.out.println</a:t>
+            </a:r>
+            <a:r>
+              <a:rPr lang="en-US" altLang="zh-CN" sz="1600" dirty="0">
+                <a:solidFill>
+                  <a:schemeClr val="tx1"/>
+                </a:solidFill>
+                <a:latin typeface="微软雅黑" pitchFamily="34" charset="-122"/>
+                <a:ea typeface="微软雅黑" pitchFamily="34" charset="-122"/>
+              </a:rPr>
+              <a:t>(“</a:t>
+            </a:r>
+            <a:r>
+              <a:rPr lang="zh-CN" altLang="en-US" sz="1600" dirty="0">
+                <a:solidFill>
+                  <a:schemeClr val="tx1"/>
+                </a:solidFill>
+                <a:latin typeface="微软雅黑" pitchFamily="34" charset="-122"/>
+                <a:ea typeface="微软雅黑" pitchFamily="34" charset="-122"/>
+              </a:rPr>
+              <a:t>无论是否异常总会执行</a:t>
+            </a:r>
+            <a:r>
+              <a:rPr lang="en-US" altLang="zh-CN" sz="1600" dirty="0">
+                <a:solidFill>
+                  <a:schemeClr val="tx1"/>
+                </a:solidFill>
+                <a:latin typeface="微软雅黑" pitchFamily="34" charset="-122"/>
+                <a:ea typeface="微软雅黑" pitchFamily="34" charset="-122"/>
+              </a:rPr>
+              <a:t>”);</a:t>
+            </a:r>
+            <a:endParaRPr lang="zh-CN" altLang="en-US" sz="1600" dirty="0">
+              <a:solidFill>
+                <a:schemeClr val="tx1"/>
+              </a:solidFill>
+              <a:latin typeface="微软雅黑" pitchFamily="34" charset="-122"/>
+              <a:ea typeface="微软雅黑" pitchFamily="34" charset="-122"/>
+            </a:endParaRPr>
+          </a:p>
+          <a:p>
+            <a:pPr lvl="1" eaLnBrk="0" hangingPunct="0">
+              <a:lnSpc>
+                <a:spcPct val="120000"/>
+              </a:lnSpc>
+              <a:spcBef>
+                <a:spcPct val="20000"/>
+              </a:spcBef>
               <a:buFont typeface="Arial" charset="0"/>
             </a:pPr>
             <a:r>
-              <a:rPr lang="en-US" altLang="zh-CN" dirty="0"/>
-              <a:t>	</a:t>
-            </a:r>
-            <a:r>
-              <a:rPr lang="en-US" altLang="zh-CN" dirty="0" err="1"/>
-              <a:t>System.out.print</a:t>
-            </a:r>
-            <a:r>
-              <a:rPr lang="en-US" altLang="zh-CN" dirty="0"/>
-              <a:t>("ERROR</a:t>
-            </a:r>
-            <a:r>
-              <a:rPr lang="zh-CN" altLang="en-US" dirty="0"/>
-              <a:t>：除数为</a:t>
-            </a:r>
-            <a:r>
-              <a:rPr lang="en-US" altLang="zh-CN" dirty="0"/>
-              <a:t>0</a:t>
-            </a:r>
-            <a:r>
-              <a:rPr lang="zh-CN" altLang="en-US" dirty="0"/>
-              <a:t>！</a:t>
-            </a:r>
-            <a:r>
-              <a:rPr lang="en-US" altLang="zh-CN" dirty="0"/>
-              <a:t>");</a:t>
-            </a:r>
-          </a:p>
-          <a:p>
-            <a:pPr marL="342900" indent="-342900" eaLnBrk="0" hangingPunct="0">
-              <a:buFont typeface="Arial" charset="0"/>
-            </a:pPr>
-            <a:r>
-              <a:rPr lang="en-US" altLang="zh-CN" dirty="0"/>
-              <a:t>      }</a:t>
-            </a:r>
-          </a:p>
-          <a:p>
-            <a:pPr marL="342900" indent="-342900" eaLnBrk="0" hangingPunct="0">
-              <a:buFont typeface="Arial" charset="0"/>
-            </a:pPr>
-            <a:r>
-              <a:rPr lang="en-US" altLang="zh-CN" dirty="0"/>
-              <a:t>}</a:t>
+              <a:rPr lang="en-US" sz="1600" dirty="0">
+                <a:solidFill>
+                  <a:schemeClr val="tx1"/>
+                </a:solidFill>
+                <a:latin typeface="微软雅黑" pitchFamily="34" charset="-122"/>
+                <a:ea typeface="微软雅黑" pitchFamily="34" charset="-122"/>
+              </a:rPr>
+              <a:t>} </a:t>
             </a:r>
           </a:p>
         </p:txBody>
@@ -10674,7 +10554,11 @@
           <a:p>
             <a:r>
               <a:rPr lang="zh-CN" altLang="en-US" smtClean="0"/>
-              <a:t>异常处理的优势</a:t>
+              <a:t>判断除数为</a:t>
+            </a:r>
+            <a:r>
+              <a:rPr lang="en-US" altLang="zh-CN" smtClean="0"/>
+              <a:t>0</a:t>
             </a:r>
             <a:endParaRPr lang="zh-CN" altLang="en-US" dirty="0"/>
           </a:p>
@@ -10696,40 +10580,356 @@
           <a:lstStyle/>
           <a:p>
             <a:r>
+              <a:rPr lang="zh-CN" altLang="en-US" smtClean="0"/>
+              <a:t>分支结构</a:t>
+            </a:r>
+            <a:endParaRPr lang="en-US" altLang="zh-CN" smtClean="0"/>
+          </a:p>
+          <a:p>
+            <a:endParaRPr lang="en-US" altLang="zh-CN" smtClean="0"/>
+          </a:p>
+          <a:p>
+            <a:endParaRPr lang="en-US" altLang="zh-CN" smtClean="0"/>
+          </a:p>
+          <a:p>
+            <a:endParaRPr lang="en-US" altLang="zh-CN" smtClean="0"/>
+          </a:p>
+          <a:p>
+            <a:endParaRPr lang="en-US" altLang="zh-CN" smtClean="0"/>
+          </a:p>
+          <a:p>
+            <a:endParaRPr lang="en-US" altLang="zh-CN" smtClean="0"/>
+          </a:p>
+          <a:p>
+            <a:r>
+              <a:rPr lang="zh-CN" altLang="en-US" smtClean="0"/>
+              <a:t>异常处理</a:t>
+            </a:r>
+            <a:r>
               <a:rPr lang="en-US" altLang="zh-CN" smtClean="0"/>
-              <a:t>Java</a:t>
-            </a:r>
-            <a:r>
-              <a:rPr lang="zh-CN" altLang="en-US" smtClean="0"/>
-              <a:t>采用异常类表示异常</a:t>
-            </a:r>
-            <a:endParaRPr lang="en-US" altLang="zh-CN" smtClean="0"/>
+              <a:t>(DivisionZeroExceptionDemo)</a:t>
+            </a:r>
+            <a:endParaRPr lang="zh-CN" altLang="en-US" dirty="0"/>
+          </a:p>
+        </p:txBody>
+      </p:sp>
+      <p:sp>
+        <p:nvSpPr>
+          <p:cNvPr id="5" name="Rectangle 4"/>
+          <p:cNvSpPr>
+            <a:spLocks noChangeArrowheads="1"/>
+          </p:cNvSpPr>
+          <p:nvPr/>
+        </p:nvSpPr>
+        <p:spPr bwMode="auto">
+          <a:xfrm>
+            <a:off x="2411760" y="1124744"/>
+            <a:ext cx="5976664" cy="2592288"/>
+          </a:xfrm>
+          <a:prstGeom prst="rect">
+            <a:avLst/>
+          </a:prstGeom>
+          <a:solidFill>
+            <a:srgbClr val="FFCC99"/>
+          </a:solidFill>
+          <a:ln w="9525">
+            <a:solidFill>
+              <a:schemeClr val="bg1"/>
+            </a:solidFill>
+            <a:miter lim="800000"/>
+            <a:headEnd/>
+            <a:tailEnd/>
+          </a:ln>
+        </p:spPr>
+        <p:txBody>
+          <a:bodyPr wrap="none"/>
+          <a:lstStyle/>
+          <a:p>
+            <a:pPr marL="342900" indent="-342900" eaLnBrk="0" hangingPunct="0">
+              <a:buFont typeface="Arial" charset="0"/>
+            </a:pPr>
+            <a:r>
+              <a:rPr lang="en-US" altLang="zh-CN" dirty="0" err="1"/>
+              <a:t>int</a:t>
+            </a:r>
+            <a:r>
+              <a:rPr lang="en-US" altLang="zh-CN" dirty="0"/>
+              <a:t> division(</a:t>
+            </a:r>
+            <a:r>
+              <a:rPr lang="en-US" altLang="zh-CN" dirty="0" err="1"/>
+              <a:t>int</a:t>
+            </a:r>
+            <a:r>
+              <a:rPr lang="en-US" altLang="zh-CN" dirty="0"/>
+              <a:t> a, </a:t>
+            </a:r>
+            <a:r>
+              <a:rPr lang="en-US" altLang="zh-CN" dirty="0" err="1"/>
+              <a:t>int</a:t>
+            </a:r>
+            <a:r>
+              <a:rPr lang="en-US" altLang="zh-CN" dirty="0"/>
+              <a:t> b){</a:t>
+            </a:r>
+          </a:p>
+          <a:p>
+            <a:pPr marL="342900" indent="-342900" eaLnBrk="0" hangingPunct="0">
+              <a:buFont typeface="Arial" charset="0"/>
+            </a:pPr>
+            <a:r>
+              <a:rPr lang="en-US" altLang="zh-CN" dirty="0"/>
+              <a:t>      if</a:t>
+            </a:r>
+            <a:r>
+              <a:rPr lang="en-US" dirty="0"/>
+              <a:t>(b == 0){</a:t>
+            </a:r>
           </a:p>
           <a:p>
             <a:pPr lvl="1"/>
             <a:r>
-              <a:rPr lang="zh-CN" altLang="en-US" smtClean="0"/>
-              <a:t>把异常情况表示成异常类，可以充分发挥类的可扩展和可重用的优势</a:t>
-            </a:r>
-            <a:endParaRPr lang="en-US" altLang="zh-CN" smtClean="0"/>
-          </a:p>
-          <a:p>
-            <a:r>
-              <a:rPr lang="zh-CN" altLang="en-US" smtClean="0"/>
-              <a:t>异常流程的代码和正常流程的代码分离，提高了程序的可读性，简化了程序的结构</a:t>
-            </a:r>
-            <a:endParaRPr lang="en-US" altLang="zh-CN" smtClean="0"/>
-          </a:p>
-          <a:p>
-            <a:r>
-              <a:rPr lang="en-US" altLang="zh-CN" smtClean="0"/>
-              <a:t>Java</a:t>
-            </a:r>
-            <a:r>
-              <a:rPr lang="zh-CN" altLang="en-US" smtClean="0"/>
-              <a:t>可以灵活的处理异常，如果当前方法有能力处理异常，就捕获并处理它，否则只需抛出异常，交由方法调用者来处理</a:t>
-            </a:r>
-            <a:endParaRPr lang="zh-CN" altLang="en-US" dirty="0"/>
+              <a:rPr lang="en-US" dirty="0"/>
+              <a:t>      </a:t>
+            </a:r>
+            <a:r>
+              <a:rPr lang="en-US" dirty="0" err="1"/>
+              <a:t>System.out.println</a:t>
+            </a:r>
+            <a:r>
+              <a:rPr lang="en-US" dirty="0"/>
+              <a:t>(“ERROR: </a:t>
+            </a:r>
+            <a:r>
+              <a:rPr lang="zh-CN" altLang="en-US" dirty="0"/>
+              <a:t>除数为</a:t>
+            </a:r>
+            <a:r>
+              <a:rPr lang="en-US" altLang="zh-CN" dirty="0"/>
+              <a:t>0</a:t>
+            </a:r>
+            <a:r>
+              <a:rPr lang="en-US" dirty="0"/>
+              <a:t>”);</a:t>
+            </a:r>
+          </a:p>
+          <a:p>
+            <a:pPr lvl="1"/>
+            <a:r>
+              <a:rPr lang="en-US" dirty="0"/>
+              <a:t>      }</a:t>
+            </a:r>
+            <a:r>
+              <a:rPr lang="en-US" altLang="zh-CN" dirty="0"/>
+              <a:t>else</a:t>
+            </a:r>
+            <a:r>
+              <a:rPr lang="en-US" dirty="0"/>
+              <a:t>{</a:t>
+            </a:r>
+          </a:p>
+          <a:p>
+            <a:pPr lvl="1"/>
+            <a:r>
+              <a:rPr lang="en-US" dirty="0"/>
+              <a:t>      </a:t>
+            </a:r>
+            <a:r>
+              <a:rPr lang="en-US" dirty="0" err="1"/>
+              <a:t>System.out.println</a:t>
+            </a:r>
+            <a:r>
+              <a:rPr lang="en-US" dirty="0"/>
+              <a:t>(“</a:t>
+            </a:r>
+            <a:r>
+              <a:rPr lang="en-US" altLang="zh-CN" dirty="0"/>
+              <a:t>result: </a:t>
+            </a:r>
+            <a:r>
+              <a:rPr lang="en-US" dirty="0"/>
+              <a:t>”+</a:t>
+            </a:r>
+            <a:r>
+              <a:rPr lang="en-US" altLang="zh-CN" dirty="0"/>
+              <a:t> a/b</a:t>
+            </a:r>
+            <a:r>
+              <a:rPr lang="en-US" dirty="0"/>
+              <a:t>);</a:t>
+            </a:r>
+          </a:p>
+          <a:p>
+            <a:pPr lvl="1"/>
+            <a:r>
+              <a:rPr lang="zh-CN" altLang="en-US" dirty="0"/>
+              <a:t> </a:t>
+            </a:r>
+            <a:r>
+              <a:rPr lang="en-US" dirty="0"/>
+              <a:t>}    </a:t>
+            </a:r>
+          </a:p>
+          <a:p>
+            <a:pPr marL="342900" indent="-342900" eaLnBrk="0" hangingPunct="0">
+              <a:buFont typeface="Arial" charset="0"/>
+            </a:pPr>
+            <a:r>
+              <a:rPr lang="en-US" dirty="0"/>
+              <a:t>}</a:t>
+            </a:r>
+          </a:p>
+        </p:txBody>
+      </p:sp>
+      <p:sp>
+        <p:nvSpPr>
+          <p:cNvPr id="6" name="Rectangle 4"/>
+          <p:cNvSpPr>
+            <a:spLocks noChangeArrowheads="1"/>
+          </p:cNvSpPr>
+          <p:nvPr/>
+        </p:nvSpPr>
+        <p:spPr bwMode="auto">
+          <a:xfrm>
+            <a:off x="2195736" y="4335625"/>
+            <a:ext cx="5562600" cy="2232248"/>
+          </a:xfrm>
+          <a:prstGeom prst="rect">
+            <a:avLst/>
+          </a:prstGeom>
+          <a:solidFill>
+            <a:srgbClr val="FFCC99"/>
+          </a:solidFill>
+          <a:ln w="9525">
+            <a:solidFill>
+              <a:schemeClr val="bg1"/>
+            </a:solidFill>
+            <a:miter lim="800000"/>
+            <a:headEnd/>
+            <a:tailEnd/>
+          </a:ln>
+        </p:spPr>
+        <p:txBody>
+          <a:bodyPr wrap="none"/>
+          <a:lstStyle/>
+          <a:p>
+            <a:pPr marL="342900" indent="-342900" eaLnBrk="0" hangingPunct="0">
+              <a:buFont typeface="Arial" charset="0"/>
+            </a:pPr>
+            <a:r>
+              <a:rPr lang="en-US" altLang="zh-CN" dirty="0"/>
+              <a:t>void division(</a:t>
+            </a:r>
+            <a:r>
+              <a:rPr lang="en-US" altLang="zh-CN" dirty="0" err="1"/>
+              <a:t>int</a:t>
+            </a:r>
+            <a:r>
+              <a:rPr lang="en-US" altLang="zh-CN" dirty="0"/>
+              <a:t> a, </a:t>
+            </a:r>
+            <a:r>
+              <a:rPr lang="en-US" altLang="zh-CN" dirty="0" err="1"/>
+              <a:t>int</a:t>
+            </a:r>
+            <a:r>
+              <a:rPr lang="en-US" altLang="zh-CN" dirty="0"/>
+              <a:t> b){</a:t>
+            </a:r>
+          </a:p>
+          <a:p>
+            <a:pPr marL="342900" indent="-342900" eaLnBrk="0" hangingPunct="0">
+              <a:buFont typeface="Arial" charset="0"/>
+            </a:pPr>
+            <a:r>
+              <a:rPr lang="en-US" altLang="zh-CN" dirty="0"/>
+              <a:t>      try{</a:t>
+            </a:r>
+          </a:p>
+          <a:p>
+            <a:pPr marL="342900" indent="-342900" eaLnBrk="0" hangingPunct="0">
+              <a:buFont typeface="Arial" charset="0"/>
+            </a:pPr>
+            <a:r>
+              <a:rPr lang="en-US" altLang="zh-CN" dirty="0"/>
+              <a:t>	</a:t>
+            </a:r>
+            <a:r>
+              <a:rPr lang="en-US" altLang="zh-CN" dirty="0" err="1"/>
+              <a:t>System.out.print</a:t>
+            </a:r>
+            <a:r>
+              <a:rPr lang="en-US" altLang="zh-CN" dirty="0"/>
+              <a:t>(a/b);</a:t>
+            </a:r>
+          </a:p>
+          <a:p>
+            <a:pPr marL="342900" indent="-342900" eaLnBrk="0" hangingPunct="0">
+              <a:buFont typeface="Arial" charset="0"/>
+            </a:pPr>
+            <a:r>
+              <a:rPr lang="en-US" altLang="zh-CN" dirty="0"/>
+              <a:t>      }catch(</a:t>
+            </a:r>
+            <a:r>
+              <a:rPr lang="en-US" altLang="zh-CN" dirty="0" err="1"/>
+              <a:t>ArithmeticException</a:t>
+            </a:r>
+            <a:r>
+              <a:rPr lang="en-US" altLang="zh-CN" dirty="0"/>
+              <a:t> e){</a:t>
+            </a:r>
+          </a:p>
+          <a:p>
+            <a:pPr marL="342900" indent="-342900" eaLnBrk="0" hangingPunct="0">
+              <a:buFont typeface="Arial" charset="0"/>
+            </a:pPr>
+            <a:r>
+              <a:rPr lang="en-US" altLang="zh-CN" dirty="0"/>
+              <a:t>	</a:t>
+            </a:r>
+            <a:r>
+              <a:rPr lang="en-US" altLang="zh-CN" dirty="0" err="1"/>
+              <a:t>System.out.print</a:t>
+            </a:r>
+            <a:r>
+              <a:rPr lang="en-US" altLang="zh-CN" dirty="0"/>
+              <a:t>("ERROR</a:t>
+            </a:r>
+            <a:r>
+              <a:rPr lang="zh-CN" altLang="en-US" dirty="0"/>
+              <a:t>：除数为</a:t>
+            </a:r>
+            <a:r>
+              <a:rPr lang="en-US" altLang="zh-CN" dirty="0"/>
+              <a:t>0</a:t>
+            </a:r>
+            <a:r>
+              <a:rPr lang="zh-CN" altLang="en-US" dirty="0"/>
+              <a:t>！</a:t>
+            </a:r>
+            <a:r>
+              <a:rPr lang="en-US" altLang="zh-CN" dirty="0"/>
+              <a:t>");</a:t>
+            </a:r>
+          </a:p>
+          <a:p>
+            <a:pPr marL="342900" indent="-342900" eaLnBrk="0" hangingPunct="0">
+              <a:buFont typeface="Arial" charset="0"/>
+            </a:pPr>
+            <a:r>
+              <a:rPr lang="en-US" altLang="zh-CN" dirty="0"/>
+              <a:t>      }</a:t>
+            </a:r>
+          </a:p>
+          <a:p>
+            <a:pPr marL="342900" indent="-342900" eaLnBrk="0" hangingPunct="0">
+              <a:buFont typeface="Arial" charset="0"/>
+            </a:pPr>
+            <a:r>
+              <a:rPr lang="en-US" altLang="zh-CN" dirty="0"/>
+              <a:t>}</a:t>
+            </a:r>
           </a:p>
         </p:txBody>
       </p:sp>
@@ -10767,7 +10967,7 @@
       </p:grpSpPr>
       <p:sp>
         <p:nvSpPr>
-          <p:cNvPr id="7170" name="标题 1"/>
+          <p:cNvPr id="2" name="标题 1"/>
           <p:cNvSpPr>
             <a:spLocks noGrp="1"/>
           </p:cNvSpPr>
@@ -10782,15 +10982,15 @@
           <a:p>
             <a:r>
               <a:rPr lang="zh-CN" altLang="en-US" smtClean="0"/>
-              <a:t>异常处理机制　　　　　　　</a:t>
-            </a:r>
-            <a:endParaRPr lang="zh-CN" altLang="en-US" dirty="0" smtClean="0"/>
+              <a:t>异常处理的优势</a:t>
+            </a:r>
+            <a:endParaRPr lang="zh-CN" altLang="en-US" dirty="0"/>
           </a:p>
         </p:txBody>
       </p:sp>
       <p:sp>
         <p:nvSpPr>
-          <p:cNvPr id="7171" name="内容占位符 2"/>
+          <p:cNvPr id="3" name="内容占位符 2"/>
           <p:cNvSpPr>
             <a:spLocks noGrp="1"/>
           </p:cNvSpPr>
@@ -10804,42 +11004,40 @@
           <a:lstStyle/>
           <a:p>
             <a:r>
-              <a:rPr lang="zh-CN" altLang="en-US" dirty="0"/>
-              <a:t>对于异常</a:t>
-            </a:r>
-            <a:r>
-              <a:rPr lang="en-US" altLang="zh-CN" dirty="0"/>
+              <a:rPr lang="en-US" altLang="zh-CN" smtClean="0"/>
               <a:t>Java</a:t>
             </a:r>
             <a:r>
-              <a:rPr lang="zh-CN" altLang="en-US" dirty="0"/>
-              <a:t>中提供了两种常见的方式：</a:t>
-            </a:r>
-            <a:endParaRPr lang="en-US" altLang="zh-CN" dirty="0"/>
+              <a:rPr lang="zh-CN" altLang="en-US" smtClean="0"/>
+              <a:t>采用异常类表示异常</a:t>
+            </a:r>
+            <a:endParaRPr lang="en-US" altLang="zh-CN" smtClean="0"/>
           </a:p>
           <a:p>
             <a:pPr lvl="1"/>
             <a:r>
-              <a:rPr lang="zh-CN" altLang="en-US" dirty="0"/>
-              <a:t>捕获异常</a:t>
-            </a:r>
-            <a:endParaRPr lang="en-US" altLang="zh-CN" dirty="0"/>
-          </a:p>
-          <a:p>
-            <a:pPr lvl="1"/>
-            <a:r>
-              <a:rPr lang="zh-CN" altLang="en-US" dirty="0">
-                <a:solidFill>
-                  <a:srgbClr val="FF0000"/>
-                </a:solidFill>
-              </a:rPr>
-              <a:t>抛出异常</a:t>
-            </a:r>
-            <a:endParaRPr lang="en-US" altLang="zh-CN" dirty="0">
-              <a:solidFill>
-                <a:srgbClr val="FF0000"/>
-              </a:solidFill>
-            </a:endParaRPr>
+              <a:rPr lang="zh-CN" altLang="en-US" smtClean="0"/>
+              <a:t>把异常情况表示成异常类，可以充分发挥类的可扩展和可重用的优势</a:t>
+            </a:r>
+            <a:endParaRPr lang="en-US" altLang="zh-CN" smtClean="0"/>
+          </a:p>
+          <a:p>
+            <a:r>
+              <a:rPr lang="zh-CN" altLang="en-US" smtClean="0"/>
+              <a:t>异常流程的代码和正常流程的代码分离，提高了程序的可读性，简化了程序的结构</a:t>
+            </a:r>
+            <a:endParaRPr lang="en-US" altLang="zh-CN" smtClean="0"/>
+          </a:p>
+          <a:p>
+            <a:r>
+              <a:rPr lang="en-US" altLang="zh-CN" smtClean="0"/>
+              <a:t>Java</a:t>
+            </a:r>
+            <a:r>
+              <a:rPr lang="zh-CN" altLang="en-US" smtClean="0"/>
+              <a:t>可以灵活的处理异常，如果当前方法有能力处理异常，就捕获并处理它，否则只需抛出异常，交由方法调用者来处理</a:t>
+            </a:r>
+            <a:endParaRPr lang="zh-CN" altLang="en-US" dirty="0"/>
           </a:p>
         </p:txBody>
       </p:sp>
@@ -10877,7 +11075,7 @@
       </p:grpSpPr>
       <p:sp>
         <p:nvSpPr>
-          <p:cNvPr id="2" name="标题 1"/>
+          <p:cNvPr id="7170" name="标题 1"/>
           <p:cNvSpPr>
             <a:spLocks noGrp="1"/>
           </p:cNvSpPr>
@@ -10892,226 +11090,64 @@
           <a:p>
             <a:r>
               <a:rPr lang="zh-CN" altLang="en-US" smtClean="0"/>
-              <a:t>引入</a:t>
-            </a:r>
-            <a:endParaRPr lang="zh-CN" altLang="en-US" dirty="0"/>
+              <a:t>异常处理机制　　　　　　　</a:t>
+            </a:r>
+            <a:endParaRPr lang="zh-CN" altLang="en-US" dirty="0" smtClean="0"/>
           </a:p>
         </p:txBody>
       </p:sp>
       <p:sp>
         <p:nvSpPr>
-          <p:cNvPr id="6" name="TextBox 3"/>
-          <p:cNvSpPr txBox="1">
-            <a:spLocks noChangeArrowheads="1"/>
+          <p:cNvPr id="7171" name="内容占位符 2"/>
+          <p:cNvSpPr>
+            <a:spLocks noGrp="1"/>
           </p:cNvSpPr>
-          <p:nvPr/>
+          <p:nvPr>
+            <p:ph idx="1"/>
+          </p:nvPr>
         </p:nvSpPr>
-        <p:spPr bwMode="auto">
-          <a:xfrm>
-            <a:off x="1043608" y="1340768"/>
-            <a:ext cx="6696744" cy="3847207"/>
-          </a:xfrm>
-          <a:prstGeom prst="rect">
-            <a:avLst/>
-          </a:prstGeom>
-          <a:solidFill>
-            <a:srgbClr val="FFCC99"/>
-          </a:solidFill>
-          <a:ln w="9525">
-            <a:solidFill>
-              <a:schemeClr val="bg1"/>
-            </a:solidFill>
-            <a:miter lim="800000"/>
-            <a:headEnd/>
-            <a:tailEnd/>
-          </a:ln>
-        </p:spPr>
+        <p:spPr/>
         <p:txBody>
-          <a:bodyPr wrap="none"/>
-          <a:lstStyle>
-            <a:defPPr>
-              <a:defRPr lang="en-US"/>
-            </a:defPPr>
-            <a:lvl1pPr marL="342900" indent="-342900" eaLnBrk="0" hangingPunct="0">
-              <a:buFont typeface="Arial" charset="0"/>
-            </a:lvl1pPr>
-          </a:lstStyle>
-          <a:p>
-            <a:r>
-              <a:rPr lang="en-US" dirty="0"/>
-              <a:t>void </a:t>
-            </a:r>
-            <a:r>
-              <a:rPr lang="en-US" dirty="0" err="1"/>
-              <a:t>doA</a:t>
-            </a:r>
-            <a:r>
-              <a:rPr lang="en-US" dirty="0"/>
-              <a:t>(</a:t>
-            </a:r>
-            <a:r>
-              <a:rPr lang="en-US" dirty="0" err="1"/>
-              <a:t>int</a:t>
-            </a:r>
-            <a:r>
-              <a:rPr lang="en-US" dirty="0"/>
-              <a:t> a) throws </a:t>
-            </a:r>
-            <a:r>
-              <a:rPr lang="en-US" dirty="0" smtClean="0"/>
-              <a:t>Exception1,Exception3{</a:t>
-            </a:r>
-            <a:r>
-              <a:rPr lang="en-US" dirty="0"/>
-              <a:t/>
-            </a:r>
-            <a:br>
-              <a:rPr lang="en-US" dirty="0"/>
-            </a:br>
-            <a:r>
-              <a:rPr lang="en-US" dirty="0" smtClean="0"/>
-              <a:t> try</a:t>
-            </a:r>
-            <a:r>
-              <a:rPr lang="en-US" dirty="0"/>
-              <a:t>{</a:t>
-            </a:r>
-            <a:br>
-              <a:rPr lang="en-US" dirty="0"/>
-            </a:br>
-            <a:r>
-              <a:rPr lang="en-US" dirty="0"/>
-              <a:t>                 ......</a:t>
-            </a:r>
-          </a:p>
-          <a:p>
-            <a:r>
-              <a:rPr lang="en-US" dirty="0"/>
-              <a:t>      }catch(Exception1 e){</a:t>
-            </a:r>
-            <a:br>
-              <a:rPr lang="en-US" dirty="0"/>
-            </a:br>
-            <a:r>
-              <a:rPr lang="en-US" dirty="0"/>
-              <a:t>            throw e</a:t>
-            </a:r>
+          <a:bodyPr/>
+          <a:lstStyle/>
+          <a:p>
             <a:r>
               <a:rPr lang="zh-CN" altLang="en-US" dirty="0"/>
-              <a:t>；</a:t>
-            </a:r>
-            <a:r>
-              <a:rPr lang="en-US" dirty="0"/>
-              <a:t/>
-            </a:r>
-            <a:br>
-              <a:rPr lang="en-US" dirty="0"/>
-            </a:br>
-            <a:r>
-              <a:rPr lang="en-US" dirty="0"/>
-              <a:t> </a:t>
-            </a:r>
-            <a:r>
-              <a:rPr lang="en-US" dirty="0" smtClean="0"/>
-              <a:t>}</a:t>
-            </a:r>
-            <a:r>
-              <a:rPr lang="en-US" dirty="0"/>
-              <a:t>catch(Exception2 e){</a:t>
-            </a:r>
-            <a:br>
-              <a:rPr lang="en-US" dirty="0"/>
-            </a:br>
-            <a:r>
-              <a:rPr lang="en-US" dirty="0"/>
-              <a:t>            </a:t>
-            </a:r>
-            <a:r>
-              <a:rPr lang="en-US" dirty="0" err="1"/>
-              <a:t>System.out.println</a:t>
-            </a:r>
-            <a:r>
-              <a:rPr lang="en-US" dirty="0"/>
-              <a:t>("</a:t>
+              <a:t>对于异常</a:t>
+            </a:r>
+            <a:r>
+              <a:rPr lang="en-US" altLang="zh-CN" dirty="0"/>
+              <a:t>Java</a:t>
             </a:r>
             <a:r>
               <a:rPr lang="zh-CN" altLang="en-US" dirty="0"/>
-              <a:t>出错了！</a:t>
-            </a:r>
-            <a:r>
-              <a:rPr lang="en-US" altLang="zh-CN" dirty="0"/>
-              <a:t>");</a:t>
-            </a:r>
-            <a:br>
-              <a:rPr lang="en-US" altLang="zh-CN" dirty="0"/>
-            </a:br>
-            <a:r>
-              <a:rPr lang="en-US" altLang="zh-CN" dirty="0"/>
-              <a:t>  </a:t>
-            </a:r>
-            <a:r>
-              <a:rPr lang="en-US" altLang="zh-CN" dirty="0" smtClean="0"/>
-              <a:t>}</a:t>
-            </a:r>
-            <a:r>
-              <a:rPr lang="en-US" altLang="zh-CN" dirty="0"/>
-              <a:t/>
-            </a:r>
-            <a:br>
-              <a:rPr lang="en-US" altLang="zh-CN" dirty="0"/>
-            </a:br>
-            <a:r>
-              <a:rPr lang="en-US" altLang="zh-CN" dirty="0"/>
-              <a:t>  </a:t>
-            </a:r>
-            <a:r>
-              <a:rPr lang="en-US" dirty="0" smtClean="0"/>
-              <a:t>if(a</a:t>
-            </a:r>
-            <a:r>
-              <a:rPr lang="en-US" dirty="0"/>
-              <a:t>!=b)</a:t>
-            </a:r>
-            <a:r>
-              <a:rPr lang="en-US" altLang="zh-CN" dirty="0"/>
-              <a:t>{</a:t>
-            </a:r>
-            <a:r>
-              <a:rPr lang="en-US" dirty="0"/>
-              <a:t/>
-            </a:r>
-            <a:br>
-              <a:rPr lang="en-US" dirty="0"/>
-            </a:br>
-            <a:r>
-              <a:rPr lang="en-US" dirty="0"/>
-              <a:t>            throw new  Exception3("</a:t>
-            </a:r>
+              <a:t>中提供了两种常见的方式：</a:t>
+            </a:r>
+            <a:endParaRPr lang="en-US" altLang="zh-CN" dirty="0"/>
+          </a:p>
+          <a:p>
+            <a:pPr lvl="1"/>
             <a:r>
               <a:rPr lang="zh-CN" altLang="en-US" dirty="0"/>
-              <a:t>自定义异常</a:t>
-            </a:r>
-            <a:r>
-              <a:rPr lang="en-US" altLang="zh-CN" dirty="0"/>
-              <a:t>");</a:t>
-            </a:r>
-          </a:p>
-          <a:p>
-            <a:r>
-              <a:rPr lang="en-US" altLang="zh-CN" dirty="0"/>
-              <a:t>      </a:t>
-            </a:r>
-            <a:r>
-              <a:rPr lang="en-US" altLang="zh-CN" dirty="0" smtClean="0"/>
-              <a:t>}</a:t>
-            </a:r>
-          </a:p>
-          <a:p>
-            <a:r>
-              <a:rPr lang="en-US" altLang="zh-CN" dirty="0" smtClean="0"/>
-              <a:t>}</a:t>
+              <a:t>捕获异常</a:t>
             </a:r>
             <a:endParaRPr lang="en-US" altLang="zh-CN" dirty="0"/>
+          </a:p>
+          <a:p>
+            <a:pPr lvl="1"/>
+            <a:r>
+              <a:rPr lang="zh-CN" altLang="en-US" dirty="0">
+                <a:solidFill>
+                  <a:srgbClr val="FF0000"/>
+                </a:solidFill>
+              </a:rPr>
+              <a:t>抛出异常</a:t>
+            </a:r>
+            <a:endParaRPr lang="en-US" altLang="zh-CN" dirty="0">
+              <a:solidFill>
+                <a:srgbClr val="FF0000"/>
+              </a:solidFill>
+            </a:endParaRPr>
           </a:p>
         </p:txBody>
       </p:sp>
@@ -11163,8 +11199,8 @@
           <a:lstStyle/>
           <a:p>
             <a:r>
-              <a:rPr lang="zh-CN" altLang="en-US" dirty="0" smtClean="0"/>
-              <a:t>抛出异常</a:t>
+              <a:rPr lang="zh-CN" altLang="en-US" smtClean="0"/>
+              <a:t>引入</a:t>
             </a:r>
             <a:endParaRPr lang="zh-CN" altLang="en-US" dirty="0"/>
           </a:p>
@@ -11172,166 +11208,218 @@
       </p:sp>
       <p:sp>
         <p:nvSpPr>
-          <p:cNvPr id="3" name="内容占位符 2"/>
-          <p:cNvSpPr>
-            <a:spLocks noGrp="1"/>
+          <p:cNvPr id="6" name="TextBox 3"/>
+          <p:cNvSpPr txBox="1">
+            <a:spLocks noChangeArrowheads="1"/>
           </p:cNvSpPr>
-          <p:nvPr>
-            <p:ph idx="1"/>
-          </p:nvPr>
+          <p:nvPr/>
         </p:nvSpPr>
-        <p:spPr/>
+        <p:spPr bwMode="auto">
+          <a:xfrm>
+            <a:off x="1043608" y="1340768"/>
+            <a:ext cx="6696744" cy="3847207"/>
+          </a:xfrm>
+          <a:prstGeom prst="rect">
+            <a:avLst/>
+          </a:prstGeom>
+          <a:solidFill>
+            <a:srgbClr val="FFCC99"/>
+          </a:solidFill>
+          <a:ln w="9525">
+            <a:solidFill>
+              <a:schemeClr val="bg1"/>
+            </a:solidFill>
+            <a:miter lim="800000"/>
+            <a:headEnd/>
+            <a:tailEnd/>
+          </a:ln>
+        </p:spPr>
         <p:txBody>
-          <a:bodyPr/>
-          <a:lstStyle/>
-          <a:p>
-            <a:r>
-              <a:rPr lang="zh-CN" altLang="en-US" dirty="0" smtClean="0"/>
-              <a:t>一个方法不处理它产生的异常</a:t>
+          <a:bodyPr wrap="none"/>
+          <a:lstStyle>
+            <a:defPPr>
+              <a:defRPr lang="en-US"/>
+            </a:defPPr>
+            <a:lvl1pPr marL="342900" indent="-342900" eaLnBrk="0" hangingPunct="0">
+              <a:buFont typeface="Arial" charset="0"/>
+            </a:lvl1pPr>
+          </a:lstStyle>
+          <a:p>
+            <a:r>
+              <a:rPr lang="en-US" dirty="0"/>
+              <a:t>void </a:t>
+            </a:r>
+            <a:r>
+              <a:rPr lang="en-US" dirty="0" err="1"/>
+              <a:t>doA</a:t>
+            </a:r>
+            <a:r>
+              <a:rPr lang="en-US" dirty="0"/>
+              <a:t>(</a:t>
+            </a:r>
+            <a:r>
+              <a:rPr lang="en-US" dirty="0" err="1"/>
+              <a:t>int</a:t>
+            </a:r>
+            <a:r>
+              <a:rPr lang="en-US" dirty="0"/>
+              <a:t> a) throws </a:t>
             </a:r>
             <a:r>
               <a:rPr lang="en-US" dirty="0" smtClean="0"/>
-              <a:t>,</a:t>
-            </a:r>
-            <a:r>
-              <a:rPr lang="zh-CN" altLang="en-US" dirty="0" smtClean="0"/>
-              <a:t>而是沿着调用层次向上传递，由调用它的方法来处理这些异常，</a:t>
+              <a:t>Exception1,Exception3{</a:t>
+            </a:r>
+            <a:r>
+              <a:rPr lang="en-US" dirty="0"/>
+              <a:t/>
+            </a:r>
+            <a:br>
+              <a:rPr lang="en-US" dirty="0"/>
+            </a:br>
+            <a:r>
+              <a:rPr lang="en-US" dirty="0" smtClean="0"/>
+              <a:t> try</a:t>
+            </a:r>
+            <a:r>
+              <a:rPr lang="en-US" dirty="0"/>
+              <a:t>{</a:t>
+            </a:r>
+            <a:br>
+              <a:rPr lang="en-US" dirty="0"/>
+            </a:br>
+            <a:r>
+              <a:rPr lang="en-US" dirty="0"/>
+              <a:t>                 ......</a:t>
+            </a:r>
+          </a:p>
+          <a:p>
+            <a:r>
+              <a:rPr lang="en-US" dirty="0"/>
+              <a:t>      }catch(Exception1 e){</a:t>
+            </a:r>
+            <a:br>
+              <a:rPr lang="en-US" dirty="0"/>
+            </a:br>
+            <a:r>
+              <a:rPr lang="en-US" dirty="0"/>
+              <a:t>            throw e</a:t>
             </a:r>
             <a:r>
               <a:rPr lang="zh-CN" altLang="en-US" dirty="0"/>
-              <a:t>叫抛出异常</a:t>
-            </a:r>
-            <a:endParaRPr lang="en-US" altLang="zh-CN" dirty="0" smtClean="0"/>
-          </a:p>
-          <a:p>
-            <a:r>
-              <a:rPr lang="zh-CN" altLang="en-US" dirty="0" smtClean="0"/>
-              <a:t>声明异常使用</a:t>
+              <a:t>；</a:t>
+            </a:r>
+            <a:r>
+              <a:rPr lang="en-US" dirty="0"/>
+              <a:t/>
+            </a:r>
+            <a:br>
+              <a:rPr lang="en-US" dirty="0"/>
+            </a:br>
+            <a:r>
+              <a:rPr lang="en-US" dirty="0"/>
+              <a:t> </a:t>
             </a:r>
             <a:r>
               <a:rPr lang="en-US" dirty="0" smtClean="0"/>
-              <a:t>throws</a:t>
-            </a:r>
-            <a:r>
-              <a:rPr lang="zh-CN" altLang="en-US" dirty="0" smtClean="0"/>
-              <a:t>关键字</a:t>
-            </a:r>
-            <a:endParaRPr lang="en-US" altLang="zh-CN" dirty="0" smtClean="0"/>
-          </a:p>
-          <a:p>
-            <a:pPr lvl="1"/>
+              <a:t>}</a:t>
+            </a:r>
+            <a:r>
+              <a:rPr lang="en-US" dirty="0"/>
+              <a:t>catch(Exception2 e){</a:t>
+            </a:r>
+            <a:br>
+              <a:rPr lang="en-US" dirty="0"/>
+            </a:br>
+            <a:r>
+              <a:rPr lang="en-US" dirty="0"/>
+              <a:t>            </a:t>
+            </a:r>
+            <a:r>
+              <a:rPr lang="en-US" dirty="0" err="1"/>
+              <a:t>System.out.println</a:t>
+            </a:r>
+            <a:r>
+              <a:rPr lang="en-US" dirty="0"/>
+              <a:t>("</a:t>
+            </a:r>
+            <a:r>
+              <a:rPr lang="zh-CN" altLang="en-US" dirty="0"/>
+              <a:t>出错了！</a:t>
+            </a:r>
+            <a:r>
+              <a:rPr lang="en-US" altLang="zh-CN" dirty="0"/>
+              <a:t>");</a:t>
+            </a:r>
+            <a:br>
+              <a:rPr lang="en-US" altLang="zh-CN" dirty="0"/>
+            </a:br>
+            <a:r>
+              <a:rPr lang="en-US" altLang="zh-CN" dirty="0"/>
+              <a:t>  </a:t>
+            </a:r>
             <a:r>
               <a:rPr lang="en-US" altLang="zh-CN" dirty="0" smtClean="0"/>
-              <a:t>throws</a:t>
-            </a:r>
-            <a:r>
-              <a:rPr lang="zh-CN" altLang="en-US" dirty="0" smtClean="0"/>
-              <a:t>是方法可能抛出异常的声明</a:t>
-            </a:r>
-            <a:endParaRPr lang="en-US" altLang="zh-CN" dirty="0" smtClean="0"/>
-          </a:p>
-          <a:p>
-            <a:pPr lvl="2"/>
-            <a:r>
-              <a:rPr lang="zh-CN" altLang="en-US" dirty="0" smtClean="0"/>
-              <a:t>用在声明方法时，表示该方法可能要抛出异常</a:t>
-            </a:r>
-            <a:endParaRPr lang="en-US" altLang="zh-CN" dirty="0" smtClean="0"/>
-          </a:p>
-          <a:p>
-            <a:pPr lvl="1"/>
-            <a:r>
-              <a:rPr lang="zh-CN" altLang="en-US" dirty="0" smtClean="0"/>
-              <a:t>语法</a:t>
-            </a:r>
-            <a:endParaRPr lang="en-US" altLang="zh-CN" dirty="0" smtClean="0"/>
-          </a:p>
-          <a:p>
-            <a:pPr lvl="1"/>
+              <a:t>}</a:t>
+            </a:r>
+            <a:r>
+              <a:rPr lang="en-US" altLang="zh-CN" dirty="0"/>
+              <a:t/>
+            </a:r>
+            <a:br>
+              <a:rPr lang="en-US" altLang="zh-CN" dirty="0"/>
+            </a:br>
+            <a:r>
+              <a:rPr lang="en-US" altLang="zh-CN" dirty="0"/>
+              <a:t>  </a:t>
+            </a:r>
+            <a:r>
+              <a:rPr lang="en-US" dirty="0" smtClean="0"/>
+              <a:t>if(a</a:t>
+            </a:r>
+            <a:r>
+              <a:rPr lang="en-US" dirty="0"/>
+              <a:t>!=b)</a:t>
+            </a:r>
+            <a:r>
+              <a:rPr lang="en-US" altLang="zh-CN" dirty="0"/>
+              <a:t>{</a:t>
+            </a:r>
+            <a:r>
+              <a:rPr lang="en-US" dirty="0"/>
+              <a:t/>
+            </a:r>
+            <a:br>
+              <a:rPr lang="en-US" dirty="0"/>
+            </a:br>
+            <a:r>
+              <a:rPr lang="en-US" dirty="0"/>
+              <a:t>            throw new  Exception3("</a:t>
+            </a:r>
+            <a:r>
+              <a:rPr lang="zh-CN" altLang="en-US" dirty="0"/>
+              <a:t>自定义异常</a:t>
+            </a:r>
+            <a:r>
+              <a:rPr lang="en-US" altLang="zh-CN" dirty="0"/>
+              <a:t>");</a:t>
+            </a:r>
+          </a:p>
+          <a:p>
+            <a:r>
+              <a:rPr lang="en-US" altLang="zh-CN" dirty="0"/>
+              <a:t>      </a:t>
+            </a:r>
             <a:r>
               <a:rPr lang="en-US" altLang="zh-CN" dirty="0" smtClean="0"/>
-              <a:t>[(</a:t>
-            </a:r>
-            <a:r>
-              <a:rPr lang="zh-CN" altLang="en-US" dirty="0" smtClean="0"/>
-              <a:t>修饰符</a:t>
-            </a:r>
+              <a:t>}</a:t>
+            </a:r>
+          </a:p>
+          <a:p>
             <a:r>
               <a:rPr lang="en-US" altLang="zh-CN" dirty="0" smtClean="0"/>
-              <a:t>)](</a:t>
-            </a:r>
-            <a:r>
-              <a:rPr lang="zh-CN" altLang="en-US" dirty="0" smtClean="0"/>
-              <a:t>返回值类型</a:t>
-            </a:r>
-            <a:r>
-              <a:rPr lang="en-US" altLang="zh-CN" dirty="0" smtClean="0"/>
-              <a:t>)(</a:t>
-            </a:r>
-            <a:r>
-              <a:rPr lang="zh-CN" altLang="en-US" dirty="0" smtClean="0"/>
-              <a:t>方法名</a:t>
-            </a:r>
-            <a:r>
-              <a:rPr lang="en-US" altLang="zh-CN" dirty="0" smtClean="0"/>
-              <a:t>)([</a:t>
-            </a:r>
-            <a:r>
-              <a:rPr lang="zh-CN" altLang="en-US" dirty="0" smtClean="0"/>
-              <a:t>参数列表</a:t>
-            </a:r>
-            <a:r>
-              <a:rPr lang="en-US" altLang="zh-CN" dirty="0" smtClean="0"/>
-              <a:t>])[</a:t>
-            </a:r>
-            <a:r>
-              <a:rPr lang="en-US" dirty="0" smtClean="0"/>
-              <a:t>throws(</a:t>
-            </a:r>
-            <a:r>
-              <a:rPr lang="zh-CN" altLang="en-US" dirty="0" smtClean="0"/>
-              <a:t>异常类</a:t>
-            </a:r>
-            <a:r>
-              <a:rPr lang="en-US" altLang="zh-CN" dirty="0" smtClean="0"/>
-              <a:t>)]{......}</a:t>
-            </a:r>
-          </a:p>
-          <a:p>
-            <a:pPr lvl="1"/>
-            <a:r>
-              <a:rPr lang="zh-CN" altLang="en-US" dirty="0" smtClean="0"/>
-              <a:t>例如：</a:t>
-            </a:r>
-            <a:r>
-              <a:rPr lang="en-US" dirty="0" smtClean="0"/>
-              <a:t>public void </a:t>
-            </a:r>
-            <a:r>
-              <a:rPr lang="en-US" dirty="0" err="1" smtClean="0"/>
-              <a:t>doA</a:t>
-            </a:r>
-            <a:r>
-              <a:rPr lang="en-US" dirty="0" smtClean="0"/>
-              <a:t>(</a:t>
-            </a:r>
-            <a:r>
-              <a:rPr lang="en-US" dirty="0" err="1" smtClean="0"/>
-              <a:t>int</a:t>
-            </a:r>
-            <a:r>
-              <a:rPr lang="en-US" dirty="0" smtClean="0"/>
-              <a:t> a) throws </a:t>
-            </a:r>
-            <a:r>
-              <a:rPr lang="en-US" dirty="0" smtClean="0"/>
-              <a:t>Exception1,Exception3</a:t>
-            </a:r>
-            <a:r>
-              <a:rPr lang="en-US" dirty="0" smtClean="0"/>
-              <a:t>{......}</a:t>
-            </a:r>
-            <a:endParaRPr lang="zh-CN" altLang="en-US" dirty="0"/>
+              <a:t>}</a:t>
+            </a:r>
+            <a:endParaRPr lang="en-US" altLang="zh-CN" dirty="0"/>
           </a:p>
         </p:txBody>
       </p:sp>
@@ -11351,6 +11439,218 @@
 </file>
 
 <file path=ppt/slides/slide26.xml><?xml version="1.0" encoding="utf-8"?>
+<p:sld xmlns:a="http://schemas.openxmlformats.org/drawingml/2006/main" xmlns:r="http://schemas.openxmlformats.org/officeDocument/2006/relationships" xmlns:p="http://schemas.openxmlformats.org/presentationml/2006/main">
+  <p:cSld>
+    <p:spTree>
+      <p:nvGrpSpPr>
+        <p:cNvPr id="1" name=""/>
+        <p:cNvGrpSpPr/>
+        <p:nvPr/>
+      </p:nvGrpSpPr>
+      <p:grpSpPr>
+        <a:xfrm>
+          <a:off x="0" y="0"/>
+          <a:ext cx="0" cy="0"/>
+          <a:chOff x="0" y="0"/>
+          <a:chExt cx="0" cy="0"/>
+        </a:xfrm>
+      </p:grpSpPr>
+      <p:sp>
+        <p:nvSpPr>
+          <p:cNvPr id="2" name="标题 1"/>
+          <p:cNvSpPr>
+            <a:spLocks noGrp="1"/>
+          </p:cNvSpPr>
+          <p:nvPr>
+            <p:ph type="title"/>
+          </p:nvPr>
+        </p:nvSpPr>
+        <p:spPr/>
+        <p:txBody>
+          <a:bodyPr/>
+          <a:lstStyle/>
+          <a:p>
+            <a:r>
+              <a:rPr lang="zh-CN" altLang="en-US" dirty="0" smtClean="0"/>
+              <a:t>抛出异常</a:t>
+            </a:r>
+            <a:endParaRPr lang="zh-CN" altLang="en-US" dirty="0"/>
+          </a:p>
+        </p:txBody>
+      </p:sp>
+      <p:sp>
+        <p:nvSpPr>
+          <p:cNvPr id="3" name="内容占位符 2"/>
+          <p:cNvSpPr>
+            <a:spLocks noGrp="1"/>
+          </p:cNvSpPr>
+          <p:nvPr>
+            <p:ph idx="1"/>
+          </p:nvPr>
+        </p:nvSpPr>
+        <p:spPr/>
+        <p:txBody>
+          <a:bodyPr/>
+          <a:lstStyle/>
+          <a:p>
+            <a:r>
+              <a:rPr lang="zh-CN" altLang="en-US" dirty="0" smtClean="0"/>
+              <a:t>一个方法不处理它产生的异常</a:t>
+            </a:r>
+            <a:r>
+              <a:rPr lang="en-US" dirty="0" smtClean="0"/>
+              <a:t>,</a:t>
+            </a:r>
+            <a:r>
+              <a:rPr lang="zh-CN" altLang="en-US" dirty="0" smtClean="0"/>
+              <a:t>而是沿着调用层次向上传递，由调用它的方法来处理这些异常，</a:t>
+            </a:r>
+            <a:r>
+              <a:rPr lang="zh-CN" altLang="en-US" dirty="0"/>
+              <a:t>叫抛出异常</a:t>
+            </a:r>
+            <a:endParaRPr lang="en-US" altLang="zh-CN" dirty="0" smtClean="0"/>
+          </a:p>
+          <a:p>
+            <a:r>
+              <a:rPr lang="zh-CN" altLang="en-US" dirty="0" smtClean="0"/>
+              <a:t>声明异常使用</a:t>
+            </a:r>
+            <a:r>
+              <a:rPr lang="en-US" dirty="0" smtClean="0"/>
+              <a:t>throws</a:t>
+            </a:r>
+            <a:r>
+              <a:rPr lang="zh-CN" altLang="en-US" dirty="0" smtClean="0"/>
+              <a:t>关键字</a:t>
+            </a:r>
+            <a:endParaRPr lang="en-US" altLang="zh-CN" dirty="0" smtClean="0"/>
+          </a:p>
+          <a:p>
+            <a:pPr lvl="1"/>
+            <a:r>
+              <a:rPr lang="en-US" altLang="zh-CN" dirty="0" smtClean="0"/>
+              <a:t>throws</a:t>
+            </a:r>
+            <a:r>
+              <a:rPr lang="zh-CN" altLang="en-US" dirty="0" smtClean="0"/>
+              <a:t>是方法可能抛出异常的声明</a:t>
+            </a:r>
+            <a:endParaRPr lang="en-US" altLang="zh-CN" dirty="0" smtClean="0"/>
+          </a:p>
+          <a:p>
+            <a:pPr lvl="2"/>
+            <a:r>
+              <a:rPr lang="zh-CN" altLang="en-US" dirty="0" smtClean="0"/>
+              <a:t>用在声明方法时，表示该方法可能要抛出异常</a:t>
+            </a:r>
+            <a:endParaRPr lang="en-US" altLang="zh-CN" dirty="0" smtClean="0"/>
+          </a:p>
+          <a:p>
+            <a:pPr lvl="1"/>
+            <a:r>
+              <a:rPr lang="zh-CN" altLang="en-US" dirty="0" smtClean="0"/>
+              <a:t>语法</a:t>
+            </a:r>
+            <a:endParaRPr lang="en-US" altLang="zh-CN" dirty="0" smtClean="0"/>
+          </a:p>
+          <a:p>
+            <a:pPr lvl="1"/>
+            <a:r>
+              <a:rPr lang="en-US" altLang="zh-CN" dirty="0" smtClean="0"/>
+              <a:t>[(</a:t>
+            </a:r>
+            <a:r>
+              <a:rPr lang="zh-CN" altLang="en-US" dirty="0" smtClean="0"/>
+              <a:t>修饰符</a:t>
+            </a:r>
+            <a:r>
+              <a:rPr lang="en-US" altLang="zh-CN" dirty="0" smtClean="0"/>
+              <a:t>)](</a:t>
+            </a:r>
+            <a:r>
+              <a:rPr lang="zh-CN" altLang="en-US" dirty="0" smtClean="0"/>
+              <a:t>返回值类型</a:t>
+            </a:r>
+            <a:r>
+              <a:rPr lang="en-US" altLang="zh-CN" dirty="0" smtClean="0"/>
+              <a:t>)(</a:t>
+            </a:r>
+            <a:r>
+              <a:rPr lang="zh-CN" altLang="en-US" dirty="0" smtClean="0"/>
+              <a:t>方法名</a:t>
+            </a:r>
+            <a:r>
+              <a:rPr lang="en-US" altLang="zh-CN" dirty="0" smtClean="0"/>
+              <a:t>)([</a:t>
+            </a:r>
+            <a:r>
+              <a:rPr lang="zh-CN" altLang="en-US" dirty="0" smtClean="0"/>
+              <a:t>参数列表</a:t>
+            </a:r>
+            <a:r>
+              <a:rPr lang="en-US" altLang="zh-CN" dirty="0" smtClean="0"/>
+              <a:t>])[</a:t>
+            </a:r>
+            <a:r>
+              <a:rPr lang="en-US" dirty="0" smtClean="0"/>
+              <a:t>throws(</a:t>
+            </a:r>
+            <a:r>
+              <a:rPr lang="zh-CN" altLang="en-US" dirty="0" smtClean="0"/>
+              <a:t>异常类</a:t>
+            </a:r>
+            <a:r>
+              <a:rPr lang="en-US" altLang="zh-CN" dirty="0" smtClean="0"/>
+              <a:t>)]{......}</a:t>
+            </a:r>
+          </a:p>
+          <a:p>
+            <a:pPr lvl="1"/>
+            <a:r>
+              <a:rPr lang="zh-CN" altLang="en-US" dirty="0" smtClean="0"/>
+              <a:t>例如：</a:t>
+            </a:r>
+            <a:r>
+              <a:rPr lang="en-US" dirty="0" smtClean="0"/>
+              <a:t>public void </a:t>
+            </a:r>
+            <a:r>
+              <a:rPr lang="en-US" dirty="0" err="1" smtClean="0"/>
+              <a:t>doA</a:t>
+            </a:r>
+            <a:r>
+              <a:rPr lang="en-US" dirty="0" smtClean="0"/>
+              <a:t>(</a:t>
+            </a:r>
+            <a:r>
+              <a:rPr lang="en-US" dirty="0" err="1" smtClean="0"/>
+              <a:t>int</a:t>
+            </a:r>
+            <a:r>
+              <a:rPr lang="en-US" dirty="0" smtClean="0"/>
+              <a:t> a) throws Exception1,Exception3{......}</a:t>
+            </a:r>
+            <a:endParaRPr lang="zh-CN" altLang="en-US" dirty="0"/>
+          </a:p>
+        </p:txBody>
+      </p:sp>
+    </p:spTree>
+  </p:cSld>
+  <p:clrMapOvr>
+    <a:masterClrMapping/>
+  </p:clrMapOvr>
+  <p:timing>
+    <p:tnLst>
+      <p:par>
+        <p:cTn id="1" dur="indefinite" restart="never" nodeType="tmRoot"/>
+      </p:par>
+    </p:tnLst>
+  </p:timing>
+</p:sld>
+</file>
+
+<file path=ppt/slides/slide27.xml><?xml version="1.0" encoding="utf-8"?>
 <p:sld xmlns:a="http://schemas.openxmlformats.org/drawingml/2006/main" xmlns:r="http://schemas.openxmlformats.org/officeDocument/2006/relationships" xmlns:p="http://schemas.openxmlformats.org/presentationml/2006/main">
   <p:cSld>
     <p:spTree>
@@ -12985,7 +13285,7 @@
 </p:sld>
 </file>
 
-<file path=ppt/slides/slide27.xml><?xml version="1.0" encoding="utf-8"?>
+<file path=ppt/slides/slide28.xml><?xml version="1.0" encoding="utf-8"?>
 <p:sld xmlns:a="http://schemas.openxmlformats.org/drawingml/2006/main" xmlns:r="http://schemas.openxmlformats.org/officeDocument/2006/relationships" xmlns:p="http://schemas.openxmlformats.org/presentationml/2006/main">
   <p:cSld>
     <p:spTree>
@@ -13371,170 +13671,6 @@
 </p:sld>
 </file>
 
-<file path=ppt/slides/slide28.xml><?xml version="1.0" encoding="utf-8"?>
-<p:sld xmlns:a="http://schemas.openxmlformats.org/drawingml/2006/main" xmlns:r="http://schemas.openxmlformats.org/officeDocument/2006/relationships" xmlns:p="http://schemas.openxmlformats.org/presentationml/2006/main">
-  <p:cSld>
-    <p:spTree>
-      <p:nvGrpSpPr>
-        <p:cNvPr id="1" name=""/>
-        <p:cNvGrpSpPr/>
-        <p:nvPr/>
-      </p:nvGrpSpPr>
-      <p:grpSpPr>
-        <a:xfrm>
-          <a:off x="0" y="0"/>
-          <a:ext cx="0" cy="0"/>
-          <a:chOff x="0" y="0"/>
-          <a:chExt cx="0" cy="0"/>
-        </a:xfrm>
-      </p:grpSpPr>
-      <p:sp>
-        <p:nvSpPr>
-          <p:cNvPr id="15362" name="标题 1"/>
-          <p:cNvSpPr>
-            <a:spLocks noGrp="1" noChangeArrowheads="1"/>
-          </p:cNvSpPr>
-          <p:nvPr>
-            <p:ph type="title"/>
-          </p:nvPr>
-        </p:nvSpPr>
-        <p:spPr/>
-        <p:txBody>
-          <a:bodyPr/>
-          <a:lstStyle/>
-          <a:p>
-            <a:r>
-              <a:rPr lang="zh-CN" altLang="en-US" smtClean="0"/>
-              <a:t>抛出异常</a:t>
-            </a:r>
-            <a:endParaRPr lang="zh-CN" altLang="en-US"/>
-          </a:p>
-        </p:txBody>
-      </p:sp>
-      <p:sp>
-        <p:nvSpPr>
-          <p:cNvPr id="15363" name="内容占位符 2"/>
-          <p:cNvSpPr>
-            <a:spLocks noGrp="1" noChangeArrowheads="1"/>
-          </p:cNvSpPr>
-          <p:nvPr>
-            <p:ph idx="1"/>
-          </p:nvPr>
-        </p:nvSpPr>
-        <p:spPr/>
-        <p:txBody>
-          <a:bodyPr/>
-          <a:lstStyle/>
-          <a:p>
-            <a:r>
-              <a:rPr lang="zh-CN" altLang="en-US" smtClean="0"/>
-              <a:t>抛出异常</a:t>
-            </a:r>
-            <a:r>
-              <a:rPr lang="en-US" smtClean="0"/>
-              <a:t>: </a:t>
-            </a:r>
-            <a:r>
-              <a:rPr lang="zh-CN" altLang="en-US" smtClean="0"/>
-              <a:t>不是出错产生，而是人为地抛出</a:t>
-            </a:r>
-            <a:endParaRPr lang="en-US" altLang="zh-CN" smtClean="0"/>
-          </a:p>
-          <a:p>
-            <a:pPr lvl="1"/>
-            <a:r>
-              <a:rPr lang="zh-CN" altLang="en-US" smtClean="0"/>
-              <a:t>语法</a:t>
-            </a:r>
-            <a:r>
-              <a:rPr lang="en-US" smtClean="0"/>
-              <a:t>：throw (</a:t>
-            </a:r>
-            <a:r>
-              <a:rPr lang="zh-CN" altLang="en-US" smtClean="0"/>
-              <a:t>异常对象</a:t>
-            </a:r>
-            <a:r>
-              <a:rPr lang="en-US" altLang="zh-CN" smtClean="0"/>
-              <a:t>);</a:t>
-            </a:r>
-            <a:endParaRPr lang="zh-CN" altLang="en-US" smtClean="0"/>
-          </a:p>
-          <a:p>
-            <a:pPr lvl="1"/>
-            <a:r>
-              <a:rPr lang="zh-CN" altLang="en-US" smtClean="0"/>
-              <a:t>如：</a:t>
-            </a:r>
-            <a:r>
-              <a:rPr lang="en-US" smtClean="0"/>
-              <a:t>throw new ArithmeticException();</a:t>
-            </a:r>
-          </a:p>
-          <a:p>
-            <a:r>
-              <a:rPr lang="zh-CN" altLang="en-US" smtClean="0"/>
-              <a:t>如何抛出异常？</a:t>
-            </a:r>
-            <a:endParaRPr lang="en-US" altLang="zh-CN" smtClean="0"/>
-          </a:p>
-          <a:p>
-            <a:pPr lvl="1"/>
-            <a:r>
-              <a:rPr lang="zh-CN" altLang="en-US" smtClean="0"/>
-              <a:t>确定要抛出的异常类</a:t>
-            </a:r>
-            <a:endParaRPr lang="en-US" altLang="zh-CN" smtClean="0"/>
-          </a:p>
-          <a:p>
-            <a:pPr lvl="2"/>
-            <a:r>
-              <a:rPr lang="zh-CN" altLang="en-US" smtClean="0"/>
-              <a:t>系统提供的异常类</a:t>
-            </a:r>
-            <a:endParaRPr lang="en-US" altLang="zh-CN" smtClean="0"/>
-          </a:p>
-          <a:p>
-            <a:pPr lvl="2"/>
-            <a:r>
-              <a:rPr lang="zh-CN" altLang="en-US" smtClean="0"/>
-              <a:t>自定义的异常类</a:t>
-            </a:r>
-            <a:endParaRPr lang="en-US" altLang="zh-CN" smtClean="0"/>
-          </a:p>
-          <a:p>
-            <a:pPr lvl="1"/>
-            <a:r>
-              <a:rPr lang="zh-CN" altLang="en-US" smtClean="0"/>
-              <a:t>创建这个类的对象</a:t>
-            </a:r>
-            <a:endParaRPr lang="en-US" altLang="zh-CN" smtClean="0"/>
-          </a:p>
-          <a:p>
-            <a:pPr lvl="1"/>
-            <a:r>
-              <a:rPr lang="zh-CN" altLang="en-US" smtClean="0"/>
-              <a:t>将该对象抛出</a:t>
-            </a:r>
-            <a:endParaRPr lang="zh-CN" altLang="en-US" dirty="0"/>
-          </a:p>
-        </p:txBody>
-      </p:sp>
-    </p:spTree>
-  </p:cSld>
-  <p:clrMapOvr>
-    <a:masterClrMapping/>
-  </p:clrMapOvr>
-  <p:timing>
-    <p:tnLst>
-      <p:par>
-        <p:cTn id="1" dur="indefinite" restart="never" nodeType="tmRoot"/>
-      </p:par>
-    </p:tnLst>
-  </p:timing>
-</p:sld>
-</file>
-
 <file path=ppt/slides/slide29.xml><?xml version="1.0" encoding="utf-8"?>
 <p:sld xmlns:a="http://schemas.openxmlformats.org/drawingml/2006/main" xmlns:r="http://schemas.openxmlformats.org/officeDocument/2006/relationships" xmlns:p="http://schemas.openxmlformats.org/presentationml/2006/main">
   <p:cSld>
@@ -13592,6 +13728,255 @@
           <a:p>
             <a:r>
               <a:rPr lang="zh-CN" altLang="en-US" smtClean="0"/>
+              <a:t>抛出异常</a:t>
+            </a:r>
+            <a:r>
+              <a:rPr lang="en-US" smtClean="0"/>
+              <a:t>: </a:t>
+            </a:r>
+            <a:r>
+              <a:rPr lang="zh-CN" altLang="en-US" smtClean="0"/>
+              <a:t>不是出错产生，而是人为地抛出</a:t>
+            </a:r>
+            <a:endParaRPr lang="en-US" altLang="zh-CN" smtClean="0"/>
+          </a:p>
+          <a:p>
+            <a:pPr lvl="1"/>
+            <a:r>
+              <a:rPr lang="zh-CN" altLang="en-US" smtClean="0"/>
+              <a:t>语法</a:t>
+            </a:r>
+            <a:r>
+              <a:rPr lang="en-US" smtClean="0"/>
+              <a:t>：throw (</a:t>
+            </a:r>
+            <a:r>
+              <a:rPr lang="zh-CN" altLang="en-US" smtClean="0"/>
+              <a:t>异常对象</a:t>
+            </a:r>
+            <a:r>
+              <a:rPr lang="en-US" altLang="zh-CN" smtClean="0"/>
+              <a:t>);</a:t>
+            </a:r>
+            <a:endParaRPr lang="zh-CN" altLang="en-US" smtClean="0"/>
+          </a:p>
+          <a:p>
+            <a:pPr lvl="1"/>
+            <a:r>
+              <a:rPr lang="zh-CN" altLang="en-US" smtClean="0"/>
+              <a:t>如：</a:t>
+            </a:r>
+            <a:r>
+              <a:rPr lang="en-US" smtClean="0"/>
+              <a:t>throw new ArithmeticException();</a:t>
+            </a:r>
+          </a:p>
+          <a:p>
+            <a:r>
+              <a:rPr lang="zh-CN" altLang="en-US" smtClean="0"/>
+              <a:t>如何抛出异常？</a:t>
+            </a:r>
+            <a:endParaRPr lang="en-US" altLang="zh-CN" smtClean="0"/>
+          </a:p>
+          <a:p>
+            <a:pPr lvl="1"/>
+            <a:r>
+              <a:rPr lang="zh-CN" altLang="en-US" smtClean="0"/>
+              <a:t>确定要抛出的异常类</a:t>
+            </a:r>
+            <a:endParaRPr lang="en-US" altLang="zh-CN" smtClean="0"/>
+          </a:p>
+          <a:p>
+            <a:pPr lvl="2"/>
+            <a:r>
+              <a:rPr lang="zh-CN" altLang="en-US" smtClean="0"/>
+              <a:t>系统提供的异常类</a:t>
+            </a:r>
+            <a:endParaRPr lang="en-US" altLang="zh-CN" smtClean="0"/>
+          </a:p>
+          <a:p>
+            <a:pPr lvl="2"/>
+            <a:r>
+              <a:rPr lang="zh-CN" altLang="en-US" smtClean="0"/>
+              <a:t>自定义的异常类</a:t>
+            </a:r>
+            <a:endParaRPr lang="en-US" altLang="zh-CN" smtClean="0"/>
+          </a:p>
+          <a:p>
+            <a:pPr lvl="1"/>
+            <a:r>
+              <a:rPr lang="zh-CN" altLang="en-US" smtClean="0"/>
+              <a:t>创建这个类的对象</a:t>
+            </a:r>
+            <a:endParaRPr lang="en-US" altLang="zh-CN" smtClean="0"/>
+          </a:p>
+          <a:p>
+            <a:pPr lvl="1"/>
+            <a:r>
+              <a:rPr lang="zh-CN" altLang="en-US" smtClean="0"/>
+              <a:t>将该对象抛出</a:t>
+            </a:r>
+            <a:endParaRPr lang="zh-CN" altLang="en-US" dirty="0"/>
+          </a:p>
+        </p:txBody>
+      </p:sp>
+    </p:spTree>
+  </p:cSld>
+  <p:clrMapOvr>
+    <a:masterClrMapping/>
+  </p:clrMapOvr>
+  <p:timing>
+    <p:tnLst>
+      <p:par>
+        <p:cTn id="1" dur="indefinite" restart="never" nodeType="tmRoot"/>
+      </p:par>
+    </p:tnLst>
+  </p:timing>
+</p:sld>
+</file>
+
+<file path=ppt/slides/slide3.xml><?xml version="1.0" encoding="utf-8"?>
+<p:sld xmlns:a="http://schemas.openxmlformats.org/drawingml/2006/main" xmlns:r="http://schemas.openxmlformats.org/officeDocument/2006/relationships" xmlns:p="http://schemas.openxmlformats.org/presentationml/2006/main">
+  <p:cSld>
+    <p:spTree>
+      <p:nvGrpSpPr>
+        <p:cNvPr id="1" name=""/>
+        <p:cNvGrpSpPr/>
+        <p:nvPr/>
+      </p:nvGrpSpPr>
+      <p:grpSpPr>
+        <a:xfrm>
+          <a:off x="0" y="0"/>
+          <a:ext cx="0" cy="0"/>
+          <a:chOff x="0" y="0"/>
+          <a:chExt cx="0" cy="0"/>
+        </a:xfrm>
+      </p:grpSpPr>
+      <p:sp>
+        <p:nvSpPr>
+          <p:cNvPr id="7170" name="标题 1"/>
+          <p:cNvSpPr>
+            <a:spLocks noGrp="1"/>
+          </p:cNvSpPr>
+          <p:nvPr>
+            <p:ph type="title"/>
+          </p:nvPr>
+        </p:nvSpPr>
+        <p:spPr/>
+        <p:txBody>
+          <a:bodyPr/>
+          <a:lstStyle/>
+          <a:p>
+            <a:r>
+              <a:rPr lang="zh-CN" altLang="en-US" smtClean="0"/>
+              <a:t>异常概述　　　　　　　　　</a:t>
+            </a:r>
+            <a:endParaRPr lang="zh-CN" altLang="en-US" dirty="0" smtClean="0"/>
+          </a:p>
+        </p:txBody>
+      </p:sp>
+      <p:sp>
+        <p:nvSpPr>
+          <p:cNvPr id="7171" name="内容占位符 2"/>
+          <p:cNvSpPr>
+            <a:spLocks noGrp="1"/>
+          </p:cNvSpPr>
+          <p:nvPr>
+            <p:ph idx="1"/>
+          </p:nvPr>
+        </p:nvSpPr>
+        <p:spPr/>
+        <p:txBody>
+          <a:bodyPr/>
+          <a:lstStyle/>
+          <a:p>
+            <a:r>
+              <a:rPr lang="zh-CN" altLang="en-US" smtClean="0"/>
+              <a:t>异常的层次结构</a:t>
+            </a:r>
+            <a:endParaRPr lang="en-US" altLang="zh-CN" smtClean="0"/>
+          </a:p>
+          <a:p>
+            <a:r>
+              <a:rPr lang="zh-CN" altLang="en-US" smtClean="0"/>
+              <a:t>异常的分类</a:t>
+            </a:r>
+            <a:endParaRPr lang="en-US" altLang="zh-CN" dirty="0" smtClean="0"/>
+          </a:p>
+        </p:txBody>
+      </p:sp>
+    </p:spTree>
+  </p:cSld>
+  <p:clrMapOvr>
+    <a:masterClrMapping/>
+  </p:clrMapOvr>
+  <p:timing>
+    <p:tnLst>
+      <p:par>
+        <p:cTn id="1" dur="indefinite" restart="never" nodeType="tmRoot"/>
+      </p:par>
+    </p:tnLst>
+  </p:timing>
+</p:sld>
+</file>
+
+<file path=ppt/slides/slide30.xml><?xml version="1.0" encoding="utf-8"?>
+<p:sld xmlns:a="http://schemas.openxmlformats.org/drawingml/2006/main" xmlns:r="http://schemas.openxmlformats.org/officeDocument/2006/relationships" xmlns:p="http://schemas.openxmlformats.org/presentationml/2006/main">
+  <p:cSld>
+    <p:spTree>
+      <p:nvGrpSpPr>
+        <p:cNvPr id="1" name=""/>
+        <p:cNvGrpSpPr/>
+        <p:nvPr/>
+      </p:nvGrpSpPr>
+      <p:grpSpPr>
+        <a:xfrm>
+          <a:off x="0" y="0"/>
+          <a:ext cx="0" cy="0"/>
+          <a:chOff x="0" y="0"/>
+          <a:chExt cx="0" cy="0"/>
+        </a:xfrm>
+      </p:grpSpPr>
+      <p:sp>
+        <p:nvSpPr>
+          <p:cNvPr id="15362" name="标题 1"/>
+          <p:cNvSpPr>
+            <a:spLocks noGrp="1" noChangeArrowheads="1"/>
+          </p:cNvSpPr>
+          <p:nvPr>
+            <p:ph type="title"/>
+          </p:nvPr>
+        </p:nvSpPr>
+        <p:spPr/>
+        <p:txBody>
+          <a:bodyPr/>
+          <a:lstStyle/>
+          <a:p>
+            <a:r>
+              <a:rPr lang="zh-CN" altLang="en-US" smtClean="0"/>
+              <a:t>抛出异常</a:t>
+            </a:r>
+            <a:endParaRPr lang="zh-CN" altLang="en-US"/>
+          </a:p>
+        </p:txBody>
+      </p:sp>
+      <p:sp>
+        <p:nvSpPr>
+          <p:cNvPr id="15363" name="内容占位符 2"/>
+          <p:cNvSpPr>
+            <a:spLocks noGrp="1" noChangeArrowheads="1"/>
+          </p:cNvSpPr>
+          <p:nvPr>
+            <p:ph idx="1"/>
+          </p:nvPr>
+        </p:nvSpPr>
+        <p:spPr/>
+        <p:txBody>
+          <a:bodyPr/>
+          <a:lstStyle/>
+          <a:p>
+            <a:r>
+              <a:rPr lang="zh-CN" altLang="en-US" smtClean="0"/>
               <a:t>抛出异常示例</a:t>
             </a:r>
             <a:endParaRPr lang="en-US" altLang="zh-CN" smtClean="0"/>
@@ -13632,7 +14017,7 @@
           <a:graphicData uri="http://schemas.openxmlformats.org/presentationml/2006/ole">
             <mc:AlternateContent xmlns:mc="http://schemas.openxmlformats.org/markup-compatibility/2006">
               <mc:Choice xmlns:v="urn:schemas-microsoft-com:vml" Requires="v">
-                <p:oleObj spid="_x0000_s2070" name="Microsoft ClipArt Gallery" r:id="rId4" imgW="4714560" imgH="4806720" progId="">
+                <p:oleObj spid="_x0000_s2073" name="Microsoft ClipArt Gallery" r:id="rId4" imgW="4714560" imgH="4806720" progId="">
                   <p:embed/>
                 </p:oleObj>
               </mc:Choice>
@@ -14255,236 +14640,6 @@
 </p:sld>
 </file>
 
-<file path=ppt/slides/slide3.xml><?xml version="1.0" encoding="utf-8"?>
-<p:sld xmlns:a="http://schemas.openxmlformats.org/drawingml/2006/main" xmlns:r="http://schemas.openxmlformats.org/officeDocument/2006/relationships" xmlns:p="http://schemas.openxmlformats.org/presentationml/2006/main">
-  <p:cSld>
-    <p:spTree>
-      <p:nvGrpSpPr>
-        <p:cNvPr id="1" name=""/>
-        <p:cNvGrpSpPr/>
-        <p:nvPr/>
-      </p:nvGrpSpPr>
-      <p:grpSpPr>
-        <a:xfrm>
-          <a:off x="0" y="0"/>
-          <a:ext cx="0" cy="0"/>
-          <a:chOff x="0" y="0"/>
-          <a:chExt cx="0" cy="0"/>
-        </a:xfrm>
-      </p:grpSpPr>
-      <p:sp>
-        <p:nvSpPr>
-          <p:cNvPr id="7170" name="标题 1"/>
-          <p:cNvSpPr>
-            <a:spLocks noGrp="1"/>
-          </p:cNvSpPr>
-          <p:nvPr>
-            <p:ph type="title"/>
-          </p:nvPr>
-        </p:nvSpPr>
-        <p:spPr/>
-        <p:txBody>
-          <a:bodyPr/>
-          <a:lstStyle/>
-          <a:p>
-            <a:r>
-              <a:rPr lang="zh-CN" altLang="en-US" smtClean="0"/>
-              <a:t>异常概述　　　　　　　　　</a:t>
-            </a:r>
-            <a:endParaRPr lang="zh-CN" altLang="en-US" dirty="0" smtClean="0"/>
-          </a:p>
-        </p:txBody>
-      </p:sp>
-      <p:sp>
-        <p:nvSpPr>
-          <p:cNvPr id="7171" name="内容占位符 2"/>
-          <p:cNvSpPr>
-            <a:spLocks noGrp="1"/>
-          </p:cNvSpPr>
-          <p:nvPr>
-            <p:ph idx="1"/>
-          </p:nvPr>
-        </p:nvSpPr>
-        <p:spPr/>
-        <p:txBody>
-          <a:bodyPr/>
-          <a:lstStyle/>
-          <a:p>
-            <a:r>
-              <a:rPr lang="zh-CN" altLang="en-US" smtClean="0"/>
-              <a:t>异常的层次结构</a:t>
-            </a:r>
-            <a:endParaRPr lang="en-US" altLang="zh-CN" smtClean="0"/>
-          </a:p>
-          <a:p>
-            <a:r>
-              <a:rPr lang="zh-CN" altLang="en-US" smtClean="0"/>
-              <a:t>异常的分类</a:t>
-            </a:r>
-            <a:endParaRPr lang="en-US" altLang="zh-CN" dirty="0" smtClean="0"/>
-          </a:p>
-        </p:txBody>
-      </p:sp>
-    </p:spTree>
-  </p:cSld>
-  <p:clrMapOvr>
-    <a:masterClrMapping/>
-  </p:clrMapOvr>
-  <p:timing>
-    <p:tnLst>
-      <p:par>
-        <p:cTn id="1" dur="indefinite" restart="never" nodeType="tmRoot"/>
-      </p:par>
-    </p:tnLst>
-  </p:timing>
-</p:sld>
-</file>
-
-<file path=ppt/slides/slide30.xml><?xml version="1.0" encoding="utf-8"?>
-<p:sld xmlns:a="http://schemas.openxmlformats.org/drawingml/2006/main" xmlns:r="http://schemas.openxmlformats.org/officeDocument/2006/relationships" xmlns:p="http://schemas.openxmlformats.org/presentationml/2006/main">
-  <p:cSld>
-    <p:spTree>
-      <p:nvGrpSpPr>
-        <p:cNvPr id="1" name=""/>
-        <p:cNvGrpSpPr/>
-        <p:nvPr/>
-      </p:nvGrpSpPr>
-      <p:grpSpPr>
-        <a:xfrm>
-          <a:off x="0" y="0"/>
-          <a:ext cx="0" cy="0"/>
-          <a:chOff x="0" y="0"/>
-          <a:chExt cx="0" cy="0"/>
-        </a:xfrm>
-      </p:grpSpPr>
-      <p:sp>
-        <p:nvSpPr>
-          <p:cNvPr id="2" name="标题 1"/>
-          <p:cNvSpPr>
-            <a:spLocks noGrp="1"/>
-          </p:cNvSpPr>
-          <p:nvPr>
-            <p:ph type="title"/>
-          </p:nvPr>
-        </p:nvSpPr>
-        <p:spPr/>
-        <p:txBody>
-          <a:bodyPr/>
-          <a:lstStyle/>
-          <a:p>
-            <a:r>
-              <a:rPr lang="zh-CN" altLang="en-US" smtClean="0"/>
-              <a:t>使用异常机制的建议</a:t>
-            </a:r>
-            <a:endParaRPr lang="zh-CN" altLang="en-US" dirty="0"/>
-          </a:p>
-        </p:txBody>
-      </p:sp>
-      <p:sp>
-        <p:nvSpPr>
-          <p:cNvPr id="3" name="内容占位符 2"/>
-          <p:cNvSpPr>
-            <a:spLocks noGrp="1"/>
-          </p:cNvSpPr>
-          <p:nvPr>
-            <p:ph idx="1"/>
-          </p:nvPr>
-        </p:nvSpPr>
-        <p:spPr/>
-        <p:txBody>
-          <a:bodyPr/>
-          <a:lstStyle/>
-          <a:p>
-            <a:r>
-              <a:rPr lang="zh-CN" altLang="en-US" smtClean="0"/>
-              <a:t>避免过大的</a:t>
-            </a:r>
-            <a:r>
-              <a:rPr lang="en-US" altLang="zh-CN" smtClean="0"/>
-              <a:t>try</a:t>
-            </a:r>
-            <a:r>
-              <a:rPr lang="zh-CN" altLang="en-US" smtClean="0"/>
-              <a:t>块，不要把不会出现异常的代码放到</a:t>
-            </a:r>
-            <a:r>
-              <a:rPr lang="en-US" altLang="zh-CN" smtClean="0"/>
-              <a:t>try</a:t>
-            </a:r>
-            <a:r>
-              <a:rPr lang="zh-CN" altLang="en-US" smtClean="0"/>
-              <a:t>块里面，尽量保持一个</a:t>
-            </a:r>
-            <a:r>
-              <a:rPr lang="en-US" altLang="zh-CN" smtClean="0"/>
-              <a:t>try</a:t>
-            </a:r>
-            <a:r>
-              <a:rPr lang="zh-CN" altLang="en-US" smtClean="0"/>
-              <a:t>块对应一个或多个异常</a:t>
-            </a:r>
-            <a:endParaRPr lang="en-US" altLang="zh-CN" smtClean="0"/>
-          </a:p>
-          <a:p>
-            <a:r>
-              <a:rPr lang="zh-CN" altLang="en-US" smtClean="0"/>
-              <a:t>细化异常的类型，不要不管什么类型的异常都写成</a:t>
-            </a:r>
-            <a:r>
-              <a:rPr lang="en-US" altLang="zh-CN" smtClean="0"/>
-              <a:t>Excetpion</a:t>
-            </a:r>
-          </a:p>
-          <a:p>
-            <a:r>
-              <a:rPr lang="en-US" altLang="zh-CN" smtClean="0"/>
-              <a:t>catch</a:t>
-            </a:r>
-            <a:r>
-              <a:rPr lang="zh-CN" altLang="en-US" smtClean="0"/>
-              <a:t>块尽量保持一个块捕获一类异常，不要忽略捕获的异常，捕获到后要么处理，要么转译，要么重新抛出新类型的异常。</a:t>
-            </a:r>
-            <a:endParaRPr lang="en-US" altLang="zh-CN" smtClean="0"/>
-          </a:p>
-          <a:p>
-            <a:r>
-              <a:rPr lang="zh-CN" altLang="en-US" smtClean="0"/>
-              <a:t>不要把自己能处理的异常抛给别人</a:t>
-            </a:r>
-            <a:endParaRPr lang="en-US" altLang="zh-CN" smtClean="0"/>
-          </a:p>
-          <a:p>
-            <a:r>
-              <a:rPr lang="zh-CN" altLang="en-US" smtClean="0"/>
-              <a:t>不要用</a:t>
-            </a:r>
-            <a:r>
-              <a:rPr lang="en-US" altLang="zh-CN" smtClean="0"/>
-              <a:t>try...catch</a:t>
-            </a:r>
-            <a:r>
-              <a:rPr lang="zh-CN" altLang="en-US" smtClean="0"/>
-              <a:t>参与控制程序流程，异常控制的根本目的是处理程序的非正常情况</a:t>
-            </a:r>
-            <a:endParaRPr lang="zh-CN" altLang="en-US" dirty="0"/>
-          </a:p>
-        </p:txBody>
-      </p:sp>
-    </p:spTree>
-  </p:cSld>
-  <p:clrMapOvr>
-    <a:masterClrMapping/>
-  </p:clrMapOvr>
-  <p:timing>
-    <p:tnLst>
-      <p:par>
-        <p:cTn id="1" dur="indefinite" restart="never" nodeType="tmRoot"/>
-      </p:par>
-    </p:tnLst>
-  </p:timing>
-</p:sld>
-</file>
-
 <file path=ppt/slides/slide31.xml><?xml version="1.0" encoding="utf-8"?>
 <p:sld xmlns:a="http://schemas.openxmlformats.org/drawingml/2006/main" xmlns:r="http://schemas.openxmlformats.org/officeDocument/2006/relationships" xmlns:p="http://schemas.openxmlformats.org/presentationml/2006/main">
   <p:cSld>
@@ -14519,7 +14674,7 @@
           <a:p>
             <a:r>
               <a:rPr lang="zh-CN" altLang="en-US" smtClean="0"/>
-              <a:t>小节</a:t>
+              <a:t>使用异常机制的建议</a:t>
             </a:r>
             <a:endParaRPr lang="zh-CN" altLang="en-US" dirty="0"/>
           </a:p>
@@ -14542,135 +14697,76 @@
           <a:p>
             <a:r>
               <a:rPr lang="zh-CN" altLang="en-US" smtClean="0"/>
-              <a:t>系统自动抛出的异常</a:t>
+              <a:t>避免过大的</a:t>
+            </a:r>
+            <a:r>
+              <a:rPr lang="en-US" altLang="zh-CN" smtClean="0"/>
+              <a:t>try</a:t>
+            </a:r>
+            <a:r>
+              <a:rPr lang="zh-CN" altLang="en-US" smtClean="0"/>
+              <a:t>块，不要把不会出现异常的代码放到</a:t>
+            </a:r>
+            <a:r>
+              <a:rPr lang="en-US" altLang="zh-CN" smtClean="0"/>
+              <a:t>try</a:t>
+            </a:r>
+            <a:r>
+              <a:rPr lang="zh-CN" altLang="en-US" smtClean="0"/>
+              <a:t>块里面，尽量保持一个</a:t>
+            </a:r>
+            <a:r>
+              <a:rPr lang="en-US" altLang="zh-CN" smtClean="0"/>
+              <a:t>try</a:t>
+            </a:r>
+            <a:r>
+              <a:rPr lang="zh-CN" altLang="en-US" smtClean="0"/>
+              <a:t>块对应一个或多个异常</a:t>
             </a:r>
             <a:endParaRPr lang="en-US" altLang="zh-CN" smtClean="0"/>
           </a:p>
           <a:p>
-            <a:pPr lvl="1"/>
-            <a:r>
-              <a:rPr lang="zh-CN" altLang="en-US" smtClean="0"/>
-              <a:t>所有系统定义的编译和运行异常都可以由系统自动抛出，称为标准异常，并且 </a:t>
+            <a:r>
+              <a:rPr lang="zh-CN" altLang="en-US" smtClean="0"/>
+              <a:t>细化异常的类型，不要不管什么类型的异常都写成</a:t>
             </a:r>
             <a:r>
               <a:rPr lang="en-US" altLang="zh-CN" smtClean="0"/>
-              <a:t>Java </a:t>
-            </a:r>
-            <a:r>
-              <a:rPr lang="zh-CN" altLang="en-US" smtClean="0"/>
-              <a:t>强烈地要求应用程序进行完整的异常处理，给用户友好的提示，或者修正后使程序继续执行</a:t>
+              <a:t>Excetpion</a:t>
+            </a:r>
+          </a:p>
+          <a:p>
+            <a:r>
+              <a:rPr lang="en-US" altLang="zh-CN" smtClean="0"/>
+              <a:t>catch</a:t>
+            </a:r>
+            <a:r>
+              <a:rPr lang="zh-CN" altLang="en-US" smtClean="0"/>
+              <a:t>块尽量保持一个块捕获一类异常，不要忽略捕获的异常，捕获到后要么处理，要么转译，要么重新抛出新类型的异常。</a:t>
             </a:r>
             <a:endParaRPr lang="en-US" altLang="zh-CN" smtClean="0"/>
           </a:p>
           <a:p>
             <a:r>
               <a:rPr lang="zh-CN" altLang="en-US" smtClean="0"/>
-              <a:t>语句抛出的异常</a:t>
+              <a:t>不要把自己能处理的异常抛给别人</a:t>
             </a:r>
             <a:endParaRPr lang="en-US" altLang="zh-CN" smtClean="0"/>
           </a:p>
           <a:p>
-            <a:pPr lvl="1"/>
-            <a:r>
-              <a:rPr lang="zh-CN" altLang="en-US" smtClean="0"/>
-              <a:t>用户程序自定义的异常和应用程序特定的异常</a:t>
+            <a:r>
+              <a:rPr lang="zh-CN" altLang="en-US" smtClean="0"/>
+              <a:t>不要用</a:t>
             </a:r>
             <a:r>
               <a:rPr lang="en-US" altLang="zh-CN" smtClean="0"/>
-              <a:t>,</a:t>
-            </a:r>
-            <a:r>
-              <a:rPr lang="zh-CN" altLang="en-US" smtClean="0"/>
-              <a:t>必须借助于</a:t>
-            </a:r>
-            <a:r>
-              <a:rPr lang="en-US" altLang="zh-CN" smtClean="0"/>
-              <a:t>throws </a:t>
-            </a:r>
-            <a:r>
-              <a:rPr lang="zh-CN" altLang="en-US" smtClean="0"/>
-              <a:t>和 </a:t>
-            </a:r>
-            <a:r>
-              <a:rPr lang="en-US" altLang="zh-CN" smtClean="0"/>
-              <a:t>throw </a:t>
-            </a:r>
-            <a:r>
-              <a:rPr lang="zh-CN" altLang="en-US" smtClean="0"/>
-              <a:t>语句来定义抛出异常</a:t>
-            </a:r>
-            <a:endParaRPr lang="en-US" altLang="zh-CN" smtClean="0"/>
-          </a:p>
-          <a:p>
-            <a:r>
-              <a:rPr lang="en-US" altLang="zh-CN" smtClean="0"/>
-              <a:t>throw</a:t>
-            </a:r>
-            <a:r>
-              <a:rPr lang="zh-CN" altLang="en-US" smtClean="0"/>
-              <a:t>和</a:t>
-            </a:r>
-            <a:r>
-              <a:rPr lang="en-US" altLang="zh-CN" smtClean="0"/>
-              <a:t>throws</a:t>
-            </a:r>
-            <a:r>
-              <a:rPr lang="zh-CN" altLang="en-US" smtClean="0"/>
-              <a:t>的区别</a:t>
-            </a:r>
-            <a:endParaRPr lang="en-US" altLang="zh-CN" smtClean="0"/>
-          </a:p>
-          <a:p>
-            <a:pPr lvl="1"/>
-            <a:r>
-              <a:rPr lang="en-US" smtClean="0"/>
-              <a:t>throws</a:t>
-            </a:r>
-            <a:r>
-              <a:rPr lang="zh-CN" altLang="en-US" smtClean="0"/>
-              <a:t>语句用在方法声明后面，表示该方法会抛出哪些异常，使它的调用者知道要捕获这些异常。</a:t>
-            </a:r>
-            <a:endParaRPr lang="en-US" altLang="zh-CN" smtClean="0"/>
-          </a:p>
-          <a:p>
-            <a:pPr lvl="1"/>
-            <a:r>
-              <a:rPr lang="en-US" altLang="zh-CN" smtClean="0"/>
-              <a:t>throw</a:t>
-            </a:r>
-            <a:r>
-              <a:rPr lang="zh-CN" altLang="en-US" smtClean="0"/>
-              <a:t>语句用在方法体内，表示抛出异常，是具体向外抛异常的动作，它抛出一个异常实例。</a:t>
-            </a:r>
-            <a:endParaRPr lang="en-US" altLang="zh-CN" smtClean="0"/>
-          </a:p>
-          <a:p>
-            <a:pPr lvl="1"/>
-            <a:r>
-              <a:rPr lang="en-US" altLang="zh-CN" smtClean="0"/>
-              <a:t>throws</a:t>
-            </a:r>
-            <a:r>
-              <a:rPr lang="zh-CN" altLang="en-US" smtClean="0"/>
-              <a:t>表示出现异常的一种可能性，并不一定会发生这些异常；</a:t>
-            </a:r>
-            <a:r>
-              <a:rPr lang="en-US" altLang="zh-CN" smtClean="0"/>
-              <a:t>throw</a:t>
-            </a:r>
-            <a:r>
-              <a:rPr lang="zh-CN" altLang="en-US" smtClean="0"/>
-              <a:t>则是抛出了异常，执行</a:t>
-            </a:r>
-            <a:r>
-              <a:rPr lang="en-US" altLang="zh-CN" smtClean="0"/>
-              <a:t>throw</a:t>
-            </a:r>
-            <a:r>
-              <a:rPr lang="zh-CN" altLang="en-US" smtClean="0"/>
-              <a:t>则一定抛出了某种异常。</a:t>
-            </a:r>
-            <a:endParaRPr lang="zh-CN" altLang="en-US" dirty="0" smtClean="0"/>
+              <a:t>try...catch</a:t>
+            </a:r>
+            <a:r>
+              <a:rPr lang="zh-CN" altLang="en-US" smtClean="0"/>
+              <a:t>参与控制程序流程，异常控制的根本目的是处理程序的非正常情况</a:t>
+            </a:r>
+            <a:endParaRPr lang="zh-CN" altLang="en-US" dirty="0"/>
           </a:p>
         </p:txBody>
       </p:sp>
@@ -14708,7 +14804,7 @@
       </p:grpSpPr>
       <p:sp>
         <p:nvSpPr>
-          <p:cNvPr id="7170" name="标题 1"/>
+          <p:cNvPr id="2" name="标题 1"/>
           <p:cNvSpPr>
             <a:spLocks noGrp="1"/>
           </p:cNvSpPr>
@@ -14723,15 +14819,15 @@
           <a:p>
             <a:r>
               <a:rPr lang="zh-CN" altLang="en-US" smtClean="0"/>
-              <a:t>讲授思路　　　　　　　　　</a:t>
-            </a:r>
-            <a:endParaRPr lang="zh-CN" altLang="en-US" dirty="0" smtClean="0"/>
+              <a:t>小节</a:t>
+            </a:r>
+            <a:endParaRPr lang="zh-CN" altLang="en-US" dirty="0"/>
           </a:p>
         </p:txBody>
       </p:sp>
       <p:sp>
         <p:nvSpPr>
-          <p:cNvPr id="7171" name="内容占位符 2"/>
+          <p:cNvPr id="3" name="内容占位符 2"/>
           <p:cNvSpPr>
             <a:spLocks noGrp="1"/>
           </p:cNvSpPr>
@@ -14746,30 +14842,135 @@
           <a:p>
             <a:r>
               <a:rPr lang="zh-CN" altLang="en-US" smtClean="0"/>
-              <a:t>异常概述</a:t>
+              <a:t>系统自动抛出的异常</a:t>
             </a:r>
             <a:endParaRPr lang="en-US" altLang="zh-CN" smtClean="0"/>
           </a:p>
           <a:p>
-            <a:r>
-              <a:rPr lang="zh-CN" altLang="en-US" smtClean="0"/>
-              <a:t>异常处理机制</a:t>
+            <a:pPr lvl="1"/>
+            <a:r>
+              <a:rPr lang="zh-CN" altLang="en-US" smtClean="0"/>
+              <a:t>所有系统定义的编译和运行异常都可以由系统自动抛出，称为标准异常，并且 </a:t>
+            </a:r>
+            <a:r>
+              <a:rPr lang="en-US" altLang="zh-CN" smtClean="0"/>
+              <a:t>Java </a:t>
+            </a:r>
+            <a:r>
+              <a:rPr lang="zh-CN" altLang="en-US" smtClean="0"/>
+              <a:t>强烈地要求应用程序进行完整的异常处理，给用户友好的提示，或者修正后使程序继续执行</a:t>
             </a:r>
             <a:endParaRPr lang="en-US" altLang="zh-CN" smtClean="0"/>
           </a:p>
           <a:p>
             <a:r>
               <a:rPr lang="zh-CN" altLang="en-US" smtClean="0"/>
-              <a:t>自定义异常</a:t>
+              <a:t>语句抛出的异常</a:t>
             </a:r>
             <a:endParaRPr lang="en-US" altLang="zh-CN" smtClean="0"/>
           </a:p>
           <a:p>
-            <a:r>
-              <a:rPr lang="zh-CN" altLang="en-US" smtClean="0"/>
-              <a:t>断言</a:t>
-            </a:r>
-            <a:endParaRPr lang="en-US" altLang="zh-CN" dirty="0" smtClean="0"/>
+            <a:pPr lvl="1"/>
+            <a:r>
+              <a:rPr lang="zh-CN" altLang="en-US" smtClean="0"/>
+              <a:t>用户程序自定义的异常和应用程序特定的异常</a:t>
+            </a:r>
+            <a:r>
+              <a:rPr lang="en-US" altLang="zh-CN" smtClean="0"/>
+              <a:t>,</a:t>
+            </a:r>
+            <a:r>
+              <a:rPr lang="zh-CN" altLang="en-US" smtClean="0"/>
+              <a:t>必须借助于</a:t>
+            </a:r>
+            <a:r>
+              <a:rPr lang="en-US" altLang="zh-CN" smtClean="0"/>
+              <a:t>throws </a:t>
+            </a:r>
+            <a:r>
+              <a:rPr lang="zh-CN" altLang="en-US" smtClean="0"/>
+              <a:t>和 </a:t>
+            </a:r>
+            <a:r>
+              <a:rPr lang="en-US" altLang="zh-CN" smtClean="0"/>
+              <a:t>throw </a:t>
+            </a:r>
+            <a:r>
+              <a:rPr lang="zh-CN" altLang="en-US" smtClean="0"/>
+              <a:t>语句来定义抛出异常</a:t>
+            </a:r>
+            <a:endParaRPr lang="en-US" altLang="zh-CN" smtClean="0"/>
+          </a:p>
+          <a:p>
+            <a:r>
+              <a:rPr lang="en-US" altLang="zh-CN" smtClean="0"/>
+              <a:t>throw</a:t>
+            </a:r>
+            <a:r>
+              <a:rPr lang="zh-CN" altLang="en-US" smtClean="0"/>
+              <a:t>和</a:t>
+            </a:r>
+            <a:r>
+              <a:rPr lang="en-US" altLang="zh-CN" smtClean="0"/>
+              <a:t>throws</a:t>
+            </a:r>
+            <a:r>
+              <a:rPr lang="zh-CN" altLang="en-US" smtClean="0"/>
+              <a:t>的区别</a:t>
+            </a:r>
+            <a:endParaRPr lang="en-US" altLang="zh-CN" smtClean="0"/>
+          </a:p>
+          <a:p>
+            <a:pPr lvl="1"/>
+            <a:r>
+              <a:rPr lang="en-US" smtClean="0"/>
+              <a:t>throws</a:t>
+            </a:r>
+            <a:r>
+              <a:rPr lang="zh-CN" altLang="en-US" smtClean="0"/>
+              <a:t>语句用在方法声明后面，表示该方法会抛出哪些异常，使它的调用者知道要捕获这些异常。</a:t>
+            </a:r>
+            <a:endParaRPr lang="en-US" altLang="zh-CN" smtClean="0"/>
+          </a:p>
+          <a:p>
+            <a:pPr lvl="1"/>
+            <a:r>
+              <a:rPr lang="en-US" altLang="zh-CN" smtClean="0"/>
+              <a:t>throw</a:t>
+            </a:r>
+            <a:r>
+              <a:rPr lang="zh-CN" altLang="en-US" smtClean="0"/>
+              <a:t>语句用在方法体内，表示抛出异常，是具体向外抛异常的动作，它抛出一个异常实例。</a:t>
+            </a:r>
+            <a:endParaRPr lang="en-US" altLang="zh-CN" smtClean="0"/>
+          </a:p>
+          <a:p>
+            <a:pPr lvl="1"/>
+            <a:r>
+              <a:rPr lang="en-US" altLang="zh-CN" smtClean="0"/>
+              <a:t>throws</a:t>
+            </a:r>
+            <a:r>
+              <a:rPr lang="zh-CN" altLang="en-US" smtClean="0"/>
+              <a:t>表示出现异常的一种可能性，并不一定会发生这些异常；</a:t>
+            </a:r>
+            <a:r>
+              <a:rPr lang="en-US" altLang="zh-CN" smtClean="0"/>
+              <a:t>throw</a:t>
+            </a:r>
+            <a:r>
+              <a:rPr lang="zh-CN" altLang="en-US" smtClean="0"/>
+              <a:t>则是抛出了异常，执行</a:t>
+            </a:r>
+            <a:r>
+              <a:rPr lang="en-US" altLang="zh-CN" smtClean="0"/>
+              <a:t>throw</a:t>
+            </a:r>
+            <a:r>
+              <a:rPr lang="zh-CN" altLang="en-US" smtClean="0"/>
+              <a:t>则一定抛出了某种异常。</a:t>
+            </a:r>
+            <a:endParaRPr lang="zh-CN" altLang="en-US" dirty="0" smtClean="0"/>
           </a:p>
         </p:txBody>
       </p:sp>
@@ -14822,7 +15023,7 @@
           <a:p>
             <a:r>
               <a:rPr lang="zh-CN" altLang="en-US" smtClean="0"/>
-              <a:t>自定义异常　　　　　　　　　</a:t>
+              <a:t>讲授思路　　　　　　　　　</a:t>
             </a:r>
             <a:endParaRPr lang="zh-CN" altLang="en-US" dirty="0" smtClean="0"/>
           </a:p>
@@ -14845,14 +15046,28 @@
           <a:p>
             <a:r>
               <a:rPr lang="zh-CN" altLang="en-US" smtClean="0"/>
-              <a:t>常见异常</a:t>
+              <a:t>异常概述</a:t>
             </a:r>
             <a:endParaRPr lang="en-US" altLang="zh-CN" smtClean="0"/>
           </a:p>
           <a:p>
             <a:r>
               <a:rPr lang="zh-CN" altLang="en-US" smtClean="0"/>
+              <a:t>异常处理机制</a:t>
+            </a:r>
+            <a:endParaRPr lang="en-US" altLang="zh-CN" smtClean="0"/>
+          </a:p>
+          <a:p>
+            <a:r>
+              <a:rPr lang="zh-CN" altLang="en-US" smtClean="0"/>
               <a:t>自定义异常</a:t>
+            </a:r>
+            <a:endParaRPr lang="en-US" altLang="zh-CN" smtClean="0"/>
+          </a:p>
+          <a:p>
+            <a:r>
+              <a:rPr lang="zh-CN" altLang="en-US" smtClean="0"/>
+              <a:t>断言</a:t>
             </a:r>
             <a:endParaRPr lang="en-US" altLang="zh-CN" dirty="0" smtClean="0"/>
           </a:p>
@@ -14892,7 +15107,7 @@
       </p:grpSpPr>
       <p:sp>
         <p:nvSpPr>
-          <p:cNvPr id="2" name="标题 1"/>
+          <p:cNvPr id="7170" name="标题 1"/>
           <p:cNvSpPr>
             <a:spLocks noGrp="1"/>
           </p:cNvSpPr>
@@ -14906,16 +15121,16 @@
           <a:lstStyle/>
           <a:p>
             <a:r>
-              <a:rPr lang="en-US" altLang="zh-CN" smtClean="0"/>
-              <a:t>NullPointException</a:t>
-            </a:r>
-            <a:endParaRPr lang="zh-CN" altLang="en-US" dirty="0"/>
+              <a:rPr lang="zh-CN" altLang="en-US" smtClean="0"/>
+              <a:t>自定义异常　　　　　　　　　</a:t>
+            </a:r>
+            <a:endParaRPr lang="zh-CN" altLang="en-US" dirty="0" smtClean="0"/>
           </a:p>
         </p:txBody>
       </p:sp>
       <p:sp>
         <p:nvSpPr>
-          <p:cNvPr id="3" name="内容占位符 2"/>
+          <p:cNvPr id="7171" name="内容占位符 2"/>
           <p:cNvSpPr>
             <a:spLocks noGrp="1"/>
           </p:cNvSpPr>
@@ -14930,36 +15145,16 @@
           <a:p>
             <a:r>
               <a:rPr lang="zh-CN" altLang="en-US" smtClean="0"/>
-              <a:t>常见原因：</a:t>
+              <a:t>常见异常</a:t>
             </a:r>
             <a:endParaRPr lang="en-US" altLang="zh-CN" smtClean="0"/>
           </a:p>
           <a:p>
-            <a:pPr lvl="1"/>
-            <a:r>
-              <a:rPr lang="zh-CN" altLang="en-US" smtClean="0"/>
-              <a:t>试图访问一个空对象时</a:t>
-            </a:r>
-            <a:endParaRPr lang="en-US" altLang="zh-CN" smtClean="0"/>
-          </a:p>
-          <a:p>
-            <a:r>
-              <a:rPr lang="zh-CN" altLang="en-US" smtClean="0"/>
-              <a:t>常见解决方法：</a:t>
-            </a:r>
-            <a:endParaRPr lang="en-US" altLang="zh-CN" smtClean="0"/>
-          </a:p>
-          <a:p>
-            <a:pPr lvl="1"/>
-            <a:r>
-              <a:rPr lang="zh-CN" altLang="en-US" smtClean="0"/>
-              <a:t>通过断点先确定哪个对象为空，再找到该对象没实例化的原因</a:t>
-            </a:r>
-            <a:endParaRPr lang="en-US" altLang="zh-CN" smtClean="0"/>
-          </a:p>
-          <a:p>
-            <a:pPr lvl="1"/>
-            <a:endParaRPr lang="zh-CN" altLang="en-US" dirty="0"/>
+            <a:r>
+              <a:rPr lang="zh-CN" altLang="en-US" smtClean="0"/>
+              <a:t>自定义异常</a:t>
+            </a:r>
+            <a:endParaRPr lang="en-US" altLang="zh-CN" dirty="0" smtClean="0"/>
           </a:p>
         </p:txBody>
       </p:sp>
@@ -14979,6 +15174,111 @@
 </file>
 
 <file path=ppt/slides/slide35.xml><?xml version="1.0" encoding="utf-8"?>
+<p:sld xmlns:a="http://schemas.openxmlformats.org/drawingml/2006/main" xmlns:r="http://schemas.openxmlformats.org/officeDocument/2006/relationships" xmlns:p="http://schemas.openxmlformats.org/presentationml/2006/main">
+  <p:cSld>
+    <p:spTree>
+      <p:nvGrpSpPr>
+        <p:cNvPr id="1" name=""/>
+        <p:cNvGrpSpPr/>
+        <p:nvPr/>
+      </p:nvGrpSpPr>
+      <p:grpSpPr>
+        <a:xfrm>
+          <a:off x="0" y="0"/>
+          <a:ext cx="0" cy="0"/>
+          <a:chOff x="0" y="0"/>
+          <a:chExt cx="0" cy="0"/>
+        </a:xfrm>
+      </p:grpSpPr>
+      <p:sp>
+        <p:nvSpPr>
+          <p:cNvPr id="2" name="标题 1"/>
+          <p:cNvSpPr>
+            <a:spLocks noGrp="1"/>
+          </p:cNvSpPr>
+          <p:nvPr>
+            <p:ph type="title"/>
+          </p:nvPr>
+        </p:nvSpPr>
+        <p:spPr/>
+        <p:txBody>
+          <a:bodyPr/>
+          <a:lstStyle/>
+          <a:p>
+            <a:r>
+              <a:rPr lang="en-US" altLang="zh-CN" smtClean="0"/>
+              <a:t>NullPointException</a:t>
+            </a:r>
+            <a:endParaRPr lang="zh-CN" altLang="en-US" dirty="0"/>
+          </a:p>
+        </p:txBody>
+      </p:sp>
+      <p:sp>
+        <p:nvSpPr>
+          <p:cNvPr id="3" name="内容占位符 2"/>
+          <p:cNvSpPr>
+            <a:spLocks noGrp="1"/>
+          </p:cNvSpPr>
+          <p:nvPr>
+            <p:ph idx="1"/>
+          </p:nvPr>
+        </p:nvSpPr>
+        <p:spPr/>
+        <p:txBody>
+          <a:bodyPr/>
+          <a:lstStyle/>
+          <a:p>
+            <a:r>
+              <a:rPr lang="zh-CN" altLang="en-US" smtClean="0"/>
+              <a:t>常见原因：</a:t>
+            </a:r>
+            <a:endParaRPr lang="en-US" altLang="zh-CN" smtClean="0"/>
+          </a:p>
+          <a:p>
+            <a:pPr lvl="1"/>
+            <a:r>
+              <a:rPr lang="zh-CN" altLang="en-US" smtClean="0"/>
+              <a:t>试图访问一个空对象时</a:t>
+            </a:r>
+            <a:endParaRPr lang="en-US" altLang="zh-CN" smtClean="0"/>
+          </a:p>
+          <a:p>
+            <a:r>
+              <a:rPr lang="zh-CN" altLang="en-US" smtClean="0"/>
+              <a:t>常见解决方法：</a:t>
+            </a:r>
+            <a:endParaRPr lang="en-US" altLang="zh-CN" smtClean="0"/>
+          </a:p>
+          <a:p>
+            <a:pPr lvl="1"/>
+            <a:r>
+              <a:rPr lang="zh-CN" altLang="en-US" smtClean="0"/>
+              <a:t>通过断点先确定哪个对象为空，再找到该对象没实例化的原因</a:t>
+            </a:r>
+            <a:endParaRPr lang="en-US" altLang="zh-CN" smtClean="0"/>
+          </a:p>
+          <a:p>
+            <a:pPr lvl="1"/>
+            <a:endParaRPr lang="zh-CN" altLang="en-US" dirty="0"/>
+          </a:p>
+        </p:txBody>
+      </p:sp>
+    </p:spTree>
+  </p:cSld>
+  <p:clrMapOvr>
+    <a:masterClrMapping/>
+  </p:clrMapOvr>
+  <p:timing>
+    <p:tnLst>
+      <p:par>
+        <p:cTn id="1" dur="indefinite" restart="never" nodeType="tmRoot"/>
+      </p:par>
+    </p:tnLst>
+  </p:timing>
+</p:sld>
+</file>
+
+<file path=ppt/slides/slide36.xml><?xml version="1.0" encoding="utf-8"?>
 <p:sld xmlns:a="http://schemas.openxmlformats.org/drawingml/2006/main" xmlns:r="http://schemas.openxmlformats.org/officeDocument/2006/relationships" xmlns:p="http://schemas.openxmlformats.org/presentationml/2006/main">
   <p:cSld>
     <p:spTree>
@@ -15157,124 +15457,6 @@
 </p:sld>
 </file>
 
-<file path=ppt/slides/slide36.xml><?xml version="1.0" encoding="utf-8"?>
-<p:sld xmlns:a="http://schemas.openxmlformats.org/drawingml/2006/main" xmlns:r="http://schemas.openxmlformats.org/officeDocument/2006/relationships" xmlns:p="http://schemas.openxmlformats.org/presentationml/2006/main">
-  <p:cSld>
-    <p:spTree>
-      <p:nvGrpSpPr>
-        <p:cNvPr id="1" name=""/>
-        <p:cNvGrpSpPr/>
-        <p:nvPr/>
-      </p:nvGrpSpPr>
-      <p:grpSpPr>
-        <a:xfrm>
-          <a:off x="0" y="0"/>
-          <a:ext cx="0" cy="0"/>
-          <a:chOff x="0" y="0"/>
-          <a:chExt cx="0" cy="0"/>
-        </a:xfrm>
-      </p:grpSpPr>
-      <p:sp>
-        <p:nvSpPr>
-          <p:cNvPr id="2" name="标题 1"/>
-          <p:cNvSpPr>
-            <a:spLocks noGrp="1"/>
-          </p:cNvSpPr>
-          <p:nvPr>
-            <p:ph type="title"/>
-          </p:nvPr>
-        </p:nvSpPr>
-        <p:spPr/>
-        <p:txBody>
-          <a:bodyPr/>
-          <a:lstStyle/>
-          <a:p>
-            <a:r>
-              <a:rPr lang="en-US" smtClean="0"/>
-              <a:t>ClassNotFoundException</a:t>
-            </a:r>
-            <a:endParaRPr lang="zh-CN" altLang="en-US" dirty="0"/>
-          </a:p>
-        </p:txBody>
-      </p:sp>
-      <p:sp>
-        <p:nvSpPr>
-          <p:cNvPr id="3" name="内容占位符 2"/>
-          <p:cNvSpPr>
-            <a:spLocks noGrp="1"/>
-          </p:cNvSpPr>
-          <p:nvPr>
-            <p:ph idx="1"/>
-          </p:nvPr>
-        </p:nvSpPr>
-        <p:spPr/>
-        <p:txBody>
-          <a:bodyPr/>
-          <a:lstStyle/>
-          <a:p>
-            <a:r>
-              <a:rPr lang="zh-CN" altLang="en-US" smtClean="0"/>
-              <a:t>常见原因：</a:t>
-            </a:r>
-            <a:endParaRPr lang="en-US" altLang="zh-CN" smtClean="0"/>
-          </a:p>
-          <a:p>
-            <a:pPr lvl="1"/>
-            <a:r>
-              <a:rPr lang="zh-CN" altLang="en-US" smtClean="0"/>
-              <a:t>当使用第三方</a:t>
-            </a:r>
-            <a:r>
-              <a:rPr lang="en-US" altLang="zh-CN" smtClean="0"/>
-              <a:t>Jar</a:t>
-            </a:r>
-            <a:r>
-              <a:rPr lang="zh-CN" altLang="en-US" smtClean="0"/>
-              <a:t>包时，可能由于没导入包，或者包的版本不对，而导致该包中没有程序员用到的类</a:t>
-            </a:r>
-            <a:endParaRPr lang="en-US" altLang="zh-CN" smtClean="0"/>
-          </a:p>
-          <a:p>
-            <a:r>
-              <a:rPr lang="zh-CN" altLang="en-US" smtClean="0"/>
-              <a:t>常见解决方法：</a:t>
-            </a:r>
-            <a:endParaRPr lang="en-US" altLang="zh-CN" smtClean="0"/>
-          </a:p>
-          <a:p>
-            <a:pPr lvl="1"/>
-            <a:r>
-              <a:rPr lang="zh-CN" altLang="en-US" smtClean="0"/>
-              <a:t>导入该包</a:t>
-            </a:r>
-            <a:endParaRPr lang="en-US" altLang="zh-CN" smtClean="0"/>
-          </a:p>
-          <a:p>
-            <a:pPr lvl="1"/>
-            <a:r>
-              <a:rPr lang="zh-CN" altLang="en-US" smtClean="0"/>
-              <a:t>可以打开第三方</a:t>
-            </a:r>
-            <a:r>
-              <a:rPr lang="en-US" altLang="zh-CN" smtClean="0"/>
-              <a:t>Jar</a:t>
-            </a:r>
-            <a:r>
-              <a:rPr lang="zh-CN" altLang="en-US" smtClean="0"/>
-              <a:t>包，确认是否有该类，如果没有，可以更改包的版本。</a:t>
-            </a:r>
-            <a:endParaRPr lang="zh-CN" altLang="en-US" dirty="0"/>
-          </a:p>
-        </p:txBody>
-      </p:sp>
-    </p:spTree>
-  </p:cSld>
-  <p:clrMapOvr>
-    <a:masterClrMapping/>
-  </p:clrMapOvr>
-</p:sld>
-</file>
-
 <file path=ppt/slides/slide37.xml><?xml version="1.0" encoding="utf-8"?>
 <p:sld xmlns:a="http://schemas.openxmlformats.org/drawingml/2006/main" xmlns:r="http://schemas.openxmlformats.org/officeDocument/2006/relationships" xmlns:p="http://schemas.openxmlformats.org/presentationml/2006/main">
   <p:cSld>
@@ -15308,8 +15490,8 @@
           <a:lstStyle/>
           <a:p>
             <a:r>
-              <a:rPr lang="en-US" altLang="zh-CN" smtClean="0"/>
-              <a:t>ArrayIndexOutOfBoundsException</a:t>
+              <a:rPr lang="en-US" smtClean="0"/>
+              <a:t>ClassNotFoundException</a:t>
             </a:r>
             <a:endParaRPr lang="zh-CN" altLang="en-US" dirty="0"/>
           </a:p>
@@ -15332,7 +15514,7 @@
           <a:p>
             <a:r>
               <a:rPr lang="zh-CN" altLang="en-US" smtClean="0"/>
-              <a:t>常见问题：</a:t>
+              <a:t>常见原因：</a:t>
             </a:r>
             <a:endParaRPr lang="en-US" altLang="zh-CN" smtClean="0"/>
           </a:p>
@@ -15340,7 +15522,15 @@
             <a:pPr lvl="1"/>
             <a:r>
               <a:rPr lang="zh-CN" altLang="en-US" smtClean="0"/>
-              <a:t>访问超过数组或集合最大索引值的数据</a:t>
+              <a:t>当使用第三方</a:t>
+            </a:r>
+            <a:r>
+              <a:rPr lang="en-US" altLang="zh-CN" smtClean="0"/>
+              <a:t>Jar</a:t>
+            </a:r>
+            <a:r>
+              <a:rPr lang="zh-CN" altLang="en-US" smtClean="0"/>
+              <a:t>包时，可能由于没导入包，或者包的版本不对，而导致该包中没有程序员用到的类</a:t>
             </a:r>
             <a:endParaRPr lang="en-US" altLang="zh-CN" smtClean="0"/>
           </a:p>
@@ -15355,9 +15545,25 @@
             <a:pPr lvl="1"/>
             <a:r>
               <a:rPr lang="zh-CN" altLang="en-US" smtClean="0"/>
-              <a:t>通过断点等方法，找到是否是循环超出了范围等原因</a:t>
-            </a:r>
-            <a:endParaRPr lang="en-US" altLang="zh-CN" dirty="0" smtClean="0"/>
+              <a:t>导入该包</a:t>
+            </a:r>
+            <a:endParaRPr lang="en-US" altLang="zh-CN" smtClean="0"/>
+          </a:p>
+          <a:p>
+            <a:pPr lvl="1"/>
+            <a:r>
+              <a:rPr lang="zh-CN" altLang="en-US" smtClean="0"/>
+              <a:t>可以打开第三方</a:t>
+            </a:r>
+            <a:r>
+              <a:rPr lang="en-US" altLang="zh-CN" smtClean="0"/>
+              <a:t>Jar</a:t>
+            </a:r>
+            <a:r>
+              <a:rPr lang="zh-CN" altLang="en-US" smtClean="0"/>
+              <a:t>包，确认是否有该类，如果没有，可以更改包的版本。</a:t>
+            </a:r>
+            <a:endParaRPr lang="zh-CN" altLang="en-US" dirty="0"/>
           </a:p>
         </p:txBody>
       </p:sp>
@@ -15403,7 +15609,7 @@
           <a:p>
             <a:r>
               <a:rPr lang="en-US" altLang="zh-CN" smtClean="0"/>
-              <a:t>ClassCastException</a:t>
+              <a:t>ArrayIndexOutOfBoundsException</a:t>
             </a:r>
             <a:endParaRPr lang="zh-CN" altLang="en-US" dirty="0"/>
           </a:p>
@@ -15434,7 +15640,7 @@
             <a:pPr lvl="1"/>
             <a:r>
               <a:rPr lang="zh-CN" altLang="en-US" smtClean="0"/>
-              <a:t>在集合中存入某对象，但是取出时却强转成其他对象</a:t>
+              <a:t>访问超过数组或集合最大索引值的数据</a:t>
             </a:r>
             <a:endParaRPr lang="en-US" altLang="zh-CN" smtClean="0"/>
           </a:p>
@@ -15449,15 +15655,7 @@
             <a:pPr lvl="1"/>
             <a:r>
               <a:rPr lang="zh-CN" altLang="en-US" smtClean="0"/>
-              <a:t>通过加断点的方法，查看集合中存入的是什么对象，再和自己要强转的对象类型比较便知。</a:t>
-            </a:r>
-            <a:endParaRPr lang="en-US" altLang="zh-CN" smtClean="0"/>
-          </a:p>
-          <a:p>
-            <a:pPr lvl="1"/>
-            <a:r>
-              <a:rPr lang="zh-CN" altLang="en-US" smtClean="0"/>
-              <a:t>泛型，已经限制了存入类型，就不会出现转换异常了。</a:t>
+              <a:t>通过断点等方法，找到是否是循环超出了范围等原因</a:t>
             </a:r>
             <a:endParaRPr lang="en-US" altLang="zh-CN" dirty="0" smtClean="0"/>
           </a:p>
@@ -15490,7 +15688,7 @@
       </p:grpSpPr>
       <p:sp>
         <p:nvSpPr>
-          <p:cNvPr id="7170" name="标题 1"/>
+          <p:cNvPr id="2" name="标题 1"/>
           <p:cNvSpPr>
             <a:spLocks noGrp="1"/>
           </p:cNvSpPr>
@@ -15504,16 +15702,16 @@
           <a:lstStyle/>
           <a:p>
             <a:r>
-              <a:rPr lang="zh-CN" altLang="en-US" smtClean="0"/>
-              <a:t>自定义异常　　　　　　　　　</a:t>
-            </a:r>
-            <a:endParaRPr lang="zh-CN" altLang="en-US" dirty="0" smtClean="0"/>
+              <a:rPr lang="en-US" altLang="zh-CN" smtClean="0"/>
+              <a:t>ClassCastException</a:t>
+            </a:r>
+            <a:endParaRPr lang="zh-CN" altLang="en-US" dirty="0"/>
           </a:p>
         </p:txBody>
       </p:sp>
       <p:sp>
         <p:nvSpPr>
-          <p:cNvPr id="7171" name="内容占位符 2"/>
+          <p:cNvPr id="3" name="内容占位符 2"/>
           <p:cNvSpPr>
             <a:spLocks noGrp="1"/>
           </p:cNvSpPr>
@@ -15528,14 +15726,38 @@
           <a:p>
             <a:r>
               <a:rPr lang="zh-CN" altLang="en-US" smtClean="0"/>
-              <a:t>常见异常</a:t>
+              <a:t>常见问题：</a:t>
             </a:r>
             <a:endParaRPr lang="en-US" altLang="zh-CN" smtClean="0"/>
           </a:p>
           <a:p>
-            <a:r>
-              <a:rPr lang="zh-CN" altLang="en-US" smtClean="0"/>
-              <a:t>自定义异常</a:t>
+            <a:pPr lvl="1"/>
+            <a:r>
+              <a:rPr lang="zh-CN" altLang="en-US" smtClean="0"/>
+              <a:t>在集合中存入某对象，但是取出时却强转成其他对象</a:t>
+            </a:r>
+            <a:endParaRPr lang="en-US" altLang="zh-CN" smtClean="0"/>
+          </a:p>
+          <a:p>
+            <a:r>
+              <a:rPr lang="zh-CN" altLang="en-US" smtClean="0"/>
+              <a:t>常见解决方法：</a:t>
+            </a:r>
+            <a:endParaRPr lang="en-US" altLang="zh-CN" smtClean="0"/>
+          </a:p>
+          <a:p>
+            <a:pPr lvl="1"/>
+            <a:r>
+              <a:rPr lang="zh-CN" altLang="en-US" smtClean="0"/>
+              <a:t>通过加断点的方法，查看集合中存入的是什么对象，再和自己要强转的对象类型比较便知。</a:t>
+            </a:r>
+            <a:endParaRPr lang="en-US" altLang="zh-CN" smtClean="0"/>
+          </a:p>
+          <a:p>
+            <a:pPr lvl="1"/>
+            <a:r>
+              <a:rPr lang="zh-CN" altLang="en-US" smtClean="0"/>
+              <a:t>泛型，已经限制了存入类型，就不会出现转换异常了。</a:t>
             </a:r>
             <a:endParaRPr lang="en-US" altLang="zh-CN" dirty="0" smtClean="0"/>
           </a:p>
@@ -15546,13 +15768,6 @@
   <p:clrMapOvr>
     <a:masterClrMapping/>
   </p:clrMapOvr>
-  <p:timing>
-    <p:tnLst>
-      <p:par>
-        <p:cTn id="1" dur="indefinite" restart="never" nodeType="tmRoot"/>
-      </p:par>
-    </p:tnLst>
-  </p:timing>
 </p:sld>
 </file>
 
@@ -15689,9 +15904,9 @@
       </p:grpSpPr>
       <p:sp>
         <p:nvSpPr>
-          <p:cNvPr id="26626" name="标题 1"/>
+          <p:cNvPr id="7170" name="标题 1"/>
           <p:cNvSpPr>
-            <a:spLocks noGrp="1" noChangeArrowheads="1"/>
+            <a:spLocks noGrp="1"/>
           </p:cNvSpPr>
           <p:nvPr>
             <p:ph type="title"/>
@@ -15704,17 +15919,17 @@
           <a:p>
             <a:r>
               <a:rPr lang="zh-CN" altLang="en-US" smtClean="0"/>
-              <a:t>自定义异常</a:t>
-            </a:r>
-            <a:endParaRPr lang="zh-CN" altLang="en-US"/>
+              <a:t>自定义异常　　　　　　　　　</a:t>
+            </a:r>
+            <a:endParaRPr lang="zh-CN" altLang="en-US" dirty="0" smtClean="0"/>
           </a:p>
         </p:txBody>
       </p:sp>
       <p:sp>
         <p:nvSpPr>
-          <p:cNvPr id="26627" name="内容占位符 2"/>
+          <p:cNvPr id="7171" name="内容占位符 2"/>
           <p:cNvSpPr>
-            <a:spLocks noGrp="1" noChangeArrowheads="1"/>
+            <a:spLocks noGrp="1"/>
           </p:cNvSpPr>
           <p:nvPr>
             <p:ph idx="1"/>
@@ -15727,73 +15942,16 @@
           <a:p>
             <a:r>
               <a:rPr lang="zh-CN" altLang="en-US" smtClean="0"/>
-              <a:t>如果</a:t>
-            </a:r>
-            <a:r>
-              <a:rPr lang="en-US" smtClean="0"/>
-              <a:t>JDK</a:t>
-            </a:r>
-            <a:r>
-              <a:rPr lang="zh-CN" altLang="en-US" smtClean="0"/>
-              <a:t>提供的异常类型不能满足需求的时候，程序员可以自定义一些异常类来描述自身程序中的异常信息</a:t>
-            </a:r>
-            <a:r>
-              <a:rPr lang="en-US" smtClean="0"/>
-              <a:t>.</a:t>
-            </a:r>
-          </a:p>
-          <a:p>
-            <a:r>
-              <a:rPr lang="zh-CN" altLang="en-US" smtClean="0"/>
-              <a:t>程序员自定义异常必须是</a:t>
-            </a:r>
-            <a:r>
-              <a:rPr lang="en-US" smtClean="0"/>
-              <a:t>Throwable</a:t>
-            </a:r>
-            <a:r>
-              <a:rPr lang="zh-CN" altLang="en-US" smtClean="0"/>
-              <a:t>的直接或间接子类</a:t>
-            </a:r>
-            <a:r>
-              <a:rPr lang="en-US" smtClean="0"/>
-              <a:t>.</a:t>
-            </a:r>
-          </a:p>
-          <a:p>
-            <a:r>
-              <a:rPr lang="zh-CN" altLang="en-US" smtClean="0"/>
-              <a:t>在程序中获得异常信息一般会调用异常对象的</a:t>
-            </a:r>
-            <a:r>
-              <a:rPr lang="en-US" smtClean="0"/>
-              <a:t>getMessage</a:t>
-            </a:r>
-            <a:r>
-              <a:rPr lang="zh-CN" altLang="en-US" smtClean="0"/>
-              <a:t>，</a:t>
-            </a:r>
-            <a:r>
-              <a:rPr lang="en-US" smtClean="0"/>
-              <a:t>printStackTrace</a:t>
-            </a:r>
-            <a:r>
-              <a:rPr lang="zh-CN" altLang="en-US" smtClean="0"/>
-              <a:t>，</a:t>
-            </a:r>
-            <a:r>
-              <a:rPr lang="en-US" smtClean="0"/>
-              <a:t>toString</a:t>
-            </a:r>
-            <a:r>
-              <a:rPr lang="zh-CN" altLang="en-US" smtClean="0"/>
-              <a:t>方法，所以自定义异常一般会重写以上三个方法</a:t>
-            </a:r>
-            <a:r>
-              <a:rPr lang="en-US" smtClean="0"/>
-              <a:t>.</a:t>
-            </a:r>
-            <a:endParaRPr lang="en-US"/>
+              <a:t>常见异常</a:t>
+            </a:r>
+            <a:endParaRPr lang="en-US" altLang="zh-CN" smtClean="0"/>
+          </a:p>
+          <a:p>
+            <a:r>
+              <a:rPr lang="zh-CN" altLang="en-US" smtClean="0"/>
+              <a:t>自定义异常</a:t>
+            </a:r>
+            <a:endParaRPr lang="en-US" altLang="zh-CN" dirty="0" smtClean="0"/>
           </a:p>
         </p:txBody>
       </p:sp>
@@ -15831,7 +15989,7 @@
       </p:grpSpPr>
       <p:sp>
         <p:nvSpPr>
-          <p:cNvPr id="27650" name="标题 1"/>
+          <p:cNvPr id="26626" name="标题 1"/>
           <p:cNvSpPr>
             <a:spLocks noGrp="1" noChangeArrowheads="1"/>
           </p:cNvSpPr>
@@ -15846,7 +16004,7 @@
           <a:p>
             <a:r>
               <a:rPr lang="zh-CN" altLang="en-US" smtClean="0"/>
-              <a:t>自定义异常示例</a:t>
+              <a:t>自定义异常</a:t>
             </a:r>
             <a:endParaRPr lang="zh-CN" altLang="en-US"/>
           </a:p>
@@ -15854,9 +16012,9 @@
       </p:sp>
       <p:sp>
         <p:nvSpPr>
-          <p:cNvPr id="8" name="内容占位符 7"/>
+          <p:cNvPr id="26627" name="内容占位符 2"/>
           <p:cNvSpPr>
-            <a:spLocks noGrp="1"/>
+            <a:spLocks noGrp="1" noChangeArrowheads="1"/>
           </p:cNvSpPr>
           <p:nvPr>
             <p:ph idx="1"/>
@@ -15867,540 +16025,75 @@
           <a:bodyPr/>
           <a:lstStyle/>
           <a:p>
-            <a:endParaRPr lang="zh-CN" altLang="en-US"/>
-          </a:p>
-        </p:txBody>
-      </p:sp>
-      <p:sp>
-        <p:nvSpPr>
-          <p:cNvPr id="27652" name="TextBox 3"/>
-          <p:cNvSpPr txBox="1">
-            <a:spLocks noChangeArrowheads="1"/>
-          </p:cNvSpPr>
-          <p:nvPr/>
-        </p:nvSpPr>
-        <p:spPr bwMode="auto">
-          <a:xfrm>
-            <a:off x="539750" y="1196975"/>
-            <a:ext cx="8064500" cy="5324475"/>
-          </a:xfrm>
-          <a:prstGeom prst="rect">
-            <a:avLst/>
-          </a:prstGeom>
-          <a:solidFill>
-            <a:srgbClr val="FFEBE0"/>
-          </a:solidFill>
-          <a:ln w="9525" cmpd="sng">
-            <a:solidFill>
-              <a:srgbClr val="FF5D0D"/>
-            </a:solidFill>
-            <a:miter lim="800000"/>
-            <a:headEnd/>
-            <a:tailEnd/>
-          </a:ln>
-        </p:spPr>
-        <p:txBody>
-          <a:bodyPr>
-            <a:spAutoFit/>
-          </a:bodyPr>
-          <a:lstStyle/>
-          <a:p>
-            <a:r>
-              <a:rPr lang="en-US" dirty="0">
-                <a:solidFill>
-                  <a:schemeClr val="tx1"/>
-                </a:solidFill>
-                <a:ea typeface="宋体" pitchFamily="2" charset="-122"/>
-              </a:rPr>
-              <a:t>public class </a:t>
-            </a:r>
-            <a:r>
-              <a:rPr lang="en-US" dirty="0" err="1">
-                <a:solidFill>
-                  <a:schemeClr val="tx1"/>
-                </a:solidFill>
-                <a:ea typeface="宋体" pitchFamily="2" charset="-122"/>
-              </a:rPr>
-              <a:t>SpecialException</a:t>
-            </a:r>
-            <a:r>
-              <a:rPr lang="en-US" dirty="0">
-                <a:solidFill>
-                  <a:schemeClr val="tx1"/>
-                </a:solidFill>
-                <a:ea typeface="宋体" pitchFamily="2" charset="-122"/>
-              </a:rPr>
-              <a:t> extends Exception {</a:t>
-            </a:r>
-            <a:endParaRPr lang="zh-CN" altLang="en-US" dirty="0">
-              <a:solidFill>
-                <a:schemeClr val="tx1"/>
-              </a:solidFill>
-              <a:ea typeface="宋体" pitchFamily="2" charset="-122"/>
-            </a:endParaRPr>
-          </a:p>
-          <a:p>
-            <a:r>
-              <a:rPr lang="en-US" dirty="0">
-                <a:solidFill>
-                  <a:schemeClr val="tx1"/>
-                </a:solidFill>
-                <a:ea typeface="宋体" pitchFamily="2" charset="-122"/>
-              </a:rPr>
-              <a:t>	private static final long </a:t>
-            </a:r>
-            <a:r>
-              <a:rPr lang="en-US" dirty="0" err="1">
-                <a:solidFill>
-                  <a:schemeClr val="tx1"/>
-                </a:solidFill>
-                <a:ea typeface="宋体" pitchFamily="2" charset="-122"/>
-              </a:rPr>
-              <a:t>serialVersionUID</a:t>
-            </a:r>
-            <a:r>
-              <a:rPr lang="en-US" dirty="0">
-                <a:solidFill>
-                  <a:schemeClr val="tx1"/>
-                </a:solidFill>
-                <a:ea typeface="宋体" pitchFamily="2" charset="-122"/>
-              </a:rPr>
-              <a:t> = 1L;</a:t>
-            </a:r>
-            <a:endParaRPr lang="zh-CN" altLang="en-US" dirty="0">
-              <a:solidFill>
-                <a:schemeClr val="tx1"/>
-              </a:solidFill>
-              <a:ea typeface="宋体" pitchFamily="2" charset="-122"/>
-            </a:endParaRPr>
-          </a:p>
-          <a:p>
-            <a:r>
-              <a:rPr lang="en-US" dirty="0">
-                <a:solidFill>
-                  <a:schemeClr val="tx1"/>
-                </a:solidFill>
-                <a:ea typeface="宋体" pitchFamily="2" charset="-122"/>
-              </a:rPr>
-              <a:t>	@Override</a:t>
-            </a:r>
-            <a:endParaRPr lang="zh-CN" altLang="en-US" dirty="0">
-              <a:solidFill>
-                <a:schemeClr val="tx1"/>
-              </a:solidFill>
-              <a:ea typeface="宋体" pitchFamily="2" charset="-122"/>
-            </a:endParaRPr>
-          </a:p>
-          <a:p>
-            <a:r>
-              <a:rPr lang="en-US" dirty="0">
-                <a:solidFill>
-                  <a:schemeClr val="tx1"/>
-                </a:solidFill>
-                <a:ea typeface="宋体" pitchFamily="2" charset="-122"/>
-              </a:rPr>
-              <a:t>	public String </a:t>
-            </a:r>
-            <a:r>
-              <a:rPr lang="en-US" dirty="0" err="1">
-                <a:solidFill>
-                  <a:schemeClr val="tx1"/>
-                </a:solidFill>
-                <a:ea typeface="宋体" pitchFamily="2" charset="-122"/>
-              </a:rPr>
+            <a:r>
+              <a:rPr lang="zh-CN" altLang="en-US" smtClean="0"/>
+              <a:t>如果</a:t>
+            </a:r>
+            <a:r>
+              <a:rPr lang="en-US" smtClean="0"/>
+              <a:t>JDK</a:t>
+            </a:r>
+            <a:r>
+              <a:rPr lang="zh-CN" altLang="en-US" smtClean="0"/>
+              <a:t>提供的异常类型不能满足需求的时候，程序员可以自定义一些异常类来描述自身程序中的异常信息</a:t>
+            </a:r>
+            <a:r>
+              <a:rPr lang="en-US" smtClean="0"/>
+              <a:t>.</a:t>
+            </a:r>
+          </a:p>
+          <a:p>
+            <a:r>
+              <a:rPr lang="zh-CN" altLang="en-US" smtClean="0"/>
+              <a:t>程序员自定义异常必须是</a:t>
+            </a:r>
+            <a:r>
+              <a:rPr lang="en-US" smtClean="0"/>
+              <a:t>Throwable</a:t>
+            </a:r>
+            <a:r>
+              <a:rPr lang="zh-CN" altLang="en-US" smtClean="0"/>
+              <a:t>的直接或间接子类</a:t>
+            </a:r>
+            <a:r>
+              <a:rPr lang="en-US" smtClean="0"/>
+              <a:t>.</a:t>
+            </a:r>
+          </a:p>
+          <a:p>
+            <a:r>
+              <a:rPr lang="zh-CN" altLang="en-US" smtClean="0"/>
+              <a:t>在程序中获得异常信息一般会调用异常对象的</a:t>
+            </a:r>
+            <a:r>
+              <a:rPr lang="en-US" smtClean="0"/>
               <a:t>getMessage</a:t>
             </a:r>
             <a:r>
-              <a:rPr lang="en-US" dirty="0">
-                <a:solidFill>
-                  <a:schemeClr val="tx1"/>
-                </a:solidFill>
-                <a:ea typeface="宋体" pitchFamily="2" charset="-122"/>
-              </a:rPr>
-              <a:t>() {</a:t>
-            </a:r>
-            <a:endParaRPr lang="zh-CN" altLang="en-US" dirty="0">
-              <a:solidFill>
-                <a:schemeClr val="tx1"/>
-              </a:solidFill>
-              <a:ea typeface="宋体" pitchFamily="2" charset="-122"/>
-            </a:endParaRPr>
-          </a:p>
-          <a:p>
-            <a:r>
-              <a:rPr lang="en-US" dirty="0">
-                <a:solidFill>
-                  <a:schemeClr val="tx1"/>
-                </a:solidFill>
-                <a:ea typeface="宋体" pitchFamily="2" charset="-122"/>
-              </a:rPr>
-              <a:t>		return "</a:t>
-            </a:r>
-            <a:r>
-              <a:rPr lang="en-US" dirty="0" err="1">
-                <a:solidFill>
-                  <a:schemeClr val="tx1"/>
-                </a:solidFill>
-                <a:ea typeface="宋体" pitchFamily="2" charset="-122"/>
-              </a:rPr>
-              <a:t>SpecialException</a:t>
-            </a:r>
-            <a:r>
-              <a:rPr lang="zh-CN" altLang="en-US" dirty="0">
-                <a:solidFill>
-                  <a:schemeClr val="tx1"/>
-                </a:solidFill>
-                <a:ea typeface="宋体" pitchFamily="2" charset="-122"/>
-              </a:rPr>
-              <a:t>三角形构造失败</a:t>
-            </a:r>
-            <a:r>
-              <a:rPr lang="en-US" dirty="0">
-                <a:solidFill>
-                  <a:schemeClr val="tx1"/>
-                </a:solidFill>
-                <a:ea typeface="宋体" pitchFamily="2" charset="-122"/>
-              </a:rPr>
-              <a:t>";</a:t>
-            </a:r>
-            <a:endParaRPr lang="zh-CN" altLang="en-US" dirty="0">
-              <a:solidFill>
-                <a:schemeClr val="tx1"/>
-              </a:solidFill>
-              <a:ea typeface="宋体" pitchFamily="2" charset="-122"/>
-            </a:endParaRPr>
-          </a:p>
-          <a:p>
-            <a:r>
-              <a:rPr lang="en-US" dirty="0">
-                <a:solidFill>
-                  <a:schemeClr val="tx1"/>
-                </a:solidFill>
-                <a:ea typeface="宋体" pitchFamily="2" charset="-122"/>
-              </a:rPr>
-              <a:t>	}</a:t>
-            </a:r>
-            <a:endParaRPr lang="zh-CN" altLang="en-US" dirty="0">
-              <a:solidFill>
-                <a:schemeClr val="tx1"/>
-              </a:solidFill>
-              <a:ea typeface="宋体" pitchFamily="2" charset="-122"/>
-            </a:endParaRPr>
-          </a:p>
-          <a:p>
-            <a:r>
-              <a:rPr lang="en-US" dirty="0">
-                <a:solidFill>
-                  <a:schemeClr val="tx1"/>
-                </a:solidFill>
-                <a:ea typeface="宋体" pitchFamily="2" charset="-122"/>
-              </a:rPr>
-              <a:t>	@Override</a:t>
-            </a:r>
-            <a:endParaRPr lang="zh-CN" altLang="en-US" dirty="0">
-              <a:solidFill>
-                <a:schemeClr val="tx1"/>
-              </a:solidFill>
-              <a:ea typeface="宋体" pitchFamily="2" charset="-122"/>
-            </a:endParaRPr>
-          </a:p>
-          <a:p>
-            <a:r>
-              <a:rPr lang="en-US" dirty="0">
-                <a:solidFill>
-                  <a:schemeClr val="tx1"/>
-                </a:solidFill>
-                <a:ea typeface="宋体" pitchFamily="2" charset="-122"/>
-              </a:rPr>
-              <a:t>	public void </a:t>
-            </a:r>
-            <a:r>
-              <a:rPr lang="en-US" dirty="0" err="1">
-                <a:solidFill>
-                  <a:schemeClr val="tx1"/>
-                </a:solidFill>
-                <a:ea typeface="宋体" pitchFamily="2" charset="-122"/>
-              </a:rPr>
+              <a:rPr lang="zh-CN" altLang="en-US" smtClean="0"/>
+              <a:t>，</a:t>
+            </a:r>
+            <a:r>
+              <a:rPr lang="en-US" smtClean="0"/>
               <a:t>printStackTrace</a:t>
             </a:r>
             <a:r>
-              <a:rPr lang="en-US" dirty="0">
-                <a:solidFill>
-                  <a:schemeClr val="tx1"/>
-                </a:solidFill>
-                <a:ea typeface="宋体" pitchFamily="2" charset="-122"/>
-              </a:rPr>
-              <a:t>() {</a:t>
-            </a:r>
-            <a:endParaRPr lang="zh-CN" altLang="en-US" dirty="0">
-              <a:solidFill>
-                <a:schemeClr val="tx1"/>
-              </a:solidFill>
-              <a:ea typeface="宋体" pitchFamily="2" charset="-122"/>
-            </a:endParaRPr>
-          </a:p>
-          <a:p>
-            <a:r>
-              <a:rPr lang="en-US" dirty="0">
-                <a:solidFill>
-                  <a:schemeClr val="tx1"/>
-                </a:solidFill>
-                <a:ea typeface="宋体" pitchFamily="2" charset="-122"/>
-              </a:rPr>
-              <a:t>		</a:t>
-            </a:r>
-            <a:r>
-              <a:rPr lang="en-US" dirty="0" err="1">
-                <a:solidFill>
-                  <a:schemeClr val="tx1"/>
-                </a:solidFill>
-                <a:ea typeface="宋体" pitchFamily="2" charset="-122"/>
-              </a:rPr>
-              <a:t>System.out.println</a:t>
-            </a:r>
-            <a:r>
-              <a:rPr lang="en-US" dirty="0">
-                <a:solidFill>
-                  <a:schemeClr val="tx1"/>
-                </a:solidFill>
-                <a:ea typeface="宋体" pitchFamily="2" charset="-122"/>
-              </a:rPr>
-              <a:t>("</a:t>
-            </a:r>
-            <a:r>
-              <a:rPr lang="zh-CN" altLang="en-US" dirty="0">
-                <a:solidFill>
-                  <a:schemeClr val="tx1"/>
-                </a:solidFill>
-                <a:ea typeface="宋体" pitchFamily="2" charset="-122"/>
-              </a:rPr>
-              <a:t>三角形构造失败，异常类型：</a:t>
-            </a:r>
-            <a:r>
-              <a:rPr lang="en-US" dirty="0">
-                <a:solidFill>
-                  <a:schemeClr val="tx1"/>
-                </a:solidFill>
-                <a:ea typeface="宋体" pitchFamily="2" charset="-122"/>
-              </a:rPr>
-              <a:t>"+</a:t>
-            </a:r>
-            <a:r>
-              <a:rPr lang="en-US" dirty="0" err="1">
-                <a:solidFill>
-                  <a:schemeClr val="tx1"/>
-                </a:solidFill>
-                <a:ea typeface="宋体" pitchFamily="2" charset="-122"/>
-              </a:rPr>
-              <a:t>this.getClass</a:t>
-            </a:r>
-            <a:r>
-              <a:rPr lang="en-US" dirty="0">
-                <a:solidFill>
-                  <a:schemeClr val="tx1"/>
-                </a:solidFill>
-                <a:ea typeface="宋体" pitchFamily="2" charset="-122"/>
-              </a:rPr>
-              <a:t>().</a:t>
-            </a:r>
-            <a:r>
-              <a:rPr lang="en-US" dirty="0" err="1">
-                <a:solidFill>
-                  <a:schemeClr val="tx1"/>
-                </a:solidFill>
-                <a:ea typeface="宋体" pitchFamily="2" charset="-122"/>
-              </a:rPr>
-              <a:t>getName</a:t>
-            </a:r>
-            <a:r>
-              <a:rPr lang="en-US" dirty="0">
-                <a:solidFill>
-                  <a:schemeClr val="tx1"/>
-                </a:solidFill>
-                <a:ea typeface="宋体" pitchFamily="2" charset="-122"/>
-              </a:rPr>
-              <a:t>());</a:t>
-            </a:r>
-            <a:endParaRPr lang="zh-CN" altLang="en-US" dirty="0">
-              <a:solidFill>
-                <a:schemeClr val="tx1"/>
-              </a:solidFill>
-              <a:ea typeface="宋体" pitchFamily="2" charset="-122"/>
-            </a:endParaRPr>
-          </a:p>
-          <a:p>
-            <a:r>
-              <a:rPr lang="en-US" dirty="0">
-                <a:solidFill>
-                  <a:schemeClr val="tx1"/>
-                </a:solidFill>
-                <a:ea typeface="宋体" pitchFamily="2" charset="-122"/>
-              </a:rPr>
-              <a:t>	}</a:t>
-            </a:r>
-            <a:endParaRPr lang="zh-CN" altLang="en-US" dirty="0">
-              <a:solidFill>
-                <a:schemeClr val="tx1"/>
-              </a:solidFill>
-              <a:ea typeface="宋体" pitchFamily="2" charset="-122"/>
-            </a:endParaRPr>
-          </a:p>
-          <a:p>
-            <a:r>
-              <a:rPr lang="en-US" dirty="0">
-                <a:solidFill>
-                  <a:schemeClr val="tx1"/>
-                </a:solidFill>
-                <a:ea typeface="宋体" pitchFamily="2" charset="-122"/>
-              </a:rPr>
-              <a:t>	@Override</a:t>
-            </a:r>
-            <a:endParaRPr lang="zh-CN" altLang="en-US" dirty="0">
-              <a:solidFill>
-                <a:schemeClr val="tx1"/>
-              </a:solidFill>
-              <a:ea typeface="宋体" pitchFamily="2" charset="-122"/>
-            </a:endParaRPr>
-          </a:p>
-          <a:p>
-            <a:r>
-              <a:rPr lang="en-US" dirty="0">
-                <a:solidFill>
-                  <a:schemeClr val="tx1"/>
-                </a:solidFill>
-                <a:ea typeface="宋体" pitchFamily="2" charset="-122"/>
-              </a:rPr>
-              <a:t>	public String </a:t>
-            </a:r>
-            <a:r>
-              <a:rPr lang="en-US" dirty="0" err="1">
-                <a:solidFill>
-                  <a:schemeClr val="tx1"/>
-                </a:solidFill>
-                <a:ea typeface="宋体" pitchFamily="2" charset="-122"/>
-              </a:rPr>
+              <a:rPr lang="zh-CN" altLang="en-US" smtClean="0"/>
+              <a:t>，</a:t>
+            </a:r>
+            <a:r>
+              <a:rPr lang="en-US" smtClean="0"/>
               <a:t>toString</a:t>
             </a:r>
             <a:r>
-              <a:rPr lang="en-US" dirty="0">
-                <a:solidFill>
-                  <a:schemeClr val="tx1"/>
-                </a:solidFill>
-                <a:ea typeface="宋体" pitchFamily="2" charset="-122"/>
-              </a:rPr>
-              <a:t>() {</a:t>
-            </a:r>
-            <a:endParaRPr lang="zh-CN" altLang="en-US" dirty="0">
-              <a:solidFill>
-                <a:schemeClr val="tx1"/>
-              </a:solidFill>
-              <a:ea typeface="宋体" pitchFamily="2" charset="-122"/>
-            </a:endParaRPr>
-          </a:p>
-          <a:p>
-            <a:r>
-              <a:rPr lang="en-US" dirty="0">
-                <a:solidFill>
-                  <a:schemeClr val="tx1"/>
-                </a:solidFill>
-                <a:ea typeface="宋体" pitchFamily="2" charset="-122"/>
-              </a:rPr>
-              <a:t>		return "</a:t>
-            </a:r>
-            <a:r>
-              <a:rPr lang="zh-CN" altLang="en-US" dirty="0">
-                <a:solidFill>
-                  <a:schemeClr val="tx1"/>
-                </a:solidFill>
-                <a:ea typeface="宋体" pitchFamily="2" charset="-122"/>
-              </a:rPr>
-              <a:t>三角形构造异常，类型为：</a:t>
-            </a:r>
-            <a:r>
-              <a:rPr lang="en-US" dirty="0">
-                <a:solidFill>
-                  <a:schemeClr val="tx1"/>
-                </a:solidFill>
-                <a:ea typeface="宋体" pitchFamily="2" charset="-122"/>
-              </a:rPr>
-              <a:t>"+</a:t>
-            </a:r>
-            <a:r>
-              <a:rPr lang="en-US" dirty="0" err="1">
-                <a:solidFill>
-                  <a:schemeClr val="tx1"/>
-                </a:solidFill>
-                <a:ea typeface="宋体" pitchFamily="2" charset="-122"/>
-              </a:rPr>
-              <a:t>this.getClass</a:t>
-            </a:r>
-            <a:r>
-              <a:rPr lang="en-US" dirty="0">
-                <a:solidFill>
-                  <a:schemeClr val="tx1"/>
-                </a:solidFill>
-                <a:ea typeface="宋体" pitchFamily="2" charset="-122"/>
-              </a:rPr>
-              <a:t>().</a:t>
-            </a:r>
-            <a:r>
-              <a:rPr lang="en-US" dirty="0" err="1">
-                <a:solidFill>
-                  <a:schemeClr val="tx1"/>
-                </a:solidFill>
-                <a:ea typeface="宋体" pitchFamily="2" charset="-122"/>
-              </a:rPr>
-              <a:t>getName</a:t>
-            </a:r>
-            <a:r>
-              <a:rPr lang="en-US" dirty="0">
-                <a:solidFill>
-                  <a:schemeClr val="tx1"/>
-                </a:solidFill>
-                <a:ea typeface="宋体" pitchFamily="2" charset="-122"/>
-              </a:rPr>
-              <a:t>();</a:t>
-            </a:r>
-            <a:endParaRPr lang="zh-CN" altLang="en-US" dirty="0">
-              <a:solidFill>
-                <a:schemeClr val="tx1"/>
-              </a:solidFill>
-              <a:ea typeface="宋体" pitchFamily="2" charset="-122"/>
-            </a:endParaRPr>
-          </a:p>
-          <a:p>
-            <a:r>
-              <a:rPr lang="en-US" dirty="0">
-                <a:solidFill>
-                  <a:schemeClr val="tx1"/>
-                </a:solidFill>
-                <a:ea typeface="宋体" pitchFamily="2" charset="-122"/>
-              </a:rPr>
-              <a:t>	}</a:t>
-            </a:r>
-            <a:endParaRPr lang="zh-CN" altLang="en-US" dirty="0">
-              <a:solidFill>
-                <a:schemeClr val="tx1"/>
-              </a:solidFill>
-              <a:ea typeface="宋体" pitchFamily="2" charset="-122"/>
-            </a:endParaRPr>
-          </a:p>
-          <a:p>
-            <a:r>
-              <a:rPr lang="en-US" dirty="0">
-                <a:solidFill>
-                  <a:schemeClr val="tx1"/>
-                </a:solidFill>
-                <a:ea typeface="宋体" pitchFamily="2" charset="-122"/>
-              </a:rPr>
-              <a:t>}</a:t>
-            </a:r>
-            <a:endParaRPr lang="zh-CN" altLang="en-US" dirty="0">
-              <a:solidFill>
-                <a:schemeClr val="tx1"/>
-              </a:solidFill>
-              <a:ea typeface="宋体" pitchFamily="2" charset="-122"/>
-            </a:endParaRPr>
+              <a:rPr lang="zh-CN" altLang="en-US" smtClean="0"/>
+              <a:t>方法，所以自定义异常一般会重写以上三个方法</a:t>
+            </a:r>
+            <a:r>
+              <a:rPr lang="en-US" smtClean="0"/>
+              <a:t>.</a:t>
+            </a:r>
+            <a:endParaRPr lang="en-US"/>
           </a:p>
         </p:txBody>
       </p:sp>
@@ -16438,7 +16131,7 @@
       </p:grpSpPr>
       <p:sp>
         <p:nvSpPr>
-          <p:cNvPr id="28674" name="标题 1"/>
+          <p:cNvPr id="27650" name="标题 1"/>
           <p:cNvSpPr>
             <a:spLocks noGrp="1" noChangeArrowheads="1"/>
           </p:cNvSpPr>
@@ -16453,7 +16146,7 @@
           <a:p>
             <a:r>
               <a:rPr lang="zh-CN" altLang="en-US" smtClean="0"/>
-              <a:t>自定义异常使用示例</a:t>
+              <a:t>自定义异常示例</a:t>
             </a:r>
             <a:endParaRPr lang="zh-CN" altLang="en-US"/>
           </a:p>
@@ -16480,7 +16173,7 @@
       </p:sp>
       <p:sp>
         <p:nvSpPr>
-          <p:cNvPr id="28676" name="TextBox 3"/>
+          <p:cNvPr id="27652" name="TextBox 3"/>
           <p:cNvSpPr txBox="1">
             <a:spLocks noChangeArrowheads="1"/>
           </p:cNvSpPr>
@@ -16488,8 +16181,8 @@
         </p:nvSpPr>
         <p:spPr bwMode="auto">
           <a:xfrm>
-            <a:off x="971550" y="1125538"/>
-            <a:ext cx="7315200" cy="5630862"/>
+            <a:off x="539750" y="1196975"/>
+            <a:ext cx="8064500" cy="5324475"/>
           </a:xfrm>
           <a:prstGeom prst="rect">
             <a:avLst/>
@@ -16519,10 +16212,17 @@
                 </a:solidFill>
                 <a:ea typeface="宋体" pitchFamily="2" charset="-122"/>
               </a:rPr>
-              <a:t>public class Triangle{</a:t>
-            </a:r>
-          </a:p>
-          <a:p>
+              <a:t>public class </a:t>
+            </a:r>
+            <a:r>
+              <a:rPr lang="en-US" dirty="0" err="1">
+                <a:solidFill>
+                  <a:schemeClr val="tx1"/>
+                </a:solidFill>
+                <a:ea typeface="宋体" pitchFamily="2" charset="-122"/>
+              </a:rPr>
+              <a:t>SpecialException</a:t>
+            </a:r>
             <a:r>
               <a:rPr lang="en-US" dirty="0">
                 <a:solidFill>
@@ -16530,58 +16230,7 @@
                 </a:solidFill>
                 <a:ea typeface="宋体" pitchFamily="2" charset="-122"/>
               </a:rPr>
-              <a:t>    Double a;</a:t>
-            </a:r>
-          </a:p>
-          <a:p>
-            <a:r>
-              <a:rPr lang="en-US" dirty="0">
-                <a:solidFill>
-                  <a:schemeClr val="tx1"/>
-                </a:solidFill>
-                <a:ea typeface="宋体" pitchFamily="2" charset="-122"/>
-              </a:rPr>
-              <a:t>    Double b;</a:t>
-            </a:r>
-          </a:p>
-          <a:p>
-            <a:r>
-              <a:rPr lang="en-US" dirty="0">
-                <a:solidFill>
-                  <a:schemeClr val="tx1"/>
-                </a:solidFill>
-                <a:ea typeface="宋体" pitchFamily="2" charset="-122"/>
-              </a:rPr>
-              <a:t>    Double c;</a:t>
-            </a:r>
-          </a:p>
-          <a:p>
-            <a:r>
-              <a:rPr lang="en-US" dirty="0">
-                <a:solidFill>
-                  <a:schemeClr val="tx1"/>
-                </a:solidFill>
-                <a:ea typeface="宋体" pitchFamily="2" charset="-122"/>
-              </a:rPr>
-              <a:t>    public Triangle(Double a, Double b, Double c) throws </a:t>
-            </a:r>
-            <a:r>
-              <a:rPr lang="en-US" dirty="0" err="1">
-                <a:solidFill>
-                  <a:schemeClr val="tx1"/>
-                </a:solidFill>
-                <a:ea typeface="宋体" pitchFamily="2" charset="-122"/>
-              </a:rPr>
-              <a:t>SpecialException</a:t>
-            </a:r>
-            <a:r>
-              <a:rPr lang="en-US" dirty="0">
-                <a:solidFill>
-                  <a:schemeClr val="tx1"/>
-                </a:solidFill>
-                <a:ea typeface="宋体" pitchFamily="2" charset="-122"/>
-              </a:rPr>
-              <a:t> {</a:t>
+              <a:t> extends Exception {</a:t>
             </a:r>
             <a:endParaRPr lang="zh-CN" altLang="en-US" dirty="0">
               <a:solidFill>
@@ -16598,7 +16247,25 @@
                 </a:solidFill>
                 <a:ea typeface="宋体" pitchFamily="2" charset="-122"/>
               </a:rPr>
-              <a:t>	if (a + b &lt; c) {</a:t>
+              <a:t>	private static final long </a:t>
+            </a:r>
+            <a:r>
+              <a:rPr lang="en-US" dirty="0" err="1">
+                <a:solidFill>
+                  <a:schemeClr val="tx1"/>
+                </a:solidFill>
+                <a:ea typeface="宋体" pitchFamily="2" charset="-122"/>
+              </a:rPr>
+              <a:t>serialVersionUID</a:t>
+            </a:r>
+            <a:r>
+              <a:rPr lang="en-US" dirty="0">
+                <a:solidFill>
+                  <a:schemeClr val="tx1"/>
+                </a:solidFill>
+                <a:ea typeface="宋体" pitchFamily="2" charset="-122"/>
+              </a:rPr>
+              <a:t> = 1L;</a:t>
             </a:r>
             <a:endParaRPr lang="zh-CN" altLang="en-US" dirty="0">
               <a:solidFill>
@@ -16615,25 +16282,7 @@
                 </a:solidFill>
                 <a:ea typeface="宋体" pitchFamily="2" charset="-122"/>
               </a:rPr>
-              <a:t>		throw new </a:t>
-            </a:r>
-            <a:r>
-              <a:rPr lang="en-US" dirty="0" err="1">
-                <a:solidFill>
-                  <a:schemeClr val="tx1"/>
-                </a:solidFill>
-                <a:ea typeface="宋体" pitchFamily="2" charset="-122"/>
-              </a:rPr>
-              <a:t>SpecialException</a:t>
-            </a:r>
-            <a:r>
-              <a:rPr lang="en-US" dirty="0">
-                <a:solidFill>
-                  <a:schemeClr val="tx1"/>
-                </a:solidFill>
-                <a:ea typeface="宋体" pitchFamily="2" charset="-122"/>
-              </a:rPr>
-              <a:t>();</a:t>
+              <a:t>	@Override</a:t>
             </a:r>
             <a:endParaRPr lang="zh-CN" altLang="en-US" dirty="0">
               <a:solidFill>
@@ -16650,7 +16299,25 @@
                 </a:solidFill>
                 <a:ea typeface="宋体" pitchFamily="2" charset="-122"/>
               </a:rPr>
-              <a:t>	} else if (a + c &lt; b) {</a:t>
+              <a:t>	public String </a:t>
+            </a:r>
+            <a:r>
+              <a:rPr lang="en-US" dirty="0" err="1">
+                <a:solidFill>
+                  <a:schemeClr val="tx1"/>
+                </a:solidFill>
+                <a:ea typeface="宋体" pitchFamily="2" charset="-122"/>
+              </a:rPr>
+              <a:t>getMessage</a:t>
+            </a:r>
+            <a:r>
+              <a:rPr lang="en-US" dirty="0">
+                <a:solidFill>
+                  <a:schemeClr val="tx1"/>
+                </a:solidFill>
+                <a:ea typeface="宋体" pitchFamily="2" charset="-122"/>
+              </a:rPr>
+              <a:t>() {</a:t>
             </a:r>
             <a:endParaRPr lang="zh-CN" altLang="en-US" dirty="0">
               <a:solidFill>
@@ -16667,7 +16334,7 @@
                 </a:solidFill>
                 <a:ea typeface="宋体" pitchFamily="2" charset="-122"/>
               </a:rPr>
-              <a:t>		throw new </a:t>
+              <a:t>		return "</a:t>
             </a:r>
             <a:r>
               <a:rPr lang="en-US" dirty="0" err="1">
@@ -16679,13 +16346,22 @@
               <a:t>SpecialException</a:t>
             </a:r>
             <a:r>
+              <a:rPr lang="zh-CN" altLang="en-US" dirty="0">
+                <a:solidFill>
+                  <a:schemeClr val="tx1"/>
+                </a:solidFill>
+                <a:ea typeface="宋体" pitchFamily="2" charset="-122"/>
+              </a:rPr>
+              <a:t>三角形构造失败</a:t>
+            </a:r>
+            <a:r>
               <a:rPr lang="en-US" dirty="0">
                 <a:solidFill>
                   <a:schemeClr val="tx1"/>
                 </a:solidFill>
                 <a:ea typeface="宋体" pitchFamily="2" charset="-122"/>
               </a:rPr>
-              <a:t>();</a:t>
+              <a:t>";</a:t>
             </a:r>
             <a:endParaRPr lang="zh-CN" altLang="en-US" dirty="0">
               <a:solidFill>
@@ -16702,7 +16378,7 @@
                 </a:solidFill>
                 <a:ea typeface="宋体" pitchFamily="2" charset="-122"/>
               </a:rPr>
-              <a:t>	} else if (b + c &lt; a) {</a:t>
+              <a:t>	}</a:t>
             </a:r>
             <a:endParaRPr lang="zh-CN" altLang="en-US" dirty="0">
               <a:solidFill>
@@ -16719,25 +16395,7 @@
                 </a:solidFill>
                 <a:ea typeface="宋体" pitchFamily="2" charset="-122"/>
               </a:rPr>
-              <a:t>		throw new </a:t>
-            </a:r>
-            <a:r>
-              <a:rPr lang="en-US" dirty="0" err="1">
-                <a:solidFill>
-                  <a:schemeClr val="tx1"/>
-                </a:solidFill>
-                <a:ea typeface="宋体" pitchFamily="2" charset="-122"/>
-              </a:rPr>
-              <a:t>SpecialException</a:t>
-            </a:r>
-            <a:r>
-              <a:rPr lang="en-US" dirty="0">
-                <a:solidFill>
-                  <a:schemeClr val="tx1"/>
-                </a:solidFill>
-                <a:ea typeface="宋体" pitchFamily="2" charset="-122"/>
-              </a:rPr>
-              <a:t>();</a:t>
+              <a:t>	@Override</a:t>
             </a:r>
             <a:endParaRPr lang="zh-CN" altLang="en-US" dirty="0">
               <a:solidFill>
@@ -16754,7 +16412,25 @@
                 </a:solidFill>
                 <a:ea typeface="宋体" pitchFamily="2" charset="-122"/>
               </a:rPr>
-              <a:t>	}</a:t>
+              <a:t>	public void </a:t>
+            </a:r>
+            <a:r>
+              <a:rPr lang="en-US" dirty="0" err="1">
+                <a:solidFill>
+                  <a:schemeClr val="tx1"/>
+                </a:solidFill>
+                <a:ea typeface="宋体" pitchFamily="2" charset="-122"/>
+              </a:rPr>
+              <a:t>printStackTrace</a:t>
+            </a:r>
+            <a:r>
+              <a:rPr lang="en-US" dirty="0">
+                <a:solidFill>
+                  <a:schemeClr val="tx1"/>
+                </a:solidFill>
+                <a:ea typeface="宋体" pitchFamily="2" charset="-122"/>
+              </a:rPr>
+              <a:t>() {</a:t>
             </a:r>
             <a:endParaRPr lang="zh-CN" altLang="en-US" dirty="0">
               <a:solidFill>
@@ -16771,7 +16447,7 @@
                 </a:solidFill>
                 <a:ea typeface="宋体" pitchFamily="2" charset="-122"/>
               </a:rPr>
-              <a:t>	</a:t>
+              <a:t>		</a:t>
             </a:r>
             <a:r>
               <a:rPr lang="en-US" dirty="0" err="1">
@@ -16780,7 +16456,7 @@
                 </a:solidFill>
                 <a:ea typeface="宋体" pitchFamily="2" charset="-122"/>
               </a:rPr>
-              <a:t>this.a</a:t>
+              <a:t>System.out.println</a:t>
             </a:r>
             <a:r>
               <a:rPr lang="en-US" dirty="0">
@@ -16789,10 +16465,17 @@
                 </a:solidFill>
                 <a:ea typeface="宋体" pitchFamily="2" charset="-122"/>
               </a:rPr>
-              <a:t> = a;</a:t>
-            </a:r>
-          </a:p>
-          <a:p>
+              <a:t>("</a:t>
+            </a:r>
+            <a:r>
+              <a:rPr lang="zh-CN" altLang="en-US" dirty="0">
+                <a:solidFill>
+                  <a:schemeClr val="tx1"/>
+                </a:solidFill>
+                <a:ea typeface="宋体" pitchFamily="2" charset="-122"/>
+              </a:rPr>
+              <a:t>三角形构造失败，异常类型：</a:t>
+            </a:r>
             <a:r>
               <a:rPr lang="en-US" dirty="0">
                 <a:solidFill>
@@ -16800,7 +16483,7 @@
                 </a:solidFill>
                 <a:ea typeface="宋体" pitchFamily="2" charset="-122"/>
               </a:rPr>
-              <a:t>             </a:t>
+              <a:t>"+</a:t>
             </a:r>
             <a:r>
               <a:rPr lang="en-US" dirty="0" err="1">
@@ -16809,7 +16492,7 @@
                 </a:solidFill>
                 <a:ea typeface="宋体" pitchFamily="2" charset="-122"/>
               </a:rPr>
-              <a:t>this.b</a:t>
+              <a:t>this.getClass</a:t>
             </a:r>
             <a:r>
               <a:rPr lang="en-US" dirty="0">
@@ -16818,10 +16501,17 @@
                 </a:solidFill>
                 <a:ea typeface="宋体" pitchFamily="2" charset="-122"/>
               </a:rPr>
-              <a:t> = b;</a:t>
-            </a:r>
-          </a:p>
-          <a:p>
+              <a:t>().</a:t>
+            </a:r>
+            <a:r>
+              <a:rPr lang="en-US" dirty="0" err="1">
+                <a:solidFill>
+                  <a:schemeClr val="tx1"/>
+                </a:solidFill>
+                <a:ea typeface="宋体" pitchFamily="2" charset="-122"/>
+              </a:rPr>
+              <a:t>getName</a:t>
+            </a:r>
             <a:r>
               <a:rPr lang="en-US" dirty="0">
                 <a:solidFill>
@@ -16829,25 +16519,7 @@
                 </a:solidFill>
                 <a:ea typeface="宋体" pitchFamily="2" charset="-122"/>
               </a:rPr>
-              <a:t>             </a:t>
-            </a:r>
-            <a:r>
-              <a:rPr lang="en-US" dirty="0" err="1">
-                <a:solidFill>
-                  <a:schemeClr val="tx1"/>
-                </a:solidFill>
-                <a:ea typeface="宋体" pitchFamily="2" charset="-122"/>
-              </a:rPr>
-              <a:t>this.c</a:t>
-            </a:r>
-            <a:r>
-              <a:rPr lang="en-US" dirty="0">
-                <a:solidFill>
-                  <a:schemeClr val="tx1"/>
-                </a:solidFill>
-                <a:ea typeface="宋体" pitchFamily="2" charset="-122"/>
-              </a:rPr>
-              <a:t> = c;</a:t>
+              <a:t>());</a:t>
             </a:r>
             <a:endParaRPr lang="zh-CN" altLang="en-US" dirty="0">
               <a:solidFill>
@@ -16864,8 +16536,154 @@
                 </a:solidFill>
                 <a:ea typeface="宋体" pitchFamily="2" charset="-122"/>
               </a:rPr>
-              <a:t>    }</a:t>
-            </a:r>
+              <a:t>	}</a:t>
+            </a:r>
+            <a:endParaRPr lang="zh-CN" altLang="en-US" dirty="0">
+              <a:solidFill>
+                <a:schemeClr val="tx1"/>
+              </a:solidFill>
+              <a:ea typeface="宋体" pitchFamily="2" charset="-122"/>
+            </a:endParaRPr>
+          </a:p>
+          <a:p>
+            <a:r>
+              <a:rPr lang="en-US" dirty="0">
+                <a:solidFill>
+                  <a:schemeClr val="tx1"/>
+                </a:solidFill>
+                <a:ea typeface="宋体" pitchFamily="2" charset="-122"/>
+              </a:rPr>
+              <a:t>	@Override</a:t>
+            </a:r>
+            <a:endParaRPr lang="zh-CN" altLang="en-US" dirty="0">
+              <a:solidFill>
+                <a:schemeClr val="tx1"/>
+              </a:solidFill>
+              <a:ea typeface="宋体" pitchFamily="2" charset="-122"/>
+            </a:endParaRPr>
+          </a:p>
+          <a:p>
+            <a:r>
+              <a:rPr lang="en-US" dirty="0">
+                <a:solidFill>
+                  <a:schemeClr val="tx1"/>
+                </a:solidFill>
+                <a:ea typeface="宋体" pitchFamily="2" charset="-122"/>
+              </a:rPr>
+              <a:t>	public String </a:t>
+            </a:r>
+            <a:r>
+              <a:rPr lang="en-US" dirty="0" err="1">
+                <a:solidFill>
+                  <a:schemeClr val="tx1"/>
+                </a:solidFill>
+                <a:ea typeface="宋体" pitchFamily="2" charset="-122"/>
+              </a:rPr>
+              <a:t>toString</a:t>
+            </a:r>
+            <a:r>
+              <a:rPr lang="en-US" dirty="0">
+                <a:solidFill>
+                  <a:schemeClr val="tx1"/>
+                </a:solidFill>
+                <a:ea typeface="宋体" pitchFamily="2" charset="-122"/>
+              </a:rPr>
+              <a:t>() {</a:t>
+            </a:r>
+            <a:endParaRPr lang="zh-CN" altLang="en-US" dirty="0">
+              <a:solidFill>
+                <a:schemeClr val="tx1"/>
+              </a:solidFill>
+              <a:ea typeface="宋体" pitchFamily="2" charset="-122"/>
+            </a:endParaRPr>
+          </a:p>
+          <a:p>
+            <a:r>
+              <a:rPr lang="en-US" dirty="0">
+                <a:solidFill>
+                  <a:schemeClr val="tx1"/>
+                </a:solidFill>
+                <a:ea typeface="宋体" pitchFamily="2" charset="-122"/>
+              </a:rPr>
+              <a:t>		return "</a:t>
+            </a:r>
+            <a:r>
+              <a:rPr lang="zh-CN" altLang="en-US" dirty="0">
+                <a:solidFill>
+                  <a:schemeClr val="tx1"/>
+                </a:solidFill>
+                <a:ea typeface="宋体" pitchFamily="2" charset="-122"/>
+              </a:rPr>
+              <a:t>三角形构造异常，类型为：</a:t>
+            </a:r>
+            <a:r>
+              <a:rPr lang="en-US" dirty="0">
+                <a:solidFill>
+                  <a:schemeClr val="tx1"/>
+                </a:solidFill>
+                <a:ea typeface="宋体" pitchFamily="2" charset="-122"/>
+              </a:rPr>
+              <a:t>"+</a:t>
+            </a:r>
+            <a:r>
+              <a:rPr lang="en-US" dirty="0" err="1">
+                <a:solidFill>
+                  <a:schemeClr val="tx1"/>
+                </a:solidFill>
+                <a:ea typeface="宋体" pitchFamily="2" charset="-122"/>
+              </a:rPr>
+              <a:t>this.getClass</a:t>
+            </a:r>
+            <a:r>
+              <a:rPr lang="en-US" dirty="0">
+                <a:solidFill>
+                  <a:schemeClr val="tx1"/>
+                </a:solidFill>
+                <a:ea typeface="宋体" pitchFamily="2" charset="-122"/>
+              </a:rPr>
+              <a:t>().</a:t>
+            </a:r>
+            <a:r>
+              <a:rPr lang="en-US" dirty="0" err="1">
+                <a:solidFill>
+                  <a:schemeClr val="tx1"/>
+                </a:solidFill>
+                <a:ea typeface="宋体" pitchFamily="2" charset="-122"/>
+              </a:rPr>
+              <a:t>getName</a:t>
+            </a:r>
+            <a:r>
+              <a:rPr lang="en-US" dirty="0">
+                <a:solidFill>
+                  <a:schemeClr val="tx1"/>
+                </a:solidFill>
+                <a:ea typeface="宋体" pitchFamily="2" charset="-122"/>
+              </a:rPr>
+              <a:t>();</a:t>
+            </a:r>
+            <a:endParaRPr lang="zh-CN" altLang="en-US" dirty="0">
+              <a:solidFill>
+                <a:schemeClr val="tx1"/>
+              </a:solidFill>
+              <a:ea typeface="宋体" pitchFamily="2" charset="-122"/>
+            </a:endParaRPr>
+          </a:p>
+          <a:p>
+            <a:r>
+              <a:rPr lang="en-US" dirty="0">
+                <a:solidFill>
+                  <a:schemeClr val="tx1"/>
+                </a:solidFill>
+                <a:ea typeface="宋体" pitchFamily="2" charset="-122"/>
+              </a:rPr>
+              <a:t>	}</a:t>
+            </a:r>
+            <a:endParaRPr lang="zh-CN" altLang="en-US" dirty="0">
+              <a:solidFill>
+                <a:schemeClr val="tx1"/>
+              </a:solidFill>
+              <a:ea typeface="宋体" pitchFamily="2" charset="-122"/>
+            </a:endParaRPr>
           </a:p>
           <a:p>
             <a:r>
@@ -16920,9 +16738,9 @@
       </p:grpSpPr>
       <p:sp>
         <p:nvSpPr>
-          <p:cNvPr id="7170" name="标题 1"/>
+          <p:cNvPr id="28674" name="标题 1"/>
           <p:cNvSpPr>
-            <a:spLocks noGrp="1"/>
+            <a:spLocks noGrp="1" noChangeArrowheads="1"/>
           </p:cNvSpPr>
           <p:nvPr>
             <p:ph type="title"/>
@@ -16935,15 +16753,15 @@
           <a:p>
             <a:r>
               <a:rPr lang="zh-CN" altLang="en-US" smtClean="0"/>
-              <a:t>讲授思路　　　　　　　　　</a:t>
-            </a:r>
-            <a:endParaRPr lang="zh-CN" altLang="en-US" dirty="0" smtClean="0"/>
+              <a:t>自定义异常使用示例</a:t>
+            </a:r>
+            <a:endParaRPr lang="zh-CN" altLang="en-US"/>
           </a:p>
         </p:txBody>
       </p:sp>
       <p:sp>
         <p:nvSpPr>
-          <p:cNvPr id="7171" name="内容占位符 2"/>
+          <p:cNvPr id="8" name="内容占位符 7"/>
           <p:cNvSpPr>
             <a:spLocks noGrp="1"/>
           </p:cNvSpPr>
@@ -16956,32 +16774,415 @@
           <a:bodyPr/>
           <a:lstStyle/>
           <a:p>
-            <a:r>
-              <a:rPr lang="zh-CN" altLang="en-US" smtClean="0"/>
-              <a:t>异常概述</a:t>
-            </a:r>
-            <a:endParaRPr lang="en-US" altLang="zh-CN" smtClean="0"/>
-          </a:p>
-          <a:p>
-            <a:r>
-              <a:rPr lang="zh-CN" altLang="en-US" smtClean="0"/>
-              <a:t>异常处理机制</a:t>
-            </a:r>
-            <a:endParaRPr lang="en-US" altLang="zh-CN" smtClean="0"/>
-          </a:p>
-          <a:p>
-            <a:r>
-              <a:rPr lang="zh-CN" altLang="en-US" smtClean="0"/>
-              <a:t>自定义异常</a:t>
-            </a:r>
-            <a:endParaRPr lang="en-US" altLang="zh-CN" smtClean="0"/>
-          </a:p>
-          <a:p>
-            <a:r>
-              <a:rPr lang="zh-CN" altLang="en-US" smtClean="0"/>
-              <a:t>断言</a:t>
-            </a:r>
-            <a:endParaRPr lang="en-US" altLang="zh-CN" dirty="0" smtClean="0"/>
+            <a:endParaRPr lang="zh-CN" altLang="en-US"/>
+          </a:p>
+        </p:txBody>
+      </p:sp>
+      <p:sp>
+        <p:nvSpPr>
+          <p:cNvPr id="28676" name="TextBox 3"/>
+          <p:cNvSpPr txBox="1">
+            <a:spLocks noChangeArrowheads="1"/>
+          </p:cNvSpPr>
+          <p:nvPr/>
+        </p:nvSpPr>
+        <p:spPr bwMode="auto">
+          <a:xfrm>
+            <a:off x="971550" y="1125538"/>
+            <a:ext cx="7315200" cy="5630862"/>
+          </a:xfrm>
+          <a:prstGeom prst="rect">
+            <a:avLst/>
+          </a:prstGeom>
+          <a:solidFill>
+            <a:srgbClr val="FFEBE0"/>
+          </a:solidFill>
+          <a:ln w="9525" cmpd="sng">
+            <a:solidFill>
+              <a:srgbClr val="FF5D0D"/>
+            </a:solidFill>
+            <a:miter lim="800000"/>
+            <a:headEnd/>
+            <a:tailEnd/>
+          </a:ln>
+        </p:spPr>
+        <p:txBody>
+          <a:bodyPr>
+            <a:spAutoFit/>
+          </a:bodyPr>
+          <a:lstStyle/>
+          <a:p>
+            <a:r>
+              <a:rPr lang="en-US" dirty="0">
+                <a:solidFill>
+                  <a:schemeClr val="tx1"/>
+                </a:solidFill>
+                <a:ea typeface="宋体" pitchFamily="2" charset="-122"/>
+              </a:rPr>
+              <a:t>public class Triangle{</a:t>
+            </a:r>
+          </a:p>
+          <a:p>
+            <a:r>
+              <a:rPr lang="en-US" dirty="0">
+                <a:solidFill>
+                  <a:schemeClr val="tx1"/>
+                </a:solidFill>
+                <a:ea typeface="宋体" pitchFamily="2" charset="-122"/>
+              </a:rPr>
+              <a:t>    Double a;</a:t>
+            </a:r>
+          </a:p>
+          <a:p>
+            <a:r>
+              <a:rPr lang="en-US" dirty="0">
+                <a:solidFill>
+                  <a:schemeClr val="tx1"/>
+                </a:solidFill>
+                <a:ea typeface="宋体" pitchFamily="2" charset="-122"/>
+              </a:rPr>
+              <a:t>    Double b;</a:t>
+            </a:r>
+          </a:p>
+          <a:p>
+            <a:r>
+              <a:rPr lang="en-US" dirty="0">
+                <a:solidFill>
+                  <a:schemeClr val="tx1"/>
+                </a:solidFill>
+                <a:ea typeface="宋体" pitchFamily="2" charset="-122"/>
+              </a:rPr>
+              <a:t>    Double c;</a:t>
+            </a:r>
+          </a:p>
+          <a:p>
+            <a:r>
+              <a:rPr lang="en-US" dirty="0">
+                <a:solidFill>
+                  <a:schemeClr val="tx1"/>
+                </a:solidFill>
+                <a:ea typeface="宋体" pitchFamily="2" charset="-122"/>
+              </a:rPr>
+              <a:t>    public Triangle(Double a, Double b, Double c) throws </a:t>
+            </a:r>
+            <a:r>
+              <a:rPr lang="en-US" dirty="0" err="1">
+                <a:solidFill>
+                  <a:schemeClr val="tx1"/>
+                </a:solidFill>
+                <a:ea typeface="宋体" pitchFamily="2" charset="-122"/>
+              </a:rPr>
+              <a:t>SpecialException</a:t>
+            </a:r>
+            <a:r>
+              <a:rPr lang="en-US" dirty="0">
+                <a:solidFill>
+                  <a:schemeClr val="tx1"/>
+                </a:solidFill>
+                <a:ea typeface="宋体" pitchFamily="2" charset="-122"/>
+              </a:rPr>
+              <a:t> {</a:t>
+            </a:r>
+            <a:endParaRPr lang="zh-CN" altLang="en-US" dirty="0">
+              <a:solidFill>
+                <a:schemeClr val="tx1"/>
+              </a:solidFill>
+              <a:ea typeface="宋体" pitchFamily="2" charset="-122"/>
+            </a:endParaRPr>
+          </a:p>
+          <a:p>
+            <a:r>
+              <a:rPr lang="en-US" dirty="0">
+                <a:solidFill>
+                  <a:schemeClr val="tx1"/>
+                </a:solidFill>
+                <a:ea typeface="宋体" pitchFamily="2" charset="-122"/>
+              </a:rPr>
+              <a:t>	if (a + b &lt; c) {</a:t>
+            </a:r>
+            <a:endParaRPr lang="zh-CN" altLang="en-US" dirty="0">
+              <a:solidFill>
+                <a:schemeClr val="tx1"/>
+              </a:solidFill>
+              <a:ea typeface="宋体" pitchFamily="2" charset="-122"/>
+            </a:endParaRPr>
+          </a:p>
+          <a:p>
+            <a:r>
+              <a:rPr lang="en-US" dirty="0">
+                <a:solidFill>
+                  <a:schemeClr val="tx1"/>
+                </a:solidFill>
+                <a:ea typeface="宋体" pitchFamily="2" charset="-122"/>
+              </a:rPr>
+              <a:t>		throw new </a:t>
+            </a:r>
+            <a:r>
+              <a:rPr lang="en-US" dirty="0" err="1">
+                <a:solidFill>
+                  <a:schemeClr val="tx1"/>
+                </a:solidFill>
+                <a:ea typeface="宋体" pitchFamily="2" charset="-122"/>
+              </a:rPr>
+              <a:t>SpecialException</a:t>
+            </a:r>
+            <a:r>
+              <a:rPr lang="en-US" dirty="0">
+                <a:solidFill>
+                  <a:schemeClr val="tx1"/>
+                </a:solidFill>
+                <a:ea typeface="宋体" pitchFamily="2" charset="-122"/>
+              </a:rPr>
+              <a:t>();</a:t>
+            </a:r>
+            <a:endParaRPr lang="zh-CN" altLang="en-US" dirty="0">
+              <a:solidFill>
+                <a:schemeClr val="tx1"/>
+              </a:solidFill>
+              <a:ea typeface="宋体" pitchFamily="2" charset="-122"/>
+            </a:endParaRPr>
+          </a:p>
+          <a:p>
+            <a:r>
+              <a:rPr lang="en-US" dirty="0">
+                <a:solidFill>
+                  <a:schemeClr val="tx1"/>
+                </a:solidFill>
+                <a:ea typeface="宋体" pitchFamily="2" charset="-122"/>
+              </a:rPr>
+              <a:t>	} else if (a + c &lt; b) {</a:t>
+            </a:r>
+            <a:endParaRPr lang="zh-CN" altLang="en-US" dirty="0">
+              <a:solidFill>
+                <a:schemeClr val="tx1"/>
+              </a:solidFill>
+              <a:ea typeface="宋体" pitchFamily="2" charset="-122"/>
+            </a:endParaRPr>
+          </a:p>
+          <a:p>
+            <a:r>
+              <a:rPr lang="en-US" dirty="0">
+                <a:solidFill>
+                  <a:schemeClr val="tx1"/>
+                </a:solidFill>
+                <a:ea typeface="宋体" pitchFamily="2" charset="-122"/>
+              </a:rPr>
+              <a:t>		throw new </a:t>
+            </a:r>
+            <a:r>
+              <a:rPr lang="en-US" dirty="0" err="1">
+                <a:solidFill>
+                  <a:schemeClr val="tx1"/>
+                </a:solidFill>
+                <a:ea typeface="宋体" pitchFamily="2" charset="-122"/>
+              </a:rPr>
+              <a:t>SpecialException</a:t>
+            </a:r>
+            <a:r>
+              <a:rPr lang="en-US" dirty="0">
+                <a:solidFill>
+                  <a:schemeClr val="tx1"/>
+                </a:solidFill>
+                <a:ea typeface="宋体" pitchFamily="2" charset="-122"/>
+              </a:rPr>
+              <a:t>();</a:t>
+            </a:r>
+            <a:endParaRPr lang="zh-CN" altLang="en-US" dirty="0">
+              <a:solidFill>
+                <a:schemeClr val="tx1"/>
+              </a:solidFill>
+              <a:ea typeface="宋体" pitchFamily="2" charset="-122"/>
+            </a:endParaRPr>
+          </a:p>
+          <a:p>
+            <a:r>
+              <a:rPr lang="en-US" dirty="0">
+                <a:solidFill>
+                  <a:schemeClr val="tx1"/>
+                </a:solidFill>
+                <a:ea typeface="宋体" pitchFamily="2" charset="-122"/>
+              </a:rPr>
+              <a:t>	} else if (b + c &lt; a) {</a:t>
+            </a:r>
+            <a:endParaRPr lang="zh-CN" altLang="en-US" dirty="0">
+              <a:solidFill>
+                <a:schemeClr val="tx1"/>
+              </a:solidFill>
+              <a:ea typeface="宋体" pitchFamily="2" charset="-122"/>
+            </a:endParaRPr>
+          </a:p>
+          <a:p>
+            <a:r>
+              <a:rPr lang="en-US" dirty="0">
+                <a:solidFill>
+                  <a:schemeClr val="tx1"/>
+                </a:solidFill>
+                <a:ea typeface="宋体" pitchFamily="2" charset="-122"/>
+              </a:rPr>
+              <a:t>		throw new </a:t>
+            </a:r>
+            <a:r>
+              <a:rPr lang="en-US" dirty="0" err="1">
+                <a:solidFill>
+                  <a:schemeClr val="tx1"/>
+                </a:solidFill>
+                <a:ea typeface="宋体" pitchFamily="2" charset="-122"/>
+              </a:rPr>
+              <a:t>SpecialException</a:t>
+            </a:r>
+            <a:r>
+              <a:rPr lang="en-US" dirty="0">
+                <a:solidFill>
+                  <a:schemeClr val="tx1"/>
+                </a:solidFill>
+                <a:ea typeface="宋体" pitchFamily="2" charset="-122"/>
+              </a:rPr>
+              <a:t>();</a:t>
+            </a:r>
+            <a:endParaRPr lang="zh-CN" altLang="en-US" dirty="0">
+              <a:solidFill>
+                <a:schemeClr val="tx1"/>
+              </a:solidFill>
+              <a:ea typeface="宋体" pitchFamily="2" charset="-122"/>
+            </a:endParaRPr>
+          </a:p>
+          <a:p>
+            <a:r>
+              <a:rPr lang="en-US" dirty="0">
+                <a:solidFill>
+                  <a:schemeClr val="tx1"/>
+                </a:solidFill>
+                <a:ea typeface="宋体" pitchFamily="2" charset="-122"/>
+              </a:rPr>
+              <a:t>	}</a:t>
+            </a:r>
+            <a:endParaRPr lang="zh-CN" altLang="en-US" dirty="0">
+              <a:solidFill>
+                <a:schemeClr val="tx1"/>
+              </a:solidFill>
+              <a:ea typeface="宋体" pitchFamily="2" charset="-122"/>
+            </a:endParaRPr>
+          </a:p>
+          <a:p>
+            <a:r>
+              <a:rPr lang="en-US" dirty="0">
+                <a:solidFill>
+                  <a:schemeClr val="tx1"/>
+                </a:solidFill>
+                <a:ea typeface="宋体" pitchFamily="2" charset="-122"/>
+              </a:rPr>
+              <a:t>	</a:t>
+            </a:r>
+            <a:r>
+              <a:rPr lang="en-US" dirty="0" err="1">
+                <a:solidFill>
+                  <a:schemeClr val="tx1"/>
+                </a:solidFill>
+                <a:ea typeface="宋体" pitchFamily="2" charset="-122"/>
+              </a:rPr>
+              <a:t>this.a</a:t>
+            </a:r>
+            <a:r>
+              <a:rPr lang="en-US" dirty="0">
+                <a:solidFill>
+                  <a:schemeClr val="tx1"/>
+                </a:solidFill>
+                <a:ea typeface="宋体" pitchFamily="2" charset="-122"/>
+              </a:rPr>
+              <a:t> = a;</a:t>
+            </a:r>
+          </a:p>
+          <a:p>
+            <a:r>
+              <a:rPr lang="en-US" dirty="0">
+                <a:solidFill>
+                  <a:schemeClr val="tx1"/>
+                </a:solidFill>
+                <a:ea typeface="宋体" pitchFamily="2" charset="-122"/>
+              </a:rPr>
+              <a:t>             </a:t>
+            </a:r>
+            <a:r>
+              <a:rPr lang="en-US" dirty="0" err="1">
+                <a:solidFill>
+                  <a:schemeClr val="tx1"/>
+                </a:solidFill>
+                <a:ea typeface="宋体" pitchFamily="2" charset="-122"/>
+              </a:rPr>
+              <a:t>this.b</a:t>
+            </a:r>
+            <a:r>
+              <a:rPr lang="en-US" dirty="0">
+                <a:solidFill>
+                  <a:schemeClr val="tx1"/>
+                </a:solidFill>
+                <a:ea typeface="宋体" pitchFamily="2" charset="-122"/>
+              </a:rPr>
+              <a:t> = b;</a:t>
+            </a:r>
+          </a:p>
+          <a:p>
+            <a:r>
+              <a:rPr lang="en-US" dirty="0">
+                <a:solidFill>
+                  <a:schemeClr val="tx1"/>
+                </a:solidFill>
+                <a:ea typeface="宋体" pitchFamily="2" charset="-122"/>
+              </a:rPr>
+              <a:t>             </a:t>
+            </a:r>
+            <a:r>
+              <a:rPr lang="en-US" dirty="0" err="1">
+                <a:solidFill>
+                  <a:schemeClr val="tx1"/>
+                </a:solidFill>
+                <a:ea typeface="宋体" pitchFamily="2" charset="-122"/>
+              </a:rPr>
+              <a:t>this.c</a:t>
+            </a:r>
+            <a:r>
+              <a:rPr lang="en-US" dirty="0">
+                <a:solidFill>
+                  <a:schemeClr val="tx1"/>
+                </a:solidFill>
+                <a:ea typeface="宋体" pitchFamily="2" charset="-122"/>
+              </a:rPr>
+              <a:t> = c;</a:t>
+            </a:r>
+            <a:endParaRPr lang="zh-CN" altLang="en-US" dirty="0">
+              <a:solidFill>
+                <a:schemeClr val="tx1"/>
+              </a:solidFill>
+              <a:ea typeface="宋体" pitchFamily="2" charset="-122"/>
+            </a:endParaRPr>
+          </a:p>
+          <a:p>
+            <a:r>
+              <a:rPr lang="en-US" dirty="0">
+                <a:solidFill>
+                  <a:schemeClr val="tx1"/>
+                </a:solidFill>
+                <a:ea typeface="宋体" pitchFamily="2" charset="-122"/>
+              </a:rPr>
+              <a:t>    }</a:t>
+            </a:r>
+          </a:p>
+          <a:p>
+            <a:r>
+              <a:rPr lang="en-US" dirty="0">
+                <a:solidFill>
+                  <a:schemeClr val="tx1"/>
+                </a:solidFill>
+                <a:ea typeface="宋体" pitchFamily="2" charset="-122"/>
+              </a:rPr>
+              <a:t>}</a:t>
+            </a:r>
+            <a:endParaRPr lang="zh-CN" altLang="en-US" dirty="0">
+              <a:solidFill>
+                <a:schemeClr val="tx1"/>
+              </a:solidFill>
+              <a:ea typeface="宋体" pitchFamily="2" charset="-122"/>
+            </a:endParaRPr>
           </a:p>
         </p:txBody>
       </p:sp>
@@ -17034,7 +17235,7 @@
           <a:p>
             <a:r>
               <a:rPr lang="zh-CN" altLang="en-US" smtClean="0"/>
-              <a:t>断言　　　　　　　</a:t>
+              <a:t>讲授思路　　　　　　　　　</a:t>
             </a:r>
             <a:endParaRPr lang="zh-CN" altLang="en-US" dirty="0" smtClean="0"/>
           </a:p>
@@ -17050,101 +17251,35 @@
             <p:ph idx="1"/>
           </p:nvPr>
         </p:nvSpPr>
-        <p:spPr>
-          <a:xfrm>
-            <a:off x="457200" y="1160748"/>
-            <a:ext cx="8435280" cy="4965415"/>
-          </a:xfrm>
-        </p:spPr>
+        <p:spPr/>
         <p:txBody>
           <a:bodyPr/>
           <a:lstStyle/>
           <a:p>
             <a:r>
-              <a:rPr lang="en-US" altLang="en-US" dirty="0" smtClean="0"/>
-              <a:t>J2SE1.4</a:t>
-            </a:r>
-            <a:r>
-              <a:rPr lang="zh-CN" altLang="en-US" dirty="0" smtClean="0"/>
-              <a:t>中引入的新特性，用于检查程序的安全性。</a:t>
-            </a:r>
-            <a:endParaRPr lang="en-US" altLang="zh-CN" dirty="0" smtClean="0"/>
-          </a:p>
-          <a:p>
-            <a:r>
-              <a:rPr lang="zh-CN" altLang="en-US" dirty="0" smtClean="0"/>
-              <a:t>关键字</a:t>
-            </a:r>
-            <a:r>
-              <a:rPr lang="en-US" dirty="0" smtClean="0"/>
-              <a:t>assert</a:t>
-            </a:r>
-            <a:r>
-              <a:rPr lang="zh-CN" altLang="en-US" dirty="0" smtClean="0"/>
-              <a:t>、</a:t>
-            </a:r>
-            <a:r>
-              <a:rPr lang="en-US" dirty="0" err="1" smtClean="0"/>
-              <a:t>java</a:t>
-            </a:r>
-            <a:r>
-              <a:rPr lang="en-US" altLang="zh-CN" dirty="0" err="1" smtClean="0"/>
-              <a:t>.</a:t>
-            </a:r>
-            <a:r>
-              <a:rPr lang="en-US" dirty="0" err="1" smtClean="0"/>
-              <a:t>lang.AssertError</a:t>
-            </a:r>
-            <a:r>
-              <a:rPr lang="zh-CN" altLang="en-US" dirty="0" smtClean="0"/>
-              <a:t>类</a:t>
-            </a:r>
-            <a:endParaRPr lang="en-US" altLang="zh-CN" dirty="0" smtClean="0"/>
-          </a:p>
-          <a:p>
-            <a:r>
-              <a:rPr lang="zh-CN" altLang="en-US" dirty="0" smtClean="0"/>
-              <a:t>当需要在一个值为</a:t>
-            </a:r>
-            <a:r>
-              <a:rPr lang="en-US" altLang="zh-CN" dirty="0" smtClean="0"/>
-              <a:t>FALSE</a:t>
-            </a:r>
-            <a:r>
-              <a:rPr lang="zh-CN" altLang="en-US" dirty="0" smtClean="0"/>
-              <a:t>时中断当前操作的话，可以使用断言</a:t>
-            </a:r>
-            <a:endParaRPr lang="en-US" altLang="zh-CN" dirty="0" smtClean="0"/>
-          </a:p>
-          <a:p>
-            <a:pPr lvl="1"/>
-            <a:r>
-              <a:rPr lang="zh-CN" altLang="en-US" dirty="0" smtClean="0"/>
-              <a:t>可看做是异常处理的高级形式，断言的布尔状态为</a:t>
-            </a:r>
-            <a:r>
-              <a:rPr lang="en-US" altLang="zh-CN" dirty="0" smtClean="0"/>
-              <a:t>true</a:t>
-            </a:r>
-            <a:r>
-              <a:rPr lang="zh-CN" altLang="en-US" dirty="0" smtClean="0"/>
-              <a:t>则没问题，如果为</a:t>
-            </a:r>
-            <a:r>
-              <a:rPr lang="en-US" altLang="zh-CN" dirty="0" smtClean="0"/>
-              <a:t>false</a:t>
-            </a:r>
-            <a:r>
-              <a:rPr lang="zh-CN" altLang="en-US" dirty="0" smtClean="0"/>
-              <a:t>，则抛出</a:t>
-            </a:r>
-            <a:r>
-              <a:rPr lang="en-US" dirty="0" err="1" smtClean="0"/>
-              <a:t>AssertError</a:t>
-            </a:r>
-            <a:r>
-              <a:rPr lang="zh-CN" altLang="en-US" dirty="0" smtClean="0"/>
-              <a:t>异常。</a:t>
+              <a:rPr lang="zh-CN" altLang="en-US" smtClean="0"/>
+              <a:t>异常概述</a:t>
+            </a:r>
+            <a:endParaRPr lang="en-US" altLang="zh-CN" smtClean="0"/>
+          </a:p>
+          <a:p>
+            <a:r>
+              <a:rPr lang="zh-CN" altLang="en-US" smtClean="0"/>
+              <a:t>异常处理机制</a:t>
+            </a:r>
+            <a:endParaRPr lang="en-US" altLang="zh-CN" smtClean="0"/>
+          </a:p>
+          <a:p>
+            <a:r>
+              <a:rPr lang="zh-CN" altLang="en-US" smtClean="0"/>
+              <a:t>自定义异常</a:t>
+            </a:r>
+            <a:endParaRPr lang="en-US" altLang="zh-CN" smtClean="0"/>
+          </a:p>
+          <a:p>
+            <a:r>
+              <a:rPr lang="zh-CN" altLang="en-US" smtClean="0"/>
+              <a:t>断言</a:t>
             </a:r>
             <a:endParaRPr lang="en-US" altLang="zh-CN" dirty="0" smtClean="0"/>
           </a:p>
@@ -17199,7 +17334,7 @@
           <a:p>
             <a:r>
               <a:rPr lang="zh-CN" altLang="en-US" smtClean="0"/>
-              <a:t>断言的使用方法　　　　　　　</a:t>
+              <a:t>断言　　　　　　　</a:t>
             </a:r>
             <a:endParaRPr lang="zh-CN" altLang="en-US" dirty="0" smtClean="0"/>
           </a:p>
@@ -17215,82 +17350,101 @@
             <p:ph idx="1"/>
           </p:nvPr>
         </p:nvSpPr>
-        <p:spPr/>
+        <p:spPr>
+          <a:xfrm>
+            <a:off x="457200" y="1160748"/>
+            <a:ext cx="8435280" cy="4965415"/>
+          </a:xfrm>
+        </p:spPr>
         <p:txBody>
           <a:bodyPr/>
           <a:lstStyle/>
           <a:p>
             <a:r>
+              <a:rPr lang="en-US" altLang="en-US" dirty="0" smtClean="0"/>
+              <a:t>J2SE1.4</a:t>
+            </a:r>
+            <a:r>
               <a:rPr lang="zh-CN" altLang="en-US" dirty="0" smtClean="0"/>
-              <a:t>两种形式</a:t>
+              <a:t>中引入的新特性，用于检查程序的安全性。</a:t>
             </a:r>
             <a:endParaRPr lang="en-US" altLang="zh-CN" dirty="0" smtClean="0"/>
           </a:p>
           <a:p>
+            <a:r>
+              <a:rPr lang="zh-CN" altLang="en-US" dirty="0" smtClean="0"/>
+              <a:t>关键字</a:t>
+            </a:r>
+            <a:r>
+              <a:rPr lang="en-US" dirty="0" smtClean="0"/>
+              <a:t>assert</a:t>
+            </a:r>
+            <a:r>
+              <a:rPr lang="zh-CN" altLang="en-US" dirty="0" smtClean="0"/>
+              <a:t>、</a:t>
+            </a:r>
+            <a:r>
+              <a:rPr lang="en-US" dirty="0" err="1" smtClean="0"/>
+              <a:t>java</a:t>
+            </a:r>
+            <a:r>
+              <a:rPr lang="en-US" altLang="zh-CN" dirty="0" err="1" smtClean="0"/>
+              <a:t>.</a:t>
+            </a:r>
+            <a:r>
+              <a:rPr lang="en-US" dirty="0" err="1" smtClean="0"/>
+              <a:t>lang.AssertError</a:t>
+            </a:r>
+            <a:r>
+              <a:rPr lang="zh-CN" altLang="en-US" dirty="0" smtClean="0"/>
+              <a:t>类</a:t>
+            </a:r>
+            <a:endParaRPr lang="en-US" altLang="zh-CN" dirty="0" smtClean="0"/>
+          </a:p>
+          <a:p>
+            <a:r>
+              <a:rPr lang="zh-CN" altLang="en-US" dirty="0" smtClean="0"/>
+              <a:t>当需要在一个值为</a:t>
+            </a:r>
+            <a:r>
+              <a:rPr lang="en-US" altLang="zh-CN" dirty="0" smtClean="0"/>
+              <a:t>FALSE</a:t>
+            </a:r>
+            <a:r>
+              <a:rPr lang="zh-CN" altLang="en-US" dirty="0" smtClean="0"/>
+              <a:t>时中断当前操作的话，可以使用断言</a:t>
+            </a:r>
+            <a:endParaRPr lang="en-US" altLang="zh-CN" dirty="0" smtClean="0"/>
+          </a:p>
+          <a:p>
             <a:pPr lvl="1"/>
             <a:r>
-              <a:rPr lang="en-US" dirty="0" smtClean="0"/>
-              <a:t>assert Expression1</a:t>
-            </a:r>
-          </a:p>
-          <a:p>
-            <a:pPr lvl="1"/>
-            <a:r>
-              <a:rPr lang="en-US" dirty="0" smtClean="0"/>
-              <a:t>assert Expression1:Expression2</a:t>
-            </a:r>
-          </a:p>
-          <a:p>
-            <a:r>
               <a:rPr lang="zh-CN" altLang="en-US" dirty="0" smtClean="0"/>
-              <a:t>断言在默认情况下是关闭的，启用断言验证假设须用到</a:t>
-            </a:r>
-            <a:r>
-              <a:rPr lang="en-US" dirty="0" smtClean="0"/>
-              <a:t>java</a:t>
+              <a:t>可看做是异常处理的高级形式，断言的布尔状态为</a:t>
+            </a:r>
+            <a:r>
+              <a:rPr lang="en-US" altLang="zh-CN" dirty="0" smtClean="0"/>
+              <a:t>true</a:t>
             </a:r>
             <a:r>
               <a:rPr lang="zh-CN" altLang="en-US" dirty="0" smtClean="0"/>
-              <a:t>命令的参数</a:t>
-            </a:r>
-            <a:r>
-              <a:rPr lang="en-US" dirty="0" smtClean="0"/>
-              <a:t>-</a:t>
+              <a:t>则没问题，如果为</a:t>
+            </a:r>
+            <a:r>
+              <a:rPr lang="en-US" altLang="zh-CN" dirty="0" smtClean="0"/>
+              <a:t>false</a:t>
+            </a:r>
+            <a:r>
+              <a:rPr lang="zh-CN" altLang="en-US" dirty="0" smtClean="0"/>
+              <a:t>，则抛出</a:t>
             </a:r>
             <a:r>
               <a:rPr lang="en-US" dirty="0" err="1" smtClean="0"/>
-              <a:t>ea</a:t>
-            </a:r>
-            <a:endParaRPr lang="en-US" dirty="0" smtClean="0"/>
-          </a:p>
-          <a:p>
+              <a:t>AssertError</a:t>
+            </a:r>
             <a:r>
               <a:rPr lang="zh-CN" altLang="en-US" dirty="0" smtClean="0"/>
-              <a:t>在</a:t>
-            </a:r>
-            <a:r>
-              <a:rPr lang="en-US" altLang="zh-CN" dirty="0" smtClean="0"/>
-              <a:t>Eclipse</a:t>
-            </a:r>
-            <a:r>
-              <a:rPr lang="zh-CN" altLang="en-US" dirty="0" smtClean="0"/>
-              <a:t>中的</a:t>
-            </a:r>
-            <a:r>
-              <a:rPr lang="en-US" altLang="zh-CN" dirty="0" smtClean="0"/>
-              <a:t>run configuration</a:t>
-            </a:r>
-            <a:r>
-              <a:rPr lang="zh-CN" altLang="en-US" dirty="0" smtClean="0"/>
-              <a:t>中添加默认参数</a:t>
-            </a:r>
-            <a:r>
-              <a:rPr lang="en-US" altLang="zh-CN" dirty="0" smtClean="0"/>
-              <a:t>-</a:t>
-            </a:r>
-            <a:r>
-              <a:rPr lang="en-US" altLang="zh-CN" dirty="0" err="1" smtClean="0"/>
-              <a:t>ea</a:t>
+              <a:t>异常。</a:t>
             </a:r>
             <a:endParaRPr lang="en-US" altLang="zh-CN" dirty="0" smtClean="0"/>
           </a:p>
@@ -17345,6 +17499,152 @@
           <a:p>
             <a:r>
               <a:rPr lang="zh-CN" altLang="en-US" smtClean="0"/>
+              <a:t>断言的使用方法　　　　　　　</a:t>
+            </a:r>
+            <a:endParaRPr lang="zh-CN" altLang="en-US" dirty="0" smtClean="0"/>
+          </a:p>
+        </p:txBody>
+      </p:sp>
+      <p:sp>
+        <p:nvSpPr>
+          <p:cNvPr id="7171" name="内容占位符 2"/>
+          <p:cNvSpPr>
+            <a:spLocks noGrp="1"/>
+          </p:cNvSpPr>
+          <p:nvPr>
+            <p:ph idx="1"/>
+          </p:nvPr>
+        </p:nvSpPr>
+        <p:spPr/>
+        <p:txBody>
+          <a:bodyPr/>
+          <a:lstStyle/>
+          <a:p>
+            <a:r>
+              <a:rPr lang="zh-CN" altLang="en-US" dirty="0" smtClean="0"/>
+              <a:t>两种形式</a:t>
+            </a:r>
+            <a:endParaRPr lang="en-US" altLang="zh-CN" dirty="0" smtClean="0"/>
+          </a:p>
+          <a:p>
+            <a:pPr lvl="1"/>
+            <a:r>
+              <a:rPr lang="en-US" dirty="0" smtClean="0"/>
+              <a:t>assert Expression1</a:t>
+            </a:r>
+          </a:p>
+          <a:p>
+            <a:pPr lvl="1"/>
+            <a:r>
+              <a:rPr lang="en-US" dirty="0" smtClean="0"/>
+              <a:t>assert Expression1:Expression2</a:t>
+            </a:r>
+          </a:p>
+          <a:p>
+            <a:r>
+              <a:rPr lang="zh-CN" altLang="en-US" dirty="0" smtClean="0"/>
+              <a:t>断言在默认情况下是关闭的，启用断言验证假设须用到</a:t>
+            </a:r>
+            <a:r>
+              <a:rPr lang="en-US" dirty="0" smtClean="0"/>
+              <a:t>java</a:t>
+            </a:r>
+            <a:r>
+              <a:rPr lang="zh-CN" altLang="en-US" dirty="0" smtClean="0"/>
+              <a:t>命令的参数</a:t>
+            </a:r>
+            <a:r>
+              <a:rPr lang="en-US" dirty="0" smtClean="0"/>
+              <a:t>-</a:t>
+            </a:r>
+            <a:r>
+              <a:rPr lang="en-US" dirty="0" err="1" smtClean="0"/>
+              <a:t>ea</a:t>
+            </a:r>
+            <a:endParaRPr lang="en-US" dirty="0" smtClean="0"/>
+          </a:p>
+          <a:p>
+            <a:r>
+              <a:rPr lang="zh-CN" altLang="en-US" dirty="0" smtClean="0"/>
+              <a:t>在</a:t>
+            </a:r>
+            <a:r>
+              <a:rPr lang="en-US" altLang="zh-CN" dirty="0" smtClean="0"/>
+              <a:t>Eclipse</a:t>
+            </a:r>
+            <a:r>
+              <a:rPr lang="zh-CN" altLang="en-US" dirty="0" smtClean="0"/>
+              <a:t>中的</a:t>
+            </a:r>
+            <a:r>
+              <a:rPr lang="en-US" altLang="zh-CN" dirty="0" smtClean="0"/>
+              <a:t>run configuration</a:t>
+            </a:r>
+            <a:r>
+              <a:rPr lang="zh-CN" altLang="en-US" dirty="0" smtClean="0"/>
+              <a:t>中添加默认参数</a:t>
+            </a:r>
+            <a:r>
+              <a:rPr lang="en-US" altLang="zh-CN" dirty="0" smtClean="0"/>
+              <a:t>-</a:t>
+            </a:r>
+            <a:r>
+              <a:rPr lang="en-US" altLang="zh-CN" dirty="0" err="1" smtClean="0"/>
+              <a:t>ea</a:t>
+            </a:r>
+            <a:endParaRPr lang="en-US" altLang="zh-CN" dirty="0" smtClean="0"/>
+          </a:p>
+        </p:txBody>
+      </p:sp>
+    </p:spTree>
+  </p:cSld>
+  <p:clrMapOvr>
+    <a:masterClrMapping/>
+  </p:clrMapOvr>
+  <p:timing>
+    <p:tnLst>
+      <p:par>
+        <p:cTn id="1" dur="indefinite" restart="never" nodeType="tmRoot"/>
+      </p:par>
+    </p:tnLst>
+  </p:timing>
+</p:sld>
+</file>
+
+<file path=ppt/slides/slide47.xml><?xml version="1.0" encoding="utf-8"?>
+<p:sld xmlns:a="http://schemas.openxmlformats.org/drawingml/2006/main" xmlns:r="http://schemas.openxmlformats.org/officeDocument/2006/relationships" xmlns:p="http://schemas.openxmlformats.org/presentationml/2006/main">
+  <p:cSld>
+    <p:spTree>
+      <p:nvGrpSpPr>
+        <p:cNvPr id="1" name=""/>
+        <p:cNvGrpSpPr/>
+        <p:nvPr/>
+      </p:nvGrpSpPr>
+      <p:grpSpPr>
+        <a:xfrm>
+          <a:off x="0" y="0"/>
+          <a:ext cx="0" cy="0"/>
+          <a:chOff x="0" y="0"/>
+          <a:chExt cx="0" cy="0"/>
+        </a:xfrm>
+      </p:grpSpPr>
+      <p:sp>
+        <p:nvSpPr>
+          <p:cNvPr id="7170" name="标题 1"/>
+          <p:cNvSpPr>
+            <a:spLocks noGrp="1"/>
+          </p:cNvSpPr>
+          <p:nvPr>
+            <p:ph type="title"/>
+          </p:nvPr>
+        </p:nvSpPr>
+        <p:spPr/>
+        <p:txBody>
+          <a:bodyPr/>
+          <a:lstStyle/>
+          <a:p>
+            <a:r>
+              <a:rPr lang="zh-CN" altLang="en-US" smtClean="0"/>
               <a:t>断言示例　　　　　　</a:t>
             </a:r>
             <a:endParaRPr lang="zh-CN" altLang="en-US" dirty="0" smtClean="0"/>
@@ -17911,735 +18211,6 @@
                 <a:ea typeface="宋体" pitchFamily="2" charset="-122"/>
               </a:rPr>
               <a:t>(AssertTest.java:13)</a:t>
-            </a:r>
-            <a:br>
-              <a:rPr lang="en-US" dirty="0" smtClean="0">
-                <a:solidFill>
-                  <a:schemeClr val="tx1"/>
-                </a:solidFill>
-                <a:ea typeface="宋体" pitchFamily="2" charset="-122"/>
-              </a:rPr>
-            </a:br>
-            <a:r>
-              <a:rPr lang="en-US" dirty="0" smtClean="0">
-                <a:solidFill>
-                  <a:schemeClr val="tx1"/>
-                </a:solidFill>
-                <a:ea typeface="宋体" pitchFamily="2" charset="-122"/>
-              </a:rPr>
-              <a:t>        at </a:t>
-            </a:r>
-            <a:r>
-              <a:rPr lang="en-US" dirty="0" err="1" smtClean="0">
-                <a:solidFill>
-                  <a:schemeClr val="tx1"/>
-                </a:solidFill>
-                <a:ea typeface="宋体" pitchFamily="2" charset="-122"/>
-              </a:rPr>
-              <a:t>AssertTest.main</a:t>
-            </a:r>
-            <a:r>
-              <a:rPr lang="en-US" dirty="0" smtClean="0">
-                <a:solidFill>
-                  <a:schemeClr val="tx1"/>
-                </a:solidFill>
-                <a:ea typeface="宋体" pitchFamily="2" charset="-122"/>
-              </a:rPr>
-              <a:t>(AssertTest.java:7)</a:t>
-            </a:r>
-            <a:endParaRPr lang="zh-CN" altLang="en-US" dirty="0" smtClean="0">
-              <a:solidFill>
-                <a:schemeClr val="tx1"/>
-              </a:solidFill>
-              <a:ea typeface="宋体" pitchFamily="2" charset="-122"/>
-            </a:endParaRPr>
-          </a:p>
-        </p:txBody>
-      </p:sp>
-    </p:spTree>
-  </p:cSld>
-  <p:clrMapOvr>
-    <a:masterClrMapping/>
-  </p:clrMapOvr>
-  <p:timing>
-    <p:tnLst>
-      <p:par>
-        <p:cTn id="1" dur="indefinite" restart="never" nodeType="tmRoot">
-          <p:childTnLst>
-            <p:seq concurrent="1" nextAc="seek">
-              <p:cTn id="2" dur="indefinite" nodeType="mainSeq">
-                <p:childTnLst>
-                  <p:par>
-                    <p:cTn id="3" fill="hold">
-                      <p:stCondLst>
-                        <p:cond delay="indefinite"/>
-                      </p:stCondLst>
-                      <p:childTnLst>
-                        <p:par>
-                          <p:cTn id="4" fill="hold">
-                            <p:stCondLst>
-                              <p:cond delay="0"/>
-                            </p:stCondLst>
-                            <p:childTnLst>
-                              <p:par>
-                                <p:cTn id="5" presetID="8" presetClass="entr" presetSubtype="16" fill="hold" grpId="0" nodeType="clickEffect">
-                                  <p:stCondLst>
-                                    <p:cond delay="0"/>
-                                  </p:stCondLst>
-                                  <p:childTnLst>
-                                    <p:set>
-                                      <p:cBhvr>
-                                        <p:cTn id="6" dur="1" fill="hold">
-                                          <p:stCondLst>
-                                            <p:cond delay="0"/>
-                                          </p:stCondLst>
-                                        </p:cTn>
-                                        <p:tgtEl>
-                                          <p:spTgt spid="5"/>
-                                        </p:tgtEl>
-                                        <p:attrNameLst>
-                                          <p:attrName>style.visibility</p:attrName>
-                                        </p:attrNameLst>
-                                      </p:cBhvr>
-                                      <p:to>
-                                        <p:strVal val="visible"/>
-                                      </p:to>
-                                    </p:set>
-                                    <p:animEffect transition="in" filter="diamond(in)">
-                                      <p:cBhvr>
-                                        <p:cTn id="7" dur="1000"/>
-                                        <p:tgtEl>
-                                          <p:spTgt spid="5"/>
-                                        </p:tgtEl>
-                                      </p:cBhvr>
-                                    </p:animEffect>
-                                  </p:childTnLst>
-                                </p:cTn>
-                              </p:par>
-                            </p:childTnLst>
-                          </p:cTn>
-                        </p:par>
-                      </p:childTnLst>
-                    </p:cTn>
-                  </p:par>
-                </p:childTnLst>
-              </p:cTn>
-              <p:prevCondLst>
-                <p:cond evt="onPrev" delay="0">
-                  <p:tgtEl>
-                    <p:sldTgt/>
-                  </p:tgtEl>
-                </p:cond>
-              </p:prevCondLst>
-              <p:nextCondLst>
-                <p:cond evt="onNext" delay="0">
-                  <p:tgtEl>
-                    <p:sldTgt/>
-                  </p:tgtEl>
-                </p:cond>
-              </p:nextCondLst>
-            </p:seq>
-          </p:childTnLst>
-        </p:cTn>
-      </p:par>
-    </p:tnLst>
-    <p:bldLst>
-      <p:bldP spid="5" grpId="0" animBg="1"/>
-    </p:bldLst>
-  </p:timing>
-</p:sld>
-</file>
-
-<file path=ppt/slides/slide47.xml><?xml version="1.0" encoding="utf-8"?>
-<p:sld xmlns:a="http://schemas.openxmlformats.org/drawingml/2006/main" xmlns:r="http://schemas.openxmlformats.org/officeDocument/2006/relationships" xmlns:p="http://schemas.openxmlformats.org/presentationml/2006/main">
-  <p:cSld>
-    <p:spTree>
-      <p:nvGrpSpPr>
-        <p:cNvPr id="1" name=""/>
-        <p:cNvGrpSpPr/>
-        <p:nvPr/>
-      </p:nvGrpSpPr>
-      <p:grpSpPr>
-        <a:xfrm>
-          <a:off x="0" y="0"/>
-          <a:ext cx="0" cy="0"/>
-          <a:chOff x="0" y="0"/>
-          <a:chExt cx="0" cy="0"/>
-        </a:xfrm>
-      </p:grpSpPr>
-      <p:sp>
-        <p:nvSpPr>
-          <p:cNvPr id="7170" name="标题 1"/>
-          <p:cNvSpPr>
-            <a:spLocks noGrp="1"/>
-          </p:cNvSpPr>
-          <p:nvPr>
-            <p:ph type="title"/>
-          </p:nvPr>
-        </p:nvSpPr>
-        <p:spPr/>
-        <p:txBody>
-          <a:bodyPr/>
-          <a:lstStyle/>
-          <a:p>
-            <a:r>
-              <a:rPr lang="zh-CN" altLang="en-US" smtClean="0"/>
-              <a:t>断言示例　　　　　　</a:t>
-            </a:r>
-            <a:endParaRPr lang="zh-CN" altLang="en-US" dirty="0" smtClean="0"/>
-          </a:p>
-        </p:txBody>
-      </p:sp>
-      <p:sp>
-        <p:nvSpPr>
-          <p:cNvPr id="10" name="内容占位符 9"/>
-          <p:cNvSpPr>
-            <a:spLocks noGrp="1"/>
-          </p:cNvSpPr>
-          <p:nvPr>
-            <p:ph idx="1"/>
-          </p:nvPr>
-        </p:nvSpPr>
-        <p:spPr/>
-        <p:txBody>
-          <a:bodyPr/>
-          <a:lstStyle/>
-          <a:p>
-            <a:endParaRPr lang="zh-CN" altLang="en-US"/>
-          </a:p>
-        </p:txBody>
-      </p:sp>
-      <p:sp>
-        <p:nvSpPr>
-          <p:cNvPr id="4" name="TextBox 3"/>
-          <p:cNvSpPr txBox="1">
-            <a:spLocks noChangeArrowheads="1"/>
-          </p:cNvSpPr>
-          <p:nvPr/>
-        </p:nvSpPr>
-        <p:spPr bwMode="auto">
-          <a:xfrm>
-            <a:off x="500034" y="1142984"/>
-            <a:ext cx="7715304" cy="3785652"/>
-          </a:xfrm>
-          <a:prstGeom prst="rect">
-            <a:avLst/>
-          </a:prstGeom>
-          <a:solidFill>
-            <a:srgbClr val="FFEBE0"/>
-          </a:solidFill>
-          <a:ln w="9525" cmpd="sng">
-            <a:solidFill>
-              <a:srgbClr val="FF5D0D"/>
-            </a:solidFill>
-            <a:miter lim="800000"/>
-            <a:headEnd/>
-            <a:tailEnd/>
-          </a:ln>
-        </p:spPr>
-        <p:txBody>
-          <a:bodyPr wrap="square">
-            <a:spAutoFit/>
-          </a:bodyPr>
-          <a:lstStyle/>
-          <a:p>
-            <a:r>
-              <a:rPr lang="en-US" dirty="0" smtClean="0">
-                <a:solidFill>
-                  <a:schemeClr val="tx1"/>
-                </a:solidFill>
-                <a:ea typeface="宋体" pitchFamily="2" charset="-122"/>
-              </a:rPr>
-              <a:t>public class </a:t>
-            </a:r>
-            <a:r>
-              <a:rPr lang="en-US" dirty="0" err="1" smtClean="0">
-                <a:solidFill>
-                  <a:schemeClr val="tx1"/>
-                </a:solidFill>
-                <a:ea typeface="宋体" pitchFamily="2" charset="-122"/>
-              </a:rPr>
-              <a:t>AssertTest</a:t>
-            </a:r>
-            <a:r>
-              <a:rPr lang="en-US" dirty="0" smtClean="0">
-                <a:solidFill>
-                  <a:schemeClr val="tx1"/>
-                </a:solidFill>
-                <a:ea typeface="宋体" pitchFamily="2" charset="-122"/>
-              </a:rPr>
-              <a:t>{</a:t>
-            </a:r>
-            <a:br>
-              <a:rPr lang="en-US" dirty="0" smtClean="0">
-                <a:solidFill>
-                  <a:schemeClr val="tx1"/>
-                </a:solidFill>
-                <a:ea typeface="宋体" pitchFamily="2" charset="-122"/>
-              </a:rPr>
-            </a:br>
-            <a:r>
-              <a:rPr lang="en-US" dirty="0" smtClean="0">
-                <a:solidFill>
-                  <a:schemeClr val="tx1"/>
-                </a:solidFill>
-                <a:ea typeface="宋体" pitchFamily="2" charset="-122"/>
-              </a:rPr>
-              <a:t>    public static void main(String[] </a:t>
-            </a:r>
-            <a:r>
-              <a:rPr lang="en-US" dirty="0" err="1" smtClean="0">
-                <a:solidFill>
-                  <a:schemeClr val="tx1"/>
-                </a:solidFill>
-                <a:ea typeface="宋体" pitchFamily="2" charset="-122"/>
-              </a:rPr>
-              <a:t>args</a:t>
-            </a:r>
-            <a:r>
-              <a:rPr lang="en-US" dirty="0" smtClean="0">
-                <a:solidFill>
-                  <a:schemeClr val="tx1"/>
-                </a:solidFill>
-                <a:ea typeface="宋体" pitchFamily="2" charset="-122"/>
-              </a:rPr>
-              <a:t>) {</a:t>
-            </a:r>
-            <a:br>
-              <a:rPr lang="en-US" dirty="0" smtClean="0">
-                <a:solidFill>
-                  <a:schemeClr val="tx1"/>
-                </a:solidFill>
-                <a:ea typeface="宋体" pitchFamily="2" charset="-122"/>
-              </a:rPr>
-            </a:br>
-            <a:r>
-              <a:rPr lang="en-US" dirty="0" smtClean="0">
-                <a:solidFill>
-                  <a:schemeClr val="tx1"/>
-                </a:solidFill>
-                <a:ea typeface="宋体" pitchFamily="2" charset="-122"/>
-              </a:rPr>
-              <a:t>        </a:t>
-            </a:r>
-            <a:r>
-              <a:rPr lang="en-US" dirty="0" err="1" smtClean="0">
-                <a:solidFill>
-                  <a:schemeClr val="tx1"/>
-                </a:solidFill>
-                <a:ea typeface="宋体" pitchFamily="2" charset="-122"/>
-              </a:rPr>
-              <a:t>AssertTest</a:t>
-            </a:r>
-            <a:r>
-              <a:rPr lang="en-US" dirty="0" smtClean="0">
-                <a:solidFill>
-                  <a:schemeClr val="tx1"/>
-                </a:solidFill>
-                <a:ea typeface="宋体" pitchFamily="2" charset="-122"/>
-              </a:rPr>
-              <a:t> at = new </a:t>
-            </a:r>
-            <a:r>
-              <a:rPr lang="en-US" dirty="0" err="1" smtClean="0">
-                <a:solidFill>
-                  <a:schemeClr val="tx1"/>
-                </a:solidFill>
-                <a:ea typeface="宋体" pitchFamily="2" charset="-122"/>
-              </a:rPr>
-              <a:t>AssertTest</a:t>
-            </a:r>
-            <a:r>
-              <a:rPr lang="en-US" dirty="0" smtClean="0">
-                <a:solidFill>
-                  <a:schemeClr val="tx1"/>
-                </a:solidFill>
-                <a:ea typeface="宋体" pitchFamily="2" charset="-122"/>
-              </a:rPr>
-              <a:t>();</a:t>
-            </a:r>
-            <a:br>
-              <a:rPr lang="en-US" dirty="0" smtClean="0">
-                <a:solidFill>
-                  <a:schemeClr val="tx1"/>
-                </a:solidFill>
-                <a:ea typeface="宋体" pitchFamily="2" charset="-122"/>
-              </a:rPr>
-            </a:br>
-            <a:r>
-              <a:rPr lang="en-US" dirty="0" smtClean="0">
-                <a:solidFill>
-                  <a:schemeClr val="tx1"/>
-                </a:solidFill>
-                <a:ea typeface="宋体" pitchFamily="2" charset="-122"/>
-              </a:rPr>
-              <a:t>        </a:t>
-            </a:r>
-            <a:r>
-              <a:rPr lang="en-US" dirty="0" err="1" smtClean="0">
-                <a:solidFill>
-                  <a:schemeClr val="tx1"/>
-                </a:solidFill>
-                <a:ea typeface="宋体" pitchFamily="2" charset="-122"/>
-              </a:rPr>
-              <a:t>at.assertMe</a:t>
-            </a:r>
-            <a:r>
-              <a:rPr lang="en-US" dirty="0" smtClean="0">
-                <a:solidFill>
-                  <a:schemeClr val="tx1"/>
-                </a:solidFill>
-                <a:ea typeface="宋体" pitchFamily="2" charset="-122"/>
-              </a:rPr>
-              <a:t>(true);</a:t>
-            </a:r>
-            <a:br>
-              <a:rPr lang="en-US" dirty="0" smtClean="0">
-                <a:solidFill>
-                  <a:schemeClr val="tx1"/>
-                </a:solidFill>
-                <a:ea typeface="宋体" pitchFamily="2" charset="-122"/>
-              </a:rPr>
-            </a:br>
-            <a:r>
-              <a:rPr lang="en-US" dirty="0" smtClean="0">
-                <a:solidFill>
-                  <a:schemeClr val="tx1"/>
-                </a:solidFill>
-                <a:ea typeface="宋体" pitchFamily="2" charset="-122"/>
-              </a:rPr>
-              <a:t>        </a:t>
-            </a:r>
-            <a:r>
-              <a:rPr lang="en-US" dirty="0" err="1" smtClean="0">
-                <a:solidFill>
-                  <a:schemeClr val="tx1"/>
-                </a:solidFill>
-                <a:ea typeface="宋体" pitchFamily="2" charset="-122"/>
-              </a:rPr>
-              <a:t>at.assertMe</a:t>
-            </a:r>
-            <a:r>
-              <a:rPr lang="en-US" dirty="0" smtClean="0">
-                <a:solidFill>
-                  <a:schemeClr val="tx1"/>
-                </a:solidFill>
-                <a:ea typeface="宋体" pitchFamily="2" charset="-122"/>
-              </a:rPr>
-              <a:t>(false);   </a:t>
-            </a:r>
-            <a:br>
-              <a:rPr lang="en-US" dirty="0" smtClean="0">
-                <a:solidFill>
-                  <a:schemeClr val="tx1"/>
-                </a:solidFill>
-                <a:ea typeface="宋体" pitchFamily="2" charset="-122"/>
-              </a:rPr>
-            </a:br>
-            <a:r>
-              <a:rPr lang="en-US" dirty="0" smtClean="0">
-                <a:solidFill>
-                  <a:schemeClr val="tx1"/>
-                </a:solidFill>
-                <a:ea typeface="宋体" pitchFamily="2" charset="-122"/>
-              </a:rPr>
-              <a:t>    }  </a:t>
-            </a:r>
-            <a:br>
-              <a:rPr lang="en-US" dirty="0" smtClean="0">
-                <a:solidFill>
-                  <a:schemeClr val="tx1"/>
-                </a:solidFill>
-                <a:ea typeface="宋体" pitchFamily="2" charset="-122"/>
-              </a:rPr>
-            </a:br>
-            <a:r>
-              <a:rPr lang="en-US" dirty="0" smtClean="0">
-                <a:solidFill>
-                  <a:schemeClr val="tx1"/>
-                </a:solidFill>
-                <a:ea typeface="宋体" pitchFamily="2" charset="-122"/>
-              </a:rPr>
-              <a:t>    private  void </a:t>
-            </a:r>
-            <a:r>
-              <a:rPr lang="en-US" dirty="0" err="1" smtClean="0">
-                <a:solidFill>
-                  <a:schemeClr val="tx1"/>
-                </a:solidFill>
-                <a:ea typeface="宋体" pitchFamily="2" charset="-122"/>
-              </a:rPr>
-              <a:t>assertMe</a:t>
-            </a:r>
-            <a:r>
-              <a:rPr lang="en-US" dirty="0" smtClean="0">
-                <a:solidFill>
-                  <a:schemeClr val="tx1"/>
-                </a:solidFill>
-                <a:ea typeface="宋体" pitchFamily="2" charset="-122"/>
-              </a:rPr>
-              <a:t>(</a:t>
-            </a:r>
-            <a:r>
-              <a:rPr lang="en-US" dirty="0" err="1" smtClean="0">
-                <a:solidFill>
-                  <a:schemeClr val="tx1"/>
-                </a:solidFill>
-                <a:ea typeface="宋体" pitchFamily="2" charset="-122"/>
-              </a:rPr>
-              <a:t>boolean</a:t>
-            </a:r>
-            <a:r>
-              <a:rPr lang="en-US" dirty="0" smtClean="0">
-                <a:solidFill>
-                  <a:schemeClr val="tx1"/>
-                </a:solidFill>
-                <a:ea typeface="宋体" pitchFamily="2" charset="-122"/>
-              </a:rPr>
-              <a:t> boo) {</a:t>
-            </a:r>
-            <a:br>
-              <a:rPr lang="en-US" dirty="0" smtClean="0">
-                <a:solidFill>
-                  <a:schemeClr val="tx1"/>
-                </a:solidFill>
-                <a:ea typeface="宋体" pitchFamily="2" charset="-122"/>
-              </a:rPr>
-            </a:br>
-            <a:r>
-              <a:rPr lang="en-US" dirty="0" smtClean="0">
-                <a:solidFill>
-                  <a:schemeClr val="tx1"/>
-                </a:solidFill>
-                <a:ea typeface="宋体" pitchFamily="2" charset="-122"/>
-              </a:rPr>
-              <a:t>        String s = null;</a:t>
-            </a:r>
-            <a:br>
-              <a:rPr lang="en-US" dirty="0" smtClean="0">
-                <a:solidFill>
-                  <a:schemeClr val="tx1"/>
-                </a:solidFill>
-                <a:ea typeface="宋体" pitchFamily="2" charset="-122"/>
-              </a:rPr>
-            </a:br>
-            <a:r>
-              <a:rPr lang="en-US" dirty="0" smtClean="0">
-                <a:solidFill>
-                  <a:schemeClr val="tx1"/>
-                </a:solidFill>
-                <a:ea typeface="宋体" pitchFamily="2" charset="-122"/>
-              </a:rPr>
-              <a:t>        assert </a:t>
-            </a:r>
-            <a:r>
-              <a:rPr lang="en-US" dirty="0" err="1" smtClean="0">
-                <a:solidFill>
-                  <a:schemeClr val="tx1"/>
-                </a:solidFill>
-                <a:ea typeface="宋体" pitchFamily="2" charset="-122"/>
-              </a:rPr>
-              <a:t>boo?true:false:s</a:t>
-            </a:r>
-            <a:r>
-              <a:rPr lang="en-US" dirty="0" smtClean="0">
-                <a:solidFill>
-                  <a:schemeClr val="tx1"/>
-                </a:solidFill>
-                <a:ea typeface="宋体" pitchFamily="2" charset="-122"/>
-              </a:rPr>
-              <a:t> = "hello world"; </a:t>
-            </a:r>
-            <a:br>
-              <a:rPr lang="en-US" dirty="0" smtClean="0">
-                <a:solidFill>
-                  <a:schemeClr val="tx1"/>
-                </a:solidFill>
-                <a:ea typeface="宋体" pitchFamily="2" charset="-122"/>
-              </a:rPr>
-            </a:br>
-            <a:r>
-              <a:rPr lang="en-US" dirty="0" smtClean="0">
-                <a:solidFill>
-                  <a:schemeClr val="tx1"/>
-                </a:solidFill>
-                <a:ea typeface="宋体" pitchFamily="2" charset="-122"/>
-              </a:rPr>
-              <a:t>        </a:t>
-            </a:r>
-            <a:r>
-              <a:rPr lang="en-US" dirty="0" err="1" smtClean="0">
-                <a:solidFill>
-                  <a:schemeClr val="tx1"/>
-                </a:solidFill>
-                <a:ea typeface="宋体" pitchFamily="2" charset="-122"/>
-              </a:rPr>
-              <a:t>System.out.println</a:t>
-            </a:r>
-            <a:r>
-              <a:rPr lang="en-US" dirty="0" smtClean="0">
-                <a:solidFill>
-                  <a:schemeClr val="tx1"/>
-                </a:solidFill>
-                <a:ea typeface="宋体" pitchFamily="2" charset="-122"/>
-              </a:rPr>
-              <a:t>("true condition");</a:t>
-            </a:r>
-            <a:br>
-              <a:rPr lang="en-US" dirty="0" smtClean="0">
-                <a:solidFill>
-                  <a:schemeClr val="tx1"/>
-                </a:solidFill>
-                <a:ea typeface="宋体" pitchFamily="2" charset="-122"/>
-              </a:rPr>
-            </a:br>
-            <a:r>
-              <a:rPr lang="en-US" dirty="0" smtClean="0">
-                <a:solidFill>
-                  <a:schemeClr val="tx1"/>
-                </a:solidFill>
-                <a:ea typeface="宋体" pitchFamily="2" charset="-122"/>
-              </a:rPr>
-              <a:t>    } </a:t>
-            </a:r>
-            <a:br>
-              <a:rPr lang="en-US" dirty="0" smtClean="0">
-                <a:solidFill>
-                  <a:schemeClr val="tx1"/>
-                </a:solidFill>
-                <a:ea typeface="宋体" pitchFamily="2" charset="-122"/>
-              </a:rPr>
-            </a:br>
-            <a:r>
-              <a:rPr lang="en-US" dirty="0" smtClean="0">
-                <a:solidFill>
-                  <a:schemeClr val="tx1"/>
-                </a:solidFill>
-                <a:ea typeface="宋体" pitchFamily="2" charset="-122"/>
-              </a:rPr>
-              <a:t>}</a:t>
-            </a:r>
-            <a:endParaRPr lang="zh-CN" altLang="en-US" dirty="0" smtClean="0">
-              <a:solidFill>
-                <a:schemeClr val="tx1"/>
-              </a:solidFill>
-              <a:ea typeface="宋体" pitchFamily="2" charset="-122"/>
-            </a:endParaRPr>
-          </a:p>
-        </p:txBody>
-      </p:sp>
-      <p:sp>
-        <p:nvSpPr>
-          <p:cNvPr id="5" name="TextBox 4"/>
-          <p:cNvSpPr txBox="1">
-            <a:spLocks noChangeArrowheads="1"/>
-          </p:cNvSpPr>
-          <p:nvPr/>
-        </p:nvSpPr>
-        <p:spPr bwMode="auto">
-          <a:xfrm>
-            <a:off x="500034" y="5143512"/>
-            <a:ext cx="7715304" cy="1323439"/>
-          </a:xfrm>
-          <a:prstGeom prst="rect">
-            <a:avLst/>
-          </a:prstGeom>
-          <a:solidFill>
-            <a:srgbClr val="FFEBE0"/>
-          </a:solidFill>
-          <a:ln w="9525" cmpd="sng">
-            <a:solidFill>
-              <a:srgbClr val="FF5D0D"/>
-            </a:solidFill>
-            <a:miter lim="800000"/>
-            <a:headEnd/>
-            <a:tailEnd/>
-          </a:ln>
-        </p:spPr>
-        <p:txBody>
-          <a:bodyPr wrap="square">
-            <a:spAutoFit/>
-          </a:bodyPr>
-          <a:lstStyle/>
-          <a:p>
-            <a:r>
-              <a:rPr lang="en-US" dirty="0" smtClean="0">
-                <a:solidFill>
-                  <a:schemeClr val="tx1"/>
-                </a:solidFill>
-                <a:ea typeface="宋体" pitchFamily="2" charset="-122"/>
-              </a:rPr>
-              <a:t>true condition</a:t>
-            </a:r>
-            <a:br>
-              <a:rPr lang="en-US" dirty="0" smtClean="0">
-                <a:solidFill>
-                  <a:schemeClr val="tx1"/>
-                </a:solidFill>
-                <a:ea typeface="宋体" pitchFamily="2" charset="-122"/>
-              </a:rPr>
-            </a:br>
-            <a:r>
-              <a:rPr lang="en-US" dirty="0" smtClean="0">
-                <a:solidFill>
-                  <a:schemeClr val="tx1"/>
-                </a:solidFill>
-                <a:ea typeface="宋体" pitchFamily="2" charset="-122"/>
-              </a:rPr>
-              <a:t>Exception in thread "main" </a:t>
-            </a:r>
-            <a:r>
-              <a:rPr lang="en-US" dirty="0" err="1" smtClean="0">
-                <a:solidFill>
-                  <a:schemeClr val="tx1"/>
-                </a:solidFill>
-                <a:ea typeface="宋体" pitchFamily="2" charset="-122"/>
-              </a:rPr>
-              <a:t>java.lang.AssertionError</a:t>
-            </a:r>
-            <a:r>
-              <a:rPr lang="en-US" dirty="0" smtClean="0">
-                <a:solidFill>
-                  <a:schemeClr val="tx1"/>
-                </a:solidFill>
-                <a:ea typeface="宋体" pitchFamily="2" charset="-122"/>
-              </a:rPr>
-              <a:t>: hello world</a:t>
-            </a:r>
-            <a:br>
-              <a:rPr lang="en-US" dirty="0" smtClean="0">
-                <a:solidFill>
-                  <a:schemeClr val="tx1"/>
-                </a:solidFill>
-                <a:ea typeface="宋体" pitchFamily="2" charset="-122"/>
-              </a:rPr>
-            </a:br>
-            <a:r>
-              <a:rPr lang="en-US" dirty="0" smtClean="0">
-                <a:solidFill>
-                  <a:schemeClr val="tx1"/>
-                </a:solidFill>
-                <a:ea typeface="宋体" pitchFamily="2" charset="-122"/>
-              </a:rPr>
-              <a:t>        at </a:t>
-            </a:r>
-            <a:r>
-              <a:rPr lang="en-US" dirty="0" err="1" smtClean="0">
-                <a:solidFill>
-                  <a:schemeClr val="tx1"/>
-                </a:solidFill>
-                <a:ea typeface="宋体" pitchFamily="2" charset="-122"/>
-              </a:rPr>
-              <a:t>AssertTest.assertMe</a:t>
-            </a:r>
-            <a:r>
-              <a:rPr lang="en-US" dirty="0" smtClean="0">
-                <a:solidFill>
-                  <a:schemeClr val="tx1"/>
-                </a:solidFill>
-                <a:ea typeface="宋体" pitchFamily="2" charset="-122"/>
-              </a:rPr>
-              <a:t>(AssertTest.java:14)</a:t>
             </a:r>
             <a:br>
               <a:rPr lang="en-US" dirty="0" smtClean="0">
@@ -18813,7 +18384,7 @@
           <a:p>
             <a:r>
               <a:rPr lang="zh-CN" altLang="en-US" smtClean="0"/>
-              <a:t>使用断言的场合　　　　　　　</a:t>
+              <a:t>断言示例　　　　　　</a:t>
             </a:r>
             <a:endParaRPr lang="zh-CN" altLang="en-US" dirty="0" smtClean="0"/>
           </a:p>
@@ -18821,7 +18392,7 @@
       </p:sp>
       <p:sp>
         <p:nvSpPr>
-          <p:cNvPr id="7171" name="内容占位符 2"/>
+          <p:cNvPr id="10" name="内容占位符 9"/>
           <p:cNvSpPr>
             <a:spLocks noGrp="1"/>
           </p:cNvSpPr>
@@ -18829,61 +18400,588 @@
             <p:ph idx="1"/>
           </p:nvPr>
         </p:nvSpPr>
-        <p:spPr>
-          <a:xfrm>
-            <a:off x="457200" y="1160748"/>
-            <a:ext cx="8363272" cy="4965415"/>
-          </a:xfrm>
-        </p:spPr>
+        <p:spPr/>
         <p:txBody>
           <a:bodyPr/>
           <a:lstStyle/>
           <a:p>
-            <a:r>
-              <a:rPr lang="zh-CN" altLang="en-US" dirty="0" smtClean="0"/>
-              <a:t>可以在预计正常情况下程序不会到达的地方放置断言 ：</a:t>
-            </a:r>
-            <a:r>
-              <a:rPr lang="en-US" dirty="0" smtClean="0"/>
-              <a:t>assert false</a:t>
-            </a:r>
-          </a:p>
-          <a:p>
-            <a:r>
-              <a:rPr lang="zh-CN" altLang="en-US" dirty="0" smtClean="0"/>
-              <a:t>断言可以用于检查传递给私有方法的参数。（对于公有方法，因为是提供给外部的接口，所以必须在方法中有相应的参数检验才能保证代码的健壮性）</a:t>
-            </a:r>
-            <a:endParaRPr lang="en-US" altLang="zh-CN" dirty="0" smtClean="0"/>
-          </a:p>
-          <a:p>
-            <a:r>
-              <a:rPr lang="zh-CN" altLang="en-US" dirty="0" smtClean="0"/>
-              <a:t>使用断言测试方法执行的前置条件和后置条件</a:t>
-            </a:r>
-            <a:endParaRPr lang="en-US" altLang="zh-CN" dirty="0" smtClean="0"/>
-          </a:p>
-          <a:p>
-            <a:r>
-              <a:rPr lang="zh-CN" altLang="en-US" dirty="0" smtClean="0"/>
-              <a:t>使用断言检查类的不变状态，确保任何情况下，某个变量的状态必须满足。（如</a:t>
-            </a:r>
-            <a:r>
-              <a:rPr lang="en-US" altLang="zh-CN" dirty="0" smtClean="0"/>
-              <a:t>age</a:t>
-            </a:r>
-            <a:r>
-              <a:rPr lang="zh-CN" altLang="en-US" dirty="0" smtClean="0"/>
-              <a:t>属性应大于</a:t>
-            </a:r>
-            <a:r>
-              <a:rPr lang="en-US" altLang="zh-CN" dirty="0" smtClean="0"/>
-              <a:t>0</a:t>
-            </a:r>
-            <a:r>
-              <a:rPr lang="zh-CN" altLang="en-US" dirty="0" smtClean="0"/>
-              <a:t>小于某个合适值）</a:t>
-            </a:r>
-            <a:endParaRPr lang="en-US" altLang="zh-CN" dirty="0" smtClean="0"/>
+            <a:endParaRPr lang="zh-CN" altLang="en-US"/>
+          </a:p>
+        </p:txBody>
+      </p:sp>
+      <p:sp>
+        <p:nvSpPr>
+          <p:cNvPr id="4" name="TextBox 3"/>
+          <p:cNvSpPr txBox="1">
+            <a:spLocks noChangeArrowheads="1"/>
+          </p:cNvSpPr>
+          <p:nvPr/>
+        </p:nvSpPr>
+        <p:spPr bwMode="auto">
+          <a:xfrm>
+            <a:off x="500034" y="1142984"/>
+            <a:ext cx="7715304" cy="3785652"/>
+          </a:xfrm>
+          <a:prstGeom prst="rect">
+            <a:avLst/>
+          </a:prstGeom>
+          <a:solidFill>
+            <a:srgbClr val="FFEBE0"/>
+          </a:solidFill>
+          <a:ln w="9525" cmpd="sng">
+            <a:solidFill>
+              <a:srgbClr val="FF5D0D"/>
+            </a:solidFill>
+            <a:miter lim="800000"/>
+            <a:headEnd/>
+            <a:tailEnd/>
+          </a:ln>
+        </p:spPr>
+        <p:txBody>
+          <a:bodyPr wrap="square">
+            <a:spAutoFit/>
+          </a:bodyPr>
+          <a:lstStyle/>
+          <a:p>
+            <a:r>
+              <a:rPr lang="en-US" dirty="0" smtClean="0">
+                <a:solidFill>
+                  <a:schemeClr val="tx1"/>
+                </a:solidFill>
+                <a:ea typeface="宋体" pitchFamily="2" charset="-122"/>
+              </a:rPr>
+              <a:t>public class </a:t>
+            </a:r>
+            <a:r>
+              <a:rPr lang="en-US" dirty="0" err="1" smtClean="0">
+                <a:solidFill>
+                  <a:schemeClr val="tx1"/>
+                </a:solidFill>
+                <a:ea typeface="宋体" pitchFamily="2" charset="-122"/>
+              </a:rPr>
+              <a:t>AssertTest</a:t>
+            </a:r>
+            <a:r>
+              <a:rPr lang="en-US" dirty="0" smtClean="0">
+                <a:solidFill>
+                  <a:schemeClr val="tx1"/>
+                </a:solidFill>
+                <a:ea typeface="宋体" pitchFamily="2" charset="-122"/>
+              </a:rPr>
+              <a:t>{</a:t>
+            </a:r>
+            <a:br>
+              <a:rPr lang="en-US" dirty="0" smtClean="0">
+                <a:solidFill>
+                  <a:schemeClr val="tx1"/>
+                </a:solidFill>
+                <a:ea typeface="宋体" pitchFamily="2" charset="-122"/>
+              </a:rPr>
+            </a:br>
+            <a:r>
+              <a:rPr lang="en-US" dirty="0" smtClean="0">
+                <a:solidFill>
+                  <a:schemeClr val="tx1"/>
+                </a:solidFill>
+                <a:ea typeface="宋体" pitchFamily="2" charset="-122"/>
+              </a:rPr>
+              <a:t>    public static void main(String[] </a:t>
+            </a:r>
+            <a:r>
+              <a:rPr lang="en-US" dirty="0" err="1" smtClean="0">
+                <a:solidFill>
+                  <a:schemeClr val="tx1"/>
+                </a:solidFill>
+                <a:ea typeface="宋体" pitchFamily="2" charset="-122"/>
+              </a:rPr>
+              <a:t>args</a:t>
+            </a:r>
+            <a:r>
+              <a:rPr lang="en-US" dirty="0" smtClean="0">
+                <a:solidFill>
+                  <a:schemeClr val="tx1"/>
+                </a:solidFill>
+                <a:ea typeface="宋体" pitchFamily="2" charset="-122"/>
+              </a:rPr>
+              <a:t>) {</a:t>
+            </a:r>
+            <a:br>
+              <a:rPr lang="en-US" dirty="0" smtClean="0">
+                <a:solidFill>
+                  <a:schemeClr val="tx1"/>
+                </a:solidFill>
+                <a:ea typeface="宋体" pitchFamily="2" charset="-122"/>
+              </a:rPr>
+            </a:br>
+            <a:r>
+              <a:rPr lang="en-US" dirty="0" smtClean="0">
+                <a:solidFill>
+                  <a:schemeClr val="tx1"/>
+                </a:solidFill>
+                <a:ea typeface="宋体" pitchFamily="2" charset="-122"/>
+              </a:rPr>
+              <a:t>        </a:t>
+            </a:r>
+            <a:r>
+              <a:rPr lang="en-US" dirty="0" err="1" smtClean="0">
+                <a:solidFill>
+                  <a:schemeClr val="tx1"/>
+                </a:solidFill>
+                <a:ea typeface="宋体" pitchFamily="2" charset="-122"/>
+              </a:rPr>
+              <a:t>AssertTest</a:t>
+            </a:r>
+            <a:r>
+              <a:rPr lang="en-US" dirty="0" smtClean="0">
+                <a:solidFill>
+                  <a:schemeClr val="tx1"/>
+                </a:solidFill>
+                <a:ea typeface="宋体" pitchFamily="2" charset="-122"/>
+              </a:rPr>
+              <a:t> at = new </a:t>
+            </a:r>
+            <a:r>
+              <a:rPr lang="en-US" dirty="0" err="1" smtClean="0">
+                <a:solidFill>
+                  <a:schemeClr val="tx1"/>
+                </a:solidFill>
+                <a:ea typeface="宋体" pitchFamily="2" charset="-122"/>
+              </a:rPr>
+              <a:t>AssertTest</a:t>
+            </a:r>
+            <a:r>
+              <a:rPr lang="en-US" dirty="0" smtClean="0">
+                <a:solidFill>
+                  <a:schemeClr val="tx1"/>
+                </a:solidFill>
+                <a:ea typeface="宋体" pitchFamily="2" charset="-122"/>
+              </a:rPr>
+              <a:t>();</a:t>
+            </a:r>
+            <a:br>
+              <a:rPr lang="en-US" dirty="0" smtClean="0">
+                <a:solidFill>
+                  <a:schemeClr val="tx1"/>
+                </a:solidFill>
+                <a:ea typeface="宋体" pitchFamily="2" charset="-122"/>
+              </a:rPr>
+            </a:br>
+            <a:r>
+              <a:rPr lang="en-US" dirty="0" smtClean="0">
+                <a:solidFill>
+                  <a:schemeClr val="tx1"/>
+                </a:solidFill>
+                <a:ea typeface="宋体" pitchFamily="2" charset="-122"/>
+              </a:rPr>
+              <a:t>        </a:t>
+            </a:r>
+            <a:r>
+              <a:rPr lang="en-US" dirty="0" err="1" smtClean="0">
+                <a:solidFill>
+                  <a:schemeClr val="tx1"/>
+                </a:solidFill>
+                <a:ea typeface="宋体" pitchFamily="2" charset="-122"/>
+              </a:rPr>
+              <a:t>at.assertMe</a:t>
+            </a:r>
+            <a:r>
+              <a:rPr lang="en-US" dirty="0" smtClean="0">
+                <a:solidFill>
+                  <a:schemeClr val="tx1"/>
+                </a:solidFill>
+                <a:ea typeface="宋体" pitchFamily="2" charset="-122"/>
+              </a:rPr>
+              <a:t>(true);</a:t>
+            </a:r>
+            <a:br>
+              <a:rPr lang="en-US" dirty="0" smtClean="0">
+                <a:solidFill>
+                  <a:schemeClr val="tx1"/>
+                </a:solidFill>
+                <a:ea typeface="宋体" pitchFamily="2" charset="-122"/>
+              </a:rPr>
+            </a:br>
+            <a:r>
+              <a:rPr lang="en-US" dirty="0" smtClean="0">
+                <a:solidFill>
+                  <a:schemeClr val="tx1"/>
+                </a:solidFill>
+                <a:ea typeface="宋体" pitchFamily="2" charset="-122"/>
+              </a:rPr>
+              <a:t>        </a:t>
+            </a:r>
+            <a:r>
+              <a:rPr lang="en-US" dirty="0" err="1" smtClean="0">
+                <a:solidFill>
+                  <a:schemeClr val="tx1"/>
+                </a:solidFill>
+                <a:ea typeface="宋体" pitchFamily="2" charset="-122"/>
+              </a:rPr>
+              <a:t>at.assertMe</a:t>
+            </a:r>
+            <a:r>
+              <a:rPr lang="en-US" dirty="0" smtClean="0">
+                <a:solidFill>
+                  <a:schemeClr val="tx1"/>
+                </a:solidFill>
+                <a:ea typeface="宋体" pitchFamily="2" charset="-122"/>
+              </a:rPr>
+              <a:t>(false);   </a:t>
+            </a:r>
+            <a:br>
+              <a:rPr lang="en-US" dirty="0" smtClean="0">
+                <a:solidFill>
+                  <a:schemeClr val="tx1"/>
+                </a:solidFill>
+                <a:ea typeface="宋体" pitchFamily="2" charset="-122"/>
+              </a:rPr>
+            </a:br>
+            <a:r>
+              <a:rPr lang="en-US" dirty="0" smtClean="0">
+                <a:solidFill>
+                  <a:schemeClr val="tx1"/>
+                </a:solidFill>
+                <a:ea typeface="宋体" pitchFamily="2" charset="-122"/>
+              </a:rPr>
+              <a:t>    }  </a:t>
+            </a:r>
+            <a:br>
+              <a:rPr lang="en-US" dirty="0" smtClean="0">
+                <a:solidFill>
+                  <a:schemeClr val="tx1"/>
+                </a:solidFill>
+                <a:ea typeface="宋体" pitchFamily="2" charset="-122"/>
+              </a:rPr>
+            </a:br>
+            <a:r>
+              <a:rPr lang="en-US" dirty="0" smtClean="0">
+                <a:solidFill>
+                  <a:schemeClr val="tx1"/>
+                </a:solidFill>
+                <a:ea typeface="宋体" pitchFamily="2" charset="-122"/>
+              </a:rPr>
+              <a:t>    private  void </a:t>
+            </a:r>
+            <a:r>
+              <a:rPr lang="en-US" dirty="0" err="1" smtClean="0">
+                <a:solidFill>
+                  <a:schemeClr val="tx1"/>
+                </a:solidFill>
+                <a:ea typeface="宋体" pitchFamily="2" charset="-122"/>
+              </a:rPr>
+              <a:t>assertMe</a:t>
+            </a:r>
+            <a:r>
+              <a:rPr lang="en-US" dirty="0" smtClean="0">
+                <a:solidFill>
+                  <a:schemeClr val="tx1"/>
+                </a:solidFill>
+                <a:ea typeface="宋体" pitchFamily="2" charset="-122"/>
+              </a:rPr>
+              <a:t>(</a:t>
+            </a:r>
+            <a:r>
+              <a:rPr lang="en-US" dirty="0" err="1" smtClean="0">
+                <a:solidFill>
+                  <a:schemeClr val="tx1"/>
+                </a:solidFill>
+                <a:ea typeface="宋体" pitchFamily="2" charset="-122"/>
+              </a:rPr>
+              <a:t>boolean</a:t>
+            </a:r>
+            <a:r>
+              <a:rPr lang="en-US" dirty="0" smtClean="0">
+                <a:solidFill>
+                  <a:schemeClr val="tx1"/>
+                </a:solidFill>
+                <a:ea typeface="宋体" pitchFamily="2" charset="-122"/>
+              </a:rPr>
+              <a:t> boo) {</a:t>
+            </a:r>
+            <a:br>
+              <a:rPr lang="en-US" dirty="0" smtClean="0">
+                <a:solidFill>
+                  <a:schemeClr val="tx1"/>
+                </a:solidFill>
+                <a:ea typeface="宋体" pitchFamily="2" charset="-122"/>
+              </a:rPr>
+            </a:br>
+            <a:r>
+              <a:rPr lang="en-US" dirty="0" smtClean="0">
+                <a:solidFill>
+                  <a:schemeClr val="tx1"/>
+                </a:solidFill>
+                <a:ea typeface="宋体" pitchFamily="2" charset="-122"/>
+              </a:rPr>
+              <a:t>        String s = null;</a:t>
+            </a:r>
+            <a:br>
+              <a:rPr lang="en-US" dirty="0" smtClean="0">
+                <a:solidFill>
+                  <a:schemeClr val="tx1"/>
+                </a:solidFill>
+                <a:ea typeface="宋体" pitchFamily="2" charset="-122"/>
+              </a:rPr>
+            </a:br>
+            <a:r>
+              <a:rPr lang="en-US" dirty="0" smtClean="0">
+                <a:solidFill>
+                  <a:schemeClr val="tx1"/>
+                </a:solidFill>
+                <a:ea typeface="宋体" pitchFamily="2" charset="-122"/>
+              </a:rPr>
+              <a:t>        assert </a:t>
+            </a:r>
+            <a:r>
+              <a:rPr lang="en-US" dirty="0" err="1" smtClean="0">
+                <a:solidFill>
+                  <a:schemeClr val="tx1"/>
+                </a:solidFill>
+                <a:ea typeface="宋体" pitchFamily="2" charset="-122"/>
+              </a:rPr>
+              <a:t>boo?true:false:s</a:t>
+            </a:r>
+            <a:r>
+              <a:rPr lang="en-US" dirty="0" smtClean="0">
+                <a:solidFill>
+                  <a:schemeClr val="tx1"/>
+                </a:solidFill>
+                <a:ea typeface="宋体" pitchFamily="2" charset="-122"/>
+              </a:rPr>
+              <a:t> = "hello world"; </a:t>
+            </a:r>
+            <a:br>
+              <a:rPr lang="en-US" dirty="0" smtClean="0">
+                <a:solidFill>
+                  <a:schemeClr val="tx1"/>
+                </a:solidFill>
+                <a:ea typeface="宋体" pitchFamily="2" charset="-122"/>
+              </a:rPr>
+            </a:br>
+            <a:r>
+              <a:rPr lang="en-US" dirty="0" smtClean="0">
+                <a:solidFill>
+                  <a:schemeClr val="tx1"/>
+                </a:solidFill>
+                <a:ea typeface="宋体" pitchFamily="2" charset="-122"/>
+              </a:rPr>
+              <a:t>        </a:t>
+            </a:r>
+            <a:r>
+              <a:rPr lang="en-US" dirty="0" err="1" smtClean="0">
+                <a:solidFill>
+                  <a:schemeClr val="tx1"/>
+                </a:solidFill>
+                <a:ea typeface="宋体" pitchFamily="2" charset="-122"/>
+              </a:rPr>
+              <a:t>System.out.println</a:t>
+            </a:r>
+            <a:r>
+              <a:rPr lang="en-US" dirty="0" smtClean="0">
+                <a:solidFill>
+                  <a:schemeClr val="tx1"/>
+                </a:solidFill>
+                <a:ea typeface="宋体" pitchFamily="2" charset="-122"/>
+              </a:rPr>
+              <a:t>("true condition");</a:t>
+            </a:r>
+            <a:br>
+              <a:rPr lang="en-US" dirty="0" smtClean="0">
+                <a:solidFill>
+                  <a:schemeClr val="tx1"/>
+                </a:solidFill>
+                <a:ea typeface="宋体" pitchFamily="2" charset="-122"/>
+              </a:rPr>
+            </a:br>
+            <a:r>
+              <a:rPr lang="en-US" dirty="0" smtClean="0">
+                <a:solidFill>
+                  <a:schemeClr val="tx1"/>
+                </a:solidFill>
+                <a:ea typeface="宋体" pitchFamily="2" charset="-122"/>
+              </a:rPr>
+              <a:t>    } </a:t>
+            </a:r>
+            <a:br>
+              <a:rPr lang="en-US" dirty="0" smtClean="0">
+                <a:solidFill>
+                  <a:schemeClr val="tx1"/>
+                </a:solidFill>
+                <a:ea typeface="宋体" pitchFamily="2" charset="-122"/>
+              </a:rPr>
+            </a:br>
+            <a:r>
+              <a:rPr lang="en-US" dirty="0" smtClean="0">
+                <a:solidFill>
+                  <a:schemeClr val="tx1"/>
+                </a:solidFill>
+                <a:ea typeface="宋体" pitchFamily="2" charset="-122"/>
+              </a:rPr>
+              <a:t>}</a:t>
+            </a:r>
+            <a:endParaRPr lang="zh-CN" altLang="en-US" dirty="0" smtClean="0">
+              <a:solidFill>
+                <a:schemeClr val="tx1"/>
+              </a:solidFill>
+              <a:ea typeface="宋体" pitchFamily="2" charset="-122"/>
+            </a:endParaRPr>
+          </a:p>
+        </p:txBody>
+      </p:sp>
+      <p:sp>
+        <p:nvSpPr>
+          <p:cNvPr id="5" name="TextBox 4"/>
+          <p:cNvSpPr txBox="1">
+            <a:spLocks noChangeArrowheads="1"/>
+          </p:cNvSpPr>
+          <p:nvPr/>
+        </p:nvSpPr>
+        <p:spPr bwMode="auto">
+          <a:xfrm>
+            <a:off x="500034" y="5143512"/>
+            <a:ext cx="7715304" cy="1323439"/>
+          </a:xfrm>
+          <a:prstGeom prst="rect">
+            <a:avLst/>
+          </a:prstGeom>
+          <a:solidFill>
+            <a:srgbClr val="FFEBE0"/>
+          </a:solidFill>
+          <a:ln w="9525" cmpd="sng">
+            <a:solidFill>
+              <a:srgbClr val="FF5D0D"/>
+            </a:solidFill>
+            <a:miter lim="800000"/>
+            <a:headEnd/>
+            <a:tailEnd/>
+          </a:ln>
+        </p:spPr>
+        <p:txBody>
+          <a:bodyPr wrap="square">
+            <a:spAutoFit/>
+          </a:bodyPr>
+          <a:lstStyle/>
+          <a:p>
+            <a:r>
+              <a:rPr lang="en-US" dirty="0" smtClean="0">
+                <a:solidFill>
+                  <a:schemeClr val="tx1"/>
+                </a:solidFill>
+                <a:ea typeface="宋体" pitchFamily="2" charset="-122"/>
+              </a:rPr>
+              <a:t>true condition</a:t>
+            </a:r>
+            <a:br>
+              <a:rPr lang="en-US" dirty="0" smtClean="0">
+                <a:solidFill>
+                  <a:schemeClr val="tx1"/>
+                </a:solidFill>
+                <a:ea typeface="宋体" pitchFamily="2" charset="-122"/>
+              </a:rPr>
+            </a:br>
+            <a:r>
+              <a:rPr lang="en-US" dirty="0" smtClean="0">
+                <a:solidFill>
+                  <a:schemeClr val="tx1"/>
+                </a:solidFill>
+                <a:ea typeface="宋体" pitchFamily="2" charset="-122"/>
+              </a:rPr>
+              <a:t>Exception in thread "main" </a:t>
+            </a:r>
+            <a:r>
+              <a:rPr lang="en-US" dirty="0" err="1" smtClean="0">
+                <a:solidFill>
+                  <a:schemeClr val="tx1"/>
+                </a:solidFill>
+                <a:ea typeface="宋体" pitchFamily="2" charset="-122"/>
+              </a:rPr>
+              <a:t>java.lang.AssertionError</a:t>
+            </a:r>
+            <a:r>
+              <a:rPr lang="en-US" dirty="0" smtClean="0">
+                <a:solidFill>
+                  <a:schemeClr val="tx1"/>
+                </a:solidFill>
+                <a:ea typeface="宋体" pitchFamily="2" charset="-122"/>
+              </a:rPr>
+              <a:t>: hello world</a:t>
+            </a:r>
+            <a:br>
+              <a:rPr lang="en-US" dirty="0" smtClean="0">
+                <a:solidFill>
+                  <a:schemeClr val="tx1"/>
+                </a:solidFill>
+                <a:ea typeface="宋体" pitchFamily="2" charset="-122"/>
+              </a:rPr>
+            </a:br>
+            <a:r>
+              <a:rPr lang="en-US" dirty="0" smtClean="0">
+                <a:solidFill>
+                  <a:schemeClr val="tx1"/>
+                </a:solidFill>
+                <a:ea typeface="宋体" pitchFamily="2" charset="-122"/>
+              </a:rPr>
+              <a:t>        at </a:t>
+            </a:r>
+            <a:r>
+              <a:rPr lang="en-US" dirty="0" err="1" smtClean="0">
+                <a:solidFill>
+                  <a:schemeClr val="tx1"/>
+                </a:solidFill>
+                <a:ea typeface="宋体" pitchFamily="2" charset="-122"/>
+              </a:rPr>
+              <a:t>AssertTest.assertMe</a:t>
+            </a:r>
+            <a:r>
+              <a:rPr lang="en-US" dirty="0" smtClean="0">
+                <a:solidFill>
+                  <a:schemeClr val="tx1"/>
+                </a:solidFill>
+                <a:ea typeface="宋体" pitchFamily="2" charset="-122"/>
+              </a:rPr>
+              <a:t>(AssertTest.java:14)</a:t>
+            </a:r>
+            <a:br>
+              <a:rPr lang="en-US" dirty="0" smtClean="0">
+                <a:solidFill>
+                  <a:schemeClr val="tx1"/>
+                </a:solidFill>
+                <a:ea typeface="宋体" pitchFamily="2" charset="-122"/>
+              </a:rPr>
+            </a:br>
+            <a:r>
+              <a:rPr lang="en-US" dirty="0" smtClean="0">
+                <a:solidFill>
+                  <a:schemeClr val="tx1"/>
+                </a:solidFill>
+                <a:ea typeface="宋体" pitchFamily="2" charset="-122"/>
+              </a:rPr>
+              <a:t>        at </a:t>
+            </a:r>
+            <a:r>
+              <a:rPr lang="en-US" dirty="0" err="1" smtClean="0">
+                <a:solidFill>
+                  <a:schemeClr val="tx1"/>
+                </a:solidFill>
+                <a:ea typeface="宋体" pitchFamily="2" charset="-122"/>
+              </a:rPr>
+              <a:t>AssertTest.main</a:t>
+            </a:r>
+            <a:r>
+              <a:rPr lang="en-US" dirty="0" smtClean="0">
+                <a:solidFill>
+                  <a:schemeClr val="tx1"/>
+                </a:solidFill>
+                <a:ea typeface="宋体" pitchFamily="2" charset="-122"/>
+              </a:rPr>
+              <a:t>(AssertTest.java:7)</a:t>
+            </a:r>
+            <a:endParaRPr lang="zh-CN" altLang="en-US" dirty="0" smtClean="0">
+              <a:solidFill>
+                <a:schemeClr val="tx1"/>
+              </a:solidFill>
+              <a:ea typeface="宋体" pitchFamily="2" charset="-122"/>
+            </a:endParaRPr>
           </a:p>
         </p:txBody>
       </p:sp>
@@ -18892,13 +18990,91 @@
   <p:clrMapOvr>
     <a:masterClrMapping/>
   </p:clrMapOvr>
-  <p:transition/>
   <p:timing>
     <p:tnLst>
       <p:par>
-        <p:cTn id="1" dur="indefinite" restart="never" nodeType="tmRoot"/>
+        <p:cTn id="1" dur="indefinite" restart="never" nodeType="tmRoot">
+          <p:childTnLst>
+            <p:seq concurrent="1" nextAc="seek">
+              <p:cTn id="2" dur="indefinite" nodeType="mainSeq">
+                <p:childTnLst>
+                  <p:par>
+                    <p:cTn id="3" fill="hold">
+                      <p:stCondLst>
+                        <p:cond delay="indefinite"/>
+                      </p:stCondLst>
+                      <p:childTnLst>
+                        <p:par>
+                          <p:cTn id="4" fill="hold">
+                            <p:stCondLst>
+                              <p:cond delay="0"/>
+                            </p:stCondLst>
+                            <p:childTnLst>
+                              <p:par>
+                                <p:cTn id="5" presetID="8" presetClass="entr" presetSubtype="16" fill="hold" grpId="0" nodeType="clickEffect">
+                                  <p:stCondLst>
+                                    <p:cond delay="0"/>
+                                  </p:stCondLst>
+                                  <p:childTnLst>
+                                    <p:set>
+                                      <p:cBhvr>
+                                        <p:cTn id="6" dur="1" fill="hold">
+                                          <p:stCondLst>
+                                            <p:cond delay="0"/>
+                                          </p:stCondLst>
+                                        </p:cTn>
+                                        <p:tgtEl>
+                                          <p:spTgt spid="5"/>
+                                        </p:tgtEl>
+                                        <p:attrNameLst>
+                                          <p:attrName>style.visibility</p:attrName>
+                                        </p:attrNameLst>
+                                      </p:cBhvr>
+                                      <p:to>
+                                        <p:strVal val="visible"/>
+                                      </p:to>
+                                    </p:set>
+                                    <p:animEffect transition="in" filter="diamond(in)">
+                                      <p:cBhvr>
+                                        <p:cTn id="7" dur="1000"/>
+                                        <p:tgtEl>
+                                          <p:spTgt spid="5"/>
+                                        </p:tgtEl>
+                                      </p:cBhvr>
+                                    </p:animEffect>
+                                  </p:childTnLst>
+                                </p:cTn>
+                              </p:par>
+                            </p:childTnLst>
+                          </p:cTn>
+                        </p:par>
+                      </p:childTnLst>
+                    </p:cTn>
+                  </p:par>
+                </p:childTnLst>
+              </p:cTn>
+              <p:prevCondLst>
+                <p:cond evt="onPrev" delay="0">
+                  <p:tgtEl>
+                    <p:sldTgt/>
+                  </p:tgtEl>
+                </p:cond>
+              </p:prevCondLst>
+              <p:nextCondLst>
+                <p:cond evt="onNext" delay="0">
+                  <p:tgtEl>
+                    <p:sldTgt/>
+                  </p:tgtEl>
+                </p:cond>
+              </p:nextCondLst>
+            </p:seq>
+          </p:childTnLst>
+        </p:cTn>
       </p:par>
     </p:tnLst>
+    <p:bldLst>
+      <p:bldP spid="5" grpId="0" animBg="1"/>
+    </p:bldLst>
   </p:timing>
 </p:sld>
 </file>
@@ -18937,7 +19113,7 @@
           <a:p>
             <a:r>
               <a:rPr lang="zh-CN" altLang="en-US" smtClean="0"/>
-              <a:t>不使用断言的场合　　　　　　　</a:t>
+              <a:t>使用断言的场合　　　　　　　</a:t>
             </a:r>
             <a:endParaRPr lang="zh-CN" altLang="en-US" dirty="0" smtClean="0"/>
           </a:p>
@@ -18953,107 +19129,59 @@
             <p:ph idx="1"/>
           </p:nvPr>
         </p:nvSpPr>
-        <p:spPr/>
+        <p:spPr>
+          <a:xfrm>
+            <a:off x="457200" y="1160748"/>
+            <a:ext cx="8363272" cy="4965415"/>
+          </a:xfrm>
+        </p:spPr>
         <p:txBody>
           <a:bodyPr/>
           <a:lstStyle/>
           <a:p>
             <a:r>
-              <a:rPr lang="zh-CN" altLang="en-US" smtClean="0"/>
-              <a:t>断言语句不是永远会执行，可以屏蔽也可以启用</a:t>
-            </a:r>
-            <a:endParaRPr lang="en-US" altLang="zh-CN" smtClean="0"/>
-          </a:p>
-          <a:p>
-            <a:pPr lvl="1"/>
-            <a:r>
-              <a:rPr lang="zh-CN" altLang="en-US" smtClean="0"/>
-              <a:t>不要再</a:t>
-            </a:r>
-            <a:r>
-              <a:rPr lang="en-US" altLang="zh-CN" smtClean="0"/>
-              <a:t>public</a:t>
-            </a:r>
-            <a:r>
-              <a:rPr lang="zh-CN" altLang="en-US" smtClean="0"/>
-              <a:t>的方法里面检查参数是不是为</a:t>
-            </a:r>
-            <a:r>
-              <a:rPr lang="en-US" altLang="zh-CN" smtClean="0"/>
-              <a:t>null</a:t>
-            </a:r>
-            <a:r>
-              <a:rPr lang="zh-CN" altLang="en-US" smtClean="0"/>
-              <a:t>之类的操作</a:t>
-            </a:r>
-            <a:endParaRPr lang="en-US" altLang="zh-CN" smtClean="0"/>
-          </a:p>
-          <a:p>
-            <a:pPr lvl="2"/>
-            <a:r>
-              <a:rPr lang="zh-CN" altLang="en-US" smtClean="0"/>
-              <a:t>例如</a:t>
-            </a:r>
-            <a:endParaRPr lang="en-US" altLang="zh-CN" smtClean="0"/>
-          </a:p>
-          <a:p>
-            <a:pPr lvl="2"/>
-            <a:r>
-              <a:rPr lang="en-US" smtClean="0"/>
-              <a:t>public int get(String s){</a:t>
-            </a:r>
-            <a:br>
-              <a:rPr lang="en-US" smtClean="0"/>
-            </a:br>
-            <a:r>
-              <a:rPr lang="en-US" smtClean="0"/>
-              <a:t>assert s != null;</a:t>
-            </a:r>
-          </a:p>
-          <a:p>
-            <a:pPr lvl="2"/>
-            <a:r>
-              <a:rPr lang="en-US" smtClean="0"/>
-              <a:t>}</a:t>
-            </a:r>
-          </a:p>
-          <a:p>
-            <a:pPr lvl="2"/>
-            <a:r>
-              <a:rPr lang="zh-CN" altLang="en-US" smtClean="0"/>
-              <a:t>假如需要检查也最好通过</a:t>
-            </a:r>
-            <a:r>
-              <a:rPr lang="en-US" smtClean="0"/>
-              <a:t>if s = null </a:t>
-            </a:r>
-            <a:r>
-              <a:rPr lang="zh-CN" altLang="en-US" smtClean="0"/>
-              <a:t>抛出</a:t>
-            </a:r>
-            <a:r>
-              <a:rPr lang="en-US" smtClean="0"/>
-              <a:t>NullPointerException</a:t>
-            </a:r>
-            <a:r>
-              <a:rPr lang="zh-CN" altLang="en-US" smtClean="0"/>
-              <a:t>来检查</a:t>
-            </a:r>
-            <a:endParaRPr lang="en-US" altLang="zh-CN" smtClean="0"/>
-          </a:p>
-          <a:p>
-            <a:pPr lvl="1"/>
-            <a:r>
-              <a:rPr lang="zh-CN" altLang="en-US" smtClean="0"/>
-              <a:t>不要使用断言作为公共方法的参数检查，公共方法的参数永远都要执行</a:t>
-            </a:r>
-            <a:endParaRPr lang="en-US" altLang="zh-CN" smtClean="0"/>
-          </a:p>
-          <a:p>
-            <a:pPr lvl="1"/>
-            <a:r>
-              <a:rPr lang="zh-CN" altLang="en-US" smtClean="0"/>
-              <a:t>断言语句不可以有任何边界效应，不要使用断言语句去修改变量和改变方法的返回值</a:t>
+              <a:rPr lang="zh-CN" altLang="en-US" dirty="0" smtClean="0"/>
+              <a:t>可以在预计正常情况下程序不会到达的地方放置断言 ：</a:t>
+            </a:r>
+            <a:r>
+              <a:rPr lang="en-US" dirty="0" smtClean="0"/>
+              <a:t>assert false</a:t>
+            </a:r>
+          </a:p>
+          <a:p>
+            <a:r>
+              <a:rPr lang="zh-CN" altLang="en-US" dirty="0" smtClean="0"/>
+              <a:t>断言可以用于检查传递给私有方法的参数。（对于公有方法，因为是提供给外部的接口，所以必须在方法中有相应的参数检验才能保证代码的健壮性）</a:t>
+            </a:r>
+            <a:endParaRPr lang="en-US" altLang="zh-CN" dirty="0" smtClean="0"/>
+          </a:p>
+          <a:p>
+            <a:r>
+              <a:rPr lang="zh-CN" altLang="en-US" dirty="0" smtClean="0"/>
+              <a:t>使用断言测试方法执行的前置条件和后置条件</a:t>
+            </a:r>
+            <a:endParaRPr lang="en-US" altLang="zh-CN" dirty="0" smtClean="0"/>
+          </a:p>
+          <a:p>
+            <a:r>
+              <a:rPr lang="zh-CN" altLang="en-US" dirty="0" smtClean="0"/>
+              <a:t>使用断言检查类的不变状态，确保任何情况下，某个变量的状态必须满足。（如</a:t>
+            </a:r>
+            <a:r>
+              <a:rPr lang="en-US" altLang="zh-CN" dirty="0" smtClean="0"/>
+              <a:t>age</a:t>
+            </a:r>
+            <a:r>
+              <a:rPr lang="zh-CN" altLang="en-US" dirty="0" smtClean="0"/>
+              <a:t>属性应大于</a:t>
+            </a:r>
+            <a:r>
+              <a:rPr lang="en-US" altLang="zh-CN" dirty="0" smtClean="0"/>
+              <a:t>0</a:t>
+            </a:r>
+            <a:r>
+              <a:rPr lang="zh-CN" altLang="en-US" dirty="0" smtClean="0"/>
+              <a:t>小于某个合适值）</a:t>
             </a:r>
             <a:endParaRPr lang="en-US" altLang="zh-CN" dirty="0" smtClean="0"/>
           </a:p>
@@ -19064,6 +19192,7 @@
   <p:clrMapOvr>
     <a:masterClrMapping/>
   </p:clrMapOvr>
+  <p:transition/>
   <p:timing>
     <p:tnLst>
       <p:par>
@@ -19242,6 +19371,177 @@
           <a:p>
             <a:r>
               <a:rPr lang="zh-CN" altLang="en-US" smtClean="0"/>
+              <a:t>不使用断言的场合　　　　　　　</a:t>
+            </a:r>
+            <a:endParaRPr lang="zh-CN" altLang="en-US" dirty="0" smtClean="0"/>
+          </a:p>
+        </p:txBody>
+      </p:sp>
+      <p:sp>
+        <p:nvSpPr>
+          <p:cNvPr id="7171" name="内容占位符 2"/>
+          <p:cNvSpPr>
+            <a:spLocks noGrp="1"/>
+          </p:cNvSpPr>
+          <p:nvPr>
+            <p:ph idx="1"/>
+          </p:nvPr>
+        </p:nvSpPr>
+        <p:spPr/>
+        <p:txBody>
+          <a:bodyPr/>
+          <a:lstStyle/>
+          <a:p>
+            <a:r>
+              <a:rPr lang="zh-CN" altLang="en-US" smtClean="0"/>
+              <a:t>断言语句不是永远会执行，可以屏蔽也可以启用</a:t>
+            </a:r>
+            <a:endParaRPr lang="en-US" altLang="zh-CN" smtClean="0"/>
+          </a:p>
+          <a:p>
+            <a:pPr lvl="1"/>
+            <a:r>
+              <a:rPr lang="zh-CN" altLang="en-US" smtClean="0"/>
+              <a:t>不要再</a:t>
+            </a:r>
+            <a:r>
+              <a:rPr lang="en-US" altLang="zh-CN" smtClean="0"/>
+              <a:t>public</a:t>
+            </a:r>
+            <a:r>
+              <a:rPr lang="zh-CN" altLang="en-US" smtClean="0"/>
+              <a:t>的方法里面检查参数是不是为</a:t>
+            </a:r>
+            <a:r>
+              <a:rPr lang="en-US" altLang="zh-CN" smtClean="0"/>
+              <a:t>null</a:t>
+            </a:r>
+            <a:r>
+              <a:rPr lang="zh-CN" altLang="en-US" smtClean="0"/>
+              <a:t>之类的操作</a:t>
+            </a:r>
+            <a:endParaRPr lang="en-US" altLang="zh-CN" smtClean="0"/>
+          </a:p>
+          <a:p>
+            <a:pPr lvl="2"/>
+            <a:r>
+              <a:rPr lang="zh-CN" altLang="en-US" smtClean="0"/>
+              <a:t>例如</a:t>
+            </a:r>
+            <a:endParaRPr lang="en-US" altLang="zh-CN" smtClean="0"/>
+          </a:p>
+          <a:p>
+            <a:pPr lvl="2"/>
+            <a:r>
+              <a:rPr lang="en-US" smtClean="0"/>
+              <a:t>public int get(String s){</a:t>
+            </a:r>
+            <a:br>
+              <a:rPr lang="en-US" smtClean="0"/>
+            </a:br>
+            <a:r>
+              <a:rPr lang="en-US" smtClean="0"/>
+              <a:t>assert s != null;</a:t>
+            </a:r>
+          </a:p>
+          <a:p>
+            <a:pPr lvl="2"/>
+            <a:r>
+              <a:rPr lang="en-US" smtClean="0"/>
+              <a:t>}</a:t>
+            </a:r>
+          </a:p>
+          <a:p>
+            <a:pPr lvl="2"/>
+            <a:r>
+              <a:rPr lang="zh-CN" altLang="en-US" smtClean="0"/>
+              <a:t>假如需要检查也最好通过</a:t>
+            </a:r>
+            <a:r>
+              <a:rPr lang="en-US" smtClean="0"/>
+              <a:t>if s = null </a:t>
+            </a:r>
+            <a:r>
+              <a:rPr lang="zh-CN" altLang="en-US" smtClean="0"/>
+              <a:t>抛出</a:t>
+            </a:r>
+            <a:r>
+              <a:rPr lang="en-US" smtClean="0"/>
+              <a:t>NullPointerException</a:t>
+            </a:r>
+            <a:r>
+              <a:rPr lang="zh-CN" altLang="en-US" smtClean="0"/>
+              <a:t>来检查</a:t>
+            </a:r>
+            <a:endParaRPr lang="en-US" altLang="zh-CN" smtClean="0"/>
+          </a:p>
+          <a:p>
+            <a:pPr lvl="1"/>
+            <a:r>
+              <a:rPr lang="zh-CN" altLang="en-US" smtClean="0"/>
+              <a:t>不要使用断言作为公共方法的参数检查，公共方法的参数永远都要执行</a:t>
+            </a:r>
+            <a:endParaRPr lang="en-US" altLang="zh-CN" smtClean="0"/>
+          </a:p>
+          <a:p>
+            <a:pPr lvl="1"/>
+            <a:r>
+              <a:rPr lang="zh-CN" altLang="en-US" smtClean="0"/>
+              <a:t>断言语句不可以有任何边界效应，不要使用断言语句去修改变量和改变方法的返回值</a:t>
+            </a:r>
+            <a:endParaRPr lang="en-US" altLang="zh-CN" dirty="0" smtClean="0"/>
+          </a:p>
+        </p:txBody>
+      </p:sp>
+    </p:spTree>
+  </p:cSld>
+  <p:clrMapOvr>
+    <a:masterClrMapping/>
+  </p:clrMapOvr>
+  <p:timing>
+    <p:tnLst>
+      <p:par>
+        <p:cTn id="1" dur="indefinite" restart="never" nodeType="tmRoot"/>
+      </p:par>
+    </p:tnLst>
+  </p:timing>
+</p:sld>
+</file>
+
+<file path=ppt/slides/slide51.xml><?xml version="1.0" encoding="utf-8"?>
+<p:sld xmlns:a="http://schemas.openxmlformats.org/drawingml/2006/main" xmlns:r="http://schemas.openxmlformats.org/officeDocument/2006/relationships" xmlns:p="http://schemas.openxmlformats.org/presentationml/2006/main">
+  <p:cSld>
+    <p:spTree>
+      <p:nvGrpSpPr>
+        <p:cNvPr id="1" name=""/>
+        <p:cNvGrpSpPr/>
+        <p:nvPr/>
+      </p:nvGrpSpPr>
+      <p:grpSpPr>
+        <a:xfrm>
+          <a:off x="0" y="0"/>
+          <a:ext cx="0" cy="0"/>
+          <a:chOff x="0" y="0"/>
+          <a:chExt cx="0" cy="0"/>
+        </a:xfrm>
+      </p:grpSpPr>
+      <p:sp>
+        <p:nvSpPr>
+          <p:cNvPr id="7170" name="标题 1"/>
+          <p:cNvSpPr>
+            <a:spLocks noGrp="1"/>
+          </p:cNvSpPr>
+          <p:nvPr>
+            <p:ph type="title"/>
+          </p:nvPr>
+        </p:nvSpPr>
+        <p:spPr/>
+        <p:txBody>
+          <a:bodyPr/>
+          <a:lstStyle/>
+          <a:p>
+            <a:r>
+              <a:rPr lang="zh-CN" altLang="en-US" smtClean="0"/>
               <a:t>总结　　　　　　　　　</a:t>
             </a:r>
             <a:endParaRPr lang="zh-CN" altLang="en-US" dirty="0" smtClean="0"/>
@@ -19312,7 +19612,7 @@
 </p:sld>
 </file>
 
-<file path=ppt/slides/slide51.xml><?xml version="1.0" encoding="utf-8"?>
+<file path=ppt/slides/slide52.xml><?xml version="1.0" encoding="utf-8"?>
 <p:sld xmlns:a="http://schemas.openxmlformats.org/drawingml/2006/main" xmlns:r="http://schemas.openxmlformats.org/officeDocument/2006/relationships" xmlns:p="http://schemas.openxmlformats.org/presentationml/2006/main">
   <p:cSld>
     <p:spTree>

--- a/ch11/第11章 异常和断言.pptx
+++ b/ch11/第11章 异常和断言.pptx
@@ -1244,7 +1244,283 @@
           <a:bodyPr/>
           <a:lstStyle/>
           <a:p>
-            <a:endParaRPr lang="zh-CN" altLang="en-US" smtClean="0"/>
+            <a:r>
+              <a:rPr lang="zh-CN" altLang="en-US" sz="1200" b="0" i="0" kern="1200" dirty="0" smtClean="0">
+                <a:solidFill>
+                  <a:schemeClr val="tx1"/>
+                </a:solidFill>
+                <a:effectLst/>
+                <a:latin typeface="Arial" charset="0"/>
+                <a:ea typeface="+mn-ea"/>
+                <a:cs typeface="+mn-cs"/>
+              </a:rPr>
+              <a:t>当我们运行</a:t>
+            </a:r>
+            <a:r>
+              <a:rPr lang="en-US" altLang="zh-CN" sz="1200" b="0" i="0" kern="1200" dirty="0" smtClean="0">
+                <a:solidFill>
+                  <a:schemeClr val="tx1"/>
+                </a:solidFill>
+                <a:effectLst/>
+                <a:latin typeface="Arial" charset="0"/>
+                <a:ea typeface="+mn-ea"/>
+                <a:cs typeface="+mn-cs"/>
+              </a:rPr>
+              <a:t>at.assertMe(true)</a:t>
+            </a:r>
+            <a:r>
+              <a:rPr lang="zh-CN" altLang="en-US" sz="1200" b="0" i="0" kern="1200" dirty="0" smtClean="0">
+                <a:solidFill>
+                  <a:schemeClr val="tx1"/>
+                </a:solidFill>
+                <a:effectLst/>
+                <a:latin typeface="Arial" charset="0"/>
+                <a:ea typeface="+mn-ea"/>
+                <a:cs typeface="+mn-cs"/>
+              </a:rPr>
+              <a:t>得时候，由于</a:t>
+            </a:r>
+            <a:r>
+              <a:rPr lang="en-US" altLang="zh-CN" sz="1200" b="0" i="0" kern="1200" dirty="0" smtClean="0">
+                <a:solidFill>
+                  <a:schemeClr val="tx1"/>
+                </a:solidFill>
+                <a:effectLst/>
+                <a:latin typeface="Arial" charset="0"/>
+                <a:ea typeface="+mn-ea"/>
+                <a:cs typeface="+mn-cs"/>
+              </a:rPr>
+              <a:t>assert boo?true:false</a:t>
+            </a:r>
+            <a:r>
+              <a:rPr lang="zh-CN" altLang="en-US" sz="1200" b="0" i="0" kern="1200" dirty="0" smtClean="0">
+                <a:solidFill>
+                  <a:schemeClr val="tx1"/>
+                </a:solidFill>
+                <a:effectLst/>
+                <a:latin typeface="Arial" charset="0"/>
+                <a:ea typeface="+mn-ea"/>
+                <a:cs typeface="+mn-cs"/>
+              </a:rPr>
+              <a:t>相当于 </a:t>
+            </a:r>
+            <a:r>
+              <a:rPr lang="en-US" altLang="zh-CN" sz="1200" b="0" i="0" kern="1200" dirty="0" smtClean="0">
+                <a:solidFill>
+                  <a:schemeClr val="tx1"/>
+                </a:solidFill>
+                <a:effectLst/>
+                <a:latin typeface="Arial" charset="0"/>
+                <a:ea typeface="+mn-ea"/>
+                <a:cs typeface="+mn-cs"/>
+              </a:rPr>
+              <a:t>assert true;</a:t>
+            </a:r>
+            <a:r>
+              <a:rPr lang="zh-CN" altLang="en-US" sz="1200" b="0" i="0" kern="1200" dirty="0" smtClean="0">
+                <a:solidFill>
+                  <a:schemeClr val="tx1"/>
+                </a:solidFill>
+                <a:effectLst/>
+                <a:latin typeface="Arial" charset="0"/>
+                <a:ea typeface="+mn-ea"/>
+                <a:cs typeface="+mn-cs"/>
+              </a:rPr>
+              <a:t>因此没有任何问题，程序往下执行打印出</a:t>
+            </a:r>
+            <a:r>
+              <a:rPr lang="en-US" altLang="zh-CN" sz="1200" b="0" i="0" kern="1200" dirty="0" smtClean="0">
+                <a:solidFill>
+                  <a:schemeClr val="tx1"/>
+                </a:solidFill>
+                <a:effectLst/>
+                <a:latin typeface="Arial" charset="0"/>
+                <a:ea typeface="+mn-ea"/>
+                <a:cs typeface="+mn-cs"/>
+              </a:rPr>
+              <a:t>true condition</a:t>
+            </a:r>
+            <a:r>
+              <a:rPr lang="zh-CN" altLang="en-US" sz="1200" b="0" i="0" kern="1200" dirty="0" smtClean="0">
+                <a:solidFill>
+                  <a:schemeClr val="tx1"/>
+                </a:solidFill>
+                <a:effectLst/>
+                <a:latin typeface="Arial" charset="0"/>
+                <a:ea typeface="+mn-ea"/>
+                <a:cs typeface="+mn-cs"/>
+              </a:rPr>
+              <a:t>，但是执行</a:t>
+            </a:r>
+            <a:r>
+              <a:rPr lang="en-US" altLang="zh-CN" sz="1200" b="0" i="0" kern="1200" dirty="0" smtClean="0">
+                <a:solidFill>
+                  <a:schemeClr val="tx1"/>
+                </a:solidFill>
+                <a:effectLst/>
+                <a:latin typeface="Arial" charset="0"/>
+                <a:ea typeface="+mn-ea"/>
+                <a:cs typeface="+mn-cs"/>
+              </a:rPr>
+              <a:t>at.assertMe(false)</a:t>
+            </a:r>
+            <a:r>
+              <a:rPr lang="zh-CN" altLang="en-US" sz="1200" b="0" i="0" kern="1200" dirty="0" smtClean="0">
+                <a:solidFill>
+                  <a:schemeClr val="tx1"/>
+                </a:solidFill>
+                <a:effectLst/>
+                <a:latin typeface="Arial" charset="0"/>
+                <a:ea typeface="+mn-ea"/>
+                <a:cs typeface="+mn-cs"/>
+              </a:rPr>
+              <a:t>的时候相当于</a:t>
+            </a:r>
+            <a:r>
+              <a:rPr lang="en-US" altLang="zh-CN" sz="1200" b="0" i="0" kern="1200" dirty="0" smtClean="0">
+                <a:solidFill>
+                  <a:schemeClr val="tx1"/>
+                </a:solidFill>
+                <a:effectLst/>
+                <a:latin typeface="Arial" charset="0"/>
+                <a:ea typeface="+mn-ea"/>
+                <a:cs typeface="+mn-cs"/>
+              </a:rPr>
+              <a:t>assert false</a:t>
+            </a:r>
+            <a:r>
+              <a:rPr lang="zh-CN" altLang="en-US" sz="1200" b="0" i="0" kern="1200" dirty="0" smtClean="0">
+                <a:solidFill>
+                  <a:schemeClr val="tx1"/>
+                </a:solidFill>
+                <a:effectLst/>
+                <a:latin typeface="Arial" charset="0"/>
+                <a:ea typeface="+mn-ea"/>
+                <a:cs typeface="+mn-cs"/>
+              </a:rPr>
+              <a:t>，这个时候解释器就会抛出</a:t>
+            </a:r>
+            <a:r>
+              <a:rPr lang="en-US" altLang="zh-CN" sz="1200" b="0" i="0" kern="1200" dirty="0" smtClean="0">
+                <a:solidFill>
+                  <a:schemeClr val="tx1"/>
+                </a:solidFill>
+                <a:effectLst/>
+                <a:latin typeface="Arial" charset="0"/>
+                <a:ea typeface="+mn-ea"/>
+                <a:cs typeface="+mn-cs"/>
+              </a:rPr>
+              <a:t>AssertionError</a:t>
+            </a:r>
+            <a:r>
+              <a:rPr lang="zh-CN" altLang="en-US" sz="1200" b="0" i="0" kern="1200" dirty="0" smtClean="0">
+                <a:solidFill>
+                  <a:schemeClr val="tx1"/>
+                </a:solidFill>
+                <a:effectLst/>
+                <a:latin typeface="Arial" charset="0"/>
+                <a:ea typeface="+mn-ea"/>
+                <a:cs typeface="+mn-cs"/>
+              </a:rPr>
+              <a:t>了，程序就终止了。大家必须清楚</a:t>
+            </a:r>
+            <a:r>
+              <a:rPr lang="en-US" altLang="zh-CN" sz="1200" b="0" i="0" kern="1200" dirty="0" smtClean="0">
+                <a:solidFill>
+                  <a:schemeClr val="tx1"/>
+                </a:solidFill>
+                <a:effectLst/>
+                <a:latin typeface="Arial" charset="0"/>
+                <a:ea typeface="+mn-ea"/>
+                <a:cs typeface="+mn-cs"/>
+              </a:rPr>
+              <a:t>AssertionError</a:t>
+            </a:r>
+            <a:r>
+              <a:rPr lang="zh-CN" altLang="en-US" sz="1200" b="0" i="0" kern="1200" dirty="0" smtClean="0">
+                <a:solidFill>
+                  <a:schemeClr val="tx1"/>
+                </a:solidFill>
+                <a:effectLst/>
+                <a:latin typeface="Arial" charset="0"/>
+                <a:ea typeface="+mn-ea"/>
+                <a:cs typeface="+mn-cs"/>
+              </a:rPr>
+              <a:t>是继承自</a:t>
+            </a:r>
+            <a:r>
+              <a:rPr lang="en-US" altLang="zh-CN" sz="1200" b="0" i="0" kern="1200" dirty="0" smtClean="0">
+                <a:solidFill>
+                  <a:schemeClr val="tx1"/>
+                </a:solidFill>
+                <a:effectLst/>
+                <a:latin typeface="Arial" charset="0"/>
+                <a:ea typeface="+mn-ea"/>
+                <a:cs typeface="+mn-cs"/>
+              </a:rPr>
+              <a:t>Error</a:t>
+            </a:r>
+            <a:r>
+              <a:rPr lang="zh-CN" altLang="en-US" sz="1200" b="0" i="0" kern="1200" dirty="0" smtClean="0">
+                <a:solidFill>
+                  <a:schemeClr val="tx1"/>
+                </a:solidFill>
+                <a:effectLst/>
+                <a:latin typeface="Arial" charset="0"/>
+                <a:ea typeface="+mn-ea"/>
+                <a:cs typeface="+mn-cs"/>
+              </a:rPr>
+              <a:t>得，因此你可以不再程序中</a:t>
+            </a:r>
+            <a:r>
+              <a:rPr lang="en-US" altLang="zh-CN" sz="1200" b="0" i="0" kern="1200" dirty="0" smtClean="0">
+                <a:solidFill>
+                  <a:schemeClr val="tx1"/>
+                </a:solidFill>
+                <a:effectLst/>
+                <a:latin typeface="Arial" charset="0"/>
+                <a:ea typeface="+mn-ea"/>
+                <a:cs typeface="+mn-cs"/>
+              </a:rPr>
+              <a:t>catch</a:t>
+            </a:r>
+            <a:r>
+              <a:rPr lang="zh-CN" altLang="en-US" sz="1200" b="0" i="0" kern="1200" dirty="0" smtClean="0">
+                <a:solidFill>
+                  <a:schemeClr val="tx1"/>
+                </a:solidFill>
+                <a:effectLst/>
+                <a:latin typeface="Arial" charset="0"/>
+                <a:ea typeface="+mn-ea"/>
+                <a:cs typeface="+mn-cs"/>
+              </a:rPr>
+              <a:t>它的，当然你也可以在程序中</a:t>
+            </a:r>
+            <a:r>
+              <a:rPr lang="en-US" altLang="zh-CN" sz="1200" b="0" i="0" kern="1200" dirty="0" smtClean="0">
+                <a:solidFill>
+                  <a:schemeClr val="tx1"/>
+                </a:solidFill>
+                <a:effectLst/>
+                <a:latin typeface="Arial" charset="0"/>
+                <a:ea typeface="+mn-ea"/>
+                <a:cs typeface="+mn-cs"/>
+              </a:rPr>
+              <a:t>catch</a:t>
+            </a:r>
+            <a:r>
+              <a:rPr lang="zh-CN" altLang="en-US" sz="1200" b="0" i="0" kern="1200" dirty="0" smtClean="0">
+                <a:solidFill>
+                  <a:schemeClr val="tx1"/>
+                </a:solidFill>
+                <a:effectLst/>
+                <a:latin typeface="Arial" charset="0"/>
+                <a:ea typeface="+mn-ea"/>
+                <a:cs typeface="+mn-cs"/>
+              </a:rPr>
+              <a:t>它然后程序可以继续执行。</a:t>
+            </a:r>
+            <a:endParaRPr lang="zh-CN" altLang="en-US" dirty="0" smtClean="0"/>
           </a:p>
         </p:txBody>
       </p:sp>
@@ -1390,7 +1666,7 @@
                 </a:solidFill>
               </a:rPr>
               <a:pPr eaLnBrk="1" hangingPunct="1"/>
-              <a:t>44</a:t>
+              <a:t>43</a:t>
             </a:fld>
             <a:endParaRPr lang="pt-PT" altLang="zh-CN" sz="1200" smtClean="0">
               <a:solidFill>
@@ -1403,7 +1679,7 @@
     </p:spTree>
     <p:extLst>
       <p:ext uri="{BB962C8B-B14F-4D97-AF65-F5344CB8AC3E}">
-        <p14:creationId xmlns:p14="http://schemas.microsoft.com/office/powerpoint/2010/main" val="955015315"/>
+        <p14:creationId xmlns:p14="http://schemas.microsoft.com/office/powerpoint/2010/main" val="3342665508"/>
       </p:ext>
     </p:extLst>
   </p:cSld>
@@ -1485,7 +1761,7 @@
           <a:bodyPr/>
           <a:lstStyle/>
           <a:p>
-            <a:endParaRPr lang="zh-CN" altLang="en-US" dirty="0" smtClean="0"/>
+            <a:endParaRPr lang="zh-CN" altLang="en-US" smtClean="0"/>
           </a:p>
         </p:txBody>
       </p:sp>
@@ -1631,7 +1907,7 @@
                 </a:solidFill>
               </a:rPr>
               <a:pPr eaLnBrk="1" hangingPunct="1"/>
-              <a:t>45</a:t>
+              <a:t>44</a:t>
             </a:fld>
             <a:endParaRPr lang="pt-PT" altLang="zh-CN" sz="1200" smtClean="0">
               <a:solidFill>
@@ -1644,7 +1920,7 @@
     </p:spTree>
     <p:extLst>
       <p:ext uri="{BB962C8B-B14F-4D97-AF65-F5344CB8AC3E}">
-        <p14:creationId xmlns:p14="http://schemas.microsoft.com/office/powerpoint/2010/main" val="2521110514"/>
+        <p14:creationId xmlns:p14="http://schemas.microsoft.com/office/powerpoint/2010/main" val="955015315"/>
       </p:ext>
     </p:extLst>
   </p:cSld>
@@ -1726,247 +2002,6 @@
           <a:bodyPr/>
           <a:lstStyle/>
           <a:p>
-            <a:r>
-              <a:rPr lang="zh-CN" altLang="en-US" sz="1200" b="0" i="0" kern="1200" dirty="0" smtClean="0">
-                <a:solidFill>
-                  <a:schemeClr val="tx1"/>
-                </a:solidFill>
-                <a:latin typeface="Arial" charset="0"/>
-                <a:ea typeface="+mn-ea"/>
-                <a:cs typeface="+mn-cs"/>
-              </a:rPr>
-              <a:t>不要用</a:t>
-            </a:r>
-            <a:r>
-              <a:rPr lang="en-US" sz="1200" b="0" i="0" kern="1200" dirty="0" smtClean="0">
-                <a:solidFill>
-                  <a:schemeClr val="tx1"/>
-                </a:solidFill>
-                <a:latin typeface="Arial" charset="0"/>
-                <a:ea typeface="+mn-ea"/>
-                <a:cs typeface="+mn-cs"/>
-              </a:rPr>
-              <a:t>assert</a:t>
-            </a:r>
-            <a:r>
-              <a:rPr lang="zh-CN" altLang="en-US" sz="1200" b="0" i="0" kern="1200" dirty="0" smtClean="0">
-                <a:solidFill>
-                  <a:schemeClr val="tx1"/>
-                </a:solidFill>
-                <a:latin typeface="Arial" charset="0"/>
-                <a:ea typeface="+mn-ea"/>
-                <a:cs typeface="+mn-cs"/>
-              </a:rPr>
-              <a:t>来检查方法操作的返回值来判定方法操作的结果   </a:t>
-            </a:r>
-            <a:r>
-              <a:rPr lang="zh-CN" altLang="en-US" dirty="0" smtClean="0"/>
-              <a:t/>
-            </a:r>
-            <a:br>
-              <a:rPr lang="zh-CN" altLang="en-US" dirty="0" smtClean="0"/>
-            </a:br>
-            <a:r>
-              <a:rPr lang="zh-CN" altLang="en-US" sz="1200" b="0" i="0" kern="1200" dirty="0" smtClean="0">
-                <a:solidFill>
-                  <a:schemeClr val="tx1"/>
-                </a:solidFill>
-                <a:latin typeface="Arial" charset="0"/>
-                <a:ea typeface="+mn-ea"/>
-                <a:cs typeface="+mn-cs"/>
-              </a:rPr>
-              <a:t>例如 </a:t>
-            </a:r>
-            <a:r>
-              <a:rPr lang="en-US" sz="1200" b="0" i="0" kern="1200" dirty="0" smtClean="0">
-                <a:solidFill>
-                  <a:schemeClr val="tx1"/>
-                </a:solidFill>
-                <a:latin typeface="Arial" charset="0"/>
-                <a:ea typeface="+mn-ea"/>
-                <a:cs typeface="+mn-cs"/>
-              </a:rPr>
-              <a:t>assert </a:t>
-            </a:r>
-            <a:r>
-              <a:rPr lang="en-US" sz="1200" b="0" i="0" kern="1200" dirty="0" err="1" smtClean="0">
-                <a:solidFill>
-                  <a:schemeClr val="tx1"/>
-                </a:solidFill>
-                <a:latin typeface="Arial" charset="0"/>
-                <a:ea typeface="+mn-ea"/>
-                <a:cs typeface="+mn-cs"/>
-              </a:rPr>
-              <a:t>list.removeAll</a:t>
-            </a:r>
-            <a:r>
-              <a:rPr lang="en-US" sz="1200" b="0" i="0" kern="1200" dirty="0" smtClean="0">
-                <a:solidFill>
-                  <a:schemeClr val="tx1"/>
-                </a:solidFill>
-                <a:latin typeface="Arial" charset="0"/>
-                <a:ea typeface="+mn-ea"/>
-                <a:cs typeface="+mn-cs"/>
-              </a:rPr>
-              <a:t>();</a:t>
-            </a:r>
-            <a:r>
-              <a:rPr lang="zh-CN" altLang="en-US" sz="1200" b="0" i="0" kern="1200" dirty="0" smtClean="0">
-                <a:solidFill>
-                  <a:schemeClr val="tx1"/>
-                </a:solidFill>
-                <a:latin typeface="Arial" charset="0"/>
-                <a:ea typeface="+mn-ea"/>
-                <a:cs typeface="+mn-cs"/>
-              </a:rPr>
-              <a:t>这样看起来似乎没有问题 但是想想假如</a:t>
-            </a:r>
-            <a:r>
-              <a:rPr lang="en-US" sz="1200" b="0" i="0" kern="1200" dirty="0" smtClean="0">
-                <a:solidFill>
-                  <a:schemeClr val="tx1"/>
-                </a:solidFill>
-                <a:latin typeface="Arial" charset="0"/>
-                <a:ea typeface="+mn-ea"/>
-                <a:cs typeface="+mn-cs"/>
-              </a:rPr>
-              <a:t>assert </a:t>
-            </a:r>
-            <a:r>
-              <a:rPr lang="zh-CN" altLang="en-US" sz="1200" b="0" i="0" kern="1200" dirty="0" smtClean="0">
-                <a:solidFill>
-                  <a:schemeClr val="tx1"/>
-                </a:solidFill>
-                <a:latin typeface="Arial" charset="0"/>
-                <a:ea typeface="+mn-ea"/>
-                <a:cs typeface="+mn-cs"/>
-              </a:rPr>
-              <a:t>被</a:t>
-            </a:r>
-            <a:r>
-              <a:rPr lang="en-US" sz="1200" b="0" i="0" kern="1200" dirty="0" smtClean="0">
-                <a:solidFill>
-                  <a:schemeClr val="tx1"/>
-                </a:solidFill>
-                <a:latin typeface="Arial" charset="0"/>
-                <a:ea typeface="+mn-ea"/>
-                <a:cs typeface="+mn-cs"/>
-              </a:rPr>
-              <a:t>disable</a:t>
-            </a:r>
-            <a:r>
-              <a:rPr lang="zh-CN" altLang="en-US" sz="1200" b="0" i="0" kern="1200" dirty="0" smtClean="0">
-                <a:solidFill>
-                  <a:schemeClr val="tx1"/>
-                </a:solidFill>
-                <a:latin typeface="Arial" charset="0"/>
-                <a:ea typeface="+mn-ea"/>
-                <a:cs typeface="+mn-cs"/>
-              </a:rPr>
-              <a:t>呢，那样他就不会被执行了 所以</a:t>
-            </a:r>
-            <a:r>
-              <a:rPr lang="en-US" sz="1200" b="0" i="0" kern="1200" dirty="0" err="1" smtClean="0">
-                <a:solidFill>
-                  <a:schemeClr val="tx1"/>
-                </a:solidFill>
-                <a:latin typeface="Arial" charset="0"/>
-                <a:ea typeface="+mn-ea"/>
-                <a:cs typeface="+mn-cs"/>
-              </a:rPr>
-              <a:t>removeAll</a:t>
-            </a:r>
-            <a:r>
-              <a:rPr lang="en-US" sz="1200" b="0" i="0" kern="1200" dirty="0" smtClean="0">
-                <a:solidFill>
-                  <a:schemeClr val="tx1"/>
-                </a:solidFill>
-                <a:latin typeface="Arial" charset="0"/>
-                <a:ea typeface="+mn-ea"/>
-                <a:cs typeface="+mn-cs"/>
-              </a:rPr>
-              <a:t>()</a:t>
-            </a:r>
-            <a:r>
-              <a:rPr lang="zh-CN" altLang="en-US" sz="1200" b="0" i="0" kern="1200" dirty="0" smtClean="0">
-                <a:solidFill>
-                  <a:schemeClr val="tx1"/>
-                </a:solidFill>
-                <a:latin typeface="Arial" charset="0"/>
-                <a:ea typeface="+mn-ea"/>
-                <a:cs typeface="+mn-cs"/>
-              </a:rPr>
-              <a:t>操作就没有被执行  可以这样代替</a:t>
-            </a:r>
-            <a:r>
-              <a:rPr lang="zh-CN" altLang="en-US" dirty="0" smtClean="0"/>
-              <a:t/>
-            </a:r>
-            <a:br>
-              <a:rPr lang="zh-CN" altLang="en-US" dirty="0" smtClean="0"/>
-            </a:br>
-            <a:r>
-              <a:rPr lang="en-US" sz="1200" b="0" i="0" kern="1200" dirty="0" err="1" smtClean="0">
-                <a:solidFill>
-                  <a:schemeClr val="tx1"/>
-                </a:solidFill>
-                <a:latin typeface="Arial" charset="0"/>
-                <a:ea typeface="+mn-ea"/>
-                <a:cs typeface="+mn-cs"/>
-              </a:rPr>
-              <a:t>boolean</a:t>
-            </a:r>
-            <a:r>
-              <a:rPr lang="en-US" sz="1200" b="0" i="0" kern="1200" dirty="0" smtClean="0">
-                <a:solidFill>
-                  <a:schemeClr val="tx1"/>
-                </a:solidFill>
-                <a:latin typeface="Arial" charset="0"/>
-                <a:ea typeface="+mn-ea"/>
-                <a:cs typeface="+mn-cs"/>
-              </a:rPr>
-              <a:t> boo = </a:t>
-            </a:r>
-            <a:r>
-              <a:rPr lang="en-US" sz="1200" b="0" i="0" kern="1200" dirty="0" err="1" smtClean="0">
-                <a:solidFill>
-                  <a:schemeClr val="tx1"/>
-                </a:solidFill>
-                <a:latin typeface="Arial" charset="0"/>
-                <a:ea typeface="+mn-ea"/>
-                <a:cs typeface="+mn-cs"/>
-              </a:rPr>
-              <a:t>list.removeAl</a:t>
-            </a:r>
-            <a:r>
-              <a:rPr lang="en-US" sz="1200" b="0" i="0" kern="1200" dirty="0" smtClean="0">
-                <a:solidFill>
-                  <a:schemeClr val="tx1"/>
-                </a:solidFill>
-                <a:latin typeface="Arial" charset="0"/>
-                <a:ea typeface="+mn-ea"/>
-                <a:cs typeface="+mn-cs"/>
-              </a:rPr>
-              <a:t>();</a:t>
-            </a:r>
-            <a:r>
-              <a:rPr lang="en-US" dirty="0" smtClean="0"/>
-              <a:t/>
-            </a:r>
-            <a:br>
-              <a:rPr lang="en-US" dirty="0" smtClean="0"/>
-            </a:br>
-            <a:r>
-              <a:rPr lang="en-US" sz="1200" b="0" i="0" kern="1200" dirty="0" smtClean="0">
-                <a:solidFill>
-                  <a:schemeClr val="tx1"/>
-                </a:solidFill>
-                <a:latin typeface="Arial" charset="0"/>
-                <a:ea typeface="+mn-ea"/>
-                <a:cs typeface="+mn-cs"/>
-              </a:rPr>
-              <a:t>assert boo;</a:t>
-            </a:r>
             <a:endParaRPr lang="zh-CN" altLang="en-US" dirty="0" smtClean="0"/>
           </a:p>
         </p:txBody>
@@ -2113,6 +2148,488 @@
                 </a:solidFill>
               </a:rPr>
               <a:pPr eaLnBrk="1" hangingPunct="1"/>
+              <a:t>45</a:t>
+            </a:fld>
+            <a:endParaRPr lang="pt-PT" altLang="zh-CN" sz="1200" smtClean="0">
+              <a:solidFill>
+                <a:schemeClr val="tx1"/>
+              </a:solidFill>
+            </a:endParaRPr>
+          </a:p>
+        </p:txBody>
+      </p:sp>
+    </p:spTree>
+    <p:extLst>
+      <p:ext uri="{BB962C8B-B14F-4D97-AF65-F5344CB8AC3E}">
+        <p14:creationId xmlns:p14="http://schemas.microsoft.com/office/powerpoint/2010/main" val="2521110514"/>
+      </p:ext>
+    </p:extLst>
+  </p:cSld>
+  <p:clrMapOvr>
+    <a:masterClrMapping/>
+  </p:clrMapOvr>
+</p:notes>
+</file>
+
+<file path=ppt/notesSlides/notesSlide13.xml><?xml version="1.0" encoding="utf-8"?>
+<p:notes xmlns:a="http://schemas.openxmlformats.org/drawingml/2006/main" xmlns:r="http://schemas.openxmlformats.org/officeDocument/2006/relationships" xmlns:p="http://schemas.openxmlformats.org/presentationml/2006/main">
+  <p:cSld>
+    <p:spTree>
+      <p:nvGrpSpPr>
+        <p:cNvPr id="1" name=""/>
+        <p:cNvGrpSpPr/>
+        <p:nvPr/>
+      </p:nvGrpSpPr>
+      <p:grpSpPr>
+        <a:xfrm>
+          <a:off x="0" y="0"/>
+          <a:ext cx="0" cy="0"/>
+          <a:chOff x="0" y="0"/>
+          <a:chExt cx="0" cy="0"/>
+        </a:xfrm>
+      </p:grpSpPr>
+      <p:sp>
+        <p:nvSpPr>
+          <p:cNvPr id="23554" name="幻灯片图像占位符 1"/>
+          <p:cNvSpPr>
+            <a:spLocks noGrp="1" noRot="1" noChangeAspect="1" noTextEdit="1"/>
+          </p:cNvSpPr>
+          <p:nvPr>
+            <p:ph type="sldImg"/>
+          </p:nvPr>
+        </p:nvSpPr>
+        <p:spPr>
+          <a:xfrm>
+            <a:off x="92075" y="744538"/>
+            <a:ext cx="6610350" cy="3719512"/>
+          </a:xfrm>
+          <a:ln/>
+        </p:spPr>
+      </p:sp>
+      <p:sp>
+        <p:nvSpPr>
+          <p:cNvPr id="23555" name="备注占位符 2"/>
+          <p:cNvSpPr>
+            <a:spLocks noGrp="1"/>
+          </p:cNvSpPr>
+          <p:nvPr>
+            <p:ph type="body" idx="1"/>
+          </p:nvPr>
+        </p:nvSpPr>
+        <p:spPr>
+          <a:noFill/>
+          <a:ln/>
+          <a:extLst>
+            <a:ext uri="{909E8E84-426E-40DD-AFC4-6F175D3DCCD1}">
+              <a14:hiddenFill xmlns:a14="http://schemas.microsoft.com/office/drawing/2010/main">
+                <a:solidFill>
+                  <a:srgbClr val="FFFFFF"/>
+                </a:solidFill>
+              </a14:hiddenFill>
+            </a:ext>
+            <a:ext uri="{91240B29-F687-4F45-9708-019B960494DF}">
+              <a14:hiddenLine xmlns:a14="http://schemas.microsoft.com/office/drawing/2010/main" w="9525">
+                <a:solidFill>
+                  <a:srgbClr val="000000"/>
+                </a:solidFill>
+                <a:miter lim="800000"/>
+                <a:headEnd/>
+                <a:tailEnd/>
+              </a14:hiddenLine>
+            </a:ext>
+          </a:extLst>
+        </p:spPr>
+        <p:txBody>
+          <a:bodyPr/>
+          <a:lstStyle/>
+          <a:p>
+            <a:r>
+              <a:rPr lang="zh-CN" altLang="en-US" sz="1200" b="0" i="0" kern="1200" dirty="0" smtClean="0">
+                <a:solidFill>
+                  <a:schemeClr val="tx1"/>
+                </a:solidFill>
+                <a:latin typeface="Arial" charset="0"/>
+                <a:ea typeface="+mn-ea"/>
+                <a:cs typeface="+mn-cs"/>
+              </a:rPr>
+              <a:t>不要用</a:t>
+            </a:r>
+            <a:r>
+              <a:rPr lang="en-US" sz="1200" b="0" i="0" kern="1200" dirty="0" smtClean="0">
+                <a:solidFill>
+                  <a:schemeClr val="tx1"/>
+                </a:solidFill>
+                <a:latin typeface="Arial" charset="0"/>
+                <a:ea typeface="+mn-ea"/>
+                <a:cs typeface="+mn-cs"/>
+              </a:rPr>
+              <a:t>assert</a:t>
+            </a:r>
+            <a:r>
+              <a:rPr lang="zh-CN" altLang="en-US" sz="1200" b="0" i="0" kern="1200" dirty="0" smtClean="0">
+                <a:solidFill>
+                  <a:schemeClr val="tx1"/>
+                </a:solidFill>
+                <a:latin typeface="Arial" charset="0"/>
+                <a:ea typeface="+mn-ea"/>
+                <a:cs typeface="+mn-cs"/>
+              </a:rPr>
+              <a:t>来检查方法操作的返回值来判定方法操作的结果   </a:t>
+            </a:r>
+            <a:r>
+              <a:rPr lang="zh-CN" altLang="en-US" dirty="0" smtClean="0"/>
+              <a:t/>
+            </a:r>
+            <a:br>
+              <a:rPr lang="zh-CN" altLang="en-US" dirty="0" smtClean="0"/>
+            </a:br>
+            <a:r>
+              <a:rPr lang="zh-CN" altLang="en-US" sz="1200" b="0" i="0" kern="1200" dirty="0" smtClean="0">
+                <a:solidFill>
+                  <a:schemeClr val="tx1"/>
+                </a:solidFill>
+                <a:latin typeface="Arial" charset="0"/>
+                <a:ea typeface="+mn-ea"/>
+                <a:cs typeface="+mn-cs"/>
+              </a:rPr>
+              <a:t>例如 </a:t>
+            </a:r>
+            <a:r>
+              <a:rPr lang="en-US" sz="1200" b="0" i="0" kern="1200" dirty="0" smtClean="0">
+                <a:solidFill>
+                  <a:schemeClr val="tx1"/>
+                </a:solidFill>
+                <a:latin typeface="Arial" charset="0"/>
+                <a:ea typeface="+mn-ea"/>
+                <a:cs typeface="+mn-cs"/>
+              </a:rPr>
+              <a:t>assert </a:t>
+            </a:r>
+            <a:r>
+              <a:rPr lang="en-US" sz="1200" b="0" i="0" kern="1200" dirty="0" err="1" smtClean="0">
+                <a:solidFill>
+                  <a:schemeClr val="tx1"/>
+                </a:solidFill>
+                <a:latin typeface="Arial" charset="0"/>
+                <a:ea typeface="+mn-ea"/>
+                <a:cs typeface="+mn-cs"/>
+              </a:rPr>
+              <a:t>list.removeAll</a:t>
+            </a:r>
+            <a:r>
+              <a:rPr lang="en-US" sz="1200" b="0" i="0" kern="1200" dirty="0" smtClean="0">
+                <a:solidFill>
+                  <a:schemeClr val="tx1"/>
+                </a:solidFill>
+                <a:latin typeface="Arial" charset="0"/>
+                <a:ea typeface="+mn-ea"/>
+                <a:cs typeface="+mn-cs"/>
+              </a:rPr>
+              <a:t>();</a:t>
+            </a:r>
+            <a:r>
+              <a:rPr lang="zh-CN" altLang="en-US" sz="1200" b="0" i="0" kern="1200" dirty="0" smtClean="0">
+                <a:solidFill>
+                  <a:schemeClr val="tx1"/>
+                </a:solidFill>
+                <a:latin typeface="Arial" charset="0"/>
+                <a:ea typeface="+mn-ea"/>
+                <a:cs typeface="+mn-cs"/>
+              </a:rPr>
+              <a:t>这样看起来似乎没有问题 但是想想假如</a:t>
+            </a:r>
+            <a:r>
+              <a:rPr lang="en-US" sz="1200" b="0" i="0" kern="1200" dirty="0" smtClean="0">
+                <a:solidFill>
+                  <a:schemeClr val="tx1"/>
+                </a:solidFill>
+                <a:latin typeface="Arial" charset="0"/>
+                <a:ea typeface="+mn-ea"/>
+                <a:cs typeface="+mn-cs"/>
+              </a:rPr>
+              <a:t>assert </a:t>
+            </a:r>
+            <a:r>
+              <a:rPr lang="zh-CN" altLang="en-US" sz="1200" b="0" i="0" kern="1200" dirty="0" smtClean="0">
+                <a:solidFill>
+                  <a:schemeClr val="tx1"/>
+                </a:solidFill>
+                <a:latin typeface="Arial" charset="0"/>
+                <a:ea typeface="+mn-ea"/>
+                <a:cs typeface="+mn-cs"/>
+              </a:rPr>
+              <a:t>被</a:t>
+            </a:r>
+            <a:r>
+              <a:rPr lang="en-US" sz="1200" b="0" i="0" kern="1200" dirty="0" smtClean="0">
+                <a:solidFill>
+                  <a:schemeClr val="tx1"/>
+                </a:solidFill>
+                <a:latin typeface="Arial" charset="0"/>
+                <a:ea typeface="+mn-ea"/>
+                <a:cs typeface="+mn-cs"/>
+              </a:rPr>
+              <a:t>disable</a:t>
+            </a:r>
+            <a:r>
+              <a:rPr lang="zh-CN" altLang="en-US" sz="1200" b="0" i="0" kern="1200" dirty="0" smtClean="0">
+                <a:solidFill>
+                  <a:schemeClr val="tx1"/>
+                </a:solidFill>
+                <a:latin typeface="Arial" charset="0"/>
+                <a:ea typeface="+mn-ea"/>
+                <a:cs typeface="+mn-cs"/>
+              </a:rPr>
+              <a:t>呢，那样他就不会被执行了 所以</a:t>
+            </a:r>
+            <a:r>
+              <a:rPr lang="en-US" sz="1200" b="0" i="0" kern="1200" dirty="0" err="1" smtClean="0">
+                <a:solidFill>
+                  <a:schemeClr val="tx1"/>
+                </a:solidFill>
+                <a:latin typeface="Arial" charset="0"/>
+                <a:ea typeface="+mn-ea"/>
+                <a:cs typeface="+mn-cs"/>
+              </a:rPr>
+              <a:t>removeAll</a:t>
+            </a:r>
+            <a:r>
+              <a:rPr lang="en-US" sz="1200" b="0" i="0" kern="1200" dirty="0" smtClean="0">
+                <a:solidFill>
+                  <a:schemeClr val="tx1"/>
+                </a:solidFill>
+                <a:latin typeface="Arial" charset="0"/>
+                <a:ea typeface="+mn-ea"/>
+                <a:cs typeface="+mn-cs"/>
+              </a:rPr>
+              <a:t>()</a:t>
+            </a:r>
+            <a:r>
+              <a:rPr lang="zh-CN" altLang="en-US" sz="1200" b="0" i="0" kern="1200" dirty="0" smtClean="0">
+                <a:solidFill>
+                  <a:schemeClr val="tx1"/>
+                </a:solidFill>
+                <a:latin typeface="Arial" charset="0"/>
+                <a:ea typeface="+mn-ea"/>
+                <a:cs typeface="+mn-cs"/>
+              </a:rPr>
+              <a:t>操作就没有被执行  可以这样代替</a:t>
+            </a:r>
+            <a:r>
+              <a:rPr lang="zh-CN" altLang="en-US" dirty="0" smtClean="0"/>
+              <a:t/>
+            </a:r>
+            <a:br>
+              <a:rPr lang="zh-CN" altLang="en-US" dirty="0" smtClean="0"/>
+            </a:br>
+            <a:r>
+              <a:rPr lang="en-US" sz="1200" b="0" i="0" kern="1200" dirty="0" err="1" smtClean="0">
+                <a:solidFill>
+                  <a:schemeClr val="tx1"/>
+                </a:solidFill>
+                <a:latin typeface="Arial" charset="0"/>
+                <a:ea typeface="+mn-ea"/>
+                <a:cs typeface="+mn-cs"/>
+              </a:rPr>
+              <a:t>boolean</a:t>
+            </a:r>
+            <a:r>
+              <a:rPr lang="en-US" sz="1200" b="0" i="0" kern="1200" dirty="0" smtClean="0">
+                <a:solidFill>
+                  <a:schemeClr val="tx1"/>
+                </a:solidFill>
+                <a:latin typeface="Arial" charset="0"/>
+                <a:ea typeface="+mn-ea"/>
+                <a:cs typeface="+mn-cs"/>
+              </a:rPr>
+              <a:t> boo = </a:t>
+            </a:r>
+            <a:r>
+              <a:rPr lang="en-US" sz="1200" b="0" i="0" kern="1200" dirty="0" err="1" smtClean="0">
+                <a:solidFill>
+                  <a:schemeClr val="tx1"/>
+                </a:solidFill>
+                <a:latin typeface="Arial" charset="0"/>
+                <a:ea typeface="+mn-ea"/>
+                <a:cs typeface="+mn-cs"/>
+              </a:rPr>
+              <a:t>list.removeAl</a:t>
+            </a:r>
+            <a:r>
+              <a:rPr lang="en-US" sz="1200" b="0" i="0" kern="1200" dirty="0" smtClean="0">
+                <a:solidFill>
+                  <a:schemeClr val="tx1"/>
+                </a:solidFill>
+                <a:latin typeface="Arial" charset="0"/>
+                <a:ea typeface="+mn-ea"/>
+                <a:cs typeface="+mn-cs"/>
+              </a:rPr>
+              <a:t>();</a:t>
+            </a:r>
+            <a:r>
+              <a:rPr lang="en-US" dirty="0" smtClean="0"/>
+              <a:t/>
+            </a:r>
+            <a:br>
+              <a:rPr lang="en-US" dirty="0" smtClean="0"/>
+            </a:br>
+            <a:r>
+              <a:rPr lang="en-US" sz="1200" b="0" i="0" kern="1200" dirty="0" smtClean="0">
+                <a:solidFill>
+                  <a:schemeClr val="tx1"/>
+                </a:solidFill>
+                <a:latin typeface="Arial" charset="0"/>
+                <a:ea typeface="+mn-ea"/>
+                <a:cs typeface="+mn-cs"/>
+              </a:rPr>
+              <a:t>assert boo;</a:t>
+            </a:r>
+            <a:endParaRPr lang="zh-CN" altLang="en-US" dirty="0" smtClean="0"/>
+          </a:p>
+        </p:txBody>
+      </p:sp>
+      <p:sp>
+        <p:nvSpPr>
+          <p:cNvPr id="23556" name="灯片编号占位符 3"/>
+          <p:cNvSpPr>
+            <a:spLocks noGrp="1"/>
+          </p:cNvSpPr>
+          <p:nvPr>
+            <p:ph type="sldNum" sz="quarter" idx="5"/>
+          </p:nvPr>
+        </p:nvSpPr>
+        <p:spPr>
+          <a:noFill/>
+          <a:ln/>
+          <a:extLst>
+            <a:ext uri="{909E8E84-426E-40DD-AFC4-6F175D3DCCD1}">
+              <a14:hiddenFill xmlns:a14="http://schemas.microsoft.com/office/drawing/2010/main">
+                <a:solidFill>
+                  <a:srgbClr val="FFFFFF"/>
+                </a:solidFill>
+              </a14:hiddenFill>
+            </a:ext>
+            <a:ext uri="{91240B29-F687-4F45-9708-019B960494DF}">
+              <a14:hiddenLine xmlns:a14="http://schemas.microsoft.com/office/drawing/2010/main" w="9525">
+                <a:solidFill>
+                  <a:srgbClr val="000000"/>
+                </a:solidFill>
+                <a:miter lim="800000"/>
+                <a:headEnd/>
+                <a:tailEnd/>
+              </a14:hiddenLine>
+            </a:ext>
+          </a:extLst>
+        </p:spPr>
+        <p:txBody>
+          <a:bodyPr/>
+          <a:lstStyle>
+            <a:lvl1pPr eaLnBrk="0" hangingPunct="0">
+              <a:defRPr sz="2000">
+                <a:solidFill>
+                  <a:srgbClr val="A50021"/>
+                </a:solidFill>
+                <a:latin typeface="Arial" charset="0"/>
+              </a:defRPr>
+            </a:lvl1pPr>
+            <a:lvl2pPr marL="742950" indent="-285750" eaLnBrk="0" hangingPunct="0">
+              <a:defRPr sz="2000">
+                <a:solidFill>
+                  <a:srgbClr val="A50021"/>
+                </a:solidFill>
+                <a:latin typeface="Arial" charset="0"/>
+              </a:defRPr>
+            </a:lvl2pPr>
+            <a:lvl3pPr marL="1143000" indent="-228600" eaLnBrk="0" hangingPunct="0">
+              <a:defRPr sz="2000">
+                <a:solidFill>
+                  <a:srgbClr val="A50021"/>
+                </a:solidFill>
+                <a:latin typeface="Arial" charset="0"/>
+              </a:defRPr>
+            </a:lvl3pPr>
+            <a:lvl4pPr marL="1600200" indent="-228600" eaLnBrk="0" hangingPunct="0">
+              <a:defRPr sz="2000">
+                <a:solidFill>
+                  <a:srgbClr val="A50021"/>
+                </a:solidFill>
+                <a:latin typeface="Arial" charset="0"/>
+              </a:defRPr>
+            </a:lvl4pPr>
+            <a:lvl5pPr marL="2057400" indent="-228600" eaLnBrk="0" hangingPunct="0">
+              <a:defRPr sz="2000">
+                <a:solidFill>
+                  <a:srgbClr val="A50021"/>
+                </a:solidFill>
+                <a:latin typeface="Arial" charset="0"/>
+              </a:defRPr>
+            </a:lvl5pPr>
+            <a:lvl6pPr marL="2514600" indent="-228600" eaLnBrk="0" fontAlgn="base" hangingPunct="0">
+              <a:spcBef>
+                <a:spcPct val="0"/>
+              </a:spcBef>
+              <a:spcAft>
+                <a:spcPct val="0"/>
+              </a:spcAft>
+              <a:defRPr sz="2000">
+                <a:solidFill>
+                  <a:srgbClr val="A50021"/>
+                </a:solidFill>
+                <a:latin typeface="Arial" charset="0"/>
+              </a:defRPr>
+            </a:lvl6pPr>
+            <a:lvl7pPr marL="2971800" indent="-228600" eaLnBrk="0" fontAlgn="base" hangingPunct="0">
+              <a:spcBef>
+                <a:spcPct val="0"/>
+              </a:spcBef>
+              <a:spcAft>
+                <a:spcPct val="0"/>
+              </a:spcAft>
+              <a:defRPr sz="2000">
+                <a:solidFill>
+                  <a:srgbClr val="A50021"/>
+                </a:solidFill>
+                <a:latin typeface="Arial" charset="0"/>
+              </a:defRPr>
+            </a:lvl7pPr>
+            <a:lvl8pPr marL="3429000" indent="-228600" eaLnBrk="0" fontAlgn="base" hangingPunct="0">
+              <a:spcBef>
+                <a:spcPct val="0"/>
+              </a:spcBef>
+              <a:spcAft>
+                <a:spcPct val="0"/>
+              </a:spcAft>
+              <a:defRPr sz="2000">
+                <a:solidFill>
+                  <a:srgbClr val="A50021"/>
+                </a:solidFill>
+                <a:latin typeface="Arial" charset="0"/>
+              </a:defRPr>
+            </a:lvl8pPr>
+            <a:lvl9pPr marL="3886200" indent="-228600" eaLnBrk="0" fontAlgn="base" hangingPunct="0">
+              <a:spcBef>
+                <a:spcPct val="0"/>
+              </a:spcBef>
+              <a:spcAft>
+                <a:spcPct val="0"/>
+              </a:spcAft>
+              <a:defRPr sz="2000">
+                <a:solidFill>
+                  <a:srgbClr val="A50021"/>
+                </a:solidFill>
+                <a:latin typeface="Arial" charset="0"/>
+              </a:defRPr>
+            </a:lvl9pPr>
+          </a:lstStyle>
+          <a:p>
+            <a:pPr eaLnBrk="1" hangingPunct="1"/>
+            <a:fld id="{05D8A813-7F41-46AB-9DB7-A683BBF0EB66}" type="slidenum">
+              <a:rPr lang="pt-PT" altLang="zh-CN" sz="1200" smtClean="0">
+                <a:solidFill>
+                  <a:schemeClr val="tx1"/>
+                </a:solidFill>
+              </a:rPr>
+              <a:pPr eaLnBrk="1" hangingPunct="1"/>
               <a:t>46</a:t>
             </a:fld>
             <a:endParaRPr lang="pt-PT" altLang="zh-CN" sz="1200" smtClean="0">
@@ -2136,7 +2653,7 @@
 </p:notes>
 </file>
 
-<file path=ppt/notesSlides/notesSlide13.xml><?xml version="1.0" encoding="utf-8"?>
+<file path=ppt/notesSlides/notesSlide14.xml><?xml version="1.0" encoding="utf-8"?>
 <p:notes xmlns:a="http://schemas.openxmlformats.org/drawingml/2006/main" xmlns:r="http://schemas.openxmlformats.org/officeDocument/2006/relationships" xmlns:p="http://schemas.openxmlformats.org/presentationml/2006/main">
   <p:cSld>
     <p:spTree>
@@ -2886,12 +3403,7 @@
             <p:ph type="sldImg"/>
           </p:nvPr>
         </p:nvSpPr>
-        <p:spPr>
-          <a:xfrm>
-            <a:off x="92075" y="744538"/>
-            <a:ext cx="6610350" cy="3719512"/>
-          </a:xfrm>
-        </p:spPr>
+        <p:spPr/>
       </p:sp>
       <p:sp>
         <p:nvSpPr>
@@ -2905,9 +3417,7 @@
         </p:nvSpPr>
         <p:spPr/>
         <p:txBody>
-          <a:bodyPr>
-            <a:normAutofit/>
-          </a:bodyPr>
+          <a:bodyPr/>
           <a:lstStyle/>
           <a:p>
             <a:endParaRPr lang="zh-CN" altLang="en-US" dirty="0"/>
@@ -2937,7 +3447,7 @@
               <a:pPr>
                 <a:defRPr/>
               </a:pPr>
-              <a:t>28</a:t>
+              <a:t>24</a:t>
             </a:fld>
             <a:endParaRPr lang="pt-PT" altLang="zh-CN"/>
           </a:p>
@@ -2946,7 +3456,7 @@
     </p:spTree>
     <p:extLst>
       <p:ext uri="{BB962C8B-B14F-4D97-AF65-F5344CB8AC3E}">
-        <p14:creationId xmlns:p14="http://schemas.microsoft.com/office/powerpoint/2010/main" val="670953335"/>
+        <p14:creationId xmlns:p14="http://schemas.microsoft.com/office/powerpoint/2010/main" val="1227654970"/>
       </p:ext>
     </p:extLst>
   </p:cSld>
@@ -3034,7 +3544,7 @@
               <a:pPr>
                 <a:defRPr/>
               </a:pPr>
-              <a:t>29</a:t>
+              <a:t>28</a:t>
             </a:fld>
             <a:endParaRPr lang="pt-PT" altLang="zh-CN"/>
           </a:p>
@@ -3043,7 +3553,7 @@
     </p:spTree>
     <p:extLst>
       <p:ext uri="{BB962C8B-B14F-4D97-AF65-F5344CB8AC3E}">
-        <p14:creationId xmlns:p14="http://schemas.microsoft.com/office/powerpoint/2010/main" val="884149780"/>
+        <p14:creationId xmlns:p14="http://schemas.microsoft.com/office/powerpoint/2010/main" val="670953335"/>
       </p:ext>
     </p:extLst>
   </p:cSld>
@@ -3072,9 +3582,9 @@
       </p:grpSpPr>
       <p:sp>
         <p:nvSpPr>
-          <p:cNvPr id="23554" name="幻灯片图像占位符 1"/>
+          <p:cNvPr id="2" name="幻灯片图像占位符 1"/>
           <p:cNvSpPr>
-            <a:spLocks noGrp="1" noRot="1" noChangeAspect="1" noTextEdit="1"/>
+            <a:spLocks noGrp="1" noRot="1" noChangeAspect="1"/>
           </p:cNvSpPr>
           <p:nvPr>
             <p:ph type="sldImg"/>
@@ -3085,12 +3595,11 @@
             <a:off x="92075" y="744538"/>
             <a:ext cx="6610350" cy="3719512"/>
           </a:xfrm>
-          <a:ln/>
         </p:spPr>
       </p:sp>
       <p:sp>
         <p:nvSpPr>
-          <p:cNvPr id="23555" name="备注占位符 2"/>
+          <p:cNvPr id="3" name="备注占位符 2"/>
           <p:cNvSpPr>
             <a:spLocks noGrp="1"/>
           </p:cNvSpPr>
@@ -3098,193 +3607,50 @@
             <p:ph type="body" idx="1"/>
           </p:nvPr>
         </p:nvSpPr>
-        <p:spPr>
-          <a:noFill/>
-          <a:ln/>
-          <a:extLst>
-            <a:ext uri="{909E8E84-426E-40DD-AFC4-6F175D3DCCD1}">
-              <a14:hiddenFill xmlns:a14="http://schemas.microsoft.com/office/drawing/2010/main">
-                <a:solidFill>
-                  <a:srgbClr val="FFFFFF"/>
-                </a:solidFill>
-              </a14:hiddenFill>
-            </a:ext>
-            <a:ext uri="{91240B29-F687-4F45-9708-019B960494DF}">
-              <a14:hiddenLine xmlns:a14="http://schemas.microsoft.com/office/drawing/2010/main" w="9525">
-                <a:solidFill>
-                  <a:srgbClr val="000000"/>
-                </a:solidFill>
-                <a:miter lim="800000"/>
-                <a:headEnd/>
-                <a:tailEnd/>
-              </a14:hiddenLine>
-            </a:ext>
-          </a:extLst>
-        </p:spPr>
+        <p:spPr/>
         <p:txBody>
-          <a:bodyPr/>
+          <a:bodyPr>
+            <a:normAutofit/>
+          </a:bodyPr>
           <a:lstStyle/>
           <a:p>
-            <a:endParaRPr lang="zh-CN" altLang="en-US" smtClean="0"/>
+            <a:endParaRPr lang="zh-CN" altLang="en-US" dirty="0"/>
           </a:p>
         </p:txBody>
       </p:sp>
       <p:sp>
         <p:nvSpPr>
-          <p:cNvPr id="23556" name="灯片编号占位符 3"/>
+          <p:cNvPr id="4" name="灯片编号占位符 3"/>
           <p:cNvSpPr>
             <a:spLocks noGrp="1"/>
           </p:cNvSpPr>
           <p:nvPr>
-            <p:ph type="sldNum" sz="quarter" idx="5"/>
+            <p:ph type="sldNum" sz="quarter" idx="10"/>
           </p:nvPr>
         </p:nvSpPr>
-        <p:spPr>
-          <a:noFill/>
-          <a:ln/>
-          <a:extLst>
-            <a:ext uri="{909E8E84-426E-40DD-AFC4-6F175D3DCCD1}">
-              <a14:hiddenFill xmlns:a14="http://schemas.microsoft.com/office/drawing/2010/main">
-                <a:solidFill>
-                  <a:srgbClr val="FFFFFF"/>
-                </a:solidFill>
-              </a14:hiddenFill>
-            </a:ext>
-            <a:ext uri="{91240B29-F687-4F45-9708-019B960494DF}">
-              <a14:hiddenLine xmlns:a14="http://schemas.microsoft.com/office/drawing/2010/main" w="9525">
-                <a:solidFill>
-                  <a:srgbClr val="000000"/>
-                </a:solidFill>
-                <a:miter lim="800000"/>
-                <a:headEnd/>
-                <a:tailEnd/>
-              </a14:hiddenLine>
-            </a:ext>
-          </a:extLst>
-        </p:spPr>
+        <p:spPr/>
         <p:txBody>
           <a:bodyPr/>
-          <a:lstStyle>
-            <a:lvl1pPr eaLnBrk="0" hangingPunct="0">
-              <a:defRPr sz="2000">
-                <a:solidFill>
-                  <a:srgbClr val="A50021"/>
-                </a:solidFill>
-                <a:latin typeface="Arial" charset="0"/>
-              </a:defRPr>
-            </a:lvl1pPr>
-            <a:lvl2pPr marL="742950" indent="-285750" eaLnBrk="0" hangingPunct="0">
-              <a:defRPr sz="2000">
-                <a:solidFill>
-                  <a:srgbClr val="A50021"/>
-                </a:solidFill>
-                <a:latin typeface="Arial" charset="0"/>
-              </a:defRPr>
-            </a:lvl2pPr>
-            <a:lvl3pPr marL="1143000" indent="-228600" eaLnBrk="0" hangingPunct="0">
-              <a:defRPr sz="2000">
-                <a:solidFill>
-                  <a:srgbClr val="A50021"/>
-                </a:solidFill>
-                <a:latin typeface="Arial" charset="0"/>
-              </a:defRPr>
-            </a:lvl3pPr>
-            <a:lvl4pPr marL="1600200" indent="-228600" eaLnBrk="0" hangingPunct="0">
-              <a:defRPr sz="2000">
-                <a:solidFill>
-                  <a:srgbClr val="A50021"/>
-                </a:solidFill>
-                <a:latin typeface="Arial" charset="0"/>
-              </a:defRPr>
-            </a:lvl4pPr>
-            <a:lvl5pPr marL="2057400" indent="-228600" eaLnBrk="0" hangingPunct="0">
-              <a:defRPr sz="2000">
-                <a:solidFill>
-                  <a:srgbClr val="A50021"/>
-                </a:solidFill>
-                <a:latin typeface="Arial" charset="0"/>
-              </a:defRPr>
-            </a:lvl5pPr>
-            <a:lvl6pPr marL="2514600" indent="-228600" eaLnBrk="0" fontAlgn="base" hangingPunct="0">
-              <a:spcBef>
-                <a:spcPct val="0"/>
-              </a:spcBef>
-              <a:spcAft>
-                <a:spcPct val="0"/>
-              </a:spcAft>
-              <a:defRPr sz="2000">
-                <a:solidFill>
-                  <a:srgbClr val="A50021"/>
-                </a:solidFill>
-                <a:latin typeface="Arial" charset="0"/>
-              </a:defRPr>
-            </a:lvl6pPr>
-            <a:lvl7pPr marL="2971800" indent="-228600" eaLnBrk="0" fontAlgn="base" hangingPunct="0">
-              <a:spcBef>
-                <a:spcPct val="0"/>
-              </a:spcBef>
-              <a:spcAft>
-                <a:spcPct val="0"/>
-              </a:spcAft>
-              <a:defRPr sz="2000">
-                <a:solidFill>
-                  <a:srgbClr val="A50021"/>
-                </a:solidFill>
-                <a:latin typeface="Arial" charset="0"/>
-              </a:defRPr>
-            </a:lvl7pPr>
-            <a:lvl8pPr marL="3429000" indent="-228600" eaLnBrk="0" fontAlgn="base" hangingPunct="0">
-              <a:spcBef>
-                <a:spcPct val="0"/>
-              </a:spcBef>
-              <a:spcAft>
-                <a:spcPct val="0"/>
-              </a:spcAft>
-              <a:defRPr sz="2000">
-                <a:solidFill>
-                  <a:srgbClr val="A50021"/>
-                </a:solidFill>
-                <a:latin typeface="Arial" charset="0"/>
-              </a:defRPr>
-            </a:lvl8pPr>
-            <a:lvl9pPr marL="3886200" indent="-228600" eaLnBrk="0" fontAlgn="base" hangingPunct="0">
-              <a:spcBef>
-                <a:spcPct val="0"/>
-              </a:spcBef>
-              <a:spcAft>
-                <a:spcPct val="0"/>
-              </a:spcAft>
-              <a:defRPr sz="2000">
-                <a:solidFill>
-                  <a:srgbClr val="A50021"/>
-                </a:solidFill>
-                <a:latin typeface="Arial" charset="0"/>
-              </a:defRPr>
-            </a:lvl9pPr>
-          </a:lstStyle>
-          <a:p>
-            <a:pPr eaLnBrk="1" hangingPunct="1"/>
-            <a:fld id="{05D8A813-7F41-46AB-9DB7-A683BBF0EB66}" type="slidenum">
-              <a:rPr lang="pt-PT" altLang="zh-CN" sz="1200" smtClean="0">
-                <a:solidFill>
-                  <a:schemeClr val="tx1"/>
-                </a:solidFill>
-              </a:rPr>
-              <a:pPr eaLnBrk="1" hangingPunct="1"/>
-              <a:t>32</a:t>
+          <a:lstStyle/>
+          <a:p>
+            <a:pPr>
+              <a:defRPr/>
+            </a:pPr>
+            <a:fld id="{A0721F3A-D631-43CB-AA2E-A2AC279AD1E4}" type="slidenum">
+              <a:rPr lang="pt-PT" altLang="zh-CN" smtClean="0"/>
+              <a:pPr>
+                <a:defRPr/>
+              </a:pPr>
+              <a:t>29</a:t>
             </a:fld>
-            <a:endParaRPr lang="pt-PT" altLang="zh-CN" sz="1200" smtClean="0">
-              <a:solidFill>
-                <a:schemeClr val="tx1"/>
-              </a:solidFill>
-            </a:endParaRPr>
+            <a:endParaRPr lang="pt-PT" altLang="zh-CN"/>
           </a:p>
         </p:txBody>
       </p:sp>
     </p:spTree>
     <p:extLst>
       <p:ext uri="{BB962C8B-B14F-4D97-AF65-F5344CB8AC3E}">
-        <p14:creationId xmlns:p14="http://schemas.microsoft.com/office/powerpoint/2010/main" val="89135999"/>
+        <p14:creationId xmlns:p14="http://schemas.microsoft.com/office/powerpoint/2010/main" val="884149780"/>
       </p:ext>
     </p:extLst>
   </p:cSld>
@@ -3512,7 +3878,7 @@
                 </a:solidFill>
               </a:rPr>
               <a:pPr eaLnBrk="1" hangingPunct="1"/>
-              <a:t>41</a:t>
+              <a:t>32</a:t>
             </a:fld>
             <a:endParaRPr lang="pt-PT" altLang="zh-CN" sz="1200" smtClean="0">
               <a:solidFill>
@@ -3525,7 +3891,7 @@
     </p:spTree>
     <p:extLst>
       <p:ext uri="{BB962C8B-B14F-4D97-AF65-F5344CB8AC3E}">
-        <p14:creationId xmlns:p14="http://schemas.microsoft.com/office/powerpoint/2010/main" val="1292139612"/>
+        <p14:creationId xmlns:p14="http://schemas.microsoft.com/office/powerpoint/2010/main" val="89135999"/>
       </p:ext>
     </p:extLst>
   </p:cSld>
@@ -3607,111 +3973,7 @@
           <a:bodyPr/>
           <a:lstStyle/>
           <a:p>
-            <a:r>
-              <a:rPr lang="zh-CN" altLang="en-US" dirty="0" smtClean="0"/>
-              <a:t>参考：</a:t>
-            </a:r>
-            <a:endParaRPr lang="en-US" altLang="zh-CN" dirty="0" smtClean="0"/>
-          </a:p>
-          <a:p>
-            <a:r>
-              <a:rPr lang="en-US" altLang="zh-CN" dirty="0" smtClean="0"/>
-              <a:t>http://www.blogjava.net/liulu/archive/2006/10/24/77005.html</a:t>
-            </a:r>
-          </a:p>
-          <a:p>
-            <a:r>
-              <a:rPr lang="en-US" altLang="zh-CN" dirty="0" smtClean="0"/>
-              <a:t>http://www.knowsky.com/363083.html</a:t>
-            </a:r>
-          </a:p>
-          <a:p>
-            <a:r>
-              <a:rPr lang="zh-CN" altLang="en-US" dirty="0" smtClean="0"/>
-              <a:t>断言在默认情况下是关闭的</a:t>
-            </a:r>
-            <a:endParaRPr lang="en-US" altLang="zh-CN" dirty="0" smtClean="0"/>
-          </a:p>
-          <a:p>
-            <a:pPr lvl="1"/>
-            <a:r>
-              <a:rPr lang="zh-CN" altLang="en-US" dirty="0" smtClean="0"/>
-              <a:t>要在编译时启用断言，要在编译时启用断言，需要使用</a:t>
-            </a:r>
-            <a:r>
-              <a:rPr lang="en-US" dirty="0" smtClean="0"/>
-              <a:t>source1.4</a:t>
-            </a:r>
-            <a:r>
-              <a:rPr lang="zh-CN" altLang="en-US" dirty="0" smtClean="0"/>
-              <a:t>标记 既</a:t>
-            </a:r>
-            <a:r>
-              <a:rPr lang="en-US" dirty="0" err="1" smtClean="0"/>
-              <a:t>javac</a:t>
-            </a:r>
-            <a:r>
-              <a:rPr lang="en-US" dirty="0" smtClean="0"/>
-              <a:t> source1.4 Test.java </a:t>
-            </a:r>
-          </a:p>
-          <a:p>
-            <a:pPr lvl="1"/>
-            <a:r>
-              <a:rPr lang="zh-CN" altLang="en-US" dirty="0" smtClean="0"/>
-              <a:t>在运行时启用断言验证假设须用到</a:t>
-            </a:r>
-            <a:r>
-              <a:rPr lang="en-US" dirty="0" smtClean="0"/>
-              <a:t>java</a:t>
-            </a:r>
-            <a:r>
-              <a:rPr lang="zh-CN" altLang="en-US" dirty="0" smtClean="0"/>
-              <a:t>命令的参数</a:t>
-            </a:r>
-            <a:r>
-              <a:rPr lang="en-US" dirty="0" smtClean="0"/>
-              <a:t>-ea</a:t>
-            </a:r>
-          </a:p>
-          <a:p>
-            <a:pPr lvl="1"/>
-            <a:r>
-              <a:rPr lang="zh-CN" altLang="en-US" dirty="0" smtClean="0"/>
-              <a:t>要在系统类中启用和禁用断言可以使用 </a:t>
-            </a:r>
-            <a:r>
-              <a:rPr lang="en-US" altLang="zh-CN" dirty="0" smtClean="0"/>
-              <a:t>-</a:t>
-            </a:r>
-            <a:r>
-              <a:rPr lang="en-US" altLang="zh-CN" dirty="0" err="1" smtClean="0"/>
-              <a:t>esa</a:t>
-            </a:r>
-            <a:r>
-              <a:rPr lang="en-US" altLang="zh-CN" dirty="0" smtClean="0"/>
-              <a:t> </a:t>
-            </a:r>
-            <a:r>
-              <a:rPr lang="zh-CN" altLang="en-US" dirty="0" smtClean="0"/>
-              <a:t>和 </a:t>
-            </a:r>
-            <a:r>
-              <a:rPr lang="en-US" altLang="zh-CN" dirty="0" smtClean="0"/>
-              <a:t>-</a:t>
-            </a:r>
-            <a:r>
-              <a:rPr lang="en-US" altLang="zh-CN" dirty="0" err="1" smtClean="0"/>
-              <a:t>dsa</a:t>
-            </a:r>
-            <a:r>
-              <a:rPr lang="zh-CN" altLang="en-US" dirty="0" smtClean="0"/>
-              <a:t>参数</a:t>
-            </a:r>
-            <a:endParaRPr lang="en-US" dirty="0" smtClean="0"/>
-          </a:p>
-          <a:p>
-            <a:endParaRPr lang="zh-CN" altLang="en-US" dirty="0" smtClean="0"/>
+            <a:endParaRPr lang="zh-CN" altLang="en-US" smtClean="0"/>
           </a:p>
         </p:txBody>
       </p:sp>
@@ -3857,7 +4119,7 @@
                 </a:solidFill>
               </a:rPr>
               <a:pPr eaLnBrk="1" hangingPunct="1"/>
-              <a:t>42</a:t>
+              <a:t>41</a:t>
             </a:fld>
             <a:endParaRPr lang="pt-PT" altLang="zh-CN" sz="1200" smtClean="0">
               <a:solidFill>
@@ -3870,7 +4132,7 @@
     </p:spTree>
     <p:extLst>
       <p:ext uri="{BB962C8B-B14F-4D97-AF65-F5344CB8AC3E}">
-        <p14:creationId xmlns:p14="http://schemas.microsoft.com/office/powerpoint/2010/main" val="4078902639"/>
+        <p14:creationId xmlns:p14="http://schemas.microsoft.com/office/powerpoint/2010/main" val="1292139612"/>
       </p:ext>
     </p:extLst>
   </p:cSld>
@@ -3952,7 +4214,111 @@
           <a:bodyPr/>
           <a:lstStyle/>
           <a:p>
-            <a:endParaRPr lang="zh-CN" altLang="en-US" smtClean="0"/>
+            <a:r>
+              <a:rPr lang="zh-CN" altLang="en-US" dirty="0" smtClean="0"/>
+              <a:t>参考：</a:t>
+            </a:r>
+            <a:endParaRPr lang="en-US" altLang="zh-CN" dirty="0" smtClean="0"/>
+          </a:p>
+          <a:p>
+            <a:r>
+              <a:rPr lang="en-US" altLang="zh-CN" dirty="0" smtClean="0"/>
+              <a:t>http://www.blogjava.net/liulu/archive/2006/10/24/77005.html</a:t>
+            </a:r>
+          </a:p>
+          <a:p>
+            <a:r>
+              <a:rPr lang="en-US" altLang="zh-CN" dirty="0" smtClean="0"/>
+              <a:t>http://www.knowsky.com/363083.html</a:t>
+            </a:r>
+          </a:p>
+          <a:p>
+            <a:r>
+              <a:rPr lang="zh-CN" altLang="en-US" dirty="0" smtClean="0"/>
+              <a:t>断言在默认情况下是关闭的</a:t>
+            </a:r>
+            <a:endParaRPr lang="en-US" altLang="zh-CN" dirty="0" smtClean="0"/>
+          </a:p>
+          <a:p>
+            <a:pPr lvl="1"/>
+            <a:r>
+              <a:rPr lang="zh-CN" altLang="en-US" dirty="0" smtClean="0"/>
+              <a:t>要在编译时启用断言，要在编译时启用断言，需要使用</a:t>
+            </a:r>
+            <a:r>
+              <a:rPr lang="en-US" dirty="0" smtClean="0"/>
+              <a:t>source1.4</a:t>
+            </a:r>
+            <a:r>
+              <a:rPr lang="zh-CN" altLang="en-US" dirty="0" smtClean="0"/>
+              <a:t>标记 既</a:t>
+            </a:r>
+            <a:r>
+              <a:rPr lang="en-US" dirty="0" err="1" smtClean="0"/>
+              <a:t>javac</a:t>
+            </a:r>
+            <a:r>
+              <a:rPr lang="en-US" dirty="0" smtClean="0"/>
+              <a:t> source1.4 Test.java </a:t>
+            </a:r>
+          </a:p>
+          <a:p>
+            <a:pPr lvl="1"/>
+            <a:r>
+              <a:rPr lang="zh-CN" altLang="en-US" dirty="0" smtClean="0"/>
+              <a:t>在运行时启用断言验证假设须用到</a:t>
+            </a:r>
+            <a:r>
+              <a:rPr lang="en-US" dirty="0" smtClean="0"/>
+              <a:t>java</a:t>
+            </a:r>
+            <a:r>
+              <a:rPr lang="zh-CN" altLang="en-US" dirty="0" smtClean="0"/>
+              <a:t>命令的参数</a:t>
+            </a:r>
+            <a:r>
+              <a:rPr lang="en-US" dirty="0" smtClean="0"/>
+              <a:t>-ea</a:t>
+            </a:r>
+          </a:p>
+          <a:p>
+            <a:pPr lvl="1"/>
+            <a:r>
+              <a:rPr lang="zh-CN" altLang="en-US" dirty="0" smtClean="0"/>
+              <a:t>要在系统类中启用和禁用断言可以使用 </a:t>
+            </a:r>
+            <a:r>
+              <a:rPr lang="en-US" altLang="zh-CN" dirty="0" smtClean="0"/>
+              <a:t>-</a:t>
+            </a:r>
+            <a:r>
+              <a:rPr lang="en-US" altLang="zh-CN" dirty="0" err="1" smtClean="0"/>
+              <a:t>esa</a:t>
+            </a:r>
+            <a:r>
+              <a:rPr lang="en-US" altLang="zh-CN" dirty="0" smtClean="0"/>
+              <a:t> </a:t>
+            </a:r>
+            <a:r>
+              <a:rPr lang="zh-CN" altLang="en-US" dirty="0" smtClean="0"/>
+              <a:t>和 </a:t>
+            </a:r>
+            <a:r>
+              <a:rPr lang="en-US" altLang="zh-CN" dirty="0" smtClean="0"/>
+              <a:t>-</a:t>
+            </a:r>
+            <a:r>
+              <a:rPr lang="en-US" altLang="zh-CN" dirty="0" err="1" smtClean="0"/>
+              <a:t>dsa</a:t>
+            </a:r>
+            <a:r>
+              <a:rPr lang="zh-CN" altLang="en-US" dirty="0" smtClean="0"/>
+              <a:t>参数</a:t>
+            </a:r>
+            <a:endParaRPr lang="en-US" dirty="0" smtClean="0"/>
+          </a:p>
+          <a:p>
+            <a:endParaRPr lang="zh-CN" altLang="en-US" dirty="0" smtClean="0"/>
           </a:p>
         </p:txBody>
       </p:sp>
@@ -4098,7 +4464,7 @@
                 </a:solidFill>
               </a:rPr>
               <a:pPr eaLnBrk="1" hangingPunct="1"/>
-              <a:t>43</a:t>
+              <a:t>42</a:t>
             </a:fld>
             <a:endParaRPr lang="pt-PT" altLang="zh-CN" sz="1200" smtClean="0">
               <a:solidFill>
@@ -4111,7 +4477,7 @@
     </p:spTree>
     <p:extLst>
       <p:ext uri="{BB962C8B-B14F-4D97-AF65-F5344CB8AC3E}">
-        <p14:creationId xmlns:p14="http://schemas.microsoft.com/office/powerpoint/2010/main" val="3342665508"/>
+        <p14:creationId xmlns:p14="http://schemas.microsoft.com/office/powerpoint/2010/main" val="4078902639"/>
       </p:ext>
     </p:extLst>
   </p:cSld>
@@ -8352,7 +8718,7 @@
           <a:graphicData uri="http://schemas.openxmlformats.org/presentationml/2006/ole">
             <mc:AlternateContent xmlns:mc="http://schemas.openxmlformats.org/markup-compatibility/2006">
               <mc:Choice xmlns:v="urn:schemas-microsoft-com:vml" Requires="v">
-                <p:oleObj spid="_x0000_s1062" name="Microsoft ClipArt Gallery" r:id="rId3" imgW="4714560" imgH="4806720" progId="">
+                <p:oleObj spid="_x0000_s1070" name="Microsoft ClipArt Gallery" r:id="rId3" imgW="4714560" imgH="4806720" progId="">
                   <p:embed/>
                 </p:oleObj>
               </mc:Choice>
@@ -10407,8 +10773,8 @@
         </p:nvSpPr>
         <p:spPr>
           <a:xfrm>
-            <a:off x="4727848" y="1160749"/>
-            <a:ext cx="4032448" cy="4965415"/>
+            <a:off x="609600" y="1160749"/>
+            <a:ext cx="8150696" cy="4965415"/>
           </a:xfrm>
         </p:spPr>
         <p:txBody>
@@ -15092,7 +15458,7 @@
           <a:graphicData uri="http://schemas.openxmlformats.org/presentationml/2006/ole">
             <mc:AlternateContent xmlns:mc="http://schemas.openxmlformats.org/markup-compatibility/2006">
               <mc:Choice xmlns:v="urn:schemas-microsoft-com:vml" Requires="v">
-                <p:oleObj spid="_x0000_s2086" name="Microsoft ClipArt Gallery" r:id="rId4" imgW="4714560" imgH="4806720" progId="">
+                <p:oleObj spid="_x0000_s2094" name="Microsoft ClipArt Gallery" r:id="rId4" imgW="4714560" imgH="4806720" progId="">
                   <p:embed/>
                 </p:oleObj>
               </mc:Choice>
@@ -16532,6 +16898,13 @@
   <p:clrMapOvr>
     <a:masterClrMapping/>
   </p:clrMapOvr>
+  <p:timing>
+    <p:tnLst>
+      <p:par>
+        <p:cTn id="1" dur="indefinite" restart="never" nodeType="tmRoot"/>
+      </p:par>
+    </p:tnLst>
+  </p:timing>
 </p:sld>
 </file>
 
@@ -16672,6 +17045,13 @@
   <p:clrMapOvr>
     <a:masterClrMapping/>
   </p:clrMapOvr>
+  <p:timing>
+    <p:tnLst>
+      <p:par>
+        <p:cTn id="1" dur="indefinite" restart="never" nodeType="tmRoot"/>
+      </p:par>
+    </p:tnLst>
+  </p:timing>
 </p:sld>
 </file>
 
@@ -16784,6 +17164,13 @@
   <p:clrMapOvr>
     <a:masterClrMapping/>
   </p:clrMapOvr>
+  <p:timing>
+    <p:tnLst>
+      <p:par>
+        <p:cTn id="1" dur="indefinite" restart="never" nodeType="tmRoot"/>
+      </p:par>
+    </p:tnLst>
+  </p:timing>
 </p:sld>
 </file>
 
@@ -16837,44 +17224,49 @@
             <p:ph idx="1"/>
           </p:nvPr>
         </p:nvSpPr>
-        <p:spPr/>
+        <p:spPr>
+          <a:xfrm>
+            <a:off x="609600" y="1160749"/>
+            <a:ext cx="11175032" cy="4965415"/>
+          </a:xfrm>
+        </p:spPr>
         <p:txBody>
           <a:bodyPr/>
           <a:lstStyle/>
           <a:p>
             <a:r>
-              <a:rPr lang="zh-CN" altLang="en-US" smtClean="0"/>
+              <a:rPr lang="zh-CN" altLang="en-US" dirty="0" smtClean="0"/>
               <a:t>常见问题：</a:t>
             </a:r>
-            <a:endParaRPr lang="en-US" altLang="zh-CN" smtClean="0"/>
+            <a:endParaRPr lang="en-US" altLang="zh-CN" dirty="0" smtClean="0"/>
           </a:p>
           <a:p>
             <a:pPr lvl="1"/>
             <a:r>
-              <a:rPr lang="zh-CN" altLang="en-US" smtClean="0"/>
+              <a:rPr lang="zh-CN" altLang="en-US" dirty="0" smtClean="0"/>
               <a:t>在集合中存入某对象，但是取出时却强转成其他对象</a:t>
             </a:r>
-            <a:endParaRPr lang="en-US" altLang="zh-CN" smtClean="0"/>
-          </a:p>
-          <a:p>
-            <a:r>
-              <a:rPr lang="zh-CN" altLang="en-US" smtClean="0"/>
+            <a:endParaRPr lang="en-US" altLang="zh-CN" dirty="0" smtClean="0"/>
+          </a:p>
+          <a:p>
+            <a:r>
+              <a:rPr lang="zh-CN" altLang="en-US" dirty="0" smtClean="0"/>
               <a:t>常见解决方法：</a:t>
             </a:r>
-            <a:endParaRPr lang="en-US" altLang="zh-CN" smtClean="0"/>
+            <a:endParaRPr lang="en-US" altLang="zh-CN" dirty="0" smtClean="0"/>
           </a:p>
           <a:p>
             <a:pPr lvl="1"/>
             <a:r>
-              <a:rPr lang="zh-CN" altLang="en-US" smtClean="0"/>
+              <a:rPr lang="zh-CN" altLang="en-US" dirty="0" smtClean="0"/>
               <a:t>通过加断点的方法，查看集合中存入的是什么对象，再和自己要强转的对象类型比较便知。</a:t>
             </a:r>
-            <a:endParaRPr lang="en-US" altLang="zh-CN" smtClean="0"/>
+            <a:endParaRPr lang="en-US" altLang="zh-CN" dirty="0" smtClean="0"/>
           </a:p>
           <a:p>
             <a:pPr lvl="1"/>
             <a:r>
-              <a:rPr lang="zh-CN" altLang="en-US" smtClean="0"/>
+              <a:rPr lang="zh-CN" altLang="en-US" dirty="0" smtClean="0"/>
               <a:t>泛型，已经限制了存入类型，就不会出现转换异常了。</a:t>
             </a:r>
             <a:endParaRPr lang="en-US" altLang="zh-CN" dirty="0" smtClean="0"/>
@@ -16886,6 +17278,13 @@
   <p:clrMapOvr>
     <a:masterClrMapping/>
   </p:clrMapOvr>
+  <p:timing>
+    <p:tnLst>
+      <p:par>
+        <p:cTn id="1" dur="indefinite" restart="never" nodeType="tmRoot"/>
+      </p:par>
+    </p:tnLst>
+  </p:timing>
 </p:sld>
 </file>
 
@@ -17202,21 +17601,6 @@
             <a:r>
               <a:rPr lang="en-US" dirty="0"/>
               <a:t> extends Exception {</a:t>
-            </a:r>
-            <a:endParaRPr lang="zh-CN" altLang="en-US" dirty="0"/>
-          </a:p>
-          <a:p>
-            <a:r>
-              <a:rPr lang="en-US" dirty="0"/>
-              <a:t>	private static final long </a:t>
-            </a:r>
-            <a:r>
-              <a:rPr lang="en-US" dirty="0" err="1"/>
-              <a:t>serialVersionUID</a:t>
-            </a:r>
-            <a:r>
-              <a:rPr lang="en-US" dirty="0"/>
-              <a:t> = 1L;</a:t>
             </a:r>
             <a:endParaRPr lang="zh-CN" altLang="en-US" dirty="0"/>
           </a:p>
@@ -17943,7 +18327,15 @@
             </a:pPr>
             <a:r>
               <a:rPr lang="en-US" altLang="en-US" dirty="0" smtClean="0"/>
-              <a:t>J2SE1.4</a:t>
+              <a:t>J</a:t>
+            </a:r>
+            <a:r>
+              <a:rPr lang="en-US" altLang="zh-CN" dirty="0" smtClean="0"/>
+              <a:t>2</a:t>
+            </a:r>
+            <a:r>
+              <a:rPr lang="en-US" altLang="en-US" dirty="0" smtClean="0"/>
+              <a:t>SE1.4</a:t>
             </a:r>
             <a:r>
               <a:rPr lang="zh-CN" altLang="en-US" dirty="0" smtClean="0"/>
@@ -18382,83 +18774,35 @@
           <a:p>
             <a:r>
               <a:rPr lang="en-US" dirty="0"/>
-              <a:t>public class </a:t>
-            </a:r>
-            <a:r>
-              <a:rPr lang="en-US" dirty="0" err="1"/>
-              <a:t>AssertTest</a:t>
-            </a:r>
-            <a:r>
-              <a:rPr lang="en-US" dirty="0"/>
-              <a:t>{</a:t>
+              <a:t>public class AssertTest{</a:t>
             </a:r>
             <a:br>
               <a:rPr lang="en-US" dirty="0"/>
             </a:br>
             <a:r>
               <a:rPr lang="en-US" dirty="0"/>
-              <a:t>    public static void main(String[] </a:t>
-            </a:r>
-            <a:r>
-              <a:rPr lang="en-US" dirty="0" err="1"/>
-              <a:t>args</a:t>
-            </a:r>
-            <a:r>
-              <a:rPr lang="en-US" dirty="0"/>
-              <a:t>) {</a:t>
+              <a:t>    public static void main(String[] args) {</a:t>
             </a:r>
             <a:br>
               <a:rPr lang="en-US" dirty="0"/>
             </a:br>
             <a:r>
               <a:rPr lang="en-US" dirty="0"/>
-              <a:t>        </a:t>
-            </a:r>
-            <a:r>
-              <a:rPr lang="en-US" dirty="0" err="1"/>
-              <a:t>AssertTest</a:t>
-            </a:r>
-            <a:r>
-              <a:rPr lang="en-US" dirty="0"/>
-              <a:t> at = new </a:t>
-            </a:r>
-            <a:r>
-              <a:rPr lang="en-US" dirty="0" err="1"/>
-              <a:t>AssertTest</a:t>
-            </a:r>
-            <a:r>
-              <a:rPr lang="en-US" dirty="0"/>
-              <a:t>();</a:t>
+              <a:t>        AssertTest at = new AssertTest();</a:t>
             </a:r>
             <a:br>
               <a:rPr lang="en-US" dirty="0"/>
             </a:br>
             <a:r>
               <a:rPr lang="en-US" dirty="0"/>
-              <a:t>        </a:t>
-            </a:r>
-            <a:r>
-              <a:rPr lang="en-US" dirty="0" err="1"/>
-              <a:t>at.assertMe</a:t>
-            </a:r>
-            <a:r>
-              <a:rPr lang="en-US" dirty="0"/>
-              <a:t>(true);</a:t>
+              <a:t>        at.assertMe(true);</a:t>
             </a:r>
             <a:br>
               <a:rPr lang="en-US" dirty="0"/>
             </a:br>
             <a:r>
               <a:rPr lang="en-US" dirty="0"/>
-              <a:t>        </a:t>
-            </a:r>
-            <a:r>
-              <a:rPr lang="en-US" dirty="0" err="1"/>
-              <a:t>at.assertMe</a:t>
-            </a:r>
-            <a:r>
-              <a:rPr lang="en-US" dirty="0"/>
-              <a:t>(false);   </a:t>
+              <a:t>        at.assertMe(false);   </a:t>
             </a:r>
             <a:br>
               <a:rPr lang="en-US" dirty="0"/>
@@ -18475,32 +18819,16 @@
               <a:t>    </a:t>
             </a:r>
             <a:r>
-              <a:rPr lang="en-US" altLang="zh-CN" dirty="0" err="1"/>
-              <a:t>pri</a:t>
-            </a:r>
-            <a:r>
-              <a:rPr lang="en-US" dirty="0" err="1"/>
+              <a:rPr lang="en-US" altLang="zh-CN" dirty="0" smtClean="0"/>
+              <a:t>pr</a:t>
+            </a:r>
+            <a:r>
+              <a:rPr lang="en-US" dirty="0" smtClean="0"/>
               <a:t>ivate</a:t>
             </a:r>
             <a:r>
               <a:rPr lang="en-US" dirty="0"/>
-              <a:t>  void </a:t>
-            </a:r>
-            <a:r>
-              <a:rPr lang="en-US" dirty="0" err="1"/>
-              <a:t>assertMe</a:t>
-            </a:r>
-            <a:r>
-              <a:rPr lang="en-US" dirty="0"/>
-              <a:t>(</a:t>
-            </a:r>
-            <a:r>
-              <a:rPr lang="en-US" dirty="0" err="1"/>
-              <a:t>boolean</a:t>
-            </a:r>
-            <a:r>
-              <a:rPr lang="en-US" dirty="0"/>
-              <a:t> boo) {</a:t>
+              <a:t>  void assertMe(boolean boo) {</a:t>
             </a:r>
             <a:br>
               <a:rPr lang="en-US" dirty="0"/>
@@ -18510,27 +18838,19 @@
               <a:t>        assert </a:t>
             </a:r>
             <a:r>
-              <a:rPr lang="en-US" dirty="0" err="1"/>
-              <a:t>boo?true:false</a:t>
+              <a:rPr lang="en-US" dirty="0" smtClean="0"/>
+              <a:t>boo;</a:t>
             </a:r>
             <a:r>
               <a:rPr lang="en-US" dirty="0"/>
-              <a:t>; </a:t>
+              <a:t> </a:t>
             </a:r>
             <a:br>
               <a:rPr lang="en-US" dirty="0"/>
             </a:br>
             <a:r>
               <a:rPr lang="en-US" dirty="0"/>
-              <a:t>        </a:t>
-            </a:r>
-            <a:r>
-              <a:rPr lang="en-US" dirty="0" err="1"/>
-              <a:t>System.out.println</a:t>
-            </a:r>
-            <a:r>
-              <a:rPr lang="en-US" dirty="0"/>
-              <a:t>("true condition");</a:t>
+              <a:t>        System.out.println("true condition");</a:t>
             </a:r>
             <a:br>
               <a:rPr lang="en-US" dirty="0"/>
@@ -18926,83 +19246,35 @@
           <a:p>
             <a:r>
               <a:rPr lang="en-US" dirty="0"/>
-              <a:t>public class </a:t>
-            </a:r>
-            <a:r>
-              <a:rPr lang="en-US" dirty="0" err="1"/>
-              <a:t>AssertTest</a:t>
-            </a:r>
-            <a:r>
-              <a:rPr lang="en-US" dirty="0"/>
-              <a:t>{</a:t>
+              <a:t>public class AssertTest{</a:t>
             </a:r>
             <a:br>
               <a:rPr lang="en-US" dirty="0"/>
             </a:br>
             <a:r>
               <a:rPr lang="en-US" dirty="0"/>
-              <a:t>    public static void main(String[] </a:t>
-            </a:r>
-            <a:r>
-              <a:rPr lang="en-US" dirty="0" err="1"/>
-              <a:t>args</a:t>
-            </a:r>
-            <a:r>
-              <a:rPr lang="en-US" dirty="0"/>
-              <a:t>) {</a:t>
+              <a:t>    public static void main(String[] args) {</a:t>
             </a:r>
             <a:br>
               <a:rPr lang="en-US" dirty="0"/>
             </a:br>
             <a:r>
               <a:rPr lang="en-US" dirty="0"/>
-              <a:t>        </a:t>
-            </a:r>
-            <a:r>
-              <a:rPr lang="en-US" dirty="0" err="1"/>
-              <a:t>AssertTest</a:t>
-            </a:r>
-            <a:r>
-              <a:rPr lang="en-US" dirty="0"/>
-              <a:t> at = new </a:t>
-            </a:r>
-            <a:r>
-              <a:rPr lang="en-US" dirty="0" err="1"/>
-              <a:t>AssertTest</a:t>
-            </a:r>
-            <a:r>
-              <a:rPr lang="en-US" dirty="0"/>
-              <a:t>();</a:t>
+              <a:t>        AssertTest at = new AssertTest();</a:t>
             </a:r>
             <a:br>
               <a:rPr lang="en-US" dirty="0"/>
             </a:br>
             <a:r>
               <a:rPr lang="en-US" dirty="0"/>
-              <a:t>        </a:t>
-            </a:r>
-            <a:r>
-              <a:rPr lang="en-US" dirty="0" err="1"/>
-              <a:t>at.assertMe</a:t>
-            </a:r>
-            <a:r>
-              <a:rPr lang="en-US" dirty="0"/>
-              <a:t>(true);</a:t>
+              <a:t>        at.assertMe(true);</a:t>
             </a:r>
             <a:br>
               <a:rPr lang="en-US" dirty="0"/>
             </a:br>
             <a:r>
               <a:rPr lang="en-US" dirty="0"/>
-              <a:t>        </a:t>
-            </a:r>
-            <a:r>
-              <a:rPr lang="en-US" dirty="0" err="1"/>
-              <a:t>at.assertMe</a:t>
-            </a:r>
-            <a:r>
-              <a:rPr lang="en-US" dirty="0"/>
-              <a:t>(false);   </a:t>
+              <a:t>        at.assertMe(false);   </a:t>
             </a:r>
             <a:br>
               <a:rPr lang="en-US" dirty="0"/>
@@ -19016,23 +19288,7 @@
             </a:br>
             <a:r>
               <a:rPr lang="en-US" dirty="0"/>
-              <a:t>    private  void </a:t>
-            </a:r>
-            <a:r>
-              <a:rPr lang="en-US" dirty="0" err="1"/>
-              <a:t>assertMe</a:t>
-            </a:r>
-            <a:r>
-              <a:rPr lang="en-US" dirty="0"/>
-              <a:t>(</a:t>
-            </a:r>
-            <a:r>
-              <a:rPr lang="en-US" dirty="0" err="1"/>
-              <a:t>boolean</a:t>
-            </a:r>
-            <a:r>
-              <a:rPr lang="en-US" dirty="0"/>
-              <a:t> boo) {</a:t>
+              <a:t>    private  void assertMe(boolean boo) {</a:t>
             </a:r>
             <a:br>
               <a:rPr lang="en-US" dirty="0"/>
@@ -19049,27 +19305,19 @@
               <a:t>        assert </a:t>
             </a:r>
             <a:r>
-              <a:rPr lang="en-US" dirty="0" err="1"/>
-              <a:t>boo?true:false:s</a:t>
+              <a:rPr lang="en-US" dirty="0" smtClean="0"/>
+              <a:t>boo:s </a:t>
             </a:r>
             <a:r>
               <a:rPr lang="en-US" dirty="0"/>
-              <a:t> = "hello world"; </a:t>
+              <a:t>= "hello world"; </a:t>
             </a:r>
             <a:br>
               <a:rPr lang="en-US" dirty="0"/>
             </a:br>
             <a:r>
               <a:rPr lang="en-US" dirty="0"/>
-              <a:t>        </a:t>
-            </a:r>
-            <a:r>
-              <a:rPr lang="en-US" dirty="0" err="1"/>
-              <a:t>System.out.println</a:t>
-            </a:r>
-            <a:r>
-              <a:rPr lang="en-US" dirty="0"/>
-              <a:t>("true condition");</a:t>
+              <a:t>        System.out.println("true condition");</a:t>
             </a:r>
             <a:br>
               <a:rPr lang="en-US" dirty="0"/>
@@ -20555,19 +20803,7 @@
             </a:pPr>
             <a:r>
               <a:rPr lang="zh-CN" altLang="en-US" dirty="0" smtClean="0"/>
-              <a:t>运行</a:t>
-            </a:r>
-            <a:r>
-              <a:rPr lang="zh-CN" altLang="en-US" dirty="0" smtClean="0"/>
-              <a:t>时</a:t>
-            </a:r>
-            <a:r>
-              <a:rPr lang="zh-CN" altLang="en-US" dirty="0"/>
-              <a:t>异常</a:t>
-            </a:r>
-            <a:r>
-              <a:rPr lang="zh-CN" altLang="en-US" dirty="0" smtClean="0"/>
-              <a:t>（</a:t>
+              <a:t>运行时错误（</a:t>
             </a:r>
             <a:r>
               <a:rPr lang="en-US" altLang="zh-CN" dirty="0" err="1" smtClean="0"/>
@@ -20639,19 +20875,7 @@
             </a:pPr>
             <a:r>
               <a:rPr lang="zh-CN" altLang="en-US" dirty="0" smtClean="0"/>
-              <a:t>其他</a:t>
-            </a:r>
-            <a:r>
-              <a:rPr lang="zh-CN" altLang="en-US" dirty="0"/>
-              <a:t>异常</a:t>
-            </a:r>
-            <a:r>
-              <a:rPr lang="zh-CN" altLang="en-US" dirty="0" smtClean="0"/>
-              <a:t>（</a:t>
-            </a:r>
-            <a:r>
-              <a:rPr lang="zh-CN" altLang="en-US" dirty="0" smtClean="0"/>
-              <a:t>如：</a:t>
+              <a:t>其他错误（如：</a:t>
             </a:r>
             <a:r>
               <a:rPr lang="en-US" altLang="zh-CN" dirty="0" smtClean="0"/>
@@ -20933,23 +21157,7 @@
             </a:pPr>
             <a:r>
               <a:rPr lang="zh-CN" altLang="en-US" dirty="0"/>
-              <a:t>异常机制提供了程序退出的安全通道。当</a:t>
-            </a:r>
-            <a:r>
-              <a:rPr lang="zh-CN" altLang="en-US" dirty="0" smtClean="0"/>
-              <a:t>出现</a:t>
-            </a:r>
-            <a:r>
-              <a:rPr lang="zh-CN" altLang="en-US" dirty="0"/>
-              <a:t>异常</a:t>
-            </a:r>
-            <a:r>
-              <a:rPr lang="zh-CN" altLang="en-US" dirty="0" smtClean="0"/>
-              <a:t>后</a:t>
-            </a:r>
-            <a:r>
-              <a:rPr lang="zh-CN" altLang="en-US" dirty="0"/>
-              <a:t>，程序执行的流程发生改变，程序的控制权转移到异常处理器</a:t>
+              <a:t>异常机制提供了程序退出的安全通道。当出现错误后，程序执行的流程发生改变，程序的控制权转移到异常处理器</a:t>
             </a:r>
             <a:r>
               <a:rPr lang="zh-CN" altLang="en-US" dirty="0" smtClean="0"/>
